--- a/source/MySEProject/Documentation/PresentationFile_CodeHive.pptx
+++ b/source/MySEProject/Documentation/PresentationFile_CodeHive.pptx
@@ -2,7 +2,7 @@
 <file path=ppt/presentation.xml><?xml version="1.0" encoding="utf-8"?>
 <p:presentation xmlns:a="http://schemas.openxmlformats.org/drawingml/2006/main" xmlns:r="http://schemas.openxmlformats.org/officeDocument/2006/relationships" xmlns:p="http://schemas.openxmlformats.org/presentationml/2006/main" saveSubsetFonts="1">
   <p:sldMasterIdLst>
-    <p:sldMasterId id="2147483678" r:id="rId1"/>
+    <p:sldMasterId id="2147483690" r:id="rId1"/>
   </p:sldMasterIdLst>
   <p:notesMasterIdLst>
     <p:notesMasterId r:id="rId3"/>
@@ -107,6 +107,11 @@
       </a:defRPr>
     </a:lvl9pPr>
   </p:defaultTextStyle>
+  <p:extLst>
+    <p:ext uri="{EFAFB233-063F-42B5-8137-9DF3F51BA10A}">
+      <p15:sldGuideLst xmlns:p15="http://schemas.microsoft.com/office/powerpoint/2012/main"/>
+    </p:ext>
+  </p:extLst>
 </p:presentation>
 </file>
 
@@ -192,7 +197,7 @@
           <a:p>
             <a:fld id="{6226A24B-1990-4368-81D8-801BBEE04B46}" type="datetimeFigureOut">
               <a:rPr lang="en-US" smtClean="0"/>
-              <a:t>3/7/2025</a:t>
+              <a:t>3/19/2025</a:t>
             </a:fld>
             <a:endParaRPr lang="en-US"/>
           </a:p>
@@ -572,15 +577,17 @@
         </p:nvSpPr>
         <p:spPr>
           <a:xfrm>
-            <a:off x="1524000" y="1122363"/>
-            <a:ext cx="9144000" cy="2387600"/>
+            <a:off x="2589213" y="2514600"/>
+            <a:ext cx="8915399" cy="2262781"/>
           </a:xfrm>
         </p:spPr>
         <p:txBody>
-          <a:bodyPr anchor="b"/>
+          <a:bodyPr anchor="b">
+            <a:normAutofit/>
+          </a:bodyPr>
           <a:lstStyle>
-            <a:lvl1pPr algn="ctr">
-              <a:defRPr sz="6000"/>
+            <a:lvl1pPr>
+              <a:defRPr sz="5400"/>
             </a:lvl1pPr>
           </a:lstStyle>
           <a:p>
@@ -604,48 +611,103 @@
         </p:nvSpPr>
         <p:spPr>
           <a:xfrm>
-            <a:off x="1524000" y="3602038"/>
-            <a:ext cx="9144000" cy="1655762"/>
+            <a:off x="2589213" y="4777379"/>
+            <a:ext cx="8915399" cy="1126283"/>
           </a:xfrm>
         </p:spPr>
         <p:txBody>
-          <a:bodyPr/>
+          <a:bodyPr anchor="t"/>
           <a:lstStyle>
-            <a:lvl1pPr marL="0" indent="0" algn="ctr">
-              <a:buNone/>
-              <a:defRPr sz="2400"/>
+            <a:lvl1pPr marL="0" indent="0" algn="l">
+              <a:buNone/>
+              <a:defRPr>
+                <a:solidFill>
+                  <a:schemeClr val="tx1">
+                    <a:lumMod val="65000"/>
+                    <a:lumOff val="35000"/>
+                  </a:schemeClr>
+                </a:solidFill>
+              </a:defRPr>
             </a:lvl1pPr>
             <a:lvl2pPr marL="457200" indent="0" algn="ctr">
               <a:buNone/>
-              <a:defRPr sz="2000"/>
+              <a:defRPr>
+                <a:solidFill>
+                  <a:schemeClr val="tx1">
+                    <a:tint val="75000"/>
+                  </a:schemeClr>
+                </a:solidFill>
+              </a:defRPr>
             </a:lvl2pPr>
             <a:lvl3pPr marL="914400" indent="0" algn="ctr">
               <a:buNone/>
-              <a:defRPr sz="1800"/>
+              <a:defRPr>
+                <a:solidFill>
+                  <a:schemeClr val="tx1">
+                    <a:tint val="75000"/>
+                  </a:schemeClr>
+                </a:solidFill>
+              </a:defRPr>
             </a:lvl3pPr>
             <a:lvl4pPr marL="1371600" indent="0" algn="ctr">
               <a:buNone/>
-              <a:defRPr sz="1600"/>
+              <a:defRPr>
+                <a:solidFill>
+                  <a:schemeClr val="tx1">
+                    <a:tint val="75000"/>
+                  </a:schemeClr>
+                </a:solidFill>
+              </a:defRPr>
             </a:lvl4pPr>
             <a:lvl5pPr marL="1828800" indent="0" algn="ctr">
               <a:buNone/>
-              <a:defRPr sz="1600"/>
+              <a:defRPr>
+                <a:solidFill>
+                  <a:schemeClr val="tx1">
+                    <a:tint val="75000"/>
+                  </a:schemeClr>
+                </a:solidFill>
+              </a:defRPr>
             </a:lvl5pPr>
             <a:lvl6pPr marL="2286000" indent="0" algn="ctr">
               <a:buNone/>
-              <a:defRPr sz="1600"/>
+              <a:defRPr>
+                <a:solidFill>
+                  <a:schemeClr val="tx1">
+                    <a:tint val="75000"/>
+                  </a:schemeClr>
+                </a:solidFill>
+              </a:defRPr>
             </a:lvl6pPr>
             <a:lvl7pPr marL="2743200" indent="0" algn="ctr">
               <a:buNone/>
-              <a:defRPr sz="1600"/>
+              <a:defRPr>
+                <a:solidFill>
+                  <a:schemeClr val="tx1">
+                    <a:tint val="75000"/>
+                  </a:schemeClr>
+                </a:solidFill>
+              </a:defRPr>
             </a:lvl7pPr>
             <a:lvl8pPr marL="3200400" indent="0" algn="ctr">
               <a:buNone/>
-              <a:defRPr sz="1600"/>
+              <a:defRPr>
+                <a:solidFill>
+                  <a:schemeClr val="tx1">
+                    <a:tint val="75000"/>
+                  </a:schemeClr>
+                </a:solidFill>
+              </a:defRPr>
             </a:lvl8pPr>
             <a:lvl9pPr marL="3657600" indent="0" algn="ctr">
               <a:buNone/>
-              <a:defRPr sz="1600"/>
+              <a:defRPr>
+                <a:solidFill>
+                  <a:schemeClr val="tx1">
+                    <a:tint val="75000"/>
+                  </a:schemeClr>
+                </a:solidFill>
+              </a:defRPr>
             </a:lvl9pPr>
           </a:lstStyle>
           <a:p>
@@ -674,7 +736,7 @@
           <a:p>
             <a:fld id="{BC963854-0500-4533-9B56-A93F0BB014C2}" type="datetimeFigureOut">
               <a:rPr lang="en-US" smtClean="0"/>
-              <a:t>3/7/2025</a:t>
+              <a:t>3/19/2025</a:t>
             </a:fld>
             <a:endParaRPr lang="en-US"/>
           </a:p>
@@ -701,6 +763,88 @@
       </p:sp>
       <p:sp>
         <p:nvSpPr>
+          <p:cNvPr id="7" name="Freeform 6"/>
+          <p:cNvSpPr/>
+          <p:nvPr/>
+        </p:nvSpPr>
+        <p:spPr bwMode="auto">
+          <a:xfrm>
+            <a:off x="0" y="4323810"/>
+            <a:ext cx="1744652" cy="778589"/>
+          </a:xfrm>
+          <a:custGeom>
+            <a:avLst/>
+            <a:gdLst/>
+            <a:ahLst/>
+            <a:cxnLst/>
+            <a:rect l="0" t="0" r="r" b="b"/>
+            <a:pathLst>
+              <a:path w="372" h="166">
+                <a:moveTo>
+                  <a:pt x="287" y="166"/>
+                </a:moveTo>
+                <a:cubicBezTo>
+                  <a:pt x="290" y="166"/>
+                  <a:pt x="292" y="165"/>
+                  <a:pt x="293" y="164"/>
+                </a:cubicBezTo>
+                <a:cubicBezTo>
+                  <a:pt x="293" y="163"/>
+                  <a:pt x="294" y="163"/>
+                  <a:pt x="294" y="163"/>
+                </a:cubicBezTo>
+                <a:cubicBezTo>
+                  <a:pt x="370" y="87"/>
+                  <a:pt x="370" y="87"/>
+                  <a:pt x="370" y="87"/>
+                </a:cubicBezTo>
+                <a:cubicBezTo>
+                  <a:pt x="372" y="85"/>
+                  <a:pt x="372" y="81"/>
+                  <a:pt x="370" y="78"/>
+                </a:cubicBezTo>
+                <a:cubicBezTo>
+                  <a:pt x="294" y="3"/>
+                  <a:pt x="294" y="3"/>
+                  <a:pt x="294" y="3"/>
+                </a:cubicBezTo>
+                <a:cubicBezTo>
+                  <a:pt x="294" y="2"/>
+                  <a:pt x="293" y="2"/>
+                  <a:pt x="293" y="2"/>
+                </a:cubicBezTo>
+                <a:cubicBezTo>
+                  <a:pt x="292" y="1"/>
+                  <a:pt x="290" y="0"/>
+                  <a:pt x="287" y="0"/>
+                </a:cubicBezTo>
+                <a:cubicBezTo>
+                  <a:pt x="0" y="0"/>
+                  <a:pt x="0" y="0"/>
+                  <a:pt x="0" y="0"/>
+                </a:cubicBezTo>
+                <a:cubicBezTo>
+                  <a:pt x="0" y="166"/>
+                  <a:pt x="0" y="166"/>
+                  <a:pt x="0" y="166"/>
+                </a:cubicBezTo>
+                <a:lnTo>
+                  <a:pt x="287" y="166"/>
+                </a:lnTo>
+                <a:close/>
+              </a:path>
+            </a:pathLst>
+          </a:custGeom>
+          <a:solidFill>
+            <a:schemeClr val="accent1"/>
+          </a:solidFill>
+          <a:ln>
+            <a:noFill/>
+          </a:ln>
+        </p:spPr>
+      </p:sp>
+      <p:sp>
+        <p:nvSpPr>
           <p:cNvPr id="6" name="Slide Number Placeholder 5"/>
           <p:cNvSpPr>
             <a:spLocks noGrp="1"/>
@@ -709,7 +853,12 @@
             <p:ph type="sldNum" sz="quarter" idx="12"/>
           </p:nvPr>
         </p:nvSpPr>
-        <p:spPr/>
+        <p:spPr>
+          <a:xfrm>
+            <a:off x="531812" y="4529540"/>
+            <a:ext cx="779767" cy="365125"/>
+          </a:xfrm>
+        </p:spPr>
         <p:txBody>
           <a:bodyPr/>
           <a:lstStyle/>
@@ -725,7 +874,7 @@
     </p:spTree>
     <p:extLst>
       <p:ext uri="{BB962C8B-B14F-4D97-AF65-F5344CB8AC3E}">
-        <p14:creationId xmlns:p14="http://schemas.microsoft.com/office/powerpoint/2010/main" val="1633987100"/>
+        <p14:creationId xmlns:p14="http://schemas.microsoft.com/office/powerpoint/2010/main" val="217174822"/>
       </p:ext>
     </p:extLst>
   </p:cSld>
@@ -736,6 +885,1797 @@
 </file>
 
 <file path=ppt/slideLayouts/slideLayout10.xml><?xml version="1.0" encoding="utf-8"?>
+<p:sldLayout xmlns:a="http://schemas.openxmlformats.org/drawingml/2006/main" xmlns:r="http://schemas.openxmlformats.org/officeDocument/2006/relationships" xmlns:p="http://schemas.openxmlformats.org/presentationml/2006/main" preserve="1">
+  <p:cSld name="Title and Caption">
+    <p:spTree>
+      <p:nvGrpSpPr>
+        <p:cNvPr id="1" name=""/>
+        <p:cNvGrpSpPr/>
+        <p:nvPr/>
+      </p:nvGrpSpPr>
+      <p:grpSpPr>
+        <a:xfrm>
+          <a:off x="0" y="0"/>
+          <a:ext cx="0" cy="0"/>
+          <a:chOff x="0" y="0"/>
+          <a:chExt cx="0" cy="0"/>
+        </a:xfrm>
+      </p:grpSpPr>
+      <p:sp>
+        <p:nvSpPr>
+          <p:cNvPr id="2" name="Title 1"/>
+          <p:cNvSpPr>
+            <a:spLocks noGrp="1"/>
+          </p:cNvSpPr>
+          <p:nvPr>
+            <p:ph type="title"/>
+          </p:nvPr>
+        </p:nvSpPr>
+        <p:spPr>
+          <a:xfrm>
+            <a:off x="2589212" y="609600"/>
+            <a:ext cx="8915399" cy="3117040"/>
+          </a:xfrm>
+        </p:spPr>
+        <p:txBody>
+          <a:bodyPr anchor="ctr">
+            <a:normAutofit/>
+          </a:bodyPr>
+          <a:lstStyle>
+            <a:lvl1pPr algn="l">
+              <a:defRPr sz="4800" b="0" cap="none"/>
+            </a:lvl1pPr>
+          </a:lstStyle>
+          <a:p>
+            <a:r>
+              <a:rPr lang="en-US"/>
+              <a:t>Click to edit Master title style</a:t>
+            </a:r>
+            <a:endParaRPr lang="en-US" dirty="0"/>
+          </a:p>
+        </p:txBody>
+      </p:sp>
+      <p:sp>
+        <p:nvSpPr>
+          <p:cNvPr id="3" name="Text Placeholder 2"/>
+          <p:cNvSpPr>
+            <a:spLocks noGrp="1"/>
+          </p:cNvSpPr>
+          <p:nvPr>
+            <p:ph type="body" idx="1"/>
+          </p:nvPr>
+        </p:nvSpPr>
+        <p:spPr>
+          <a:xfrm>
+            <a:off x="2589212" y="4354046"/>
+            <a:ext cx="8915399" cy="1555864"/>
+          </a:xfrm>
+        </p:spPr>
+        <p:txBody>
+          <a:bodyPr anchor="ctr">
+            <a:normAutofit/>
+          </a:bodyPr>
+          <a:lstStyle>
+            <a:lvl1pPr marL="0" indent="0" algn="l">
+              <a:buNone/>
+              <a:defRPr sz="1800">
+                <a:solidFill>
+                  <a:schemeClr val="tx1">
+                    <a:lumMod val="65000"/>
+                    <a:lumOff val="35000"/>
+                  </a:schemeClr>
+                </a:solidFill>
+              </a:defRPr>
+            </a:lvl1pPr>
+            <a:lvl2pPr marL="457200" indent="0">
+              <a:buNone/>
+              <a:defRPr sz="1800">
+                <a:solidFill>
+                  <a:schemeClr val="tx1">
+                    <a:tint val="75000"/>
+                  </a:schemeClr>
+                </a:solidFill>
+              </a:defRPr>
+            </a:lvl2pPr>
+            <a:lvl3pPr marL="914400" indent="0">
+              <a:buNone/>
+              <a:defRPr sz="1600">
+                <a:solidFill>
+                  <a:schemeClr val="tx1">
+                    <a:tint val="75000"/>
+                  </a:schemeClr>
+                </a:solidFill>
+              </a:defRPr>
+            </a:lvl3pPr>
+            <a:lvl4pPr marL="1371600" indent="0">
+              <a:buNone/>
+              <a:defRPr sz="1400">
+                <a:solidFill>
+                  <a:schemeClr val="tx1">
+                    <a:tint val="75000"/>
+                  </a:schemeClr>
+                </a:solidFill>
+              </a:defRPr>
+            </a:lvl4pPr>
+            <a:lvl5pPr marL="1828800" indent="0">
+              <a:buNone/>
+              <a:defRPr sz="1400">
+                <a:solidFill>
+                  <a:schemeClr val="tx1">
+                    <a:tint val="75000"/>
+                  </a:schemeClr>
+                </a:solidFill>
+              </a:defRPr>
+            </a:lvl5pPr>
+            <a:lvl6pPr marL="2286000" indent="0">
+              <a:buNone/>
+              <a:defRPr sz="1400">
+                <a:solidFill>
+                  <a:schemeClr val="tx1">
+                    <a:tint val="75000"/>
+                  </a:schemeClr>
+                </a:solidFill>
+              </a:defRPr>
+            </a:lvl6pPr>
+            <a:lvl7pPr marL="2743200" indent="0">
+              <a:buNone/>
+              <a:defRPr sz="1400">
+                <a:solidFill>
+                  <a:schemeClr val="tx1">
+                    <a:tint val="75000"/>
+                  </a:schemeClr>
+                </a:solidFill>
+              </a:defRPr>
+            </a:lvl7pPr>
+            <a:lvl8pPr marL="3200400" indent="0">
+              <a:buNone/>
+              <a:defRPr sz="1400">
+                <a:solidFill>
+                  <a:schemeClr val="tx1">
+                    <a:tint val="75000"/>
+                  </a:schemeClr>
+                </a:solidFill>
+              </a:defRPr>
+            </a:lvl8pPr>
+            <a:lvl9pPr marL="3657600" indent="0">
+              <a:buNone/>
+              <a:defRPr sz="1400">
+                <a:solidFill>
+                  <a:schemeClr val="tx1">
+                    <a:tint val="75000"/>
+                  </a:schemeClr>
+                </a:solidFill>
+              </a:defRPr>
+            </a:lvl9pPr>
+          </a:lstStyle>
+          <a:p>
+            <a:pPr lvl="0"/>
+            <a:r>
+              <a:rPr lang="en-US"/>
+              <a:t>Click to edit Master text styles</a:t>
+            </a:r>
+          </a:p>
+        </p:txBody>
+      </p:sp>
+      <p:sp>
+        <p:nvSpPr>
+          <p:cNvPr id="4" name="Date Placeholder 3"/>
+          <p:cNvSpPr>
+            <a:spLocks noGrp="1"/>
+          </p:cNvSpPr>
+          <p:nvPr>
+            <p:ph type="dt" sz="half" idx="10"/>
+          </p:nvPr>
+        </p:nvSpPr>
+        <p:spPr/>
+        <p:txBody>
+          <a:bodyPr/>
+          <a:lstStyle/>
+          <a:p>
+            <a:fld id="{BC963854-0500-4533-9B56-A93F0BB014C2}" type="datetimeFigureOut">
+              <a:rPr lang="en-US" smtClean="0"/>
+              <a:t>3/19/2025</a:t>
+            </a:fld>
+            <a:endParaRPr lang="en-US"/>
+          </a:p>
+        </p:txBody>
+      </p:sp>
+      <p:sp>
+        <p:nvSpPr>
+          <p:cNvPr id="5" name="Footer Placeholder 4"/>
+          <p:cNvSpPr>
+            <a:spLocks noGrp="1"/>
+          </p:cNvSpPr>
+          <p:nvPr>
+            <p:ph type="ftr" sz="quarter" idx="11"/>
+          </p:nvPr>
+        </p:nvSpPr>
+        <p:spPr/>
+        <p:txBody>
+          <a:bodyPr/>
+          <a:lstStyle/>
+          <a:p>
+            <a:endParaRPr lang="en-US"/>
+          </a:p>
+        </p:txBody>
+      </p:sp>
+      <p:sp>
+        <p:nvSpPr>
+          <p:cNvPr id="9" name="Freeform 11"/>
+          <p:cNvSpPr/>
+          <p:nvPr/>
+        </p:nvSpPr>
+        <p:spPr bwMode="auto">
+          <a:xfrm flipV="1">
+            <a:off x="-4189" y="3178175"/>
+            <a:ext cx="1588527" cy="507297"/>
+          </a:xfrm>
+          <a:custGeom>
+            <a:avLst/>
+            <a:gdLst/>
+            <a:ahLst/>
+            <a:cxnLst/>
+            <a:rect l="l" t="t" r="r" b="b"/>
+            <a:pathLst>
+              <a:path w="9248" h="10000">
+                <a:moveTo>
+                  <a:pt x="9248" y="4701"/>
+                </a:moveTo>
+                <a:lnTo>
+                  <a:pt x="7915" y="188"/>
+                </a:lnTo>
+                <a:cubicBezTo>
+                  <a:pt x="7906" y="156"/>
+                  <a:pt x="7895" y="126"/>
+                  <a:pt x="7886" y="94"/>
+                </a:cubicBezTo>
+                <a:cubicBezTo>
+                  <a:pt x="7859" y="0"/>
+                  <a:pt x="7831" y="0"/>
+                  <a:pt x="7803" y="0"/>
+                </a:cubicBezTo>
+                <a:lnTo>
+                  <a:pt x="7275" y="0"/>
+                </a:lnTo>
+                <a:lnTo>
+                  <a:pt x="0" y="70"/>
+                </a:lnTo>
+                <a:cubicBezTo>
+                  <a:pt x="8" y="3380"/>
+                  <a:pt x="17" y="6690"/>
+                  <a:pt x="25" y="10000"/>
+                </a:cubicBezTo>
+                <a:lnTo>
+                  <a:pt x="7275" y="9966"/>
+                </a:lnTo>
+                <a:lnTo>
+                  <a:pt x="7803" y="9966"/>
+                </a:lnTo>
+                <a:cubicBezTo>
+                  <a:pt x="7831" y="9966"/>
+                  <a:pt x="7859" y="9872"/>
+                  <a:pt x="7886" y="9872"/>
+                </a:cubicBezTo>
+                <a:cubicBezTo>
+                  <a:pt x="7886" y="9778"/>
+                  <a:pt x="7915" y="9778"/>
+                  <a:pt x="7915" y="9778"/>
+                </a:cubicBezTo>
+                <a:lnTo>
+                  <a:pt x="9248" y="5265"/>
+                </a:lnTo>
+                <a:cubicBezTo>
+                  <a:pt x="9303" y="5077"/>
+                  <a:pt x="9303" y="4889"/>
+                  <a:pt x="9248" y="4701"/>
+                </a:cubicBezTo>
+                <a:close/>
+              </a:path>
+            </a:pathLst>
+          </a:custGeom>
+          <a:solidFill>
+            <a:schemeClr val="accent1"/>
+          </a:solidFill>
+          <a:ln>
+            <a:noFill/>
+          </a:ln>
+        </p:spPr>
+      </p:sp>
+      <p:sp>
+        <p:nvSpPr>
+          <p:cNvPr id="6" name="Slide Number Placeholder 5"/>
+          <p:cNvSpPr>
+            <a:spLocks noGrp="1"/>
+          </p:cNvSpPr>
+          <p:nvPr>
+            <p:ph type="sldNum" sz="quarter" idx="12"/>
+          </p:nvPr>
+        </p:nvSpPr>
+        <p:spPr>
+          <a:xfrm>
+            <a:off x="531812" y="3244139"/>
+            <a:ext cx="779767" cy="365125"/>
+          </a:xfrm>
+        </p:spPr>
+        <p:txBody>
+          <a:bodyPr/>
+          <a:lstStyle/>
+          <a:p>
+            <a:fld id="{130AC47B-80C8-4C1B-84E9-DE269DE6DDAD}" type="slidenum">
+              <a:rPr lang="en-US" smtClean="0"/>
+              <a:t>‹#›</a:t>
+            </a:fld>
+            <a:endParaRPr lang="en-US"/>
+          </a:p>
+        </p:txBody>
+      </p:sp>
+    </p:spTree>
+    <p:extLst>
+      <p:ext uri="{BB962C8B-B14F-4D97-AF65-F5344CB8AC3E}">
+        <p14:creationId xmlns:p14="http://schemas.microsoft.com/office/powerpoint/2010/main" val="3249191105"/>
+      </p:ext>
+    </p:extLst>
+  </p:cSld>
+  <p:clrMapOvr>
+    <a:masterClrMapping/>
+  </p:clrMapOvr>
+</p:sldLayout>
+</file>
+
+<file path=ppt/slideLayouts/slideLayout11.xml><?xml version="1.0" encoding="utf-8"?>
+<p:sldLayout xmlns:a="http://schemas.openxmlformats.org/drawingml/2006/main" xmlns:r="http://schemas.openxmlformats.org/officeDocument/2006/relationships" xmlns:p="http://schemas.openxmlformats.org/presentationml/2006/main" preserve="1">
+  <p:cSld name="Quote with Caption">
+    <p:spTree>
+      <p:nvGrpSpPr>
+        <p:cNvPr id="1" name=""/>
+        <p:cNvGrpSpPr/>
+        <p:nvPr/>
+      </p:nvGrpSpPr>
+      <p:grpSpPr>
+        <a:xfrm>
+          <a:off x="0" y="0"/>
+          <a:ext cx="0" cy="0"/>
+          <a:chOff x="0" y="0"/>
+          <a:chExt cx="0" cy="0"/>
+        </a:xfrm>
+      </p:grpSpPr>
+      <p:sp>
+        <p:nvSpPr>
+          <p:cNvPr id="2" name="Title 1"/>
+          <p:cNvSpPr>
+            <a:spLocks noGrp="1"/>
+          </p:cNvSpPr>
+          <p:nvPr>
+            <p:ph type="title"/>
+          </p:nvPr>
+        </p:nvSpPr>
+        <p:spPr>
+          <a:xfrm>
+            <a:off x="2849949" y="609600"/>
+            <a:ext cx="8393926" cy="2895600"/>
+          </a:xfrm>
+        </p:spPr>
+        <p:txBody>
+          <a:bodyPr anchor="ctr">
+            <a:normAutofit/>
+          </a:bodyPr>
+          <a:lstStyle>
+            <a:lvl1pPr algn="l">
+              <a:defRPr sz="4800" b="0" cap="none"/>
+            </a:lvl1pPr>
+          </a:lstStyle>
+          <a:p>
+            <a:r>
+              <a:rPr lang="en-US"/>
+              <a:t>Click to edit Master title style</a:t>
+            </a:r>
+            <a:endParaRPr lang="en-US" dirty="0"/>
+          </a:p>
+        </p:txBody>
+      </p:sp>
+      <p:sp>
+        <p:nvSpPr>
+          <p:cNvPr id="13" name="Text Placeholder 9"/>
+          <p:cNvSpPr>
+            <a:spLocks noGrp="1"/>
+          </p:cNvSpPr>
+          <p:nvPr>
+            <p:ph type="body" sz="quarter" idx="13"/>
+          </p:nvPr>
+        </p:nvSpPr>
+        <p:spPr>
+          <a:xfrm>
+            <a:off x="3275012" y="3505200"/>
+            <a:ext cx="7536554" cy="381000"/>
+          </a:xfrm>
+        </p:spPr>
+        <p:txBody>
+          <a:bodyPr anchor="ctr">
+            <a:noAutofit/>
+          </a:bodyPr>
+          <a:lstStyle>
+            <a:lvl1pPr marL="0" indent="0">
+              <a:buFontTx/>
+              <a:buNone/>
+              <a:defRPr sz="1600">
+                <a:solidFill>
+                  <a:schemeClr val="tx1">
+                    <a:lumMod val="50000"/>
+                    <a:lumOff val="50000"/>
+                  </a:schemeClr>
+                </a:solidFill>
+              </a:defRPr>
+            </a:lvl1pPr>
+            <a:lvl2pPr marL="457200" indent="0">
+              <a:buFontTx/>
+              <a:buNone/>
+              <a:defRPr/>
+            </a:lvl2pPr>
+            <a:lvl3pPr marL="914400" indent="0">
+              <a:buFontTx/>
+              <a:buNone/>
+              <a:defRPr/>
+            </a:lvl3pPr>
+            <a:lvl4pPr marL="1371600" indent="0">
+              <a:buFontTx/>
+              <a:buNone/>
+              <a:defRPr/>
+            </a:lvl4pPr>
+            <a:lvl5pPr marL="1828800" indent="0">
+              <a:buFontTx/>
+              <a:buNone/>
+              <a:defRPr/>
+            </a:lvl5pPr>
+          </a:lstStyle>
+          <a:p>
+            <a:pPr lvl="0"/>
+            <a:r>
+              <a:rPr lang="en-US"/>
+              <a:t>Click to edit Master text styles</a:t>
+            </a:r>
+          </a:p>
+        </p:txBody>
+      </p:sp>
+      <p:sp>
+        <p:nvSpPr>
+          <p:cNvPr id="3" name="Text Placeholder 2"/>
+          <p:cNvSpPr>
+            <a:spLocks noGrp="1"/>
+          </p:cNvSpPr>
+          <p:nvPr>
+            <p:ph type="body" idx="1"/>
+          </p:nvPr>
+        </p:nvSpPr>
+        <p:spPr>
+          <a:xfrm>
+            <a:off x="2589212" y="4354046"/>
+            <a:ext cx="8915399" cy="1555864"/>
+          </a:xfrm>
+        </p:spPr>
+        <p:txBody>
+          <a:bodyPr anchor="ctr">
+            <a:normAutofit/>
+          </a:bodyPr>
+          <a:lstStyle>
+            <a:lvl1pPr marL="0" indent="0" algn="l">
+              <a:buNone/>
+              <a:defRPr sz="1800">
+                <a:solidFill>
+                  <a:schemeClr val="tx1">
+                    <a:lumMod val="65000"/>
+                    <a:lumOff val="35000"/>
+                  </a:schemeClr>
+                </a:solidFill>
+              </a:defRPr>
+            </a:lvl1pPr>
+            <a:lvl2pPr marL="457200" indent="0">
+              <a:buNone/>
+              <a:defRPr sz="1800">
+                <a:solidFill>
+                  <a:schemeClr val="tx1">
+                    <a:tint val="75000"/>
+                  </a:schemeClr>
+                </a:solidFill>
+              </a:defRPr>
+            </a:lvl2pPr>
+            <a:lvl3pPr marL="914400" indent="0">
+              <a:buNone/>
+              <a:defRPr sz="1600">
+                <a:solidFill>
+                  <a:schemeClr val="tx1">
+                    <a:tint val="75000"/>
+                  </a:schemeClr>
+                </a:solidFill>
+              </a:defRPr>
+            </a:lvl3pPr>
+            <a:lvl4pPr marL="1371600" indent="0">
+              <a:buNone/>
+              <a:defRPr sz="1400">
+                <a:solidFill>
+                  <a:schemeClr val="tx1">
+                    <a:tint val="75000"/>
+                  </a:schemeClr>
+                </a:solidFill>
+              </a:defRPr>
+            </a:lvl4pPr>
+            <a:lvl5pPr marL="1828800" indent="0">
+              <a:buNone/>
+              <a:defRPr sz="1400">
+                <a:solidFill>
+                  <a:schemeClr val="tx1">
+                    <a:tint val="75000"/>
+                  </a:schemeClr>
+                </a:solidFill>
+              </a:defRPr>
+            </a:lvl5pPr>
+            <a:lvl6pPr marL="2286000" indent="0">
+              <a:buNone/>
+              <a:defRPr sz="1400">
+                <a:solidFill>
+                  <a:schemeClr val="tx1">
+                    <a:tint val="75000"/>
+                  </a:schemeClr>
+                </a:solidFill>
+              </a:defRPr>
+            </a:lvl6pPr>
+            <a:lvl7pPr marL="2743200" indent="0">
+              <a:buNone/>
+              <a:defRPr sz="1400">
+                <a:solidFill>
+                  <a:schemeClr val="tx1">
+                    <a:tint val="75000"/>
+                  </a:schemeClr>
+                </a:solidFill>
+              </a:defRPr>
+            </a:lvl7pPr>
+            <a:lvl8pPr marL="3200400" indent="0">
+              <a:buNone/>
+              <a:defRPr sz="1400">
+                <a:solidFill>
+                  <a:schemeClr val="tx1">
+                    <a:tint val="75000"/>
+                  </a:schemeClr>
+                </a:solidFill>
+              </a:defRPr>
+            </a:lvl8pPr>
+            <a:lvl9pPr marL="3657600" indent="0">
+              <a:buNone/>
+              <a:defRPr sz="1400">
+                <a:solidFill>
+                  <a:schemeClr val="tx1">
+                    <a:tint val="75000"/>
+                  </a:schemeClr>
+                </a:solidFill>
+              </a:defRPr>
+            </a:lvl9pPr>
+          </a:lstStyle>
+          <a:p>
+            <a:pPr lvl="0"/>
+            <a:r>
+              <a:rPr lang="en-US"/>
+              <a:t>Click to edit Master text styles</a:t>
+            </a:r>
+          </a:p>
+        </p:txBody>
+      </p:sp>
+      <p:sp>
+        <p:nvSpPr>
+          <p:cNvPr id="4" name="Date Placeholder 3"/>
+          <p:cNvSpPr>
+            <a:spLocks noGrp="1"/>
+          </p:cNvSpPr>
+          <p:nvPr>
+            <p:ph type="dt" sz="half" idx="10"/>
+          </p:nvPr>
+        </p:nvSpPr>
+        <p:spPr/>
+        <p:txBody>
+          <a:bodyPr/>
+          <a:lstStyle/>
+          <a:p>
+            <a:fld id="{BC963854-0500-4533-9B56-A93F0BB014C2}" type="datetimeFigureOut">
+              <a:rPr lang="en-US" smtClean="0"/>
+              <a:t>3/19/2025</a:t>
+            </a:fld>
+            <a:endParaRPr lang="en-US"/>
+          </a:p>
+        </p:txBody>
+      </p:sp>
+      <p:sp>
+        <p:nvSpPr>
+          <p:cNvPr id="5" name="Footer Placeholder 4"/>
+          <p:cNvSpPr>
+            <a:spLocks noGrp="1"/>
+          </p:cNvSpPr>
+          <p:nvPr>
+            <p:ph type="ftr" sz="quarter" idx="11"/>
+          </p:nvPr>
+        </p:nvSpPr>
+        <p:spPr/>
+        <p:txBody>
+          <a:bodyPr/>
+          <a:lstStyle/>
+          <a:p>
+            <a:endParaRPr lang="en-US"/>
+          </a:p>
+        </p:txBody>
+      </p:sp>
+      <p:sp>
+        <p:nvSpPr>
+          <p:cNvPr id="11" name="Freeform 11"/>
+          <p:cNvSpPr/>
+          <p:nvPr/>
+        </p:nvSpPr>
+        <p:spPr bwMode="auto">
+          <a:xfrm flipV="1">
+            <a:off x="-4189" y="3178175"/>
+            <a:ext cx="1588527" cy="507297"/>
+          </a:xfrm>
+          <a:custGeom>
+            <a:avLst/>
+            <a:gdLst/>
+            <a:ahLst/>
+            <a:cxnLst/>
+            <a:rect l="l" t="t" r="r" b="b"/>
+            <a:pathLst>
+              <a:path w="9248" h="10000">
+                <a:moveTo>
+                  <a:pt x="9248" y="4701"/>
+                </a:moveTo>
+                <a:lnTo>
+                  <a:pt x="7915" y="188"/>
+                </a:lnTo>
+                <a:cubicBezTo>
+                  <a:pt x="7906" y="156"/>
+                  <a:pt x="7895" y="126"/>
+                  <a:pt x="7886" y="94"/>
+                </a:cubicBezTo>
+                <a:cubicBezTo>
+                  <a:pt x="7859" y="0"/>
+                  <a:pt x="7831" y="0"/>
+                  <a:pt x="7803" y="0"/>
+                </a:cubicBezTo>
+                <a:lnTo>
+                  <a:pt x="7275" y="0"/>
+                </a:lnTo>
+                <a:lnTo>
+                  <a:pt x="0" y="70"/>
+                </a:lnTo>
+                <a:cubicBezTo>
+                  <a:pt x="8" y="3380"/>
+                  <a:pt x="17" y="6690"/>
+                  <a:pt x="25" y="10000"/>
+                </a:cubicBezTo>
+                <a:lnTo>
+                  <a:pt x="7275" y="9966"/>
+                </a:lnTo>
+                <a:lnTo>
+                  <a:pt x="7803" y="9966"/>
+                </a:lnTo>
+                <a:cubicBezTo>
+                  <a:pt x="7831" y="9966"/>
+                  <a:pt x="7859" y="9872"/>
+                  <a:pt x="7886" y="9872"/>
+                </a:cubicBezTo>
+                <a:cubicBezTo>
+                  <a:pt x="7886" y="9778"/>
+                  <a:pt x="7915" y="9778"/>
+                  <a:pt x="7915" y="9778"/>
+                </a:cubicBezTo>
+                <a:lnTo>
+                  <a:pt x="9248" y="5265"/>
+                </a:lnTo>
+                <a:cubicBezTo>
+                  <a:pt x="9303" y="5077"/>
+                  <a:pt x="9303" y="4889"/>
+                  <a:pt x="9248" y="4701"/>
+                </a:cubicBezTo>
+                <a:close/>
+              </a:path>
+            </a:pathLst>
+          </a:custGeom>
+          <a:solidFill>
+            <a:schemeClr val="accent1"/>
+          </a:solidFill>
+          <a:ln>
+            <a:noFill/>
+          </a:ln>
+        </p:spPr>
+      </p:sp>
+      <p:sp>
+        <p:nvSpPr>
+          <p:cNvPr id="6" name="Slide Number Placeholder 5"/>
+          <p:cNvSpPr>
+            <a:spLocks noGrp="1"/>
+          </p:cNvSpPr>
+          <p:nvPr>
+            <p:ph type="sldNum" sz="quarter" idx="12"/>
+          </p:nvPr>
+        </p:nvSpPr>
+        <p:spPr>
+          <a:xfrm>
+            <a:off x="531812" y="3244139"/>
+            <a:ext cx="779767" cy="365125"/>
+          </a:xfrm>
+        </p:spPr>
+        <p:txBody>
+          <a:bodyPr/>
+          <a:lstStyle/>
+          <a:p>
+            <a:fld id="{130AC47B-80C8-4C1B-84E9-DE269DE6DDAD}" type="slidenum">
+              <a:rPr lang="en-US" smtClean="0"/>
+              <a:t>‹#›</a:t>
+            </a:fld>
+            <a:endParaRPr lang="en-US"/>
+          </a:p>
+        </p:txBody>
+      </p:sp>
+      <p:sp>
+        <p:nvSpPr>
+          <p:cNvPr id="14" name="TextBox 13"/>
+          <p:cNvSpPr txBox="1"/>
+          <p:nvPr/>
+        </p:nvSpPr>
+        <p:spPr>
+          <a:xfrm>
+            <a:off x="2467652" y="648005"/>
+            <a:ext cx="609600" cy="584776"/>
+          </a:xfrm>
+          <a:prstGeom prst="rect">
+            <a:avLst/>
+          </a:prstGeom>
+        </p:spPr>
+        <p:txBody>
+          <a:bodyPr vert="horz" lIns="91440" tIns="45720" rIns="91440" bIns="45720" rtlCol="0" anchor="ctr">
+            <a:noAutofit/>
+          </a:bodyPr>
+          <a:lstStyle/>
+          <a:p>
+            <a:pPr lvl="0"/>
+            <a:r>
+              <a:rPr lang="en-US" sz="8000" baseline="0" dirty="0">
+                <a:ln w="3175" cmpd="sng">
+                  <a:noFill/>
+                </a:ln>
+                <a:solidFill>
+                  <a:schemeClr val="accent1"/>
+                </a:solidFill>
+                <a:effectLst/>
+                <a:latin typeface="Arial"/>
+              </a:rPr>
+              <a:t>“</a:t>
+            </a:r>
+          </a:p>
+        </p:txBody>
+      </p:sp>
+      <p:sp>
+        <p:nvSpPr>
+          <p:cNvPr id="15" name="TextBox 14"/>
+          <p:cNvSpPr txBox="1"/>
+          <p:nvPr/>
+        </p:nvSpPr>
+        <p:spPr>
+          <a:xfrm>
+            <a:off x="11114852" y="2905306"/>
+            <a:ext cx="609600" cy="584776"/>
+          </a:xfrm>
+          <a:prstGeom prst="rect">
+            <a:avLst/>
+          </a:prstGeom>
+        </p:spPr>
+        <p:txBody>
+          <a:bodyPr vert="horz" lIns="91440" tIns="45720" rIns="91440" bIns="45720" rtlCol="0" anchor="ctr">
+            <a:noAutofit/>
+          </a:bodyPr>
+          <a:lstStyle/>
+          <a:p>
+            <a:pPr lvl="0"/>
+            <a:r>
+              <a:rPr lang="en-US" sz="8000" baseline="0" dirty="0">
+                <a:ln w="3175" cmpd="sng">
+                  <a:noFill/>
+                </a:ln>
+                <a:solidFill>
+                  <a:schemeClr val="accent1"/>
+                </a:solidFill>
+                <a:effectLst/>
+                <a:latin typeface="Arial"/>
+              </a:rPr>
+              <a:t>”</a:t>
+            </a:r>
+          </a:p>
+        </p:txBody>
+      </p:sp>
+    </p:spTree>
+    <p:extLst>
+      <p:ext uri="{BB962C8B-B14F-4D97-AF65-F5344CB8AC3E}">
+        <p14:creationId xmlns:p14="http://schemas.microsoft.com/office/powerpoint/2010/main" val="3838201449"/>
+      </p:ext>
+    </p:extLst>
+  </p:cSld>
+  <p:clrMapOvr>
+    <a:masterClrMapping/>
+  </p:clrMapOvr>
+</p:sldLayout>
+</file>
+
+<file path=ppt/slideLayouts/slideLayout12.xml><?xml version="1.0" encoding="utf-8"?>
+<p:sldLayout xmlns:a="http://schemas.openxmlformats.org/drawingml/2006/main" xmlns:r="http://schemas.openxmlformats.org/officeDocument/2006/relationships" xmlns:p="http://schemas.openxmlformats.org/presentationml/2006/main" preserve="1">
+  <p:cSld name="Name Card">
+    <p:spTree>
+      <p:nvGrpSpPr>
+        <p:cNvPr id="1" name=""/>
+        <p:cNvGrpSpPr/>
+        <p:nvPr/>
+      </p:nvGrpSpPr>
+      <p:grpSpPr>
+        <a:xfrm>
+          <a:off x="0" y="0"/>
+          <a:ext cx="0" cy="0"/>
+          <a:chOff x="0" y="0"/>
+          <a:chExt cx="0" cy="0"/>
+        </a:xfrm>
+      </p:grpSpPr>
+      <p:sp>
+        <p:nvSpPr>
+          <p:cNvPr id="2" name="Title 1"/>
+          <p:cNvSpPr>
+            <a:spLocks noGrp="1"/>
+          </p:cNvSpPr>
+          <p:nvPr>
+            <p:ph type="title"/>
+          </p:nvPr>
+        </p:nvSpPr>
+        <p:spPr>
+          <a:xfrm>
+            <a:off x="2589213" y="2438400"/>
+            <a:ext cx="8915400" cy="2724845"/>
+          </a:xfrm>
+        </p:spPr>
+        <p:txBody>
+          <a:bodyPr anchor="b">
+            <a:normAutofit/>
+          </a:bodyPr>
+          <a:lstStyle>
+            <a:lvl1pPr algn="l">
+              <a:defRPr sz="4800" b="0"/>
+            </a:lvl1pPr>
+          </a:lstStyle>
+          <a:p>
+            <a:r>
+              <a:rPr lang="en-US"/>
+              <a:t>Click to edit Master title style</a:t>
+            </a:r>
+            <a:endParaRPr lang="en-US" dirty="0"/>
+          </a:p>
+        </p:txBody>
+      </p:sp>
+      <p:sp>
+        <p:nvSpPr>
+          <p:cNvPr id="4" name="Text Placeholder 3"/>
+          <p:cNvSpPr>
+            <a:spLocks noGrp="1"/>
+          </p:cNvSpPr>
+          <p:nvPr>
+            <p:ph type="body" sz="half" idx="2"/>
+          </p:nvPr>
+        </p:nvSpPr>
+        <p:spPr>
+          <a:xfrm>
+            <a:off x="2589213" y="5181600"/>
+            <a:ext cx="8915400" cy="729622"/>
+          </a:xfrm>
+        </p:spPr>
+        <p:txBody>
+          <a:bodyPr vert="horz" lIns="91440" tIns="45720" rIns="91440" bIns="45720" rtlCol="0" anchor="t">
+            <a:normAutofit/>
+          </a:bodyPr>
+          <a:lstStyle>
+            <a:lvl1pPr>
+              <a:buNone/>
+              <a:defRPr lang="en-US">
+                <a:solidFill>
+                  <a:schemeClr val="tx1">
+                    <a:lumMod val="65000"/>
+                    <a:lumOff val="35000"/>
+                  </a:schemeClr>
+                </a:solidFill>
+              </a:defRPr>
+            </a:lvl1pPr>
+          </a:lstStyle>
+          <a:p>
+            <a:pPr marL="0" lvl="0" indent="0">
+              <a:buNone/>
+            </a:pPr>
+            <a:r>
+              <a:rPr lang="en-US"/>
+              <a:t>Click to edit Master text styles</a:t>
+            </a:r>
+          </a:p>
+        </p:txBody>
+      </p:sp>
+      <p:sp>
+        <p:nvSpPr>
+          <p:cNvPr id="5" name="Date Placeholder 4"/>
+          <p:cNvSpPr>
+            <a:spLocks noGrp="1"/>
+          </p:cNvSpPr>
+          <p:nvPr>
+            <p:ph type="dt" sz="half" idx="10"/>
+          </p:nvPr>
+        </p:nvSpPr>
+        <p:spPr/>
+        <p:txBody>
+          <a:bodyPr/>
+          <a:lstStyle/>
+          <a:p>
+            <a:fld id="{BC963854-0500-4533-9B56-A93F0BB014C2}" type="datetimeFigureOut">
+              <a:rPr lang="en-US" smtClean="0"/>
+              <a:t>3/19/2025</a:t>
+            </a:fld>
+            <a:endParaRPr lang="en-US"/>
+          </a:p>
+        </p:txBody>
+      </p:sp>
+      <p:sp>
+        <p:nvSpPr>
+          <p:cNvPr id="6" name="Footer Placeholder 5"/>
+          <p:cNvSpPr>
+            <a:spLocks noGrp="1"/>
+          </p:cNvSpPr>
+          <p:nvPr>
+            <p:ph type="ftr" sz="quarter" idx="11"/>
+          </p:nvPr>
+        </p:nvSpPr>
+        <p:spPr/>
+        <p:txBody>
+          <a:bodyPr/>
+          <a:lstStyle/>
+          <a:p>
+            <a:endParaRPr lang="en-US"/>
+          </a:p>
+        </p:txBody>
+      </p:sp>
+      <p:sp>
+        <p:nvSpPr>
+          <p:cNvPr id="9" name="Freeform 11"/>
+          <p:cNvSpPr/>
+          <p:nvPr/>
+        </p:nvSpPr>
+        <p:spPr bwMode="auto">
+          <a:xfrm flipV="1">
+            <a:off x="-4189" y="4911725"/>
+            <a:ext cx="1588527" cy="507297"/>
+          </a:xfrm>
+          <a:custGeom>
+            <a:avLst/>
+            <a:gdLst/>
+            <a:ahLst/>
+            <a:cxnLst/>
+            <a:rect l="l" t="t" r="r" b="b"/>
+            <a:pathLst>
+              <a:path w="9248" h="10000">
+                <a:moveTo>
+                  <a:pt x="9248" y="4701"/>
+                </a:moveTo>
+                <a:lnTo>
+                  <a:pt x="7915" y="188"/>
+                </a:lnTo>
+                <a:cubicBezTo>
+                  <a:pt x="7906" y="156"/>
+                  <a:pt x="7895" y="126"/>
+                  <a:pt x="7886" y="94"/>
+                </a:cubicBezTo>
+                <a:cubicBezTo>
+                  <a:pt x="7859" y="0"/>
+                  <a:pt x="7831" y="0"/>
+                  <a:pt x="7803" y="0"/>
+                </a:cubicBezTo>
+                <a:lnTo>
+                  <a:pt x="7275" y="0"/>
+                </a:lnTo>
+                <a:lnTo>
+                  <a:pt x="0" y="70"/>
+                </a:lnTo>
+                <a:cubicBezTo>
+                  <a:pt x="8" y="3380"/>
+                  <a:pt x="17" y="6690"/>
+                  <a:pt x="25" y="10000"/>
+                </a:cubicBezTo>
+                <a:lnTo>
+                  <a:pt x="7275" y="9966"/>
+                </a:lnTo>
+                <a:lnTo>
+                  <a:pt x="7803" y="9966"/>
+                </a:lnTo>
+                <a:cubicBezTo>
+                  <a:pt x="7831" y="9966"/>
+                  <a:pt x="7859" y="9872"/>
+                  <a:pt x="7886" y="9872"/>
+                </a:cubicBezTo>
+                <a:cubicBezTo>
+                  <a:pt x="7886" y="9778"/>
+                  <a:pt x="7915" y="9778"/>
+                  <a:pt x="7915" y="9778"/>
+                </a:cubicBezTo>
+                <a:lnTo>
+                  <a:pt x="9248" y="5265"/>
+                </a:lnTo>
+                <a:cubicBezTo>
+                  <a:pt x="9303" y="5077"/>
+                  <a:pt x="9303" y="4889"/>
+                  <a:pt x="9248" y="4701"/>
+                </a:cubicBezTo>
+                <a:close/>
+              </a:path>
+            </a:pathLst>
+          </a:custGeom>
+          <a:solidFill>
+            <a:schemeClr val="accent1"/>
+          </a:solidFill>
+          <a:ln>
+            <a:noFill/>
+          </a:ln>
+        </p:spPr>
+      </p:sp>
+      <p:sp>
+        <p:nvSpPr>
+          <p:cNvPr id="7" name="Slide Number Placeholder 6"/>
+          <p:cNvSpPr>
+            <a:spLocks noGrp="1"/>
+          </p:cNvSpPr>
+          <p:nvPr>
+            <p:ph type="sldNum" sz="quarter" idx="12"/>
+          </p:nvPr>
+        </p:nvSpPr>
+        <p:spPr>
+          <a:xfrm>
+            <a:off x="531812" y="4983087"/>
+            <a:ext cx="779767" cy="365125"/>
+          </a:xfrm>
+        </p:spPr>
+        <p:txBody>
+          <a:bodyPr/>
+          <a:lstStyle/>
+          <a:p>
+            <a:fld id="{130AC47B-80C8-4C1B-84E9-DE269DE6DDAD}" type="slidenum">
+              <a:rPr lang="en-US" smtClean="0"/>
+              <a:t>‹#›</a:t>
+            </a:fld>
+            <a:endParaRPr lang="en-US"/>
+          </a:p>
+        </p:txBody>
+      </p:sp>
+    </p:spTree>
+    <p:extLst>
+      <p:ext uri="{BB962C8B-B14F-4D97-AF65-F5344CB8AC3E}">
+        <p14:creationId xmlns:p14="http://schemas.microsoft.com/office/powerpoint/2010/main" val="3248494034"/>
+      </p:ext>
+    </p:extLst>
+  </p:cSld>
+  <p:clrMapOvr>
+    <a:masterClrMapping/>
+  </p:clrMapOvr>
+</p:sldLayout>
+</file>
+
+<file path=ppt/slideLayouts/slideLayout13.xml><?xml version="1.0" encoding="utf-8"?>
+<p:sldLayout xmlns:a="http://schemas.openxmlformats.org/drawingml/2006/main" xmlns:r="http://schemas.openxmlformats.org/officeDocument/2006/relationships" xmlns:p="http://schemas.openxmlformats.org/presentationml/2006/main" preserve="1">
+  <p:cSld name="Quote Name Card">
+    <p:spTree>
+      <p:nvGrpSpPr>
+        <p:cNvPr id="1" name=""/>
+        <p:cNvGrpSpPr/>
+        <p:nvPr/>
+      </p:nvGrpSpPr>
+      <p:grpSpPr>
+        <a:xfrm>
+          <a:off x="0" y="0"/>
+          <a:ext cx="0" cy="0"/>
+          <a:chOff x="0" y="0"/>
+          <a:chExt cx="0" cy="0"/>
+        </a:xfrm>
+      </p:grpSpPr>
+      <p:sp>
+        <p:nvSpPr>
+          <p:cNvPr id="12" name="Title 1"/>
+          <p:cNvSpPr>
+            <a:spLocks noGrp="1"/>
+          </p:cNvSpPr>
+          <p:nvPr>
+            <p:ph type="title"/>
+          </p:nvPr>
+        </p:nvSpPr>
+        <p:spPr>
+          <a:xfrm>
+            <a:off x="2849949" y="609600"/>
+            <a:ext cx="8393926" cy="2895600"/>
+          </a:xfrm>
+        </p:spPr>
+        <p:txBody>
+          <a:bodyPr anchor="ctr">
+            <a:normAutofit/>
+          </a:bodyPr>
+          <a:lstStyle>
+            <a:lvl1pPr algn="l">
+              <a:defRPr sz="4800" b="0" cap="none"/>
+            </a:lvl1pPr>
+          </a:lstStyle>
+          <a:p>
+            <a:r>
+              <a:rPr lang="en-US"/>
+              <a:t>Click to edit Master title style</a:t>
+            </a:r>
+            <a:endParaRPr lang="en-US" dirty="0"/>
+          </a:p>
+        </p:txBody>
+      </p:sp>
+      <p:sp>
+        <p:nvSpPr>
+          <p:cNvPr id="21" name="Text Placeholder 9"/>
+          <p:cNvSpPr>
+            <a:spLocks noGrp="1"/>
+          </p:cNvSpPr>
+          <p:nvPr>
+            <p:ph type="body" sz="quarter" idx="13"/>
+          </p:nvPr>
+        </p:nvSpPr>
+        <p:spPr>
+          <a:xfrm>
+            <a:off x="2589212" y="4343400"/>
+            <a:ext cx="8915400" cy="838200"/>
+          </a:xfrm>
+        </p:spPr>
+        <p:txBody>
+          <a:bodyPr anchor="b">
+            <a:noAutofit/>
+          </a:bodyPr>
+          <a:lstStyle>
+            <a:lvl1pPr marL="0" indent="0">
+              <a:buFontTx/>
+              <a:buNone/>
+              <a:defRPr sz="2400">
+                <a:solidFill>
+                  <a:schemeClr val="accent1"/>
+                </a:solidFill>
+              </a:defRPr>
+            </a:lvl1pPr>
+            <a:lvl2pPr marL="457200" indent="0">
+              <a:buFontTx/>
+              <a:buNone/>
+              <a:defRPr/>
+            </a:lvl2pPr>
+            <a:lvl3pPr marL="914400" indent="0">
+              <a:buFontTx/>
+              <a:buNone/>
+              <a:defRPr/>
+            </a:lvl3pPr>
+            <a:lvl4pPr marL="1371600" indent="0">
+              <a:buFontTx/>
+              <a:buNone/>
+              <a:defRPr/>
+            </a:lvl4pPr>
+            <a:lvl5pPr marL="1828800" indent="0">
+              <a:buFontTx/>
+              <a:buNone/>
+              <a:defRPr/>
+            </a:lvl5pPr>
+          </a:lstStyle>
+          <a:p>
+            <a:pPr lvl="0"/>
+            <a:r>
+              <a:rPr lang="en-US"/>
+              <a:t>Click to edit Master text styles</a:t>
+            </a:r>
+          </a:p>
+        </p:txBody>
+      </p:sp>
+      <p:sp>
+        <p:nvSpPr>
+          <p:cNvPr id="4" name="Text Placeholder 3"/>
+          <p:cNvSpPr>
+            <a:spLocks noGrp="1"/>
+          </p:cNvSpPr>
+          <p:nvPr>
+            <p:ph type="body" sz="half" idx="2"/>
+          </p:nvPr>
+        </p:nvSpPr>
+        <p:spPr>
+          <a:xfrm>
+            <a:off x="2589213" y="5181600"/>
+            <a:ext cx="8915400" cy="729622"/>
+          </a:xfrm>
+        </p:spPr>
+        <p:txBody>
+          <a:bodyPr vert="horz" lIns="91440" tIns="45720" rIns="91440" bIns="45720" rtlCol="0" anchor="t">
+            <a:normAutofit/>
+          </a:bodyPr>
+          <a:lstStyle>
+            <a:lvl1pPr>
+              <a:buNone/>
+              <a:defRPr lang="en-US">
+                <a:solidFill>
+                  <a:schemeClr val="tx1">
+                    <a:lumMod val="65000"/>
+                    <a:lumOff val="35000"/>
+                  </a:schemeClr>
+                </a:solidFill>
+              </a:defRPr>
+            </a:lvl1pPr>
+          </a:lstStyle>
+          <a:p>
+            <a:pPr marL="0" lvl="0" indent="0">
+              <a:buNone/>
+            </a:pPr>
+            <a:r>
+              <a:rPr lang="en-US"/>
+              <a:t>Click to edit Master text styles</a:t>
+            </a:r>
+          </a:p>
+        </p:txBody>
+      </p:sp>
+      <p:sp>
+        <p:nvSpPr>
+          <p:cNvPr id="5" name="Date Placeholder 4"/>
+          <p:cNvSpPr>
+            <a:spLocks noGrp="1"/>
+          </p:cNvSpPr>
+          <p:nvPr>
+            <p:ph type="dt" sz="half" idx="10"/>
+          </p:nvPr>
+        </p:nvSpPr>
+        <p:spPr/>
+        <p:txBody>
+          <a:bodyPr/>
+          <a:lstStyle/>
+          <a:p>
+            <a:fld id="{BC963854-0500-4533-9B56-A93F0BB014C2}" type="datetimeFigureOut">
+              <a:rPr lang="en-US" smtClean="0"/>
+              <a:t>3/19/2025</a:t>
+            </a:fld>
+            <a:endParaRPr lang="en-US"/>
+          </a:p>
+        </p:txBody>
+      </p:sp>
+      <p:sp>
+        <p:nvSpPr>
+          <p:cNvPr id="6" name="Footer Placeholder 5"/>
+          <p:cNvSpPr>
+            <a:spLocks noGrp="1"/>
+          </p:cNvSpPr>
+          <p:nvPr>
+            <p:ph type="ftr" sz="quarter" idx="11"/>
+          </p:nvPr>
+        </p:nvSpPr>
+        <p:spPr/>
+        <p:txBody>
+          <a:bodyPr/>
+          <a:lstStyle/>
+          <a:p>
+            <a:endParaRPr lang="en-US"/>
+          </a:p>
+        </p:txBody>
+      </p:sp>
+      <p:sp>
+        <p:nvSpPr>
+          <p:cNvPr id="11" name="Freeform 11"/>
+          <p:cNvSpPr/>
+          <p:nvPr/>
+        </p:nvSpPr>
+        <p:spPr bwMode="auto">
+          <a:xfrm flipV="1">
+            <a:off x="-4189" y="4911725"/>
+            <a:ext cx="1588527" cy="507297"/>
+          </a:xfrm>
+          <a:custGeom>
+            <a:avLst/>
+            <a:gdLst/>
+            <a:ahLst/>
+            <a:cxnLst/>
+            <a:rect l="l" t="t" r="r" b="b"/>
+            <a:pathLst>
+              <a:path w="9248" h="10000">
+                <a:moveTo>
+                  <a:pt x="9248" y="4701"/>
+                </a:moveTo>
+                <a:lnTo>
+                  <a:pt x="7915" y="188"/>
+                </a:lnTo>
+                <a:cubicBezTo>
+                  <a:pt x="7906" y="156"/>
+                  <a:pt x="7895" y="126"/>
+                  <a:pt x="7886" y="94"/>
+                </a:cubicBezTo>
+                <a:cubicBezTo>
+                  <a:pt x="7859" y="0"/>
+                  <a:pt x="7831" y="0"/>
+                  <a:pt x="7803" y="0"/>
+                </a:cubicBezTo>
+                <a:lnTo>
+                  <a:pt x="7275" y="0"/>
+                </a:lnTo>
+                <a:lnTo>
+                  <a:pt x="0" y="70"/>
+                </a:lnTo>
+                <a:cubicBezTo>
+                  <a:pt x="8" y="3380"/>
+                  <a:pt x="17" y="6690"/>
+                  <a:pt x="25" y="10000"/>
+                </a:cubicBezTo>
+                <a:lnTo>
+                  <a:pt x="7275" y="9966"/>
+                </a:lnTo>
+                <a:lnTo>
+                  <a:pt x="7803" y="9966"/>
+                </a:lnTo>
+                <a:cubicBezTo>
+                  <a:pt x="7831" y="9966"/>
+                  <a:pt x="7859" y="9872"/>
+                  <a:pt x="7886" y="9872"/>
+                </a:cubicBezTo>
+                <a:cubicBezTo>
+                  <a:pt x="7886" y="9778"/>
+                  <a:pt x="7915" y="9778"/>
+                  <a:pt x="7915" y="9778"/>
+                </a:cubicBezTo>
+                <a:lnTo>
+                  <a:pt x="9248" y="5265"/>
+                </a:lnTo>
+                <a:cubicBezTo>
+                  <a:pt x="9303" y="5077"/>
+                  <a:pt x="9303" y="4889"/>
+                  <a:pt x="9248" y="4701"/>
+                </a:cubicBezTo>
+                <a:close/>
+              </a:path>
+            </a:pathLst>
+          </a:custGeom>
+          <a:solidFill>
+            <a:schemeClr val="accent1"/>
+          </a:solidFill>
+          <a:ln>
+            <a:noFill/>
+          </a:ln>
+        </p:spPr>
+      </p:sp>
+      <p:sp>
+        <p:nvSpPr>
+          <p:cNvPr id="7" name="Slide Number Placeholder 6"/>
+          <p:cNvSpPr>
+            <a:spLocks noGrp="1"/>
+          </p:cNvSpPr>
+          <p:nvPr>
+            <p:ph type="sldNum" sz="quarter" idx="12"/>
+          </p:nvPr>
+        </p:nvSpPr>
+        <p:spPr>
+          <a:xfrm>
+            <a:off x="531812" y="4983087"/>
+            <a:ext cx="779767" cy="365125"/>
+          </a:xfrm>
+        </p:spPr>
+        <p:txBody>
+          <a:bodyPr/>
+          <a:lstStyle/>
+          <a:p>
+            <a:fld id="{130AC47B-80C8-4C1B-84E9-DE269DE6DDAD}" type="slidenum">
+              <a:rPr lang="en-US" smtClean="0"/>
+              <a:t>‹#›</a:t>
+            </a:fld>
+            <a:endParaRPr lang="en-US"/>
+          </a:p>
+        </p:txBody>
+      </p:sp>
+      <p:sp>
+        <p:nvSpPr>
+          <p:cNvPr id="17" name="TextBox 16"/>
+          <p:cNvSpPr txBox="1"/>
+          <p:nvPr/>
+        </p:nvSpPr>
+        <p:spPr>
+          <a:xfrm>
+            <a:off x="2467652" y="648005"/>
+            <a:ext cx="609600" cy="584776"/>
+          </a:xfrm>
+          <a:prstGeom prst="rect">
+            <a:avLst/>
+          </a:prstGeom>
+        </p:spPr>
+        <p:txBody>
+          <a:bodyPr vert="horz" lIns="91440" tIns="45720" rIns="91440" bIns="45720" rtlCol="0" anchor="ctr">
+            <a:noAutofit/>
+          </a:bodyPr>
+          <a:lstStyle/>
+          <a:p>
+            <a:pPr lvl="0"/>
+            <a:r>
+              <a:rPr lang="en-US" sz="8000" baseline="0" dirty="0">
+                <a:ln w="3175" cmpd="sng">
+                  <a:noFill/>
+                </a:ln>
+                <a:solidFill>
+                  <a:schemeClr val="accent1"/>
+                </a:solidFill>
+                <a:effectLst/>
+                <a:latin typeface="Arial"/>
+              </a:rPr>
+              <a:t>“</a:t>
+            </a:r>
+          </a:p>
+        </p:txBody>
+      </p:sp>
+      <p:sp>
+        <p:nvSpPr>
+          <p:cNvPr id="18" name="TextBox 17"/>
+          <p:cNvSpPr txBox="1"/>
+          <p:nvPr/>
+        </p:nvSpPr>
+        <p:spPr>
+          <a:xfrm>
+            <a:off x="11114852" y="2905306"/>
+            <a:ext cx="609600" cy="584776"/>
+          </a:xfrm>
+          <a:prstGeom prst="rect">
+            <a:avLst/>
+          </a:prstGeom>
+        </p:spPr>
+        <p:txBody>
+          <a:bodyPr vert="horz" lIns="91440" tIns="45720" rIns="91440" bIns="45720" rtlCol="0" anchor="ctr">
+            <a:noAutofit/>
+          </a:bodyPr>
+          <a:lstStyle/>
+          <a:p>
+            <a:pPr lvl="0"/>
+            <a:r>
+              <a:rPr lang="en-US" sz="8000" baseline="0" dirty="0">
+                <a:ln w="3175" cmpd="sng">
+                  <a:noFill/>
+                </a:ln>
+                <a:solidFill>
+                  <a:schemeClr val="accent1"/>
+                </a:solidFill>
+                <a:effectLst/>
+                <a:latin typeface="Arial"/>
+              </a:rPr>
+              <a:t>”</a:t>
+            </a:r>
+          </a:p>
+        </p:txBody>
+      </p:sp>
+    </p:spTree>
+    <p:extLst>
+      <p:ext uri="{BB962C8B-B14F-4D97-AF65-F5344CB8AC3E}">
+        <p14:creationId xmlns:p14="http://schemas.microsoft.com/office/powerpoint/2010/main" val="272439872"/>
+      </p:ext>
+    </p:extLst>
+  </p:cSld>
+  <p:clrMapOvr>
+    <a:masterClrMapping/>
+  </p:clrMapOvr>
+</p:sldLayout>
+</file>
+
+<file path=ppt/slideLayouts/slideLayout14.xml><?xml version="1.0" encoding="utf-8"?>
+<p:sldLayout xmlns:a="http://schemas.openxmlformats.org/drawingml/2006/main" xmlns:r="http://schemas.openxmlformats.org/officeDocument/2006/relationships" xmlns:p="http://schemas.openxmlformats.org/presentationml/2006/main" preserve="1">
+  <p:cSld name="True or False">
+    <p:spTree>
+      <p:nvGrpSpPr>
+        <p:cNvPr id="1" name=""/>
+        <p:cNvGrpSpPr/>
+        <p:nvPr/>
+      </p:nvGrpSpPr>
+      <p:grpSpPr>
+        <a:xfrm>
+          <a:off x="0" y="0"/>
+          <a:ext cx="0" cy="0"/>
+          <a:chOff x="0" y="0"/>
+          <a:chExt cx="0" cy="0"/>
+        </a:xfrm>
+      </p:grpSpPr>
+      <p:sp>
+        <p:nvSpPr>
+          <p:cNvPr id="2" name="Title 1"/>
+          <p:cNvSpPr>
+            <a:spLocks noGrp="1"/>
+          </p:cNvSpPr>
+          <p:nvPr>
+            <p:ph type="title"/>
+          </p:nvPr>
+        </p:nvSpPr>
+        <p:spPr>
+          <a:xfrm>
+            <a:off x="2589212" y="627407"/>
+            <a:ext cx="8915399" cy="2880020"/>
+          </a:xfrm>
+        </p:spPr>
+        <p:txBody>
+          <a:bodyPr anchor="ctr">
+            <a:normAutofit/>
+          </a:bodyPr>
+          <a:lstStyle>
+            <a:lvl1pPr algn="l">
+              <a:defRPr sz="4800" b="0"/>
+            </a:lvl1pPr>
+          </a:lstStyle>
+          <a:p>
+            <a:r>
+              <a:rPr lang="en-US"/>
+              <a:t>Click to edit Master title style</a:t>
+            </a:r>
+            <a:endParaRPr lang="en-US" dirty="0"/>
+          </a:p>
+        </p:txBody>
+      </p:sp>
+      <p:sp>
+        <p:nvSpPr>
+          <p:cNvPr id="21" name="Text Placeholder 9"/>
+          <p:cNvSpPr>
+            <a:spLocks noGrp="1"/>
+          </p:cNvSpPr>
+          <p:nvPr>
+            <p:ph type="body" sz="quarter" idx="13"/>
+          </p:nvPr>
+        </p:nvSpPr>
+        <p:spPr>
+          <a:xfrm>
+            <a:off x="2589212" y="4343400"/>
+            <a:ext cx="8915400" cy="838200"/>
+          </a:xfrm>
+        </p:spPr>
+        <p:txBody>
+          <a:bodyPr anchor="b">
+            <a:noAutofit/>
+          </a:bodyPr>
+          <a:lstStyle>
+            <a:lvl1pPr marL="0" indent="0">
+              <a:buFontTx/>
+              <a:buNone/>
+              <a:defRPr sz="2400">
+                <a:solidFill>
+                  <a:schemeClr val="accent1"/>
+                </a:solidFill>
+              </a:defRPr>
+            </a:lvl1pPr>
+            <a:lvl2pPr marL="457200" indent="0">
+              <a:buFontTx/>
+              <a:buNone/>
+              <a:defRPr/>
+            </a:lvl2pPr>
+            <a:lvl3pPr marL="914400" indent="0">
+              <a:buFontTx/>
+              <a:buNone/>
+              <a:defRPr/>
+            </a:lvl3pPr>
+            <a:lvl4pPr marL="1371600" indent="0">
+              <a:buFontTx/>
+              <a:buNone/>
+              <a:defRPr/>
+            </a:lvl4pPr>
+            <a:lvl5pPr marL="1828800" indent="0">
+              <a:buFontTx/>
+              <a:buNone/>
+              <a:defRPr/>
+            </a:lvl5pPr>
+          </a:lstStyle>
+          <a:p>
+            <a:pPr lvl="0"/>
+            <a:r>
+              <a:rPr lang="en-US"/>
+              <a:t>Click to edit Master text styles</a:t>
+            </a:r>
+          </a:p>
+        </p:txBody>
+      </p:sp>
+      <p:sp>
+        <p:nvSpPr>
+          <p:cNvPr id="4" name="Text Placeholder 3"/>
+          <p:cNvSpPr>
+            <a:spLocks noGrp="1"/>
+          </p:cNvSpPr>
+          <p:nvPr>
+            <p:ph type="body" sz="half" idx="2"/>
+          </p:nvPr>
+        </p:nvSpPr>
+        <p:spPr>
+          <a:xfrm>
+            <a:off x="2589213" y="5181600"/>
+            <a:ext cx="8915400" cy="729622"/>
+          </a:xfrm>
+        </p:spPr>
+        <p:txBody>
+          <a:bodyPr vert="horz" lIns="91440" tIns="45720" rIns="91440" bIns="45720" rtlCol="0" anchor="t">
+            <a:normAutofit/>
+          </a:bodyPr>
+          <a:lstStyle>
+            <a:lvl1pPr>
+              <a:buNone/>
+              <a:defRPr lang="en-US">
+                <a:solidFill>
+                  <a:schemeClr val="tx1">
+                    <a:lumMod val="65000"/>
+                    <a:lumOff val="35000"/>
+                  </a:schemeClr>
+                </a:solidFill>
+              </a:defRPr>
+            </a:lvl1pPr>
+          </a:lstStyle>
+          <a:p>
+            <a:pPr marL="0" lvl="0" indent="0">
+              <a:buNone/>
+            </a:pPr>
+            <a:r>
+              <a:rPr lang="en-US"/>
+              <a:t>Click to edit Master text styles</a:t>
+            </a:r>
+          </a:p>
+        </p:txBody>
+      </p:sp>
+      <p:sp>
+        <p:nvSpPr>
+          <p:cNvPr id="5" name="Date Placeholder 4"/>
+          <p:cNvSpPr>
+            <a:spLocks noGrp="1"/>
+          </p:cNvSpPr>
+          <p:nvPr>
+            <p:ph type="dt" sz="half" idx="10"/>
+          </p:nvPr>
+        </p:nvSpPr>
+        <p:spPr/>
+        <p:txBody>
+          <a:bodyPr/>
+          <a:lstStyle/>
+          <a:p>
+            <a:fld id="{BC963854-0500-4533-9B56-A93F0BB014C2}" type="datetimeFigureOut">
+              <a:rPr lang="en-US" smtClean="0"/>
+              <a:t>3/19/2025</a:t>
+            </a:fld>
+            <a:endParaRPr lang="en-US"/>
+          </a:p>
+        </p:txBody>
+      </p:sp>
+      <p:sp>
+        <p:nvSpPr>
+          <p:cNvPr id="6" name="Footer Placeholder 5"/>
+          <p:cNvSpPr>
+            <a:spLocks noGrp="1"/>
+          </p:cNvSpPr>
+          <p:nvPr>
+            <p:ph type="ftr" sz="quarter" idx="11"/>
+          </p:nvPr>
+        </p:nvSpPr>
+        <p:spPr/>
+        <p:txBody>
+          <a:bodyPr/>
+          <a:lstStyle/>
+          <a:p>
+            <a:endParaRPr lang="en-US"/>
+          </a:p>
+        </p:txBody>
+      </p:sp>
+      <p:sp>
+        <p:nvSpPr>
+          <p:cNvPr id="9" name="Freeform 11"/>
+          <p:cNvSpPr/>
+          <p:nvPr/>
+        </p:nvSpPr>
+        <p:spPr bwMode="auto">
+          <a:xfrm flipV="1">
+            <a:off x="-4189" y="4911725"/>
+            <a:ext cx="1588527" cy="507297"/>
+          </a:xfrm>
+          <a:custGeom>
+            <a:avLst/>
+            <a:gdLst/>
+            <a:ahLst/>
+            <a:cxnLst/>
+            <a:rect l="l" t="t" r="r" b="b"/>
+            <a:pathLst>
+              <a:path w="9248" h="10000">
+                <a:moveTo>
+                  <a:pt x="9248" y="4701"/>
+                </a:moveTo>
+                <a:lnTo>
+                  <a:pt x="7915" y="188"/>
+                </a:lnTo>
+                <a:cubicBezTo>
+                  <a:pt x="7906" y="156"/>
+                  <a:pt x="7895" y="126"/>
+                  <a:pt x="7886" y="94"/>
+                </a:cubicBezTo>
+                <a:cubicBezTo>
+                  <a:pt x="7859" y="0"/>
+                  <a:pt x="7831" y="0"/>
+                  <a:pt x="7803" y="0"/>
+                </a:cubicBezTo>
+                <a:lnTo>
+                  <a:pt x="7275" y="0"/>
+                </a:lnTo>
+                <a:lnTo>
+                  <a:pt x="0" y="70"/>
+                </a:lnTo>
+                <a:cubicBezTo>
+                  <a:pt x="8" y="3380"/>
+                  <a:pt x="17" y="6690"/>
+                  <a:pt x="25" y="10000"/>
+                </a:cubicBezTo>
+                <a:lnTo>
+                  <a:pt x="7275" y="9966"/>
+                </a:lnTo>
+                <a:lnTo>
+                  <a:pt x="7803" y="9966"/>
+                </a:lnTo>
+                <a:cubicBezTo>
+                  <a:pt x="7831" y="9966"/>
+                  <a:pt x="7859" y="9872"/>
+                  <a:pt x="7886" y="9872"/>
+                </a:cubicBezTo>
+                <a:cubicBezTo>
+                  <a:pt x="7886" y="9778"/>
+                  <a:pt x="7915" y="9778"/>
+                  <a:pt x="7915" y="9778"/>
+                </a:cubicBezTo>
+                <a:lnTo>
+                  <a:pt x="9248" y="5265"/>
+                </a:lnTo>
+                <a:cubicBezTo>
+                  <a:pt x="9303" y="5077"/>
+                  <a:pt x="9303" y="4889"/>
+                  <a:pt x="9248" y="4701"/>
+                </a:cubicBezTo>
+                <a:close/>
+              </a:path>
+            </a:pathLst>
+          </a:custGeom>
+          <a:solidFill>
+            <a:schemeClr val="accent1"/>
+          </a:solidFill>
+          <a:ln>
+            <a:noFill/>
+          </a:ln>
+        </p:spPr>
+      </p:sp>
+      <p:sp>
+        <p:nvSpPr>
+          <p:cNvPr id="7" name="Slide Number Placeholder 6"/>
+          <p:cNvSpPr>
+            <a:spLocks noGrp="1"/>
+          </p:cNvSpPr>
+          <p:nvPr>
+            <p:ph type="sldNum" sz="quarter" idx="12"/>
+          </p:nvPr>
+        </p:nvSpPr>
+        <p:spPr>
+          <a:xfrm>
+            <a:off x="531812" y="4983087"/>
+            <a:ext cx="779767" cy="365125"/>
+          </a:xfrm>
+        </p:spPr>
+        <p:txBody>
+          <a:bodyPr/>
+          <a:lstStyle/>
+          <a:p>
+            <a:fld id="{130AC47B-80C8-4C1B-84E9-DE269DE6DDAD}" type="slidenum">
+              <a:rPr lang="en-US" smtClean="0"/>
+              <a:t>‹#›</a:t>
+            </a:fld>
+            <a:endParaRPr lang="en-US"/>
+          </a:p>
+        </p:txBody>
+      </p:sp>
+    </p:spTree>
+    <p:extLst>
+      <p:ext uri="{BB962C8B-B14F-4D97-AF65-F5344CB8AC3E}">
+        <p14:creationId xmlns:p14="http://schemas.microsoft.com/office/powerpoint/2010/main" val="1805318836"/>
+      </p:ext>
+    </p:extLst>
+  </p:cSld>
+  <p:clrMapOvr>
+    <a:masterClrMapping/>
+  </p:clrMapOvr>
+</p:sldLayout>
+</file>
+
+<file path=ppt/slideLayouts/slideLayout15.xml><?xml version="1.0" encoding="utf-8"?>
 <p:sldLayout xmlns:a="http://schemas.openxmlformats.org/drawingml/2006/main" xmlns:r="http://schemas.openxmlformats.org/officeDocument/2006/relationships" xmlns:p="http://schemas.openxmlformats.org/presentationml/2006/main" type="vertTx" preserve="1">
   <p:cSld name="Title and Vertical Text">
     <p:spTree>
@@ -787,7 +2727,7 @@
         </p:nvSpPr>
         <p:spPr/>
         <p:txBody>
-          <a:bodyPr vert="eaVert"/>
+          <a:bodyPr vert="eaVert" anchor="t"/>
           <a:lstStyle/>
           <a:p>
             <a:pPr lvl="0"/>
@@ -844,7 +2784,7 @@
           <a:p>
             <a:fld id="{BC963854-0500-4533-9B56-A93F0BB014C2}" type="datetimeFigureOut">
               <a:rPr lang="en-US" smtClean="0"/>
-              <a:t>3/7/2025</a:t>
+              <a:t>3/19/2025</a:t>
             </a:fld>
             <a:endParaRPr lang="en-US"/>
           </a:p>
@@ -868,6 +2808,88 @@
             <a:endParaRPr lang="en-US"/>
           </a:p>
         </p:txBody>
+      </p:sp>
+      <p:sp>
+        <p:nvSpPr>
+          <p:cNvPr id="8" name="Freeform 11"/>
+          <p:cNvSpPr/>
+          <p:nvPr/>
+        </p:nvSpPr>
+        <p:spPr bwMode="auto">
+          <a:xfrm flipV="1">
+            <a:off x="-4189" y="714375"/>
+            <a:ext cx="1588527" cy="507297"/>
+          </a:xfrm>
+          <a:custGeom>
+            <a:avLst/>
+            <a:gdLst/>
+            <a:ahLst/>
+            <a:cxnLst/>
+            <a:rect l="l" t="t" r="r" b="b"/>
+            <a:pathLst>
+              <a:path w="9248" h="10000">
+                <a:moveTo>
+                  <a:pt x="9248" y="4701"/>
+                </a:moveTo>
+                <a:lnTo>
+                  <a:pt x="7915" y="188"/>
+                </a:lnTo>
+                <a:cubicBezTo>
+                  <a:pt x="7906" y="156"/>
+                  <a:pt x="7895" y="126"/>
+                  <a:pt x="7886" y="94"/>
+                </a:cubicBezTo>
+                <a:cubicBezTo>
+                  <a:pt x="7859" y="0"/>
+                  <a:pt x="7831" y="0"/>
+                  <a:pt x="7803" y="0"/>
+                </a:cubicBezTo>
+                <a:lnTo>
+                  <a:pt x="7275" y="0"/>
+                </a:lnTo>
+                <a:lnTo>
+                  <a:pt x="0" y="70"/>
+                </a:lnTo>
+                <a:cubicBezTo>
+                  <a:pt x="8" y="3380"/>
+                  <a:pt x="17" y="6690"/>
+                  <a:pt x="25" y="10000"/>
+                </a:cubicBezTo>
+                <a:lnTo>
+                  <a:pt x="7275" y="9966"/>
+                </a:lnTo>
+                <a:lnTo>
+                  <a:pt x="7803" y="9966"/>
+                </a:lnTo>
+                <a:cubicBezTo>
+                  <a:pt x="7831" y="9966"/>
+                  <a:pt x="7859" y="9872"/>
+                  <a:pt x="7886" y="9872"/>
+                </a:cubicBezTo>
+                <a:cubicBezTo>
+                  <a:pt x="7886" y="9778"/>
+                  <a:pt x="7915" y="9778"/>
+                  <a:pt x="7915" y="9778"/>
+                </a:cubicBezTo>
+                <a:lnTo>
+                  <a:pt x="9248" y="5265"/>
+                </a:lnTo>
+                <a:cubicBezTo>
+                  <a:pt x="9303" y="5077"/>
+                  <a:pt x="9303" y="4889"/>
+                  <a:pt x="9248" y="4701"/>
+                </a:cubicBezTo>
+                <a:close/>
+              </a:path>
+            </a:pathLst>
+          </a:custGeom>
+          <a:solidFill>
+            <a:schemeClr val="accent1"/>
+          </a:solidFill>
+          <a:ln>
+            <a:noFill/>
+          </a:ln>
+        </p:spPr>
       </p:sp>
       <p:sp>
         <p:nvSpPr>
@@ -895,7 +2917,7 @@
     </p:spTree>
     <p:extLst>
       <p:ext uri="{BB962C8B-B14F-4D97-AF65-F5344CB8AC3E}">
-        <p14:creationId xmlns:p14="http://schemas.microsoft.com/office/powerpoint/2010/main" val="2034649139"/>
+        <p14:creationId xmlns:p14="http://schemas.microsoft.com/office/powerpoint/2010/main" val="654380367"/>
       </p:ext>
     </p:extLst>
   </p:cSld>
@@ -905,7 +2927,7 @@
 </p:sldLayout>
 </file>
 
-<file path=ppt/slideLayouts/slideLayout11.xml><?xml version="1.0" encoding="utf-8"?>
+<file path=ppt/slideLayouts/slideLayout16.xml><?xml version="1.0" encoding="utf-8"?>
 <p:sldLayout xmlns:a="http://schemas.openxmlformats.org/drawingml/2006/main" xmlns:r="http://schemas.openxmlformats.org/officeDocument/2006/relationships" xmlns:p="http://schemas.openxmlformats.org/presentationml/2006/main" type="vertTitleAndTx" preserve="1">
   <p:cSld name="Vertical Title and Text">
     <p:spTree>
@@ -934,42 +2956,42 @@
         </p:nvSpPr>
         <p:spPr>
           <a:xfrm>
-            <a:off x="8724900" y="365125"/>
-            <a:ext cx="2628900" cy="5811838"/>
+            <a:off x="9294812" y="627405"/>
+            <a:ext cx="2207601" cy="5283817"/>
           </a:xfrm>
         </p:spPr>
         <p:txBody>
+          <a:bodyPr vert="eaVert" anchor="ctr"/>
+          <a:lstStyle/>
+          <a:p>
+            <a:r>
+              <a:rPr lang="en-US"/>
+              <a:t>Click to edit Master title style</a:t>
+            </a:r>
+            <a:endParaRPr lang="en-US" dirty="0"/>
+          </a:p>
+        </p:txBody>
+      </p:sp>
+      <p:sp>
+        <p:nvSpPr>
+          <p:cNvPr id="3" name="Vertical Text Placeholder 2"/>
+          <p:cNvSpPr>
+            <a:spLocks noGrp="1"/>
+          </p:cNvSpPr>
+          <p:nvPr>
+            <p:ph type="body" orient="vert" idx="1"/>
+          </p:nvPr>
+        </p:nvSpPr>
+        <p:spPr>
+          <a:xfrm>
+            <a:off x="2589212" y="627405"/>
+            <a:ext cx="6477000" cy="5283817"/>
+          </a:xfrm>
+        </p:spPr>
+        <p:txBody>
           <a:bodyPr vert="eaVert"/>
           <a:lstStyle/>
           <a:p>
-            <a:r>
-              <a:rPr lang="en-US"/>
-              <a:t>Click to edit Master title style</a:t>
-            </a:r>
-            <a:endParaRPr lang="en-US" dirty="0"/>
-          </a:p>
-        </p:txBody>
-      </p:sp>
-      <p:sp>
-        <p:nvSpPr>
-          <p:cNvPr id="3" name="Vertical Text Placeholder 2"/>
-          <p:cNvSpPr>
-            <a:spLocks noGrp="1"/>
-          </p:cNvSpPr>
-          <p:nvPr>
-            <p:ph type="body" orient="vert" idx="1"/>
-          </p:nvPr>
-        </p:nvSpPr>
-        <p:spPr>
-          <a:xfrm>
-            <a:off x="838200" y="365125"/>
-            <a:ext cx="7734300" cy="5811838"/>
-          </a:xfrm>
-        </p:spPr>
-        <p:txBody>
-          <a:bodyPr vert="eaVert"/>
-          <a:lstStyle/>
-          <a:p>
             <a:pPr lvl="0"/>
             <a:r>
               <a:rPr lang="en-US"/>
@@ -1024,7 +3046,7 @@
           <a:p>
             <a:fld id="{BC963854-0500-4533-9B56-A93F0BB014C2}" type="datetimeFigureOut">
               <a:rPr lang="en-US" smtClean="0"/>
-              <a:t>3/7/2025</a:t>
+              <a:t>3/19/2025</a:t>
             </a:fld>
             <a:endParaRPr lang="en-US"/>
           </a:p>
@@ -1048,6 +3070,88 @@
             <a:endParaRPr lang="en-US"/>
           </a:p>
         </p:txBody>
+      </p:sp>
+      <p:sp>
+        <p:nvSpPr>
+          <p:cNvPr id="8" name="Freeform 11"/>
+          <p:cNvSpPr/>
+          <p:nvPr/>
+        </p:nvSpPr>
+        <p:spPr bwMode="auto">
+          <a:xfrm flipV="1">
+            <a:off x="-4189" y="714375"/>
+            <a:ext cx="1588527" cy="507297"/>
+          </a:xfrm>
+          <a:custGeom>
+            <a:avLst/>
+            <a:gdLst/>
+            <a:ahLst/>
+            <a:cxnLst/>
+            <a:rect l="l" t="t" r="r" b="b"/>
+            <a:pathLst>
+              <a:path w="9248" h="10000">
+                <a:moveTo>
+                  <a:pt x="9248" y="4701"/>
+                </a:moveTo>
+                <a:lnTo>
+                  <a:pt x="7915" y="188"/>
+                </a:lnTo>
+                <a:cubicBezTo>
+                  <a:pt x="7906" y="156"/>
+                  <a:pt x="7895" y="126"/>
+                  <a:pt x="7886" y="94"/>
+                </a:cubicBezTo>
+                <a:cubicBezTo>
+                  <a:pt x="7859" y="0"/>
+                  <a:pt x="7831" y="0"/>
+                  <a:pt x="7803" y="0"/>
+                </a:cubicBezTo>
+                <a:lnTo>
+                  <a:pt x="7275" y="0"/>
+                </a:lnTo>
+                <a:lnTo>
+                  <a:pt x="0" y="70"/>
+                </a:lnTo>
+                <a:cubicBezTo>
+                  <a:pt x="8" y="3380"/>
+                  <a:pt x="17" y="6690"/>
+                  <a:pt x="25" y="10000"/>
+                </a:cubicBezTo>
+                <a:lnTo>
+                  <a:pt x="7275" y="9966"/>
+                </a:lnTo>
+                <a:lnTo>
+                  <a:pt x="7803" y="9966"/>
+                </a:lnTo>
+                <a:cubicBezTo>
+                  <a:pt x="7831" y="9966"/>
+                  <a:pt x="7859" y="9872"/>
+                  <a:pt x="7886" y="9872"/>
+                </a:cubicBezTo>
+                <a:cubicBezTo>
+                  <a:pt x="7886" y="9778"/>
+                  <a:pt x="7915" y="9778"/>
+                  <a:pt x="7915" y="9778"/>
+                </a:cubicBezTo>
+                <a:lnTo>
+                  <a:pt x="9248" y="5265"/>
+                </a:lnTo>
+                <a:cubicBezTo>
+                  <a:pt x="9303" y="5077"/>
+                  <a:pt x="9303" y="4889"/>
+                  <a:pt x="9248" y="4701"/>
+                </a:cubicBezTo>
+                <a:close/>
+              </a:path>
+            </a:pathLst>
+          </a:custGeom>
+          <a:solidFill>
+            <a:schemeClr val="accent1"/>
+          </a:solidFill>
+          <a:ln>
+            <a:noFill/>
+          </a:ln>
+        </p:spPr>
       </p:sp>
       <p:sp>
         <p:nvSpPr>
@@ -1075,7 +3179,7 @@
     </p:spTree>
     <p:extLst>
       <p:ext uri="{BB962C8B-B14F-4D97-AF65-F5344CB8AC3E}">
-        <p14:creationId xmlns:p14="http://schemas.microsoft.com/office/powerpoint/2010/main" val="1981142780"/>
+        <p14:creationId xmlns:p14="http://schemas.microsoft.com/office/powerpoint/2010/main" val="2370527327"/>
       </p:ext>
     </p:extLst>
   </p:cSld>
@@ -1112,7 +3216,12 @@
             <p:ph type="title"/>
           </p:nvPr>
         </p:nvSpPr>
-        <p:spPr/>
+        <p:spPr>
+          <a:xfrm>
+            <a:off x="2592925" y="624110"/>
+            <a:ext cx="8911687" cy="1280890"/>
+          </a:xfrm>
+        </p:spPr>
         <p:txBody>
           <a:bodyPr/>
           <a:lstStyle/>
@@ -1135,7 +3244,12 @@
             <p:ph idx="1"/>
           </p:nvPr>
         </p:nvSpPr>
-        <p:spPr/>
+        <p:spPr>
+          <a:xfrm>
+            <a:off x="2589212" y="2133600"/>
+            <a:ext cx="8915400" cy="3777622"/>
+          </a:xfrm>
+        </p:spPr>
         <p:txBody>
           <a:bodyPr/>
           <a:lstStyle/>
@@ -1194,7 +3308,7 @@
           <a:p>
             <a:fld id="{BC963854-0500-4533-9B56-A93F0BB014C2}" type="datetimeFigureOut">
               <a:rPr lang="en-US" smtClean="0"/>
-              <a:t>3/7/2025</a:t>
+              <a:t>3/19/2025</a:t>
             </a:fld>
             <a:endParaRPr lang="en-US"/>
           </a:p>
@@ -1218,6 +3332,88 @@
             <a:endParaRPr lang="en-US"/>
           </a:p>
         </p:txBody>
+      </p:sp>
+      <p:sp>
+        <p:nvSpPr>
+          <p:cNvPr id="8" name="Freeform 11"/>
+          <p:cNvSpPr/>
+          <p:nvPr/>
+        </p:nvSpPr>
+        <p:spPr bwMode="auto">
+          <a:xfrm flipV="1">
+            <a:off x="-4189" y="714375"/>
+            <a:ext cx="1588527" cy="507297"/>
+          </a:xfrm>
+          <a:custGeom>
+            <a:avLst/>
+            <a:gdLst/>
+            <a:ahLst/>
+            <a:cxnLst/>
+            <a:rect l="l" t="t" r="r" b="b"/>
+            <a:pathLst>
+              <a:path w="9248" h="10000">
+                <a:moveTo>
+                  <a:pt x="9248" y="4701"/>
+                </a:moveTo>
+                <a:lnTo>
+                  <a:pt x="7915" y="188"/>
+                </a:lnTo>
+                <a:cubicBezTo>
+                  <a:pt x="7906" y="156"/>
+                  <a:pt x="7895" y="126"/>
+                  <a:pt x="7886" y="94"/>
+                </a:cubicBezTo>
+                <a:cubicBezTo>
+                  <a:pt x="7859" y="0"/>
+                  <a:pt x="7831" y="0"/>
+                  <a:pt x="7803" y="0"/>
+                </a:cubicBezTo>
+                <a:lnTo>
+                  <a:pt x="7275" y="0"/>
+                </a:lnTo>
+                <a:lnTo>
+                  <a:pt x="0" y="70"/>
+                </a:lnTo>
+                <a:cubicBezTo>
+                  <a:pt x="8" y="3380"/>
+                  <a:pt x="17" y="6690"/>
+                  <a:pt x="25" y="10000"/>
+                </a:cubicBezTo>
+                <a:lnTo>
+                  <a:pt x="7275" y="9966"/>
+                </a:lnTo>
+                <a:lnTo>
+                  <a:pt x="7803" y="9966"/>
+                </a:lnTo>
+                <a:cubicBezTo>
+                  <a:pt x="7831" y="9966"/>
+                  <a:pt x="7859" y="9872"/>
+                  <a:pt x="7886" y="9872"/>
+                </a:cubicBezTo>
+                <a:cubicBezTo>
+                  <a:pt x="7886" y="9778"/>
+                  <a:pt x="7915" y="9778"/>
+                  <a:pt x="7915" y="9778"/>
+                </a:cubicBezTo>
+                <a:lnTo>
+                  <a:pt x="9248" y="5265"/>
+                </a:lnTo>
+                <a:cubicBezTo>
+                  <a:pt x="9303" y="5077"/>
+                  <a:pt x="9303" y="4889"/>
+                  <a:pt x="9248" y="4701"/>
+                </a:cubicBezTo>
+                <a:close/>
+              </a:path>
+            </a:pathLst>
+          </a:custGeom>
+          <a:solidFill>
+            <a:schemeClr val="accent1"/>
+          </a:solidFill>
+          <a:ln>
+            <a:noFill/>
+          </a:ln>
+        </p:spPr>
       </p:sp>
       <p:sp>
         <p:nvSpPr>
@@ -1245,7 +3441,7 @@
     </p:spTree>
     <p:extLst>
       <p:ext uri="{BB962C8B-B14F-4D97-AF65-F5344CB8AC3E}">
-        <p14:creationId xmlns:p14="http://schemas.microsoft.com/office/powerpoint/2010/main" val="1180220797"/>
+        <p14:creationId xmlns:p14="http://schemas.microsoft.com/office/powerpoint/2010/main" val="513008684"/>
       </p:ext>
     </p:extLst>
   </p:cSld>
@@ -1284,15 +3480,15 @@
         </p:nvSpPr>
         <p:spPr>
           <a:xfrm>
-            <a:off x="831850" y="1709738"/>
-            <a:ext cx="10515600" cy="2852737"/>
+            <a:off x="2589212" y="2058750"/>
+            <a:ext cx="8915399" cy="1468800"/>
           </a:xfrm>
         </p:spPr>
         <p:txBody>
           <a:bodyPr anchor="b"/>
           <a:lstStyle>
-            <a:lvl1pPr>
-              <a:defRPr sz="6000"/>
+            <a:lvl1pPr algn="l">
+              <a:defRPr sz="4000" b="0" cap="none"/>
             </a:lvl1pPr>
           </a:lstStyle>
           <a:p>
@@ -1316,26 +3512,27 @@
         </p:nvSpPr>
         <p:spPr>
           <a:xfrm>
-            <a:off x="831850" y="4589463"/>
-            <a:ext cx="10515600" cy="1500187"/>
+            <a:off x="2589212" y="3530129"/>
+            <a:ext cx="8915399" cy="860400"/>
           </a:xfrm>
         </p:spPr>
         <p:txBody>
-          <a:bodyPr/>
+          <a:bodyPr anchor="t"/>
           <a:lstStyle>
-            <a:lvl1pPr marL="0" indent="0">
-              <a:buNone/>
-              <a:defRPr sz="2400">
+            <a:lvl1pPr marL="0" indent="0" algn="l">
+              <a:buNone/>
+              <a:defRPr sz="2000">
                 <a:solidFill>
                   <a:schemeClr val="tx1">
-                    <a:tint val="75000"/>
+                    <a:lumMod val="65000"/>
+                    <a:lumOff val="35000"/>
                   </a:schemeClr>
                 </a:solidFill>
               </a:defRPr>
             </a:lvl1pPr>
             <a:lvl2pPr marL="457200" indent="0">
               <a:buNone/>
-              <a:defRPr sz="2000">
+              <a:defRPr sz="1800">
                 <a:solidFill>
                   <a:schemeClr val="tx1">
                     <a:tint val="75000"/>
@@ -1345,7 +3542,7 @@
             </a:lvl2pPr>
             <a:lvl3pPr marL="914400" indent="0">
               <a:buNone/>
-              <a:defRPr sz="1800">
+              <a:defRPr sz="1600">
                 <a:solidFill>
                   <a:schemeClr val="tx1">
                     <a:tint val="75000"/>
@@ -1355,7 +3552,7 @@
             </a:lvl3pPr>
             <a:lvl4pPr marL="1371600" indent="0">
               <a:buNone/>
-              <a:defRPr sz="1600">
+              <a:defRPr sz="1400">
                 <a:solidFill>
                   <a:schemeClr val="tx1">
                     <a:tint val="75000"/>
@@ -1365,7 +3562,7 @@
             </a:lvl4pPr>
             <a:lvl5pPr marL="1828800" indent="0">
               <a:buNone/>
-              <a:defRPr sz="1600">
+              <a:defRPr sz="1400">
                 <a:solidFill>
                   <a:schemeClr val="tx1">
                     <a:tint val="75000"/>
@@ -1375,7 +3572,7 @@
             </a:lvl5pPr>
             <a:lvl6pPr marL="2286000" indent="0">
               <a:buNone/>
-              <a:defRPr sz="1600">
+              <a:defRPr sz="1400">
                 <a:solidFill>
                   <a:schemeClr val="tx1">
                     <a:tint val="75000"/>
@@ -1385,7 +3582,7 @@
             </a:lvl6pPr>
             <a:lvl7pPr marL="2743200" indent="0">
               <a:buNone/>
-              <a:defRPr sz="1600">
+              <a:defRPr sz="1400">
                 <a:solidFill>
                   <a:schemeClr val="tx1">
                     <a:tint val="75000"/>
@@ -1395,7 +3592,7 @@
             </a:lvl7pPr>
             <a:lvl8pPr marL="3200400" indent="0">
               <a:buNone/>
-              <a:defRPr sz="1600">
+              <a:defRPr sz="1400">
                 <a:solidFill>
                   <a:schemeClr val="tx1">
                     <a:tint val="75000"/>
@@ -1405,7 +3602,7 @@
             </a:lvl8pPr>
             <a:lvl9pPr marL="3657600" indent="0">
               <a:buNone/>
-              <a:defRPr sz="1600">
+              <a:defRPr sz="1400">
                 <a:solidFill>
                   <a:schemeClr val="tx1">
                     <a:tint val="75000"/>
@@ -1440,7 +3637,7 @@
           <a:p>
             <a:fld id="{BC963854-0500-4533-9B56-A93F0BB014C2}" type="datetimeFigureOut">
               <a:rPr lang="en-US" smtClean="0"/>
-              <a:t>3/7/2025</a:t>
+              <a:t>3/19/2025</a:t>
             </a:fld>
             <a:endParaRPr lang="en-US"/>
           </a:p>
@@ -1467,6 +3664,88 @@
       </p:sp>
       <p:sp>
         <p:nvSpPr>
+          <p:cNvPr id="9" name="Freeform 11"/>
+          <p:cNvSpPr/>
+          <p:nvPr/>
+        </p:nvSpPr>
+        <p:spPr bwMode="auto">
+          <a:xfrm flipV="1">
+            <a:off x="-4189" y="3178175"/>
+            <a:ext cx="1588527" cy="507297"/>
+          </a:xfrm>
+          <a:custGeom>
+            <a:avLst/>
+            <a:gdLst/>
+            <a:ahLst/>
+            <a:cxnLst/>
+            <a:rect l="l" t="t" r="r" b="b"/>
+            <a:pathLst>
+              <a:path w="9248" h="10000">
+                <a:moveTo>
+                  <a:pt x="9248" y="4701"/>
+                </a:moveTo>
+                <a:lnTo>
+                  <a:pt x="7915" y="188"/>
+                </a:lnTo>
+                <a:cubicBezTo>
+                  <a:pt x="7906" y="156"/>
+                  <a:pt x="7895" y="126"/>
+                  <a:pt x="7886" y="94"/>
+                </a:cubicBezTo>
+                <a:cubicBezTo>
+                  <a:pt x="7859" y="0"/>
+                  <a:pt x="7831" y="0"/>
+                  <a:pt x="7803" y="0"/>
+                </a:cubicBezTo>
+                <a:lnTo>
+                  <a:pt x="7275" y="0"/>
+                </a:lnTo>
+                <a:lnTo>
+                  <a:pt x="0" y="70"/>
+                </a:lnTo>
+                <a:cubicBezTo>
+                  <a:pt x="8" y="3380"/>
+                  <a:pt x="17" y="6690"/>
+                  <a:pt x="25" y="10000"/>
+                </a:cubicBezTo>
+                <a:lnTo>
+                  <a:pt x="7275" y="9966"/>
+                </a:lnTo>
+                <a:lnTo>
+                  <a:pt x="7803" y="9966"/>
+                </a:lnTo>
+                <a:cubicBezTo>
+                  <a:pt x="7831" y="9966"/>
+                  <a:pt x="7859" y="9872"/>
+                  <a:pt x="7886" y="9872"/>
+                </a:cubicBezTo>
+                <a:cubicBezTo>
+                  <a:pt x="7886" y="9778"/>
+                  <a:pt x="7915" y="9778"/>
+                  <a:pt x="7915" y="9778"/>
+                </a:cubicBezTo>
+                <a:lnTo>
+                  <a:pt x="9248" y="5265"/>
+                </a:lnTo>
+                <a:cubicBezTo>
+                  <a:pt x="9303" y="5077"/>
+                  <a:pt x="9303" y="4889"/>
+                  <a:pt x="9248" y="4701"/>
+                </a:cubicBezTo>
+                <a:close/>
+              </a:path>
+            </a:pathLst>
+          </a:custGeom>
+          <a:solidFill>
+            <a:schemeClr val="accent1"/>
+          </a:solidFill>
+          <a:ln>
+            <a:noFill/>
+          </a:ln>
+        </p:spPr>
+      </p:sp>
+      <p:sp>
+        <p:nvSpPr>
           <p:cNvPr id="6" name="Slide Number Placeholder 5"/>
           <p:cNvSpPr>
             <a:spLocks noGrp="1"/>
@@ -1475,7 +3754,12 @@
             <p:ph type="sldNum" sz="quarter" idx="12"/>
           </p:nvPr>
         </p:nvSpPr>
-        <p:spPr/>
+        <p:spPr>
+          <a:xfrm>
+            <a:off x="531812" y="3244139"/>
+            <a:ext cx="779767" cy="365125"/>
+          </a:xfrm>
+        </p:spPr>
         <p:txBody>
           <a:bodyPr/>
           <a:lstStyle/>
@@ -1491,7 +3775,7 @@
     </p:spTree>
     <p:extLst>
       <p:ext uri="{BB962C8B-B14F-4D97-AF65-F5344CB8AC3E}">
-        <p14:creationId xmlns:p14="http://schemas.microsoft.com/office/powerpoint/2010/main" val="2299610083"/>
+        <p14:creationId xmlns:p14="http://schemas.microsoft.com/office/powerpoint/2010/main" val="2578169843"/>
       </p:ext>
     </p:extLst>
   </p:cSld>
@@ -1520,7 +3804,7 @@
       </p:grpSpPr>
       <p:sp>
         <p:nvSpPr>
-          <p:cNvPr id="2" name="Title 1"/>
+          <p:cNvPr id="8" name="Title 7"/>
           <p:cNvSpPr>
             <a:spLocks noGrp="1"/>
           </p:cNvSpPr>
@@ -1553,161 +3837,252 @@
         </p:nvSpPr>
         <p:spPr>
           <a:xfrm>
-            <a:off x="838200" y="1825625"/>
-            <a:ext cx="5181600" cy="4351338"/>
+            <a:off x="2589212" y="2133600"/>
+            <a:ext cx="4313864" cy="3777622"/>
           </a:xfrm>
         </p:spPr>
         <p:txBody>
+          <a:bodyPr>
+            <a:normAutofit/>
+          </a:bodyPr>
+          <a:lstStyle/>
+          <a:p>
+            <a:pPr lvl="0"/>
+            <a:r>
+              <a:rPr lang="en-US"/>
+              <a:t>Click to edit Master text styles</a:t>
+            </a:r>
+          </a:p>
+          <a:p>
+            <a:pPr lvl="1"/>
+            <a:r>
+              <a:rPr lang="en-US"/>
+              <a:t>Second level</a:t>
+            </a:r>
+          </a:p>
+          <a:p>
+            <a:pPr lvl="2"/>
+            <a:r>
+              <a:rPr lang="en-US"/>
+              <a:t>Third level</a:t>
+            </a:r>
+          </a:p>
+          <a:p>
+            <a:pPr lvl="3"/>
+            <a:r>
+              <a:rPr lang="en-US"/>
+              <a:t>Fourth level</a:t>
+            </a:r>
+          </a:p>
+          <a:p>
+            <a:pPr lvl="4"/>
+            <a:r>
+              <a:rPr lang="en-US"/>
+              <a:t>Fifth level</a:t>
+            </a:r>
+            <a:endParaRPr lang="en-US" dirty="0"/>
+          </a:p>
+        </p:txBody>
+      </p:sp>
+      <p:sp>
+        <p:nvSpPr>
+          <p:cNvPr id="4" name="Content Placeholder 3"/>
+          <p:cNvSpPr>
+            <a:spLocks noGrp="1"/>
+          </p:cNvSpPr>
+          <p:nvPr>
+            <p:ph sz="half" idx="2"/>
+          </p:nvPr>
+        </p:nvSpPr>
+        <p:spPr>
+          <a:xfrm>
+            <a:off x="7190747" y="2126222"/>
+            <a:ext cx="4313864" cy="3777622"/>
+          </a:xfrm>
+        </p:spPr>
+        <p:txBody>
+          <a:bodyPr>
+            <a:normAutofit/>
+          </a:bodyPr>
+          <a:lstStyle/>
+          <a:p>
+            <a:pPr lvl="0"/>
+            <a:r>
+              <a:rPr lang="en-US"/>
+              <a:t>Click to edit Master text styles</a:t>
+            </a:r>
+          </a:p>
+          <a:p>
+            <a:pPr lvl="1"/>
+            <a:r>
+              <a:rPr lang="en-US"/>
+              <a:t>Second level</a:t>
+            </a:r>
+          </a:p>
+          <a:p>
+            <a:pPr lvl="2"/>
+            <a:r>
+              <a:rPr lang="en-US"/>
+              <a:t>Third level</a:t>
+            </a:r>
+          </a:p>
+          <a:p>
+            <a:pPr lvl="3"/>
+            <a:r>
+              <a:rPr lang="en-US"/>
+              <a:t>Fourth level</a:t>
+            </a:r>
+          </a:p>
+          <a:p>
+            <a:pPr lvl="4"/>
+            <a:r>
+              <a:rPr lang="en-US"/>
+              <a:t>Fifth level</a:t>
+            </a:r>
+            <a:endParaRPr lang="en-US" dirty="0"/>
+          </a:p>
+        </p:txBody>
+      </p:sp>
+      <p:sp>
+        <p:nvSpPr>
+          <p:cNvPr id="5" name="Date Placeholder 4"/>
+          <p:cNvSpPr>
+            <a:spLocks noGrp="1"/>
+          </p:cNvSpPr>
+          <p:nvPr>
+            <p:ph type="dt" sz="half" idx="10"/>
+          </p:nvPr>
+        </p:nvSpPr>
+        <p:spPr/>
+        <p:txBody>
           <a:bodyPr/>
           <a:lstStyle/>
           <a:p>
-            <a:pPr lvl="0"/>
-            <a:r>
-              <a:rPr lang="en-US"/>
-              <a:t>Click to edit Master text styles</a:t>
-            </a:r>
-          </a:p>
-          <a:p>
-            <a:pPr lvl="1"/>
-            <a:r>
-              <a:rPr lang="en-US"/>
-              <a:t>Second level</a:t>
-            </a:r>
-          </a:p>
-          <a:p>
-            <a:pPr lvl="2"/>
-            <a:r>
-              <a:rPr lang="en-US"/>
-              <a:t>Third level</a:t>
-            </a:r>
-          </a:p>
-          <a:p>
-            <a:pPr lvl="3"/>
-            <a:r>
-              <a:rPr lang="en-US"/>
-              <a:t>Fourth level</a:t>
-            </a:r>
-          </a:p>
-          <a:p>
-            <a:pPr lvl="4"/>
-            <a:r>
-              <a:rPr lang="en-US"/>
-              <a:t>Fifth level</a:t>
-            </a:r>
-            <a:endParaRPr lang="en-US" dirty="0"/>
-          </a:p>
-        </p:txBody>
-      </p:sp>
-      <p:sp>
-        <p:nvSpPr>
-          <p:cNvPr id="4" name="Content Placeholder 3"/>
-          <p:cNvSpPr>
-            <a:spLocks noGrp="1"/>
-          </p:cNvSpPr>
-          <p:nvPr>
-            <p:ph sz="half" idx="2"/>
+            <a:fld id="{BC963854-0500-4533-9B56-A93F0BB014C2}" type="datetimeFigureOut">
+              <a:rPr lang="en-US" smtClean="0"/>
+              <a:t>3/19/2025</a:t>
+            </a:fld>
+            <a:endParaRPr lang="en-US"/>
+          </a:p>
+        </p:txBody>
+      </p:sp>
+      <p:sp>
+        <p:nvSpPr>
+          <p:cNvPr id="6" name="Footer Placeholder 5"/>
+          <p:cNvSpPr>
+            <a:spLocks noGrp="1"/>
+          </p:cNvSpPr>
+          <p:nvPr>
+            <p:ph type="ftr" sz="quarter" idx="11"/>
+          </p:nvPr>
+        </p:nvSpPr>
+        <p:spPr/>
+        <p:txBody>
+          <a:bodyPr/>
+          <a:lstStyle/>
+          <a:p>
+            <a:endParaRPr lang="en-US"/>
+          </a:p>
+        </p:txBody>
+      </p:sp>
+      <p:sp>
+        <p:nvSpPr>
+          <p:cNvPr id="10" name="Freeform 11"/>
+          <p:cNvSpPr/>
+          <p:nvPr/>
+        </p:nvSpPr>
+        <p:spPr bwMode="auto">
+          <a:xfrm flipV="1">
+            <a:off x="-4189" y="714375"/>
+            <a:ext cx="1588527" cy="507297"/>
+          </a:xfrm>
+          <a:custGeom>
+            <a:avLst/>
+            <a:gdLst/>
+            <a:ahLst/>
+            <a:cxnLst/>
+            <a:rect l="l" t="t" r="r" b="b"/>
+            <a:pathLst>
+              <a:path w="9248" h="10000">
+                <a:moveTo>
+                  <a:pt x="9248" y="4701"/>
+                </a:moveTo>
+                <a:lnTo>
+                  <a:pt x="7915" y="188"/>
+                </a:lnTo>
+                <a:cubicBezTo>
+                  <a:pt x="7906" y="156"/>
+                  <a:pt x="7895" y="126"/>
+                  <a:pt x="7886" y="94"/>
+                </a:cubicBezTo>
+                <a:cubicBezTo>
+                  <a:pt x="7859" y="0"/>
+                  <a:pt x="7831" y="0"/>
+                  <a:pt x="7803" y="0"/>
+                </a:cubicBezTo>
+                <a:lnTo>
+                  <a:pt x="7275" y="0"/>
+                </a:lnTo>
+                <a:lnTo>
+                  <a:pt x="0" y="70"/>
+                </a:lnTo>
+                <a:cubicBezTo>
+                  <a:pt x="8" y="3380"/>
+                  <a:pt x="17" y="6690"/>
+                  <a:pt x="25" y="10000"/>
+                </a:cubicBezTo>
+                <a:lnTo>
+                  <a:pt x="7275" y="9966"/>
+                </a:lnTo>
+                <a:lnTo>
+                  <a:pt x="7803" y="9966"/>
+                </a:lnTo>
+                <a:cubicBezTo>
+                  <a:pt x="7831" y="9966"/>
+                  <a:pt x="7859" y="9872"/>
+                  <a:pt x="7886" y="9872"/>
+                </a:cubicBezTo>
+                <a:cubicBezTo>
+                  <a:pt x="7886" y="9778"/>
+                  <a:pt x="7915" y="9778"/>
+                  <a:pt x="7915" y="9778"/>
+                </a:cubicBezTo>
+                <a:lnTo>
+                  <a:pt x="9248" y="5265"/>
+                </a:lnTo>
+                <a:cubicBezTo>
+                  <a:pt x="9303" y="5077"/>
+                  <a:pt x="9303" y="4889"/>
+                  <a:pt x="9248" y="4701"/>
+                </a:cubicBezTo>
+                <a:close/>
+              </a:path>
+            </a:pathLst>
+          </a:custGeom>
+          <a:solidFill>
+            <a:schemeClr val="accent1"/>
+          </a:solidFill>
+          <a:ln>
+            <a:noFill/>
+          </a:ln>
+        </p:spPr>
+      </p:sp>
+      <p:sp>
+        <p:nvSpPr>
+          <p:cNvPr id="11" name="Slide Number Placeholder 5"/>
+          <p:cNvSpPr>
+            <a:spLocks noGrp="1"/>
+          </p:cNvSpPr>
+          <p:nvPr>
+            <p:ph type="sldNum" sz="quarter" idx="12"/>
           </p:nvPr>
         </p:nvSpPr>
         <p:spPr>
           <a:xfrm>
-            <a:off x="6172200" y="1825625"/>
-            <a:ext cx="5181600" cy="4351338"/>
+            <a:off x="531812" y="787782"/>
+            <a:ext cx="779767" cy="365125"/>
           </a:xfrm>
         </p:spPr>
-        <p:txBody>
-          <a:bodyPr/>
-          <a:lstStyle/>
-          <a:p>
-            <a:pPr lvl="0"/>
-            <a:r>
-              <a:rPr lang="en-US"/>
-              <a:t>Click to edit Master text styles</a:t>
-            </a:r>
-          </a:p>
-          <a:p>
-            <a:pPr lvl="1"/>
-            <a:r>
-              <a:rPr lang="en-US"/>
-              <a:t>Second level</a:t>
-            </a:r>
-          </a:p>
-          <a:p>
-            <a:pPr lvl="2"/>
-            <a:r>
-              <a:rPr lang="en-US"/>
-              <a:t>Third level</a:t>
-            </a:r>
-          </a:p>
-          <a:p>
-            <a:pPr lvl="3"/>
-            <a:r>
-              <a:rPr lang="en-US"/>
-              <a:t>Fourth level</a:t>
-            </a:r>
-          </a:p>
-          <a:p>
-            <a:pPr lvl="4"/>
-            <a:r>
-              <a:rPr lang="en-US"/>
-              <a:t>Fifth level</a:t>
-            </a:r>
-            <a:endParaRPr lang="en-US" dirty="0"/>
-          </a:p>
-        </p:txBody>
-      </p:sp>
-      <p:sp>
-        <p:nvSpPr>
-          <p:cNvPr id="5" name="Date Placeholder 4"/>
-          <p:cNvSpPr>
-            <a:spLocks noGrp="1"/>
-          </p:cNvSpPr>
-          <p:nvPr>
-            <p:ph type="dt" sz="half" idx="10"/>
-          </p:nvPr>
-        </p:nvSpPr>
-        <p:spPr/>
-        <p:txBody>
-          <a:bodyPr/>
-          <a:lstStyle/>
-          <a:p>
-            <a:fld id="{BC963854-0500-4533-9B56-A93F0BB014C2}" type="datetimeFigureOut">
-              <a:rPr lang="en-US" smtClean="0"/>
-              <a:t>3/7/2025</a:t>
-            </a:fld>
-            <a:endParaRPr lang="en-US"/>
-          </a:p>
-        </p:txBody>
-      </p:sp>
-      <p:sp>
-        <p:nvSpPr>
-          <p:cNvPr id="6" name="Footer Placeholder 5"/>
-          <p:cNvSpPr>
-            <a:spLocks noGrp="1"/>
-          </p:cNvSpPr>
-          <p:nvPr>
-            <p:ph type="ftr" sz="quarter" idx="11"/>
-          </p:nvPr>
-        </p:nvSpPr>
-        <p:spPr/>
-        <p:txBody>
-          <a:bodyPr/>
-          <a:lstStyle/>
-          <a:p>
-            <a:endParaRPr lang="en-US"/>
-          </a:p>
-        </p:txBody>
-      </p:sp>
-      <p:sp>
-        <p:nvSpPr>
-          <p:cNvPr id="7" name="Slide Number Placeholder 6"/>
-          <p:cNvSpPr>
-            <a:spLocks noGrp="1"/>
-          </p:cNvSpPr>
-          <p:nvPr>
-            <p:ph type="sldNum" sz="quarter" idx="12"/>
-          </p:nvPr>
-        </p:nvSpPr>
-        <p:spPr/>
         <p:txBody>
           <a:bodyPr/>
           <a:lstStyle/>
@@ -1723,7 +4098,7 @@
     </p:spTree>
     <p:extLst>
       <p:ext uri="{BB962C8B-B14F-4D97-AF65-F5344CB8AC3E}">
-        <p14:creationId xmlns:p14="http://schemas.microsoft.com/office/powerpoint/2010/main" val="557961411"/>
+        <p14:creationId xmlns:p14="http://schemas.microsoft.com/office/powerpoint/2010/main" val="363902808"/>
       </p:ext>
     </p:extLst>
   </p:cSld>
@@ -1752,54 +4127,51 @@
       </p:grpSpPr>
       <p:sp>
         <p:nvSpPr>
-          <p:cNvPr id="2" name="Title 1"/>
+          <p:cNvPr id="10" name="Title 9"/>
           <p:cNvSpPr>
             <a:spLocks noGrp="1"/>
           </p:cNvSpPr>
           <p:nvPr>
             <p:ph type="title"/>
+          </p:nvPr>
+        </p:nvSpPr>
+        <p:spPr/>
+        <p:txBody>
+          <a:bodyPr/>
+          <a:lstStyle/>
+          <a:p>
+            <a:r>
+              <a:rPr lang="en-US"/>
+              <a:t>Click to edit Master title style</a:t>
+            </a:r>
+            <a:endParaRPr lang="en-US" dirty="0"/>
+          </a:p>
+        </p:txBody>
+      </p:sp>
+      <p:sp>
+        <p:nvSpPr>
+          <p:cNvPr id="3" name="Text Placeholder 2"/>
+          <p:cNvSpPr>
+            <a:spLocks noGrp="1"/>
+          </p:cNvSpPr>
+          <p:nvPr>
+            <p:ph type="body" idx="1"/>
           </p:nvPr>
         </p:nvSpPr>
         <p:spPr>
           <a:xfrm>
-            <a:off x="839788" y="365125"/>
-            <a:ext cx="10515600" cy="1325563"/>
+            <a:off x="2939373" y="1972703"/>
+            <a:ext cx="3992732" cy="576262"/>
           </a:xfrm>
         </p:spPr>
         <p:txBody>
-          <a:bodyPr/>
-          <a:lstStyle/>
-          <a:p>
-            <a:r>
-              <a:rPr lang="en-US"/>
-              <a:t>Click to edit Master title style</a:t>
-            </a:r>
-            <a:endParaRPr lang="en-US" dirty="0"/>
-          </a:p>
-        </p:txBody>
-      </p:sp>
-      <p:sp>
-        <p:nvSpPr>
-          <p:cNvPr id="3" name="Text Placeholder 2"/>
-          <p:cNvSpPr>
-            <a:spLocks noGrp="1"/>
-          </p:cNvSpPr>
-          <p:nvPr>
-            <p:ph type="body" idx="1"/>
-          </p:nvPr>
-        </p:nvSpPr>
-        <p:spPr>
-          <a:xfrm>
-            <a:off x="839788" y="1681163"/>
-            <a:ext cx="5157787" cy="823912"/>
-          </a:xfrm>
-        </p:spPr>
-        <p:txBody>
-          <a:bodyPr anchor="b"/>
+          <a:bodyPr anchor="b">
+            <a:noAutofit/>
+          </a:bodyPr>
           <a:lstStyle>
             <a:lvl1pPr marL="0" indent="0">
               <a:buNone/>
-              <a:defRPr sz="2400" b="1"/>
+              <a:defRPr sz="2400" b="0"/>
             </a:lvl1pPr>
             <a:lvl2pPr marL="457200" indent="0">
               <a:buNone/>
@@ -1855,12 +4227,14 @@
         </p:nvSpPr>
         <p:spPr>
           <a:xfrm>
-            <a:off x="839788" y="2505075"/>
-            <a:ext cx="5157787" cy="3684588"/>
+            <a:off x="2589212" y="2548966"/>
+            <a:ext cx="4342893" cy="3354060"/>
           </a:xfrm>
         </p:spPr>
         <p:txBody>
-          <a:bodyPr/>
+          <a:bodyPr>
+            <a:normAutofit/>
+          </a:bodyPr>
           <a:lstStyle/>
           <a:p>
             <a:pPr lvl="0"/>
@@ -1912,16 +4286,18 @@
         </p:nvSpPr>
         <p:spPr>
           <a:xfrm>
-            <a:off x="6172200" y="1681163"/>
-            <a:ext cx="5183188" cy="823912"/>
+            <a:off x="7506629" y="1969475"/>
+            <a:ext cx="3999001" cy="576262"/>
           </a:xfrm>
         </p:spPr>
         <p:txBody>
-          <a:bodyPr anchor="b"/>
+          <a:bodyPr anchor="b">
+            <a:noAutofit/>
+          </a:bodyPr>
           <a:lstStyle>
             <a:lvl1pPr marL="0" indent="0">
               <a:buNone/>
-              <a:defRPr sz="2400" b="1"/>
+              <a:defRPr sz="2400" b="0"/>
             </a:lvl1pPr>
             <a:lvl2pPr marL="457200" indent="0">
               <a:buNone/>
@@ -1977,59 +4353,84 @@
         </p:nvSpPr>
         <p:spPr>
           <a:xfrm>
-            <a:off x="6172200" y="2505075"/>
-            <a:ext cx="5183188" cy="3684588"/>
+            <a:off x="7166957" y="2545738"/>
+            <a:ext cx="4338674" cy="3354060"/>
           </a:xfrm>
         </p:spPr>
         <p:txBody>
+          <a:bodyPr>
+            <a:normAutofit/>
+          </a:bodyPr>
+          <a:lstStyle/>
+          <a:p>
+            <a:pPr lvl="0"/>
+            <a:r>
+              <a:rPr lang="en-US"/>
+              <a:t>Click to edit Master text styles</a:t>
+            </a:r>
+          </a:p>
+          <a:p>
+            <a:pPr lvl="1"/>
+            <a:r>
+              <a:rPr lang="en-US"/>
+              <a:t>Second level</a:t>
+            </a:r>
+          </a:p>
+          <a:p>
+            <a:pPr lvl="2"/>
+            <a:r>
+              <a:rPr lang="en-US"/>
+              <a:t>Third level</a:t>
+            </a:r>
+          </a:p>
+          <a:p>
+            <a:pPr lvl="3"/>
+            <a:r>
+              <a:rPr lang="en-US"/>
+              <a:t>Fourth level</a:t>
+            </a:r>
+          </a:p>
+          <a:p>
+            <a:pPr lvl="4"/>
+            <a:r>
+              <a:rPr lang="en-US"/>
+              <a:t>Fifth level</a:t>
+            </a:r>
+            <a:endParaRPr lang="en-US" dirty="0"/>
+          </a:p>
+        </p:txBody>
+      </p:sp>
+      <p:sp>
+        <p:nvSpPr>
+          <p:cNvPr id="7" name="Date Placeholder 6"/>
+          <p:cNvSpPr>
+            <a:spLocks noGrp="1"/>
+          </p:cNvSpPr>
+          <p:nvPr>
+            <p:ph type="dt" sz="half" idx="10"/>
+          </p:nvPr>
+        </p:nvSpPr>
+        <p:spPr/>
+        <p:txBody>
           <a:bodyPr/>
           <a:lstStyle/>
           <a:p>
-            <a:pPr lvl="0"/>
-            <a:r>
-              <a:rPr lang="en-US"/>
-              <a:t>Click to edit Master text styles</a:t>
-            </a:r>
-          </a:p>
-          <a:p>
-            <a:pPr lvl="1"/>
-            <a:r>
-              <a:rPr lang="en-US"/>
-              <a:t>Second level</a:t>
-            </a:r>
-          </a:p>
-          <a:p>
-            <a:pPr lvl="2"/>
-            <a:r>
-              <a:rPr lang="en-US"/>
-              <a:t>Third level</a:t>
-            </a:r>
-          </a:p>
-          <a:p>
-            <a:pPr lvl="3"/>
-            <a:r>
-              <a:rPr lang="en-US"/>
-              <a:t>Fourth level</a:t>
-            </a:r>
-          </a:p>
-          <a:p>
-            <a:pPr lvl="4"/>
-            <a:r>
-              <a:rPr lang="en-US"/>
-              <a:t>Fifth level</a:t>
-            </a:r>
-            <a:endParaRPr lang="en-US" dirty="0"/>
-          </a:p>
-        </p:txBody>
-      </p:sp>
-      <p:sp>
-        <p:nvSpPr>
-          <p:cNvPr id="7" name="Date Placeholder 6"/>
-          <p:cNvSpPr>
-            <a:spLocks noGrp="1"/>
-          </p:cNvSpPr>
-          <p:nvPr>
-            <p:ph type="dt" sz="half" idx="10"/>
+            <a:fld id="{BC963854-0500-4533-9B56-A93F0BB014C2}" type="datetimeFigureOut">
+              <a:rPr lang="en-US" smtClean="0"/>
+              <a:t>3/19/2025</a:t>
+            </a:fld>
+            <a:endParaRPr lang="en-US"/>
+          </a:p>
+        </p:txBody>
+      </p:sp>
+      <p:sp>
+        <p:nvSpPr>
+          <p:cNvPr id="8" name="Footer Placeholder 7"/>
+          <p:cNvSpPr>
+            <a:spLocks noGrp="1"/>
+          </p:cNvSpPr>
+          <p:nvPr>
+            <p:ph type="ftr" sz="quarter" idx="11"/>
           </p:nvPr>
         </p:nvSpPr>
         <p:spPr/>
@@ -2037,36 +4438,95 @@
           <a:bodyPr/>
           <a:lstStyle/>
           <a:p>
-            <a:fld id="{BC963854-0500-4533-9B56-A93F0BB014C2}" type="datetimeFigureOut">
-              <a:rPr lang="en-US" smtClean="0"/>
-              <a:t>3/7/2025</a:t>
-            </a:fld>
             <a:endParaRPr lang="en-US"/>
           </a:p>
         </p:txBody>
       </p:sp>
       <p:sp>
         <p:nvSpPr>
-          <p:cNvPr id="8" name="Footer Placeholder 7"/>
-          <p:cNvSpPr>
-            <a:spLocks noGrp="1"/>
-          </p:cNvSpPr>
-          <p:nvPr>
-            <p:ph type="ftr" sz="quarter" idx="11"/>
-          </p:nvPr>
-        </p:nvSpPr>
-        <p:spPr/>
-        <p:txBody>
-          <a:bodyPr/>
-          <a:lstStyle/>
-          <a:p>
-            <a:endParaRPr lang="en-US"/>
-          </a:p>
-        </p:txBody>
-      </p:sp>
-      <p:sp>
-        <p:nvSpPr>
-          <p:cNvPr id="9" name="Slide Number Placeholder 8"/>
+          <p:cNvPr id="12" name="Freeform 11"/>
+          <p:cNvSpPr/>
+          <p:nvPr/>
+        </p:nvSpPr>
+        <p:spPr bwMode="auto">
+          <a:xfrm flipV="1">
+            <a:off x="-4189" y="714375"/>
+            <a:ext cx="1588527" cy="507297"/>
+          </a:xfrm>
+          <a:custGeom>
+            <a:avLst/>
+            <a:gdLst/>
+            <a:ahLst/>
+            <a:cxnLst/>
+            <a:rect l="l" t="t" r="r" b="b"/>
+            <a:pathLst>
+              <a:path w="9248" h="10000">
+                <a:moveTo>
+                  <a:pt x="9248" y="4701"/>
+                </a:moveTo>
+                <a:lnTo>
+                  <a:pt x="7915" y="188"/>
+                </a:lnTo>
+                <a:cubicBezTo>
+                  <a:pt x="7906" y="156"/>
+                  <a:pt x="7895" y="126"/>
+                  <a:pt x="7886" y="94"/>
+                </a:cubicBezTo>
+                <a:cubicBezTo>
+                  <a:pt x="7859" y="0"/>
+                  <a:pt x="7831" y="0"/>
+                  <a:pt x="7803" y="0"/>
+                </a:cubicBezTo>
+                <a:lnTo>
+                  <a:pt x="7275" y="0"/>
+                </a:lnTo>
+                <a:lnTo>
+                  <a:pt x="0" y="70"/>
+                </a:lnTo>
+                <a:cubicBezTo>
+                  <a:pt x="8" y="3380"/>
+                  <a:pt x="17" y="6690"/>
+                  <a:pt x="25" y="10000"/>
+                </a:cubicBezTo>
+                <a:lnTo>
+                  <a:pt x="7275" y="9966"/>
+                </a:lnTo>
+                <a:lnTo>
+                  <a:pt x="7803" y="9966"/>
+                </a:lnTo>
+                <a:cubicBezTo>
+                  <a:pt x="7831" y="9966"/>
+                  <a:pt x="7859" y="9872"/>
+                  <a:pt x="7886" y="9872"/>
+                </a:cubicBezTo>
+                <a:cubicBezTo>
+                  <a:pt x="7886" y="9778"/>
+                  <a:pt x="7915" y="9778"/>
+                  <a:pt x="7915" y="9778"/>
+                </a:cubicBezTo>
+                <a:lnTo>
+                  <a:pt x="9248" y="5265"/>
+                </a:lnTo>
+                <a:cubicBezTo>
+                  <a:pt x="9303" y="5077"/>
+                  <a:pt x="9303" y="4889"/>
+                  <a:pt x="9248" y="4701"/>
+                </a:cubicBezTo>
+                <a:close/>
+              </a:path>
+            </a:pathLst>
+          </a:custGeom>
+          <a:solidFill>
+            <a:schemeClr val="accent1"/>
+          </a:solidFill>
+          <a:ln>
+            <a:noFill/>
+          </a:ln>
+        </p:spPr>
+      </p:sp>
+      <p:sp>
+        <p:nvSpPr>
+          <p:cNvPr id="13" name="Slide Number Placeholder 5"/>
           <p:cNvSpPr>
             <a:spLocks noGrp="1"/>
           </p:cNvSpPr>
@@ -2074,7 +4534,12 @@
             <p:ph type="sldNum" sz="quarter" idx="12"/>
           </p:nvPr>
         </p:nvSpPr>
-        <p:spPr/>
+        <p:spPr>
+          <a:xfrm>
+            <a:off x="531812" y="787782"/>
+            <a:ext cx="779767" cy="365125"/>
+          </a:xfrm>
+        </p:spPr>
         <p:txBody>
           <a:bodyPr/>
           <a:lstStyle/>
@@ -2090,7 +4555,7 @@
     </p:spTree>
     <p:extLst>
       <p:ext uri="{BB962C8B-B14F-4D97-AF65-F5344CB8AC3E}">
-        <p14:creationId xmlns:p14="http://schemas.microsoft.com/office/powerpoint/2010/main" val="917203123"/>
+        <p14:creationId xmlns:p14="http://schemas.microsoft.com/office/powerpoint/2010/main" val="967172575"/>
       </p:ext>
     </p:extLst>
   </p:cSld>
@@ -2157,7 +4622,7 @@
           <a:p>
             <a:fld id="{BC963854-0500-4533-9B56-A93F0BB014C2}" type="datetimeFigureOut">
               <a:rPr lang="en-US" smtClean="0"/>
-              <a:t>3/7/2025</a:t>
+              <a:t>3/19/2025</a:t>
             </a:fld>
             <a:endParaRPr lang="en-US"/>
           </a:p>
@@ -2181,6 +4646,88 @@
             <a:endParaRPr lang="en-US"/>
           </a:p>
         </p:txBody>
+      </p:sp>
+      <p:sp>
+        <p:nvSpPr>
+          <p:cNvPr id="7" name="Freeform 11"/>
+          <p:cNvSpPr/>
+          <p:nvPr/>
+        </p:nvSpPr>
+        <p:spPr bwMode="auto">
+          <a:xfrm flipV="1">
+            <a:off x="-4189" y="714375"/>
+            <a:ext cx="1588527" cy="507297"/>
+          </a:xfrm>
+          <a:custGeom>
+            <a:avLst/>
+            <a:gdLst/>
+            <a:ahLst/>
+            <a:cxnLst/>
+            <a:rect l="l" t="t" r="r" b="b"/>
+            <a:pathLst>
+              <a:path w="9248" h="10000">
+                <a:moveTo>
+                  <a:pt x="9248" y="4701"/>
+                </a:moveTo>
+                <a:lnTo>
+                  <a:pt x="7915" y="188"/>
+                </a:lnTo>
+                <a:cubicBezTo>
+                  <a:pt x="7906" y="156"/>
+                  <a:pt x="7895" y="126"/>
+                  <a:pt x="7886" y="94"/>
+                </a:cubicBezTo>
+                <a:cubicBezTo>
+                  <a:pt x="7859" y="0"/>
+                  <a:pt x="7831" y="0"/>
+                  <a:pt x="7803" y="0"/>
+                </a:cubicBezTo>
+                <a:lnTo>
+                  <a:pt x="7275" y="0"/>
+                </a:lnTo>
+                <a:lnTo>
+                  <a:pt x="0" y="70"/>
+                </a:lnTo>
+                <a:cubicBezTo>
+                  <a:pt x="8" y="3380"/>
+                  <a:pt x="17" y="6690"/>
+                  <a:pt x="25" y="10000"/>
+                </a:cubicBezTo>
+                <a:lnTo>
+                  <a:pt x="7275" y="9966"/>
+                </a:lnTo>
+                <a:lnTo>
+                  <a:pt x="7803" y="9966"/>
+                </a:lnTo>
+                <a:cubicBezTo>
+                  <a:pt x="7831" y="9966"/>
+                  <a:pt x="7859" y="9872"/>
+                  <a:pt x="7886" y="9872"/>
+                </a:cubicBezTo>
+                <a:cubicBezTo>
+                  <a:pt x="7886" y="9778"/>
+                  <a:pt x="7915" y="9778"/>
+                  <a:pt x="7915" y="9778"/>
+                </a:cubicBezTo>
+                <a:lnTo>
+                  <a:pt x="9248" y="5265"/>
+                </a:lnTo>
+                <a:cubicBezTo>
+                  <a:pt x="9303" y="5077"/>
+                  <a:pt x="9303" y="4889"/>
+                  <a:pt x="9248" y="4701"/>
+                </a:cubicBezTo>
+                <a:close/>
+              </a:path>
+            </a:pathLst>
+          </a:custGeom>
+          <a:solidFill>
+            <a:schemeClr val="accent1"/>
+          </a:solidFill>
+          <a:ln>
+            <a:noFill/>
+          </a:ln>
+        </p:spPr>
       </p:sp>
       <p:sp>
         <p:nvSpPr>
@@ -2208,7 +4755,7 @@
     </p:spTree>
     <p:extLst>
       <p:ext uri="{BB962C8B-B14F-4D97-AF65-F5344CB8AC3E}">
-        <p14:creationId xmlns:p14="http://schemas.microsoft.com/office/powerpoint/2010/main" val="2844479652"/>
+        <p14:creationId xmlns:p14="http://schemas.microsoft.com/office/powerpoint/2010/main" val="136891028"/>
       </p:ext>
     </p:extLst>
   </p:cSld>
@@ -2252,7 +4799,7 @@
           <a:p>
             <a:fld id="{BC963854-0500-4533-9B56-A93F0BB014C2}" type="datetimeFigureOut">
               <a:rPr lang="en-US" smtClean="0"/>
-              <a:t>3/7/2025</a:t>
+              <a:t>3/19/2025</a:t>
             </a:fld>
             <a:endParaRPr lang="en-US"/>
           </a:p>
@@ -2276,6 +4823,88 @@
             <a:endParaRPr lang="en-US"/>
           </a:p>
         </p:txBody>
+      </p:sp>
+      <p:sp>
+        <p:nvSpPr>
+          <p:cNvPr id="6" name="Freeform 11"/>
+          <p:cNvSpPr/>
+          <p:nvPr/>
+        </p:nvSpPr>
+        <p:spPr bwMode="auto">
+          <a:xfrm flipV="1">
+            <a:off x="-4189" y="714375"/>
+            <a:ext cx="1588527" cy="507297"/>
+          </a:xfrm>
+          <a:custGeom>
+            <a:avLst/>
+            <a:gdLst/>
+            <a:ahLst/>
+            <a:cxnLst/>
+            <a:rect l="l" t="t" r="r" b="b"/>
+            <a:pathLst>
+              <a:path w="9248" h="10000">
+                <a:moveTo>
+                  <a:pt x="9248" y="4701"/>
+                </a:moveTo>
+                <a:lnTo>
+                  <a:pt x="7915" y="188"/>
+                </a:lnTo>
+                <a:cubicBezTo>
+                  <a:pt x="7906" y="156"/>
+                  <a:pt x="7895" y="126"/>
+                  <a:pt x="7886" y="94"/>
+                </a:cubicBezTo>
+                <a:cubicBezTo>
+                  <a:pt x="7859" y="0"/>
+                  <a:pt x="7831" y="0"/>
+                  <a:pt x="7803" y="0"/>
+                </a:cubicBezTo>
+                <a:lnTo>
+                  <a:pt x="7275" y="0"/>
+                </a:lnTo>
+                <a:lnTo>
+                  <a:pt x="0" y="70"/>
+                </a:lnTo>
+                <a:cubicBezTo>
+                  <a:pt x="8" y="3380"/>
+                  <a:pt x="17" y="6690"/>
+                  <a:pt x="25" y="10000"/>
+                </a:cubicBezTo>
+                <a:lnTo>
+                  <a:pt x="7275" y="9966"/>
+                </a:lnTo>
+                <a:lnTo>
+                  <a:pt x="7803" y="9966"/>
+                </a:lnTo>
+                <a:cubicBezTo>
+                  <a:pt x="7831" y="9966"/>
+                  <a:pt x="7859" y="9872"/>
+                  <a:pt x="7886" y="9872"/>
+                </a:cubicBezTo>
+                <a:cubicBezTo>
+                  <a:pt x="7886" y="9778"/>
+                  <a:pt x="7915" y="9778"/>
+                  <a:pt x="7915" y="9778"/>
+                </a:cubicBezTo>
+                <a:lnTo>
+                  <a:pt x="9248" y="5265"/>
+                </a:lnTo>
+                <a:cubicBezTo>
+                  <a:pt x="9303" y="5077"/>
+                  <a:pt x="9303" y="4889"/>
+                  <a:pt x="9248" y="4701"/>
+                </a:cubicBezTo>
+                <a:close/>
+              </a:path>
+            </a:pathLst>
+          </a:custGeom>
+          <a:solidFill>
+            <a:schemeClr val="accent1"/>
+          </a:solidFill>
+          <a:ln>
+            <a:noFill/>
+          </a:ln>
+        </p:spPr>
       </p:sp>
       <p:sp>
         <p:nvSpPr>
@@ -2303,7 +4932,7 @@
     </p:spTree>
     <p:extLst>
       <p:ext uri="{BB962C8B-B14F-4D97-AF65-F5344CB8AC3E}">
-        <p14:creationId xmlns:p14="http://schemas.microsoft.com/office/powerpoint/2010/main" val="1201072827"/>
+        <p14:creationId xmlns:p14="http://schemas.microsoft.com/office/powerpoint/2010/main" val="1851499537"/>
       </p:ext>
     </p:extLst>
   </p:cSld>
@@ -2342,15 +4971,15 @@
         </p:nvSpPr>
         <p:spPr>
           <a:xfrm>
-            <a:off x="839788" y="457200"/>
-            <a:ext cx="3932237" cy="1600200"/>
+            <a:off x="2589212" y="446088"/>
+            <a:ext cx="3505199" cy="976312"/>
           </a:xfrm>
         </p:spPr>
         <p:txBody>
           <a:bodyPr anchor="b"/>
           <a:lstStyle>
-            <a:lvl1pPr>
-              <a:defRPr sz="3200"/>
+            <a:lvl1pPr algn="l">
+              <a:defRPr sz="2000" b="0"/>
             </a:lvl1pPr>
           </a:lstStyle>
           <a:p>
@@ -2374,41 +5003,15 @@
         </p:nvSpPr>
         <p:spPr>
           <a:xfrm>
-            <a:off x="5183188" y="987425"/>
-            <a:ext cx="6172200" cy="4873625"/>
+            <a:off x="6323012" y="446088"/>
+            <a:ext cx="5181600" cy="5414963"/>
           </a:xfrm>
         </p:spPr>
         <p:txBody>
-          <a:bodyPr/>
-          <a:lstStyle>
-            <a:lvl1pPr>
-              <a:defRPr sz="3200"/>
-            </a:lvl1pPr>
-            <a:lvl2pPr>
-              <a:defRPr sz="2800"/>
-            </a:lvl2pPr>
-            <a:lvl3pPr>
-              <a:defRPr sz="2400"/>
-            </a:lvl3pPr>
-            <a:lvl4pPr>
-              <a:defRPr sz="2000"/>
-            </a:lvl4pPr>
-            <a:lvl5pPr>
-              <a:defRPr sz="2000"/>
-            </a:lvl5pPr>
-            <a:lvl6pPr>
-              <a:defRPr sz="2000"/>
-            </a:lvl6pPr>
-            <a:lvl7pPr>
-              <a:defRPr sz="2000"/>
-            </a:lvl7pPr>
-            <a:lvl8pPr>
-              <a:defRPr sz="2000"/>
-            </a:lvl8pPr>
-            <a:lvl9pPr>
-              <a:defRPr sz="2000"/>
-            </a:lvl9pPr>
-          </a:lstStyle>
+          <a:bodyPr anchor="ctr">
+            <a:normAutofit/>
+          </a:bodyPr>
+          <a:lstStyle/>
           <a:p>
             <a:pPr lvl="0"/>
             <a:r>
@@ -2459,8 +5062,8 @@
         </p:nvSpPr>
         <p:spPr>
           <a:xfrm>
-            <a:off x="839788" y="2057400"/>
-            <a:ext cx="3932237" cy="3811588"/>
+            <a:off x="2589212" y="1598613"/>
+            <a:ext cx="3505199" cy="4262436"/>
           </a:xfrm>
         </p:spPr>
         <p:txBody>
@@ -2468,39 +5071,39 @@
           <a:lstStyle>
             <a:lvl1pPr marL="0" indent="0">
               <a:buNone/>
-              <a:defRPr sz="1600"/>
+              <a:defRPr sz="1400"/>
             </a:lvl1pPr>
             <a:lvl2pPr marL="457200" indent="0">
               <a:buNone/>
-              <a:defRPr sz="1400"/>
+              <a:defRPr sz="1200"/>
             </a:lvl2pPr>
             <a:lvl3pPr marL="914400" indent="0">
               <a:buNone/>
-              <a:defRPr sz="1200"/>
+              <a:defRPr sz="1000"/>
             </a:lvl3pPr>
             <a:lvl4pPr marL="1371600" indent="0">
               <a:buNone/>
-              <a:defRPr sz="1000"/>
+              <a:defRPr sz="900"/>
             </a:lvl4pPr>
             <a:lvl5pPr marL="1828800" indent="0">
               <a:buNone/>
-              <a:defRPr sz="1000"/>
+              <a:defRPr sz="900"/>
             </a:lvl5pPr>
             <a:lvl6pPr marL="2286000" indent="0">
               <a:buNone/>
-              <a:defRPr sz="1000"/>
+              <a:defRPr sz="900"/>
             </a:lvl6pPr>
             <a:lvl7pPr marL="2743200" indent="0">
               <a:buNone/>
-              <a:defRPr sz="1000"/>
+              <a:defRPr sz="900"/>
             </a:lvl7pPr>
             <a:lvl8pPr marL="3200400" indent="0">
               <a:buNone/>
-              <a:defRPr sz="1000"/>
+              <a:defRPr sz="900"/>
             </a:lvl8pPr>
             <a:lvl9pPr marL="3657600" indent="0">
               <a:buNone/>
-              <a:defRPr sz="1000"/>
+              <a:defRPr sz="900"/>
             </a:lvl9pPr>
           </a:lstStyle>
           <a:p>
@@ -2529,7 +5132,7 @@
           <a:p>
             <a:fld id="{BC963854-0500-4533-9B56-A93F0BB014C2}" type="datetimeFigureOut">
               <a:rPr lang="en-US" smtClean="0"/>
-              <a:t>3/7/2025</a:t>
+              <a:t>3/19/2025</a:t>
             </a:fld>
             <a:endParaRPr lang="en-US"/>
           </a:p>
@@ -2553,6 +5156,88 @@
             <a:endParaRPr lang="en-US"/>
           </a:p>
         </p:txBody>
+      </p:sp>
+      <p:sp>
+        <p:nvSpPr>
+          <p:cNvPr id="9" name="Freeform 11"/>
+          <p:cNvSpPr/>
+          <p:nvPr/>
+        </p:nvSpPr>
+        <p:spPr bwMode="auto">
+          <a:xfrm flipV="1">
+            <a:off x="-4189" y="714375"/>
+            <a:ext cx="1588527" cy="507297"/>
+          </a:xfrm>
+          <a:custGeom>
+            <a:avLst/>
+            <a:gdLst/>
+            <a:ahLst/>
+            <a:cxnLst/>
+            <a:rect l="l" t="t" r="r" b="b"/>
+            <a:pathLst>
+              <a:path w="9248" h="10000">
+                <a:moveTo>
+                  <a:pt x="9248" y="4701"/>
+                </a:moveTo>
+                <a:lnTo>
+                  <a:pt x="7915" y="188"/>
+                </a:lnTo>
+                <a:cubicBezTo>
+                  <a:pt x="7906" y="156"/>
+                  <a:pt x="7895" y="126"/>
+                  <a:pt x="7886" y="94"/>
+                </a:cubicBezTo>
+                <a:cubicBezTo>
+                  <a:pt x="7859" y="0"/>
+                  <a:pt x="7831" y="0"/>
+                  <a:pt x="7803" y="0"/>
+                </a:cubicBezTo>
+                <a:lnTo>
+                  <a:pt x="7275" y="0"/>
+                </a:lnTo>
+                <a:lnTo>
+                  <a:pt x="0" y="70"/>
+                </a:lnTo>
+                <a:cubicBezTo>
+                  <a:pt x="8" y="3380"/>
+                  <a:pt x="17" y="6690"/>
+                  <a:pt x="25" y="10000"/>
+                </a:cubicBezTo>
+                <a:lnTo>
+                  <a:pt x="7275" y="9966"/>
+                </a:lnTo>
+                <a:lnTo>
+                  <a:pt x="7803" y="9966"/>
+                </a:lnTo>
+                <a:cubicBezTo>
+                  <a:pt x="7831" y="9966"/>
+                  <a:pt x="7859" y="9872"/>
+                  <a:pt x="7886" y="9872"/>
+                </a:cubicBezTo>
+                <a:cubicBezTo>
+                  <a:pt x="7886" y="9778"/>
+                  <a:pt x="7915" y="9778"/>
+                  <a:pt x="7915" y="9778"/>
+                </a:cubicBezTo>
+                <a:lnTo>
+                  <a:pt x="9248" y="5265"/>
+                </a:lnTo>
+                <a:cubicBezTo>
+                  <a:pt x="9303" y="5077"/>
+                  <a:pt x="9303" y="4889"/>
+                  <a:pt x="9248" y="4701"/>
+                </a:cubicBezTo>
+                <a:close/>
+              </a:path>
+            </a:pathLst>
+          </a:custGeom>
+          <a:solidFill>
+            <a:schemeClr val="accent1"/>
+          </a:solidFill>
+          <a:ln>
+            <a:noFill/>
+          </a:ln>
+        </p:spPr>
       </p:sp>
       <p:sp>
         <p:nvSpPr>
@@ -2580,7 +5265,7 @@
     </p:spTree>
     <p:extLst>
       <p:ext uri="{BB962C8B-B14F-4D97-AF65-F5344CB8AC3E}">
-        <p14:creationId xmlns:p14="http://schemas.microsoft.com/office/powerpoint/2010/main" val="3592805906"/>
+        <p14:creationId xmlns:p14="http://schemas.microsoft.com/office/powerpoint/2010/main" val="3819682606"/>
       </p:ext>
     </p:extLst>
   </p:cSld>
@@ -2619,15 +5304,17 @@
         </p:nvSpPr>
         <p:spPr>
           <a:xfrm>
-            <a:off x="839788" y="457200"/>
-            <a:ext cx="3932237" cy="1600200"/>
+            <a:off x="2589213" y="4800600"/>
+            <a:ext cx="8915400" cy="566738"/>
           </a:xfrm>
         </p:spPr>
         <p:txBody>
-          <a:bodyPr anchor="b"/>
+          <a:bodyPr anchor="b">
+            <a:normAutofit/>
+          </a:bodyPr>
           <a:lstStyle>
-            <a:lvl1pPr>
-              <a:defRPr sz="3200"/>
+            <a:lvl1pPr algn="l">
+              <a:defRPr sz="2400" b="0"/>
             </a:lvl1pPr>
           </a:lstStyle>
           <a:p>
@@ -2651,116 +5338,120 @@
         </p:nvSpPr>
         <p:spPr>
           <a:xfrm>
-            <a:off x="5183188" y="987425"/>
-            <a:ext cx="6172200" cy="4873625"/>
+            <a:off x="2589212" y="634965"/>
+            <a:ext cx="8915400" cy="3854970"/>
           </a:xfrm>
         </p:spPr>
         <p:txBody>
-          <a:bodyPr anchor="t"/>
+          <a:bodyPr anchor="t">
+            <a:normAutofit/>
+          </a:bodyPr>
           <a:lstStyle>
-            <a:lvl1pPr marL="0" indent="0">
-              <a:buNone/>
-              <a:defRPr sz="3200"/>
-            </a:lvl1pPr>
-            <a:lvl2pPr marL="457200" indent="0">
-              <a:buNone/>
-              <a:defRPr sz="2800"/>
-            </a:lvl2pPr>
-            <a:lvl3pPr marL="914400" indent="0">
-              <a:buNone/>
-              <a:defRPr sz="2400"/>
-            </a:lvl3pPr>
-            <a:lvl4pPr marL="1371600" indent="0">
-              <a:buNone/>
-              <a:defRPr sz="2000"/>
-            </a:lvl4pPr>
-            <a:lvl5pPr marL="1828800" indent="0">
-              <a:buNone/>
-              <a:defRPr sz="2000"/>
-            </a:lvl5pPr>
-            <a:lvl6pPr marL="2286000" indent="0">
-              <a:buNone/>
-              <a:defRPr sz="2000"/>
-            </a:lvl6pPr>
-            <a:lvl7pPr marL="2743200" indent="0">
-              <a:buNone/>
-              <a:defRPr sz="2000"/>
-            </a:lvl7pPr>
-            <a:lvl8pPr marL="3200400" indent="0">
-              <a:buNone/>
-              <a:defRPr sz="2000"/>
-            </a:lvl8pPr>
-            <a:lvl9pPr marL="3657600" indent="0">
-              <a:buNone/>
-              <a:defRPr sz="2000"/>
-            </a:lvl9pPr>
-          </a:lstStyle>
-          <a:p>
-            <a:r>
-              <a:rPr lang="en-US"/>
-              <a:t>Click icon to add picture</a:t>
-            </a:r>
-            <a:endParaRPr lang="en-US" dirty="0"/>
-          </a:p>
-        </p:txBody>
-      </p:sp>
-      <p:sp>
-        <p:nvSpPr>
-          <p:cNvPr id="4" name="Text Placeholder 3"/>
-          <p:cNvSpPr>
-            <a:spLocks noGrp="1"/>
-          </p:cNvSpPr>
-          <p:nvPr>
-            <p:ph type="body" sz="half" idx="2"/>
-          </p:nvPr>
-        </p:nvSpPr>
-        <p:spPr>
-          <a:xfrm>
-            <a:off x="839788" y="2057400"/>
-            <a:ext cx="3932237" cy="3811588"/>
-          </a:xfrm>
-        </p:spPr>
-        <p:txBody>
-          <a:bodyPr/>
-          <a:lstStyle>
-            <a:lvl1pPr marL="0" indent="0">
+            <a:lvl1pPr marL="0" indent="0" algn="ctr">
               <a:buNone/>
               <a:defRPr sz="1600"/>
             </a:lvl1pPr>
             <a:lvl2pPr marL="457200" indent="0">
               <a:buNone/>
-              <a:defRPr sz="1400"/>
+              <a:defRPr sz="1600"/>
             </a:lvl2pPr>
             <a:lvl3pPr marL="914400" indent="0">
               <a:buNone/>
-              <a:defRPr sz="1200"/>
+              <a:defRPr sz="1600"/>
             </a:lvl3pPr>
             <a:lvl4pPr marL="1371600" indent="0">
               <a:buNone/>
-              <a:defRPr sz="1000"/>
+              <a:defRPr sz="1600"/>
             </a:lvl4pPr>
             <a:lvl5pPr marL="1828800" indent="0">
               <a:buNone/>
-              <a:defRPr sz="1000"/>
+              <a:defRPr sz="1600"/>
             </a:lvl5pPr>
             <a:lvl6pPr marL="2286000" indent="0">
               <a:buNone/>
-              <a:defRPr sz="1000"/>
+              <a:defRPr sz="1600"/>
             </a:lvl6pPr>
             <a:lvl7pPr marL="2743200" indent="0">
               <a:buNone/>
-              <a:defRPr sz="1000"/>
+              <a:defRPr sz="1600"/>
             </a:lvl7pPr>
             <a:lvl8pPr marL="3200400" indent="0">
               <a:buNone/>
-              <a:defRPr sz="1000"/>
+              <a:defRPr sz="1600"/>
             </a:lvl8pPr>
             <a:lvl9pPr marL="3657600" indent="0">
               <a:buNone/>
-              <a:defRPr sz="1000"/>
+              <a:defRPr sz="1600"/>
             </a:lvl9pPr>
           </a:lstStyle>
           <a:p>
+            <a:r>
+              <a:rPr lang="en-US"/>
+              <a:t>Click icon to add picture</a:t>
+            </a:r>
+            <a:endParaRPr lang="en-US" dirty="0"/>
+          </a:p>
+        </p:txBody>
+      </p:sp>
+      <p:sp>
+        <p:nvSpPr>
+          <p:cNvPr id="4" name="Text Placeholder 3"/>
+          <p:cNvSpPr>
+            <a:spLocks noGrp="1"/>
+          </p:cNvSpPr>
+          <p:nvPr>
+            <p:ph type="body" sz="half" idx="2"/>
+          </p:nvPr>
+        </p:nvSpPr>
+        <p:spPr>
+          <a:xfrm>
+            <a:off x="2589213" y="5367338"/>
+            <a:ext cx="8915400" cy="493712"/>
+          </a:xfrm>
+        </p:spPr>
+        <p:txBody>
+          <a:bodyPr>
+            <a:normAutofit/>
+          </a:bodyPr>
+          <a:lstStyle>
+            <a:lvl1pPr marL="0" indent="0">
+              <a:buNone/>
+              <a:defRPr sz="1200"/>
+            </a:lvl1pPr>
+            <a:lvl2pPr marL="457200" indent="0">
+              <a:buNone/>
+              <a:defRPr sz="1200"/>
+            </a:lvl2pPr>
+            <a:lvl3pPr marL="914400" indent="0">
+              <a:buNone/>
+              <a:defRPr sz="1000"/>
+            </a:lvl3pPr>
+            <a:lvl4pPr marL="1371600" indent="0">
+              <a:buNone/>
+              <a:defRPr sz="900"/>
+            </a:lvl4pPr>
+            <a:lvl5pPr marL="1828800" indent="0">
+              <a:buNone/>
+              <a:defRPr sz="900"/>
+            </a:lvl5pPr>
+            <a:lvl6pPr marL="2286000" indent="0">
+              <a:buNone/>
+              <a:defRPr sz="900"/>
+            </a:lvl6pPr>
+            <a:lvl7pPr marL="2743200" indent="0">
+              <a:buNone/>
+              <a:defRPr sz="900"/>
+            </a:lvl7pPr>
+            <a:lvl8pPr marL="3200400" indent="0">
+              <a:buNone/>
+              <a:defRPr sz="900"/>
+            </a:lvl8pPr>
+            <a:lvl9pPr marL="3657600" indent="0">
+              <a:buNone/>
+              <a:defRPr sz="900"/>
+            </a:lvl9pPr>
+          </a:lstStyle>
+          <a:p>
             <a:pPr lvl="0"/>
             <a:r>
               <a:rPr lang="en-US"/>
@@ -2786,7 +5477,7 @@
           <a:p>
             <a:fld id="{BC963854-0500-4533-9B56-A93F0BB014C2}" type="datetimeFigureOut">
               <a:rPr lang="en-US" smtClean="0"/>
-              <a:t>3/7/2025</a:t>
+              <a:t>3/19/2025</a:t>
             </a:fld>
             <a:endParaRPr lang="en-US"/>
           </a:p>
@@ -2813,6 +5504,88 @@
       </p:sp>
       <p:sp>
         <p:nvSpPr>
+          <p:cNvPr id="9" name="Freeform 11"/>
+          <p:cNvSpPr/>
+          <p:nvPr/>
+        </p:nvSpPr>
+        <p:spPr bwMode="auto">
+          <a:xfrm flipV="1">
+            <a:off x="-4189" y="4911725"/>
+            <a:ext cx="1588527" cy="507297"/>
+          </a:xfrm>
+          <a:custGeom>
+            <a:avLst/>
+            <a:gdLst/>
+            <a:ahLst/>
+            <a:cxnLst/>
+            <a:rect l="l" t="t" r="r" b="b"/>
+            <a:pathLst>
+              <a:path w="9248" h="10000">
+                <a:moveTo>
+                  <a:pt x="9248" y="4701"/>
+                </a:moveTo>
+                <a:lnTo>
+                  <a:pt x="7915" y="188"/>
+                </a:lnTo>
+                <a:cubicBezTo>
+                  <a:pt x="7906" y="156"/>
+                  <a:pt x="7895" y="126"/>
+                  <a:pt x="7886" y="94"/>
+                </a:cubicBezTo>
+                <a:cubicBezTo>
+                  <a:pt x="7859" y="0"/>
+                  <a:pt x="7831" y="0"/>
+                  <a:pt x="7803" y="0"/>
+                </a:cubicBezTo>
+                <a:lnTo>
+                  <a:pt x="7275" y="0"/>
+                </a:lnTo>
+                <a:lnTo>
+                  <a:pt x="0" y="70"/>
+                </a:lnTo>
+                <a:cubicBezTo>
+                  <a:pt x="8" y="3380"/>
+                  <a:pt x="17" y="6690"/>
+                  <a:pt x="25" y="10000"/>
+                </a:cubicBezTo>
+                <a:lnTo>
+                  <a:pt x="7275" y="9966"/>
+                </a:lnTo>
+                <a:lnTo>
+                  <a:pt x="7803" y="9966"/>
+                </a:lnTo>
+                <a:cubicBezTo>
+                  <a:pt x="7831" y="9966"/>
+                  <a:pt x="7859" y="9872"/>
+                  <a:pt x="7886" y="9872"/>
+                </a:cubicBezTo>
+                <a:cubicBezTo>
+                  <a:pt x="7886" y="9778"/>
+                  <a:pt x="7915" y="9778"/>
+                  <a:pt x="7915" y="9778"/>
+                </a:cubicBezTo>
+                <a:lnTo>
+                  <a:pt x="9248" y="5265"/>
+                </a:lnTo>
+                <a:cubicBezTo>
+                  <a:pt x="9303" y="5077"/>
+                  <a:pt x="9303" y="4889"/>
+                  <a:pt x="9248" y="4701"/>
+                </a:cubicBezTo>
+                <a:close/>
+              </a:path>
+            </a:pathLst>
+          </a:custGeom>
+          <a:solidFill>
+            <a:schemeClr val="accent1"/>
+          </a:solidFill>
+          <a:ln>
+            <a:noFill/>
+          </a:ln>
+        </p:spPr>
+      </p:sp>
+      <p:sp>
+        <p:nvSpPr>
           <p:cNvPr id="7" name="Slide Number Placeholder 6"/>
           <p:cNvSpPr>
             <a:spLocks noGrp="1"/>
@@ -2821,7 +5594,12 @@
             <p:ph type="sldNum" sz="quarter" idx="12"/>
           </p:nvPr>
         </p:nvSpPr>
-        <p:spPr/>
+        <p:spPr>
+          <a:xfrm>
+            <a:off x="531812" y="4983087"/>
+            <a:ext cx="779767" cy="365125"/>
+          </a:xfrm>
+        </p:spPr>
         <p:txBody>
           <a:bodyPr/>
           <a:lstStyle/>
@@ -2837,7 +5615,7 @@
     </p:spTree>
     <p:extLst>
       <p:ext uri="{BB962C8B-B14F-4D97-AF65-F5344CB8AC3E}">
-        <p14:creationId xmlns:p14="http://schemas.microsoft.com/office/powerpoint/2010/main" val="1939589263"/>
+        <p14:creationId xmlns:p14="http://schemas.microsoft.com/office/powerpoint/2010/main" val="2907437915"/>
       </p:ext>
     </p:extLst>
   </p:cSld>
@@ -2851,8 +5629,8 @@
 <p:sldMaster xmlns:a="http://schemas.openxmlformats.org/drawingml/2006/main" xmlns:r="http://schemas.openxmlformats.org/officeDocument/2006/relationships" xmlns:p="http://schemas.openxmlformats.org/presentationml/2006/main">
   <p:cSld>
     <p:bg>
-      <p:bgRef idx="1001">
-        <a:schemeClr val="bg1"/>
+      <p:bgRef idx="1003">
+        <a:schemeClr val="bg2"/>
       </p:bgRef>
     </p:bg>
     <p:spTree>
@@ -2869,27 +5647,1844 @@
           <a:chExt cx="0" cy="0"/>
         </a:xfrm>
       </p:grpSpPr>
-      <p:sp>
-        <p:nvSpPr>
-          <p:cNvPr id="2" name="Title Placeholder 1"/>
-          <p:cNvSpPr>
-            <a:spLocks noGrp="1"/>
-          </p:cNvSpPr>
-          <p:nvPr>
-            <p:ph type="title"/>
-          </p:nvPr>
+      <p:grpSp>
+        <p:nvGrpSpPr>
+          <p:cNvPr id="23" name="Group 22"/>
+          <p:cNvGrpSpPr/>
+          <p:nvPr/>
+        </p:nvGrpSpPr>
+        <p:grpSpPr>
+          <a:xfrm>
+            <a:off x="1" y="228600"/>
+            <a:ext cx="2851516" cy="6638628"/>
+            <a:chOff x="2487613" y="285750"/>
+            <a:chExt cx="2428875" cy="5654676"/>
+          </a:xfrm>
+        </p:grpSpPr>
+        <p:sp>
+          <p:nvSpPr>
+            <p:cNvPr id="24" name="Freeform 11"/>
+            <p:cNvSpPr/>
+            <p:nvPr/>
+          </p:nvSpPr>
+          <p:spPr bwMode="auto">
+            <a:xfrm>
+              <a:off x="2487613" y="2284413"/>
+              <a:ext cx="85725" cy="533400"/>
+            </a:xfrm>
+            <a:custGeom>
+              <a:avLst/>
+              <a:gdLst/>
+              <a:ahLst/>
+              <a:cxnLst/>
+              <a:rect l="0" t="0" r="r" b="b"/>
+              <a:pathLst>
+                <a:path w="22" h="136">
+                  <a:moveTo>
+                    <a:pt x="22" y="136"/>
+                  </a:moveTo>
+                  <a:cubicBezTo>
+                    <a:pt x="20" y="117"/>
+                    <a:pt x="19" y="99"/>
+                    <a:pt x="17" y="80"/>
+                  </a:cubicBezTo>
+                  <a:cubicBezTo>
+                    <a:pt x="11" y="54"/>
+                    <a:pt x="6" y="27"/>
+                    <a:pt x="0" y="0"/>
+                  </a:cubicBezTo>
+                  <a:cubicBezTo>
+                    <a:pt x="0" y="35"/>
+                    <a:pt x="0" y="35"/>
+                    <a:pt x="0" y="35"/>
+                  </a:cubicBezTo>
+                  <a:cubicBezTo>
+                    <a:pt x="6" y="64"/>
+                    <a:pt x="13" y="94"/>
+                    <a:pt x="20" y="124"/>
+                  </a:cubicBezTo>
+                  <a:cubicBezTo>
+                    <a:pt x="20" y="128"/>
+                    <a:pt x="21" y="132"/>
+                    <a:pt x="22" y="136"/>
+                  </a:cubicBezTo>
+                  <a:close/>
+                </a:path>
+              </a:pathLst>
+            </a:custGeom>
+            <a:solidFill>
+              <a:schemeClr val="tx2">
+                <a:alpha val="20000"/>
+              </a:schemeClr>
+            </a:solidFill>
+            <a:ln>
+              <a:noFill/>
+            </a:ln>
+          </p:spPr>
+        </p:sp>
+        <p:sp>
+          <p:nvSpPr>
+            <p:cNvPr id="25" name="Freeform 12"/>
+            <p:cNvSpPr/>
+            <p:nvPr/>
+          </p:nvSpPr>
+          <p:spPr bwMode="auto">
+            <a:xfrm>
+              <a:off x="2597151" y="2779713"/>
+              <a:ext cx="550863" cy="1978025"/>
+            </a:xfrm>
+            <a:custGeom>
+              <a:avLst/>
+              <a:gdLst/>
+              <a:ahLst/>
+              <a:cxnLst/>
+              <a:rect l="0" t="0" r="r" b="b"/>
+              <a:pathLst>
+                <a:path w="140" h="504">
+                  <a:moveTo>
+                    <a:pt x="86" y="350"/>
+                  </a:moveTo>
+                  <a:cubicBezTo>
+                    <a:pt x="103" y="402"/>
+                    <a:pt x="120" y="453"/>
+                    <a:pt x="139" y="504"/>
+                  </a:cubicBezTo>
+                  <a:cubicBezTo>
+                    <a:pt x="139" y="495"/>
+                    <a:pt x="139" y="487"/>
+                    <a:pt x="140" y="478"/>
+                  </a:cubicBezTo>
+                  <a:cubicBezTo>
+                    <a:pt x="124" y="435"/>
+                    <a:pt x="109" y="391"/>
+                    <a:pt x="95" y="347"/>
+                  </a:cubicBezTo>
+                  <a:cubicBezTo>
+                    <a:pt x="58" y="233"/>
+                    <a:pt x="27" y="117"/>
+                    <a:pt x="0" y="0"/>
+                  </a:cubicBezTo>
+                  <a:cubicBezTo>
+                    <a:pt x="2" y="20"/>
+                    <a:pt x="4" y="41"/>
+                    <a:pt x="6" y="61"/>
+                  </a:cubicBezTo>
+                  <a:cubicBezTo>
+                    <a:pt x="30" y="158"/>
+                    <a:pt x="56" y="255"/>
+                    <a:pt x="86" y="350"/>
+                  </a:cubicBezTo>
+                  <a:close/>
+                </a:path>
+              </a:pathLst>
+            </a:custGeom>
+            <a:solidFill>
+              <a:schemeClr val="tx2">
+                <a:alpha val="20000"/>
+              </a:schemeClr>
+            </a:solidFill>
+            <a:ln>
+              <a:noFill/>
+            </a:ln>
+          </p:spPr>
+        </p:sp>
+        <p:sp>
+          <p:nvSpPr>
+            <p:cNvPr id="26" name="Freeform 13"/>
+            <p:cNvSpPr/>
+            <p:nvPr/>
+          </p:nvSpPr>
+          <p:spPr bwMode="auto">
+            <a:xfrm>
+              <a:off x="3175001" y="4730750"/>
+              <a:ext cx="519113" cy="1209675"/>
+            </a:xfrm>
+            <a:custGeom>
+              <a:avLst/>
+              <a:gdLst/>
+              <a:ahLst/>
+              <a:cxnLst/>
+              <a:rect l="0" t="0" r="r" b="b"/>
+              <a:pathLst>
+                <a:path w="132" h="308">
+                  <a:moveTo>
+                    <a:pt x="8" y="22"/>
+                  </a:moveTo>
+                  <a:cubicBezTo>
+                    <a:pt x="5" y="15"/>
+                    <a:pt x="2" y="8"/>
+                    <a:pt x="0" y="0"/>
+                  </a:cubicBezTo>
+                  <a:cubicBezTo>
+                    <a:pt x="0" y="10"/>
+                    <a:pt x="0" y="19"/>
+                    <a:pt x="0" y="29"/>
+                  </a:cubicBezTo>
+                  <a:cubicBezTo>
+                    <a:pt x="21" y="85"/>
+                    <a:pt x="44" y="140"/>
+                    <a:pt x="68" y="194"/>
+                  </a:cubicBezTo>
+                  <a:cubicBezTo>
+                    <a:pt x="85" y="232"/>
+                    <a:pt x="104" y="270"/>
+                    <a:pt x="123" y="308"/>
+                  </a:cubicBezTo>
+                  <a:cubicBezTo>
+                    <a:pt x="132" y="308"/>
+                    <a:pt x="132" y="308"/>
+                    <a:pt x="132" y="308"/>
+                  </a:cubicBezTo>
+                  <a:cubicBezTo>
+                    <a:pt x="113" y="269"/>
+                    <a:pt x="94" y="230"/>
+                    <a:pt x="77" y="190"/>
+                  </a:cubicBezTo>
+                  <a:cubicBezTo>
+                    <a:pt x="52" y="135"/>
+                    <a:pt x="29" y="79"/>
+                    <a:pt x="8" y="22"/>
+                  </a:cubicBezTo>
+                  <a:close/>
+                </a:path>
+              </a:pathLst>
+            </a:custGeom>
+            <a:solidFill>
+              <a:schemeClr val="tx2">
+                <a:alpha val="20000"/>
+              </a:schemeClr>
+            </a:solidFill>
+            <a:ln>
+              <a:noFill/>
+            </a:ln>
+          </p:spPr>
+        </p:sp>
+        <p:sp>
+          <p:nvSpPr>
+            <p:cNvPr id="27" name="Freeform 14"/>
+            <p:cNvSpPr/>
+            <p:nvPr/>
+          </p:nvSpPr>
+          <p:spPr bwMode="auto">
+            <a:xfrm>
+              <a:off x="3305176" y="5630863"/>
+              <a:ext cx="146050" cy="309563"/>
+            </a:xfrm>
+            <a:custGeom>
+              <a:avLst/>
+              <a:gdLst/>
+              <a:ahLst/>
+              <a:cxnLst/>
+              <a:rect l="0" t="0" r="r" b="b"/>
+              <a:pathLst>
+                <a:path w="37" h="79">
+                  <a:moveTo>
+                    <a:pt x="28" y="79"/>
+                  </a:moveTo>
+                  <a:cubicBezTo>
+                    <a:pt x="37" y="79"/>
+                    <a:pt x="37" y="79"/>
+                    <a:pt x="37" y="79"/>
+                  </a:cubicBezTo>
+                  <a:cubicBezTo>
+                    <a:pt x="24" y="53"/>
+                    <a:pt x="12" y="27"/>
+                    <a:pt x="0" y="0"/>
+                  </a:cubicBezTo>
+                  <a:cubicBezTo>
+                    <a:pt x="8" y="27"/>
+                    <a:pt x="17" y="53"/>
+                    <a:pt x="28" y="79"/>
+                  </a:cubicBezTo>
+                  <a:close/>
+                </a:path>
+              </a:pathLst>
+            </a:custGeom>
+            <a:solidFill>
+              <a:schemeClr val="tx2">
+                <a:alpha val="20000"/>
+              </a:schemeClr>
+            </a:solidFill>
+            <a:ln>
+              <a:noFill/>
+            </a:ln>
+          </p:spPr>
+        </p:sp>
+        <p:sp>
+          <p:nvSpPr>
+            <p:cNvPr id="28" name="Freeform 15"/>
+            <p:cNvSpPr/>
+            <p:nvPr/>
+          </p:nvSpPr>
+          <p:spPr bwMode="auto">
+            <a:xfrm>
+              <a:off x="2573338" y="2817813"/>
+              <a:ext cx="700088" cy="2835275"/>
+            </a:xfrm>
+            <a:custGeom>
+              <a:avLst/>
+              <a:gdLst/>
+              <a:ahLst/>
+              <a:cxnLst/>
+              <a:rect l="0" t="0" r="r" b="b"/>
+              <a:pathLst>
+                <a:path w="178" h="722">
+                  <a:moveTo>
+                    <a:pt x="162" y="660"/>
+                  </a:moveTo>
+                  <a:cubicBezTo>
+                    <a:pt x="145" y="618"/>
+                    <a:pt x="130" y="576"/>
+                    <a:pt x="116" y="534"/>
+                  </a:cubicBezTo>
+                  <a:cubicBezTo>
+                    <a:pt x="84" y="437"/>
+                    <a:pt x="59" y="337"/>
+                    <a:pt x="40" y="236"/>
+                  </a:cubicBezTo>
+                  <a:cubicBezTo>
+                    <a:pt x="29" y="175"/>
+                    <a:pt x="20" y="113"/>
+                    <a:pt x="12" y="51"/>
+                  </a:cubicBezTo>
+                  <a:cubicBezTo>
+                    <a:pt x="8" y="34"/>
+                    <a:pt x="4" y="17"/>
+                    <a:pt x="0" y="0"/>
+                  </a:cubicBezTo>
+                  <a:cubicBezTo>
+                    <a:pt x="8" y="79"/>
+                    <a:pt x="19" y="159"/>
+                    <a:pt x="33" y="237"/>
+                  </a:cubicBezTo>
+                  <a:cubicBezTo>
+                    <a:pt x="51" y="339"/>
+                    <a:pt x="76" y="439"/>
+                    <a:pt x="107" y="537"/>
+                  </a:cubicBezTo>
+                  <a:cubicBezTo>
+                    <a:pt x="123" y="586"/>
+                    <a:pt x="141" y="634"/>
+                    <a:pt x="160" y="681"/>
+                  </a:cubicBezTo>
+                  <a:cubicBezTo>
+                    <a:pt x="166" y="695"/>
+                    <a:pt x="172" y="708"/>
+                    <a:pt x="178" y="722"/>
+                  </a:cubicBezTo>
+                  <a:cubicBezTo>
+                    <a:pt x="176" y="717"/>
+                    <a:pt x="175" y="713"/>
+                    <a:pt x="174" y="708"/>
+                  </a:cubicBezTo>
+                  <a:cubicBezTo>
+                    <a:pt x="169" y="692"/>
+                    <a:pt x="165" y="676"/>
+                    <a:pt x="162" y="660"/>
+                  </a:cubicBezTo>
+                  <a:close/>
+                </a:path>
+              </a:pathLst>
+            </a:custGeom>
+            <a:solidFill>
+              <a:schemeClr val="tx2">
+                <a:alpha val="20000"/>
+              </a:schemeClr>
+            </a:solidFill>
+            <a:ln>
+              <a:noFill/>
+            </a:ln>
+          </p:spPr>
+        </p:sp>
+        <p:sp>
+          <p:nvSpPr>
+            <p:cNvPr id="29" name="Freeform 16"/>
+            <p:cNvSpPr/>
+            <p:nvPr/>
+          </p:nvSpPr>
+          <p:spPr bwMode="auto">
+            <a:xfrm>
+              <a:off x="2506663" y="285750"/>
+              <a:ext cx="90488" cy="2493963"/>
+            </a:xfrm>
+            <a:custGeom>
+              <a:avLst/>
+              <a:gdLst/>
+              <a:ahLst/>
+              <a:cxnLst/>
+              <a:rect l="0" t="0" r="r" b="b"/>
+              <a:pathLst>
+                <a:path w="23" h="635">
+                  <a:moveTo>
+                    <a:pt x="11" y="577"/>
+                  </a:moveTo>
+                  <a:cubicBezTo>
+                    <a:pt x="12" y="581"/>
+                    <a:pt x="12" y="585"/>
+                    <a:pt x="12" y="589"/>
+                  </a:cubicBezTo>
+                  <a:cubicBezTo>
+                    <a:pt x="15" y="603"/>
+                    <a:pt x="19" y="617"/>
+                    <a:pt x="22" y="632"/>
+                  </a:cubicBezTo>
+                  <a:cubicBezTo>
+                    <a:pt x="22" y="633"/>
+                    <a:pt x="22" y="634"/>
+                    <a:pt x="23" y="635"/>
+                  </a:cubicBezTo>
+                  <a:cubicBezTo>
+                    <a:pt x="21" y="615"/>
+                    <a:pt x="19" y="596"/>
+                    <a:pt x="17" y="576"/>
+                  </a:cubicBezTo>
+                  <a:cubicBezTo>
+                    <a:pt x="9" y="474"/>
+                    <a:pt x="5" y="372"/>
+                    <a:pt x="5" y="269"/>
+                  </a:cubicBezTo>
+                  <a:cubicBezTo>
+                    <a:pt x="6" y="179"/>
+                    <a:pt x="9" y="90"/>
+                    <a:pt x="15" y="0"/>
+                  </a:cubicBezTo>
+                  <a:cubicBezTo>
+                    <a:pt x="12" y="0"/>
+                    <a:pt x="12" y="0"/>
+                    <a:pt x="12" y="0"/>
+                  </a:cubicBezTo>
+                  <a:cubicBezTo>
+                    <a:pt x="5" y="89"/>
+                    <a:pt x="2" y="179"/>
+                    <a:pt x="1" y="269"/>
+                  </a:cubicBezTo>
+                  <a:cubicBezTo>
+                    <a:pt x="0" y="372"/>
+                    <a:pt x="3" y="474"/>
+                    <a:pt x="11" y="577"/>
+                  </a:cubicBezTo>
+                  <a:close/>
+                </a:path>
+              </a:pathLst>
+            </a:custGeom>
+            <a:solidFill>
+              <a:schemeClr val="tx2">
+                <a:alpha val="20000"/>
+              </a:schemeClr>
+            </a:solidFill>
+            <a:ln>
+              <a:noFill/>
+            </a:ln>
+          </p:spPr>
+        </p:sp>
+        <p:sp>
+          <p:nvSpPr>
+            <p:cNvPr id="30" name="Freeform 17"/>
+            <p:cNvSpPr/>
+            <p:nvPr/>
+          </p:nvSpPr>
+          <p:spPr bwMode="auto">
+            <a:xfrm>
+              <a:off x="2554288" y="2598738"/>
+              <a:ext cx="66675" cy="420688"/>
+            </a:xfrm>
+            <a:custGeom>
+              <a:avLst/>
+              <a:gdLst/>
+              <a:ahLst/>
+              <a:cxnLst/>
+              <a:rect l="0" t="0" r="r" b="b"/>
+              <a:pathLst>
+                <a:path w="17" h="107">
+                  <a:moveTo>
+                    <a:pt x="0" y="0"/>
+                  </a:moveTo>
+                  <a:cubicBezTo>
+                    <a:pt x="2" y="19"/>
+                    <a:pt x="3" y="37"/>
+                    <a:pt x="5" y="56"/>
+                  </a:cubicBezTo>
+                  <a:cubicBezTo>
+                    <a:pt x="9" y="73"/>
+                    <a:pt x="13" y="90"/>
+                    <a:pt x="17" y="107"/>
+                  </a:cubicBezTo>
+                  <a:cubicBezTo>
+                    <a:pt x="15" y="87"/>
+                    <a:pt x="13" y="66"/>
+                    <a:pt x="11" y="46"/>
+                  </a:cubicBezTo>
+                  <a:cubicBezTo>
+                    <a:pt x="10" y="45"/>
+                    <a:pt x="10" y="44"/>
+                    <a:pt x="10" y="43"/>
+                  </a:cubicBezTo>
+                  <a:cubicBezTo>
+                    <a:pt x="7" y="28"/>
+                    <a:pt x="3" y="14"/>
+                    <a:pt x="0" y="0"/>
+                  </a:cubicBezTo>
+                  <a:close/>
+                </a:path>
+              </a:pathLst>
+            </a:custGeom>
+            <a:solidFill>
+              <a:schemeClr val="tx2">
+                <a:alpha val="20000"/>
+              </a:schemeClr>
+            </a:solidFill>
+            <a:ln>
+              <a:noFill/>
+            </a:ln>
+          </p:spPr>
+        </p:sp>
+        <p:sp>
+          <p:nvSpPr>
+            <p:cNvPr id="31" name="Freeform 18"/>
+            <p:cNvSpPr/>
+            <p:nvPr/>
+          </p:nvSpPr>
+          <p:spPr bwMode="auto">
+            <a:xfrm>
+              <a:off x="3143251" y="4757738"/>
+              <a:ext cx="161925" cy="873125"/>
+            </a:xfrm>
+            <a:custGeom>
+              <a:avLst/>
+              <a:gdLst/>
+              <a:ahLst/>
+              <a:cxnLst/>
+              <a:rect l="0" t="0" r="r" b="b"/>
+              <a:pathLst>
+                <a:path w="41" h="222">
+                  <a:moveTo>
+                    <a:pt x="0" y="0"/>
+                  </a:moveTo>
+                  <a:cubicBezTo>
+                    <a:pt x="0" y="31"/>
+                    <a:pt x="2" y="62"/>
+                    <a:pt x="5" y="93"/>
+                  </a:cubicBezTo>
+                  <a:cubicBezTo>
+                    <a:pt x="8" y="117"/>
+                    <a:pt x="12" y="142"/>
+                    <a:pt x="17" y="166"/>
+                  </a:cubicBezTo>
+                  <a:cubicBezTo>
+                    <a:pt x="19" y="172"/>
+                    <a:pt x="22" y="178"/>
+                    <a:pt x="24" y="184"/>
+                  </a:cubicBezTo>
+                  <a:cubicBezTo>
+                    <a:pt x="30" y="197"/>
+                    <a:pt x="35" y="209"/>
+                    <a:pt x="41" y="222"/>
+                  </a:cubicBezTo>
+                  <a:cubicBezTo>
+                    <a:pt x="40" y="219"/>
+                    <a:pt x="39" y="215"/>
+                    <a:pt x="38" y="212"/>
+                  </a:cubicBezTo>
+                  <a:cubicBezTo>
+                    <a:pt x="26" y="172"/>
+                    <a:pt x="18" y="132"/>
+                    <a:pt x="13" y="92"/>
+                  </a:cubicBezTo>
+                  <a:cubicBezTo>
+                    <a:pt x="11" y="68"/>
+                    <a:pt x="9" y="45"/>
+                    <a:pt x="8" y="22"/>
+                  </a:cubicBezTo>
+                  <a:cubicBezTo>
+                    <a:pt x="8" y="21"/>
+                    <a:pt x="7" y="20"/>
+                    <a:pt x="7" y="18"/>
+                  </a:cubicBezTo>
+                  <a:cubicBezTo>
+                    <a:pt x="5" y="12"/>
+                    <a:pt x="2" y="6"/>
+                    <a:pt x="0" y="0"/>
+                  </a:cubicBezTo>
+                  <a:close/>
+                </a:path>
+              </a:pathLst>
+            </a:custGeom>
+            <a:solidFill>
+              <a:schemeClr val="tx2">
+                <a:alpha val="20000"/>
+              </a:schemeClr>
+            </a:solidFill>
+            <a:ln>
+              <a:noFill/>
+            </a:ln>
+          </p:spPr>
+        </p:sp>
+        <p:sp>
+          <p:nvSpPr>
+            <p:cNvPr id="32" name="Freeform 19"/>
+            <p:cNvSpPr/>
+            <p:nvPr/>
+          </p:nvSpPr>
+          <p:spPr bwMode="auto">
+            <a:xfrm>
+              <a:off x="3148013" y="1282700"/>
+              <a:ext cx="1768475" cy="3448050"/>
+            </a:xfrm>
+            <a:custGeom>
+              <a:avLst/>
+              <a:gdLst/>
+              <a:ahLst/>
+              <a:cxnLst/>
+              <a:rect l="0" t="0" r="r" b="b"/>
+              <a:pathLst>
+                <a:path w="450" h="878">
+                  <a:moveTo>
+                    <a:pt x="7" y="854"/>
+                  </a:moveTo>
+                  <a:cubicBezTo>
+                    <a:pt x="10" y="772"/>
+                    <a:pt x="26" y="691"/>
+                    <a:pt x="50" y="613"/>
+                  </a:cubicBezTo>
+                  <a:cubicBezTo>
+                    <a:pt x="75" y="535"/>
+                    <a:pt x="109" y="460"/>
+                    <a:pt x="149" y="388"/>
+                  </a:cubicBezTo>
+                  <a:cubicBezTo>
+                    <a:pt x="189" y="316"/>
+                    <a:pt x="235" y="248"/>
+                    <a:pt x="285" y="183"/>
+                  </a:cubicBezTo>
+                  <a:cubicBezTo>
+                    <a:pt x="310" y="151"/>
+                    <a:pt x="337" y="119"/>
+                    <a:pt x="364" y="89"/>
+                  </a:cubicBezTo>
+                  <a:cubicBezTo>
+                    <a:pt x="378" y="74"/>
+                    <a:pt x="392" y="58"/>
+                    <a:pt x="406" y="44"/>
+                  </a:cubicBezTo>
+                  <a:cubicBezTo>
+                    <a:pt x="421" y="29"/>
+                    <a:pt x="435" y="15"/>
+                    <a:pt x="450" y="1"/>
+                  </a:cubicBezTo>
+                  <a:cubicBezTo>
+                    <a:pt x="450" y="0"/>
+                    <a:pt x="450" y="0"/>
+                    <a:pt x="450" y="0"/>
+                  </a:cubicBezTo>
+                  <a:cubicBezTo>
+                    <a:pt x="434" y="14"/>
+                    <a:pt x="420" y="28"/>
+                    <a:pt x="405" y="43"/>
+                  </a:cubicBezTo>
+                  <a:cubicBezTo>
+                    <a:pt x="391" y="57"/>
+                    <a:pt x="377" y="72"/>
+                    <a:pt x="363" y="88"/>
+                  </a:cubicBezTo>
+                  <a:cubicBezTo>
+                    <a:pt x="335" y="118"/>
+                    <a:pt x="308" y="149"/>
+                    <a:pt x="283" y="181"/>
+                  </a:cubicBezTo>
+                  <a:cubicBezTo>
+                    <a:pt x="232" y="246"/>
+                    <a:pt x="185" y="314"/>
+                    <a:pt x="145" y="386"/>
+                  </a:cubicBezTo>
+                  <a:cubicBezTo>
+                    <a:pt x="104" y="457"/>
+                    <a:pt x="70" y="533"/>
+                    <a:pt x="45" y="611"/>
+                  </a:cubicBezTo>
+                  <a:cubicBezTo>
+                    <a:pt x="19" y="690"/>
+                    <a:pt x="3" y="771"/>
+                    <a:pt x="0" y="854"/>
+                  </a:cubicBezTo>
+                  <a:cubicBezTo>
+                    <a:pt x="0" y="856"/>
+                    <a:pt x="0" y="857"/>
+                    <a:pt x="0" y="859"/>
+                  </a:cubicBezTo>
+                  <a:cubicBezTo>
+                    <a:pt x="2" y="865"/>
+                    <a:pt x="4" y="872"/>
+                    <a:pt x="7" y="878"/>
+                  </a:cubicBezTo>
+                  <a:cubicBezTo>
+                    <a:pt x="7" y="870"/>
+                    <a:pt x="7" y="862"/>
+                    <a:pt x="7" y="854"/>
+                  </a:cubicBezTo>
+                  <a:close/>
+                </a:path>
+              </a:pathLst>
+            </a:custGeom>
+            <a:solidFill>
+              <a:schemeClr val="tx2">
+                <a:alpha val="20000"/>
+              </a:schemeClr>
+            </a:solidFill>
+            <a:ln>
+              <a:noFill/>
+            </a:ln>
+          </p:spPr>
+        </p:sp>
+        <p:sp>
+          <p:nvSpPr>
+            <p:cNvPr id="33" name="Freeform 20"/>
+            <p:cNvSpPr/>
+            <p:nvPr/>
+          </p:nvSpPr>
+          <p:spPr bwMode="auto">
+            <a:xfrm>
+              <a:off x="3273426" y="5653088"/>
+              <a:ext cx="138113" cy="287338"/>
+            </a:xfrm>
+            <a:custGeom>
+              <a:avLst/>
+              <a:gdLst/>
+              <a:ahLst/>
+              <a:cxnLst/>
+              <a:rect l="0" t="0" r="r" b="b"/>
+              <a:pathLst>
+                <a:path w="35" h="73">
+                  <a:moveTo>
+                    <a:pt x="0" y="0"/>
+                  </a:moveTo>
+                  <a:cubicBezTo>
+                    <a:pt x="7" y="24"/>
+                    <a:pt x="16" y="49"/>
+                    <a:pt x="26" y="73"/>
+                  </a:cubicBezTo>
+                  <a:cubicBezTo>
+                    <a:pt x="35" y="73"/>
+                    <a:pt x="35" y="73"/>
+                    <a:pt x="35" y="73"/>
+                  </a:cubicBezTo>
+                  <a:cubicBezTo>
+                    <a:pt x="23" y="49"/>
+                    <a:pt x="11" y="24"/>
+                    <a:pt x="0" y="0"/>
+                  </a:cubicBezTo>
+                  <a:close/>
+                </a:path>
+              </a:pathLst>
+            </a:custGeom>
+            <a:solidFill>
+              <a:schemeClr val="tx2">
+                <a:alpha val="20000"/>
+              </a:schemeClr>
+            </a:solidFill>
+            <a:ln>
+              <a:noFill/>
+            </a:ln>
+          </p:spPr>
+        </p:sp>
+        <p:sp>
+          <p:nvSpPr>
+            <p:cNvPr id="34" name="Freeform 21"/>
+            <p:cNvSpPr/>
+            <p:nvPr/>
+          </p:nvSpPr>
+          <p:spPr bwMode="auto">
+            <a:xfrm>
+              <a:off x="3143251" y="4656138"/>
+              <a:ext cx="31750" cy="188913"/>
+            </a:xfrm>
+            <a:custGeom>
+              <a:avLst/>
+              <a:gdLst/>
+              <a:ahLst/>
+              <a:cxnLst/>
+              <a:rect l="0" t="0" r="r" b="b"/>
+              <a:pathLst>
+                <a:path w="8" h="48">
+                  <a:moveTo>
+                    <a:pt x="7" y="44"/>
+                  </a:moveTo>
+                  <a:cubicBezTo>
+                    <a:pt x="7" y="46"/>
+                    <a:pt x="8" y="47"/>
+                    <a:pt x="8" y="48"/>
+                  </a:cubicBezTo>
+                  <a:cubicBezTo>
+                    <a:pt x="8" y="38"/>
+                    <a:pt x="8" y="29"/>
+                    <a:pt x="8" y="19"/>
+                  </a:cubicBezTo>
+                  <a:cubicBezTo>
+                    <a:pt x="5" y="13"/>
+                    <a:pt x="3" y="6"/>
+                    <a:pt x="1" y="0"/>
+                  </a:cubicBezTo>
+                  <a:cubicBezTo>
+                    <a:pt x="0" y="9"/>
+                    <a:pt x="0" y="17"/>
+                    <a:pt x="0" y="26"/>
+                  </a:cubicBezTo>
+                  <a:cubicBezTo>
+                    <a:pt x="2" y="32"/>
+                    <a:pt x="5" y="38"/>
+                    <a:pt x="7" y="44"/>
+                  </a:cubicBezTo>
+                  <a:close/>
+                </a:path>
+              </a:pathLst>
+            </a:custGeom>
+            <a:solidFill>
+              <a:schemeClr val="tx2">
+                <a:alpha val="20000"/>
+              </a:schemeClr>
+            </a:solidFill>
+            <a:ln>
+              <a:noFill/>
+            </a:ln>
+          </p:spPr>
+        </p:sp>
+        <p:sp>
+          <p:nvSpPr>
+            <p:cNvPr id="35" name="Freeform 22"/>
+            <p:cNvSpPr/>
+            <p:nvPr/>
+          </p:nvSpPr>
+          <p:spPr bwMode="auto">
+            <a:xfrm>
+              <a:off x="3211513" y="5410200"/>
+              <a:ext cx="203200" cy="530225"/>
+            </a:xfrm>
+            <a:custGeom>
+              <a:avLst/>
+              <a:gdLst/>
+              <a:ahLst/>
+              <a:cxnLst/>
+              <a:rect l="0" t="0" r="r" b="b"/>
+              <a:pathLst>
+                <a:path w="52" h="135">
+                  <a:moveTo>
+                    <a:pt x="7" y="18"/>
+                  </a:moveTo>
+                  <a:cubicBezTo>
+                    <a:pt x="5" y="12"/>
+                    <a:pt x="2" y="6"/>
+                    <a:pt x="0" y="0"/>
+                  </a:cubicBezTo>
+                  <a:cubicBezTo>
+                    <a:pt x="3" y="16"/>
+                    <a:pt x="7" y="32"/>
+                    <a:pt x="12" y="48"/>
+                  </a:cubicBezTo>
+                  <a:cubicBezTo>
+                    <a:pt x="13" y="53"/>
+                    <a:pt x="14" y="57"/>
+                    <a:pt x="16" y="62"/>
+                  </a:cubicBezTo>
+                  <a:cubicBezTo>
+                    <a:pt x="27" y="86"/>
+                    <a:pt x="39" y="111"/>
+                    <a:pt x="51" y="135"/>
+                  </a:cubicBezTo>
+                  <a:cubicBezTo>
+                    <a:pt x="52" y="135"/>
+                    <a:pt x="52" y="135"/>
+                    <a:pt x="52" y="135"/>
+                  </a:cubicBezTo>
+                  <a:cubicBezTo>
+                    <a:pt x="41" y="109"/>
+                    <a:pt x="32" y="83"/>
+                    <a:pt x="24" y="56"/>
+                  </a:cubicBezTo>
+                  <a:cubicBezTo>
+                    <a:pt x="18" y="43"/>
+                    <a:pt x="13" y="31"/>
+                    <a:pt x="7" y="18"/>
+                  </a:cubicBezTo>
+                  <a:close/>
+                </a:path>
+              </a:pathLst>
+            </a:custGeom>
+            <a:solidFill>
+              <a:schemeClr val="tx2">
+                <a:alpha val="20000"/>
+              </a:schemeClr>
+            </a:solidFill>
+            <a:ln>
+              <a:noFill/>
+            </a:ln>
+          </p:spPr>
+        </p:sp>
+      </p:grpSp>
+      <p:grpSp>
+        <p:nvGrpSpPr>
+          <p:cNvPr id="10" name="Group 9"/>
+          <p:cNvGrpSpPr/>
+          <p:nvPr/>
+        </p:nvGrpSpPr>
+        <p:grpSpPr>
+          <a:xfrm>
+            <a:off x="27221" y="-786"/>
+            <a:ext cx="2356674" cy="6854039"/>
+            <a:chOff x="6627813" y="194833"/>
+            <a:chExt cx="1952625" cy="5678918"/>
+          </a:xfrm>
+        </p:grpSpPr>
+        <p:sp>
+          <p:nvSpPr>
+            <p:cNvPr id="11" name="Freeform 27"/>
+            <p:cNvSpPr/>
+            <p:nvPr/>
+          </p:nvSpPr>
+          <p:spPr bwMode="auto">
+            <a:xfrm>
+              <a:off x="6627813" y="194833"/>
+              <a:ext cx="409575" cy="3646488"/>
+            </a:xfrm>
+            <a:custGeom>
+              <a:avLst/>
+              <a:gdLst/>
+              <a:ahLst/>
+              <a:cxnLst/>
+              <a:rect l="0" t="0" r="r" b="b"/>
+              <a:pathLst>
+                <a:path w="103" h="920">
+                  <a:moveTo>
+                    <a:pt x="7" y="210"/>
+                  </a:moveTo>
+                  <a:cubicBezTo>
+                    <a:pt x="11" y="288"/>
+                    <a:pt x="17" y="367"/>
+                    <a:pt x="26" y="445"/>
+                  </a:cubicBezTo>
+                  <a:cubicBezTo>
+                    <a:pt x="34" y="523"/>
+                    <a:pt x="44" y="601"/>
+                    <a:pt x="57" y="679"/>
+                  </a:cubicBezTo>
+                  <a:cubicBezTo>
+                    <a:pt x="69" y="757"/>
+                    <a:pt x="84" y="834"/>
+                    <a:pt x="101" y="911"/>
+                  </a:cubicBezTo>
+                  <a:cubicBezTo>
+                    <a:pt x="102" y="914"/>
+                    <a:pt x="103" y="917"/>
+                    <a:pt x="103" y="920"/>
+                  </a:cubicBezTo>
+                  <a:cubicBezTo>
+                    <a:pt x="102" y="905"/>
+                    <a:pt x="100" y="889"/>
+                    <a:pt x="99" y="874"/>
+                  </a:cubicBezTo>
+                  <a:cubicBezTo>
+                    <a:pt x="99" y="871"/>
+                    <a:pt x="99" y="868"/>
+                    <a:pt x="99" y="866"/>
+                  </a:cubicBezTo>
+                  <a:cubicBezTo>
+                    <a:pt x="85" y="803"/>
+                    <a:pt x="73" y="741"/>
+                    <a:pt x="63" y="678"/>
+                  </a:cubicBezTo>
+                  <a:cubicBezTo>
+                    <a:pt x="50" y="600"/>
+                    <a:pt x="39" y="523"/>
+                    <a:pt x="30" y="444"/>
+                  </a:cubicBezTo>
+                  <a:cubicBezTo>
+                    <a:pt x="21" y="366"/>
+                    <a:pt x="14" y="288"/>
+                    <a:pt x="9" y="209"/>
+                  </a:cubicBezTo>
+                  <a:cubicBezTo>
+                    <a:pt x="7" y="170"/>
+                    <a:pt x="5" y="131"/>
+                    <a:pt x="3" y="92"/>
+                  </a:cubicBezTo>
+                  <a:cubicBezTo>
+                    <a:pt x="2" y="61"/>
+                    <a:pt x="1" y="31"/>
+                    <a:pt x="1" y="0"/>
+                  </a:cubicBezTo>
+                  <a:cubicBezTo>
+                    <a:pt x="0" y="0"/>
+                    <a:pt x="0" y="0"/>
+                    <a:pt x="0" y="0"/>
+                  </a:cubicBezTo>
+                  <a:cubicBezTo>
+                    <a:pt x="0" y="31"/>
+                    <a:pt x="1" y="61"/>
+                    <a:pt x="1" y="92"/>
+                  </a:cubicBezTo>
+                  <a:cubicBezTo>
+                    <a:pt x="3" y="131"/>
+                    <a:pt x="4" y="170"/>
+                    <a:pt x="7" y="210"/>
+                  </a:cubicBezTo>
+                  <a:close/>
+                </a:path>
+              </a:pathLst>
+            </a:custGeom>
+            <a:solidFill>
+              <a:schemeClr val="tx2"/>
+            </a:solidFill>
+            <a:ln>
+              <a:noFill/>
+            </a:ln>
+          </p:spPr>
+        </p:sp>
+        <p:sp>
+          <p:nvSpPr>
+            <p:cNvPr id="12" name="Freeform 28"/>
+            <p:cNvSpPr/>
+            <p:nvPr/>
+          </p:nvSpPr>
+          <p:spPr bwMode="auto">
+            <a:xfrm>
+              <a:off x="7061201" y="3771900"/>
+              <a:ext cx="350838" cy="1309688"/>
+            </a:xfrm>
+            <a:custGeom>
+              <a:avLst/>
+              <a:gdLst/>
+              <a:ahLst/>
+              <a:cxnLst/>
+              <a:rect l="0" t="0" r="r" b="b"/>
+              <a:pathLst>
+                <a:path w="88" h="330">
+                  <a:moveTo>
+                    <a:pt x="53" y="229"/>
+                  </a:moveTo>
+                  <a:cubicBezTo>
+                    <a:pt x="64" y="263"/>
+                    <a:pt x="75" y="297"/>
+                    <a:pt x="88" y="330"/>
+                  </a:cubicBezTo>
+                  <a:cubicBezTo>
+                    <a:pt x="88" y="323"/>
+                    <a:pt x="88" y="315"/>
+                    <a:pt x="88" y="308"/>
+                  </a:cubicBezTo>
+                  <a:cubicBezTo>
+                    <a:pt x="88" y="307"/>
+                    <a:pt x="88" y="305"/>
+                    <a:pt x="88" y="304"/>
+                  </a:cubicBezTo>
+                  <a:cubicBezTo>
+                    <a:pt x="79" y="278"/>
+                    <a:pt x="70" y="252"/>
+                    <a:pt x="62" y="226"/>
+                  </a:cubicBezTo>
+                  <a:cubicBezTo>
+                    <a:pt x="38" y="152"/>
+                    <a:pt x="17" y="76"/>
+                    <a:pt x="0" y="0"/>
+                  </a:cubicBezTo>
+                  <a:cubicBezTo>
+                    <a:pt x="2" y="21"/>
+                    <a:pt x="4" y="42"/>
+                    <a:pt x="7" y="63"/>
+                  </a:cubicBezTo>
+                  <a:cubicBezTo>
+                    <a:pt x="21" y="119"/>
+                    <a:pt x="36" y="174"/>
+                    <a:pt x="53" y="229"/>
+                  </a:cubicBezTo>
+                  <a:close/>
+                </a:path>
+              </a:pathLst>
+            </a:custGeom>
+            <a:solidFill>
+              <a:schemeClr val="tx2"/>
+            </a:solidFill>
+            <a:ln>
+              <a:noFill/>
+            </a:ln>
+          </p:spPr>
+        </p:sp>
+        <p:sp>
+          <p:nvSpPr>
+            <p:cNvPr id="13" name="Freeform 29"/>
+            <p:cNvSpPr/>
+            <p:nvPr/>
+          </p:nvSpPr>
+          <p:spPr bwMode="auto">
+            <a:xfrm>
+              <a:off x="7439026" y="5053013"/>
+              <a:ext cx="357188" cy="820738"/>
+            </a:xfrm>
+            <a:custGeom>
+              <a:avLst/>
+              <a:gdLst/>
+              <a:ahLst/>
+              <a:cxnLst/>
+              <a:rect l="0" t="0" r="r" b="b"/>
+              <a:pathLst>
+                <a:path w="90" h="207">
+                  <a:moveTo>
+                    <a:pt x="6" y="15"/>
+                  </a:moveTo>
+                  <a:cubicBezTo>
+                    <a:pt x="4" y="10"/>
+                    <a:pt x="2" y="5"/>
+                    <a:pt x="0" y="0"/>
+                  </a:cubicBezTo>
+                  <a:cubicBezTo>
+                    <a:pt x="0" y="9"/>
+                    <a:pt x="0" y="19"/>
+                    <a:pt x="1" y="29"/>
+                  </a:cubicBezTo>
+                  <a:cubicBezTo>
+                    <a:pt x="14" y="62"/>
+                    <a:pt x="27" y="95"/>
+                    <a:pt x="42" y="127"/>
+                  </a:cubicBezTo>
+                  <a:cubicBezTo>
+                    <a:pt x="54" y="154"/>
+                    <a:pt x="67" y="181"/>
+                    <a:pt x="80" y="207"/>
+                  </a:cubicBezTo>
+                  <a:cubicBezTo>
+                    <a:pt x="90" y="207"/>
+                    <a:pt x="90" y="207"/>
+                    <a:pt x="90" y="207"/>
+                  </a:cubicBezTo>
+                  <a:cubicBezTo>
+                    <a:pt x="76" y="180"/>
+                    <a:pt x="63" y="152"/>
+                    <a:pt x="50" y="123"/>
+                  </a:cubicBezTo>
+                  <a:cubicBezTo>
+                    <a:pt x="34" y="88"/>
+                    <a:pt x="20" y="51"/>
+                    <a:pt x="6" y="15"/>
+                  </a:cubicBezTo>
+                  <a:close/>
+                </a:path>
+              </a:pathLst>
+            </a:custGeom>
+            <a:solidFill>
+              <a:schemeClr val="tx2"/>
+            </a:solidFill>
+            <a:ln>
+              <a:noFill/>
+            </a:ln>
+          </p:spPr>
+        </p:sp>
+        <p:sp>
+          <p:nvSpPr>
+            <p:cNvPr id="14" name="Freeform 30"/>
+            <p:cNvSpPr/>
+            <p:nvPr/>
+          </p:nvSpPr>
+          <p:spPr bwMode="auto">
+            <a:xfrm>
+              <a:off x="7037388" y="3811588"/>
+              <a:ext cx="457200" cy="1852613"/>
+            </a:xfrm>
+            <a:custGeom>
+              <a:avLst/>
+              <a:gdLst/>
+              <a:ahLst/>
+              <a:cxnLst/>
+              <a:rect l="0" t="0" r="r" b="b"/>
+              <a:pathLst>
+                <a:path w="115" h="467">
+                  <a:moveTo>
+                    <a:pt x="101" y="409"/>
+                  </a:moveTo>
+                  <a:cubicBezTo>
+                    <a:pt x="93" y="388"/>
+                    <a:pt x="85" y="366"/>
+                    <a:pt x="78" y="344"/>
+                  </a:cubicBezTo>
+                  <a:cubicBezTo>
+                    <a:pt x="57" y="281"/>
+                    <a:pt x="41" y="216"/>
+                    <a:pt x="29" y="151"/>
+                  </a:cubicBezTo>
+                  <a:cubicBezTo>
+                    <a:pt x="22" y="119"/>
+                    <a:pt x="17" y="86"/>
+                    <a:pt x="13" y="53"/>
+                  </a:cubicBezTo>
+                  <a:cubicBezTo>
+                    <a:pt x="9" y="35"/>
+                    <a:pt x="4" y="18"/>
+                    <a:pt x="0" y="0"/>
+                  </a:cubicBezTo>
+                  <a:cubicBezTo>
+                    <a:pt x="5" y="51"/>
+                    <a:pt x="12" y="102"/>
+                    <a:pt x="21" y="152"/>
+                  </a:cubicBezTo>
+                  <a:cubicBezTo>
+                    <a:pt x="33" y="218"/>
+                    <a:pt x="49" y="283"/>
+                    <a:pt x="69" y="347"/>
+                  </a:cubicBezTo>
+                  <a:cubicBezTo>
+                    <a:pt x="79" y="378"/>
+                    <a:pt x="90" y="410"/>
+                    <a:pt x="103" y="441"/>
+                  </a:cubicBezTo>
+                  <a:cubicBezTo>
+                    <a:pt x="107" y="449"/>
+                    <a:pt x="111" y="458"/>
+                    <a:pt x="115" y="467"/>
+                  </a:cubicBezTo>
+                  <a:cubicBezTo>
+                    <a:pt x="114" y="464"/>
+                    <a:pt x="113" y="461"/>
+                    <a:pt x="112" y="458"/>
+                  </a:cubicBezTo>
+                  <a:cubicBezTo>
+                    <a:pt x="108" y="442"/>
+                    <a:pt x="104" y="425"/>
+                    <a:pt x="101" y="409"/>
+                  </a:cubicBezTo>
+                  <a:close/>
+                </a:path>
+              </a:pathLst>
+            </a:custGeom>
+            <a:solidFill>
+              <a:schemeClr val="tx2"/>
+            </a:solidFill>
+            <a:ln>
+              <a:noFill/>
+            </a:ln>
+          </p:spPr>
+        </p:sp>
+        <p:sp>
+          <p:nvSpPr>
+            <p:cNvPr id="15" name="Freeform 31"/>
+            <p:cNvSpPr/>
+            <p:nvPr/>
+          </p:nvSpPr>
+          <p:spPr bwMode="auto">
+            <a:xfrm>
+              <a:off x="6992938" y="1263650"/>
+              <a:ext cx="144463" cy="2508250"/>
+            </a:xfrm>
+            <a:custGeom>
+              <a:avLst/>
+              <a:gdLst/>
+              <a:ahLst/>
+              <a:cxnLst/>
+              <a:rect l="0" t="0" r="r" b="b"/>
+              <a:pathLst>
+                <a:path w="36" h="633">
+                  <a:moveTo>
+                    <a:pt x="17" y="633"/>
+                  </a:moveTo>
+                  <a:cubicBezTo>
+                    <a:pt x="15" y="621"/>
+                    <a:pt x="14" y="609"/>
+                    <a:pt x="13" y="597"/>
+                  </a:cubicBezTo>
+                  <a:cubicBezTo>
+                    <a:pt x="8" y="530"/>
+                    <a:pt x="5" y="464"/>
+                    <a:pt x="5" y="398"/>
+                  </a:cubicBezTo>
+                  <a:cubicBezTo>
+                    <a:pt x="5" y="331"/>
+                    <a:pt x="8" y="265"/>
+                    <a:pt x="13" y="198"/>
+                  </a:cubicBezTo>
+                  <a:cubicBezTo>
+                    <a:pt x="15" y="165"/>
+                    <a:pt x="18" y="132"/>
+                    <a:pt x="22" y="99"/>
+                  </a:cubicBezTo>
+                  <a:cubicBezTo>
+                    <a:pt x="26" y="66"/>
+                    <a:pt x="30" y="33"/>
+                    <a:pt x="36" y="0"/>
+                  </a:cubicBezTo>
+                  <a:cubicBezTo>
+                    <a:pt x="35" y="0"/>
+                    <a:pt x="35" y="0"/>
+                    <a:pt x="35" y="0"/>
+                  </a:cubicBezTo>
+                  <a:cubicBezTo>
+                    <a:pt x="29" y="33"/>
+                    <a:pt x="24" y="66"/>
+                    <a:pt x="20" y="99"/>
+                  </a:cubicBezTo>
+                  <a:cubicBezTo>
+                    <a:pt x="16" y="132"/>
+                    <a:pt x="13" y="165"/>
+                    <a:pt x="10" y="198"/>
+                  </a:cubicBezTo>
+                  <a:cubicBezTo>
+                    <a:pt x="4" y="264"/>
+                    <a:pt x="1" y="331"/>
+                    <a:pt x="1" y="398"/>
+                  </a:cubicBezTo>
+                  <a:cubicBezTo>
+                    <a:pt x="0" y="461"/>
+                    <a:pt x="2" y="525"/>
+                    <a:pt x="7" y="589"/>
+                  </a:cubicBezTo>
+                  <a:cubicBezTo>
+                    <a:pt x="10" y="603"/>
+                    <a:pt x="13" y="618"/>
+                    <a:pt x="16" y="632"/>
+                  </a:cubicBezTo>
+                  <a:cubicBezTo>
+                    <a:pt x="16" y="632"/>
+                    <a:pt x="17" y="633"/>
+                    <a:pt x="17" y="633"/>
+                  </a:cubicBezTo>
+                  <a:close/>
+                </a:path>
+              </a:pathLst>
+            </a:custGeom>
+            <a:solidFill>
+              <a:schemeClr val="tx2"/>
+            </a:solidFill>
+            <a:ln>
+              <a:noFill/>
+            </a:ln>
+          </p:spPr>
+        </p:sp>
+        <p:sp>
+          <p:nvSpPr>
+            <p:cNvPr id="16" name="Freeform 32"/>
+            <p:cNvSpPr/>
+            <p:nvPr/>
+          </p:nvSpPr>
+          <p:spPr bwMode="auto">
+            <a:xfrm>
+              <a:off x="7526338" y="5640388"/>
+              <a:ext cx="111125" cy="233363"/>
+            </a:xfrm>
+            <a:custGeom>
+              <a:avLst/>
+              <a:gdLst/>
+              <a:ahLst/>
+              <a:cxnLst/>
+              <a:rect l="0" t="0" r="r" b="b"/>
+              <a:pathLst>
+                <a:path w="28" h="59">
+                  <a:moveTo>
+                    <a:pt x="22" y="59"/>
+                  </a:moveTo>
+                  <a:cubicBezTo>
+                    <a:pt x="28" y="59"/>
+                    <a:pt x="28" y="59"/>
+                    <a:pt x="28" y="59"/>
+                  </a:cubicBezTo>
+                  <a:cubicBezTo>
+                    <a:pt x="18" y="40"/>
+                    <a:pt x="9" y="20"/>
+                    <a:pt x="0" y="0"/>
+                  </a:cubicBezTo>
+                  <a:cubicBezTo>
+                    <a:pt x="6" y="20"/>
+                    <a:pt x="13" y="40"/>
+                    <a:pt x="22" y="59"/>
+                  </a:cubicBezTo>
+                  <a:close/>
+                </a:path>
+              </a:pathLst>
+            </a:custGeom>
+            <a:solidFill>
+              <a:schemeClr val="tx2"/>
+            </a:solidFill>
+            <a:ln>
+              <a:noFill/>
+            </a:ln>
+          </p:spPr>
+        </p:sp>
+        <p:sp>
+          <p:nvSpPr>
+            <p:cNvPr id="17" name="Freeform 33"/>
+            <p:cNvSpPr/>
+            <p:nvPr/>
+          </p:nvSpPr>
+          <p:spPr bwMode="auto">
+            <a:xfrm>
+              <a:off x="7021513" y="3598863"/>
+              <a:ext cx="68263" cy="423863"/>
+            </a:xfrm>
+            <a:custGeom>
+              <a:avLst/>
+              <a:gdLst/>
+              <a:ahLst/>
+              <a:cxnLst/>
+              <a:rect l="0" t="0" r="r" b="b"/>
+              <a:pathLst>
+                <a:path w="17" h="107">
+                  <a:moveTo>
+                    <a:pt x="4" y="54"/>
+                  </a:moveTo>
+                  <a:cubicBezTo>
+                    <a:pt x="8" y="72"/>
+                    <a:pt x="13" y="89"/>
+                    <a:pt x="17" y="107"/>
+                  </a:cubicBezTo>
+                  <a:cubicBezTo>
+                    <a:pt x="14" y="86"/>
+                    <a:pt x="12" y="65"/>
+                    <a:pt x="10" y="44"/>
+                  </a:cubicBezTo>
+                  <a:cubicBezTo>
+                    <a:pt x="10" y="44"/>
+                    <a:pt x="9" y="43"/>
+                    <a:pt x="9" y="43"/>
+                  </a:cubicBezTo>
+                  <a:cubicBezTo>
+                    <a:pt x="6" y="29"/>
+                    <a:pt x="3" y="14"/>
+                    <a:pt x="0" y="0"/>
+                  </a:cubicBezTo>
+                  <a:cubicBezTo>
+                    <a:pt x="0" y="2"/>
+                    <a:pt x="0" y="5"/>
+                    <a:pt x="0" y="8"/>
+                  </a:cubicBezTo>
+                  <a:cubicBezTo>
+                    <a:pt x="1" y="23"/>
+                    <a:pt x="3" y="39"/>
+                    <a:pt x="4" y="54"/>
+                  </a:cubicBezTo>
+                  <a:close/>
+                </a:path>
+              </a:pathLst>
+            </a:custGeom>
+            <a:solidFill>
+              <a:schemeClr val="tx2"/>
+            </a:solidFill>
+            <a:ln>
+              <a:noFill/>
+            </a:ln>
+          </p:spPr>
+        </p:sp>
+        <p:sp>
+          <p:nvSpPr>
+            <p:cNvPr id="18" name="Freeform 34"/>
+            <p:cNvSpPr/>
+            <p:nvPr/>
+          </p:nvSpPr>
+          <p:spPr bwMode="auto">
+            <a:xfrm>
+              <a:off x="7412038" y="2801938"/>
+              <a:ext cx="1168400" cy="2251075"/>
+            </a:xfrm>
+            <a:custGeom>
+              <a:avLst/>
+              <a:gdLst/>
+              <a:ahLst/>
+              <a:cxnLst/>
+              <a:rect l="0" t="0" r="r" b="b"/>
+              <a:pathLst>
+                <a:path w="294" h="568">
+                  <a:moveTo>
+                    <a:pt x="8" y="553"/>
+                  </a:moveTo>
+                  <a:cubicBezTo>
+                    <a:pt x="9" y="501"/>
+                    <a:pt x="19" y="448"/>
+                    <a:pt x="35" y="397"/>
+                  </a:cubicBezTo>
+                  <a:cubicBezTo>
+                    <a:pt x="51" y="347"/>
+                    <a:pt x="73" y="298"/>
+                    <a:pt x="99" y="252"/>
+                  </a:cubicBezTo>
+                  <a:cubicBezTo>
+                    <a:pt x="124" y="205"/>
+                    <a:pt x="154" y="161"/>
+                    <a:pt x="187" y="119"/>
+                  </a:cubicBezTo>
+                  <a:cubicBezTo>
+                    <a:pt x="203" y="98"/>
+                    <a:pt x="220" y="77"/>
+                    <a:pt x="238" y="58"/>
+                  </a:cubicBezTo>
+                  <a:cubicBezTo>
+                    <a:pt x="247" y="48"/>
+                    <a:pt x="256" y="38"/>
+                    <a:pt x="265" y="28"/>
+                  </a:cubicBezTo>
+                  <a:cubicBezTo>
+                    <a:pt x="274" y="19"/>
+                    <a:pt x="284" y="9"/>
+                    <a:pt x="294" y="0"/>
+                  </a:cubicBezTo>
+                  <a:cubicBezTo>
+                    <a:pt x="293" y="0"/>
+                    <a:pt x="293" y="0"/>
+                    <a:pt x="293" y="0"/>
+                  </a:cubicBezTo>
+                  <a:cubicBezTo>
+                    <a:pt x="283" y="9"/>
+                    <a:pt x="273" y="18"/>
+                    <a:pt x="264" y="27"/>
+                  </a:cubicBezTo>
+                  <a:cubicBezTo>
+                    <a:pt x="255" y="37"/>
+                    <a:pt x="246" y="47"/>
+                    <a:pt x="237" y="56"/>
+                  </a:cubicBezTo>
+                  <a:cubicBezTo>
+                    <a:pt x="218" y="76"/>
+                    <a:pt x="201" y="96"/>
+                    <a:pt x="185" y="117"/>
+                  </a:cubicBezTo>
+                  <a:cubicBezTo>
+                    <a:pt x="151" y="159"/>
+                    <a:pt x="121" y="203"/>
+                    <a:pt x="95" y="249"/>
+                  </a:cubicBezTo>
+                  <a:cubicBezTo>
+                    <a:pt x="68" y="296"/>
+                    <a:pt x="46" y="345"/>
+                    <a:pt x="30" y="396"/>
+                  </a:cubicBezTo>
+                  <a:cubicBezTo>
+                    <a:pt x="13" y="445"/>
+                    <a:pt x="3" y="497"/>
+                    <a:pt x="0" y="549"/>
+                  </a:cubicBezTo>
+                  <a:cubicBezTo>
+                    <a:pt x="3" y="555"/>
+                    <a:pt x="5" y="561"/>
+                    <a:pt x="7" y="568"/>
+                  </a:cubicBezTo>
+                  <a:cubicBezTo>
+                    <a:pt x="7" y="563"/>
+                    <a:pt x="7" y="558"/>
+                    <a:pt x="8" y="553"/>
+                  </a:cubicBezTo>
+                  <a:close/>
+                </a:path>
+              </a:pathLst>
+            </a:custGeom>
+            <a:solidFill>
+              <a:schemeClr val="tx2"/>
+            </a:solidFill>
+            <a:ln>
+              <a:noFill/>
+            </a:ln>
+          </p:spPr>
+        </p:sp>
+        <p:sp>
+          <p:nvSpPr>
+            <p:cNvPr id="19" name="Freeform 35"/>
+            <p:cNvSpPr/>
+            <p:nvPr/>
+          </p:nvSpPr>
+          <p:spPr bwMode="auto">
+            <a:xfrm>
+              <a:off x="7494588" y="5664200"/>
+              <a:ext cx="100013" cy="209550"/>
+            </a:xfrm>
+            <a:custGeom>
+              <a:avLst/>
+              <a:gdLst/>
+              <a:ahLst/>
+              <a:cxnLst/>
+              <a:rect l="0" t="0" r="r" b="b"/>
+              <a:pathLst>
+                <a:path w="25" h="53">
+                  <a:moveTo>
+                    <a:pt x="0" y="0"/>
+                  </a:moveTo>
+                  <a:cubicBezTo>
+                    <a:pt x="5" y="18"/>
+                    <a:pt x="12" y="36"/>
+                    <a:pt x="19" y="53"/>
+                  </a:cubicBezTo>
+                  <a:cubicBezTo>
+                    <a:pt x="25" y="53"/>
+                    <a:pt x="25" y="53"/>
+                    <a:pt x="25" y="53"/>
+                  </a:cubicBezTo>
+                  <a:cubicBezTo>
+                    <a:pt x="16" y="36"/>
+                    <a:pt x="8" y="18"/>
+                    <a:pt x="0" y="0"/>
+                  </a:cubicBezTo>
+                  <a:close/>
+                </a:path>
+              </a:pathLst>
+            </a:custGeom>
+            <a:solidFill>
+              <a:schemeClr val="tx2"/>
+            </a:solidFill>
+            <a:ln>
+              <a:noFill/>
+            </a:ln>
+          </p:spPr>
+        </p:sp>
+        <p:sp>
+          <p:nvSpPr>
+            <p:cNvPr id="20" name="Freeform 36"/>
+            <p:cNvSpPr/>
+            <p:nvPr/>
+          </p:nvSpPr>
+          <p:spPr bwMode="auto">
+            <a:xfrm>
+              <a:off x="7412038" y="5081588"/>
+              <a:ext cx="114300" cy="558800"/>
+            </a:xfrm>
+            <a:custGeom>
+              <a:avLst/>
+              <a:gdLst/>
+              <a:ahLst/>
+              <a:cxnLst/>
+              <a:rect l="0" t="0" r="r" b="b"/>
+              <a:pathLst>
+                <a:path w="29" h="141">
+                  <a:moveTo>
+                    <a:pt x="0" y="0"/>
+                  </a:moveTo>
+                  <a:cubicBezTo>
+                    <a:pt x="0" y="30"/>
+                    <a:pt x="2" y="60"/>
+                    <a:pt x="7" y="89"/>
+                  </a:cubicBezTo>
+                  <a:cubicBezTo>
+                    <a:pt x="11" y="98"/>
+                    <a:pt x="14" y="108"/>
+                    <a:pt x="18" y="117"/>
+                  </a:cubicBezTo>
+                  <a:cubicBezTo>
+                    <a:pt x="22" y="125"/>
+                    <a:pt x="25" y="133"/>
+                    <a:pt x="29" y="141"/>
+                  </a:cubicBezTo>
+                  <a:cubicBezTo>
+                    <a:pt x="28" y="139"/>
+                    <a:pt x="28" y="137"/>
+                    <a:pt x="27" y="135"/>
+                  </a:cubicBezTo>
+                  <a:cubicBezTo>
+                    <a:pt x="16" y="98"/>
+                    <a:pt x="10" y="60"/>
+                    <a:pt x="8" y="22"/>
+                  </a:cubicBezTo>
+                  <a:cubicBezTo>
+                    <a:pt x="7" y="18"/>
+                    <a:pt x="5" y="15"/>
+                    <a:pt x="4" y="11"/>
+                  </a:cubicBezTo>
+                  <a:cubicBezTo>
+                    <a:pt x="2" y="7"/>
+                    <a:pt x="1" y="3"/>
+                    <a:pt x="0" y="0"/>
+                  </a:cubicBezTo>
+                  <a:close/>
+                </a:path>
+              </a:pathLst>
+            </a:custGeom>
+            <a:solidFill>
+              <a:schemeClr val="tx2"/>
+            </a:solidFill>
+            <a:ln>
+              <a:noFill/>
+            </a:ln>
+          </p:spPr>
+        </p:sp>
+        <p:sp>
+          <p:nvSpPr>
+            <p:cNvPr id="21" name="Freeform 37"/>
+            <p:cNvSpPr/>
+            <p:nvPr/>
+          </p:nvSpPr>
+          <p:spPr bwMode="auto">
+            <a:xfrm>
+              <a:off x="7412038" y="4978400"/>
+              <a:ext cx="31750" cy="188913"/>
+            </a:xfrm>
+            <a:custGeom>
+              <a:avLst/>
+              <a:gdLst/>
+              <a:ahLst/>
+              <a:cxnLst/>
+              <a:rect l="0" t="0" r="r" b="b"/>
+              <a:pathLst>
+                <a:path w="8" h="48">
+                  <a:moveTo>
+                    <a:pt x="0" y="26"/>
+                  </a:moveTo>
+                  <a:cubicBezTo>
+                    <a:pt x="1" y="29"/>
+                    <a:pt x="2" y="33"/>
+                    <a:pt x="4" y="37"/>
+                  </a:cubicBezTo>
+                  <a:cubicBezTo>
+                    <a:pt x="5" y="41"/>
+                    <a:pt x="7" y="44"/>
+                    <a:pt x="8" y="48"/>
+                  </a:cubicBezTo>
+                  <a:cubicBezTo>
+                    <a:pt x="7" y="38"/>
+                    <a:pt x="7" y="28"/>
+                    <a:pt x="7" y="19"/>
+                  </a:cubicBezTo>
+                  <a:cubicBezTo>
+                    <a:pt x="5" y="12"/>
+                    <a:pt x="3" y="6"/>
+                    <a:pt x="0" y="0"/>
+                  </a:cubicBezTo>
+                  <a:cubicBezTo>
+                    <a:pt x="0" y="1"/>
+                    <a:pt x="0" y="3"/>
+                    <a:pt x="0" y="4"/>
+                  </a:cubicBezTo>
+                  <a:cubicBezTo>
+                    <a:pt x="0" y="11"/>
+                    <a:pt x="0" y="19"/>
+                    <a:pt x="0" y="26"/>
+                  </a:cubicBezTo>
+                  <a:close/>
+                </a:path>
+              </a:pathLst>
+            </a:custGeom>
+            <a:solidFill>
+              <a:schemeClr val="tx2"/>
+            </a:solidFill>
+            <a:ln>
+              <a:noFill/>
+            </a:ln>
+          </p:spPr>
+        </p:sp>
+        <p:sp>
+          <p:nvSpPr>
+            <p:cNvPr id="22" name="Freeform 38"/>
+            <p:cNvSpPr/>
+            <p:nvPr/>
+          </p:nvSpPr>
+          <p:spPr bwMode="auto">
+            <a:xfrm>
+              <a:off x="7439026" y="5434013"/>
+              <a:ext cx="174625" cy="439738"/>
+            </a:xfrm>
+            <a:custGeom>
+              <a:avLst/>
+              <a:gdLst/>
+              <a:ahLst/>
+              <a:cxnLst/>
+              <a:rect l="0" t="0" r="r" b="b"/>
+              <a:pathLst>
+                <a:path w="44" h="111">
+                  <a:moveTo>
+                    <a:pt x="11" y="28"/>
+                  </a:moveTo>
+                  <a:cubicBezTo>
+                    <a:pt x="7" y="19"/>
+                    <a:pt x="4" y="9"/>
+                    <a:pt x="0" y="0"/>
+                  </a:cubicBezTo>
+                  <a:cubicBezTo>
+                    <a:pt x="3" y="16"/>
+                    <a:pt x="7" y="33"/>
+                    <a:pt x="11" y="49"/>
+                  </a:cubicBezTo>
+                  <a:cubicBezTo>
+                    <a:pt x="12" y="52"/>
+                    <a:pt x="13" y="55"/>
+                    <a:pt x="14" y="58"/>
+                  </a:cubicBezTo>
+                  <a:cubicBezTo>
+                    <a:pt x="22" y="76"/>
+                    <a:pt x="30" y="94"/>
+                    <a:pt x="39" y="111"/>
+                  </a:cubicBezTo>
+                  <a:cubicBezTo>
+                    <a:pt x="44" y="111"/>
+                    <a:pt x="44" y="111"/>
+                    <a:pt x="44" y="111"/>
+                  </a:cubicBezTo>
+                  <a:cubicBezTo>
+                    <a:pt x="35" y="92"/>
+                    <a:pt x="28" y="72"/>
+                    <a:pt x="22" y="52"/>
+                  </a:cubicBezTo>
+                  <a:cubicBezTo>
+                    <a:pt x="18" y="44"/>
+                    <a:pt x="15" y="36"/>
+                    <a:pt x="11" y="28"/>
+                  </a:cubicBezTo>
+                  <a:close/>
+                </a:path>
+              </a:pathLst>
+            </a:custGeom>
+            <a:solidFill>
+              <a:schemeClr val="tx2"/>
+            </a:solidFill>
+            <a:ln>
+              <a:noFill/>
+            </a:ln>
+          </p:spPr>
+        </p:sp>
+      </p:grpSp>
+      <p:sp>
+        <p:nvSpPr>
+          <p:cNvPr id="7" name="Rectangle 6"/>
+          <p:cNvSpPr/>
+          <p:nvPr/>
         </p:nvSpPr>
         <p:spPr>
           <a:xfrm>
-            <a:off x="838200" y="365125"/>
-            <a:ext cx="10515600" cy="1325563"/>
+            <a:off x="0" y="0"/>
+            <a:ext cx="182880" cy="6858000"/>
+          </a:xfrm>
+          <a:prstGeom prst="rect">
+            <a:avLst/>
+          </a:prstGeom>
+          <a:solidFill>
+            <a:schemeClr val="tx2"/>
+          </a:solidFill>
+          <a:ln>
+            <a:noFill/>
+          </a:ln>
+          <a:effectLst/>
+        </p:spPr>
+        <p:style>
+          <a:lnRef idx="1">
+            <a:schemeClr val="accent1"/>
+          </a:lnRef>
+          <a:fillRef idx="3">
+            <a:schemeClr val="accent1"/>
+          </a:fillRef>
+          <a:effectRef idx="2">
+            <a:schemeClr val="accent1"/>
+          </a:effectRef>
+          <a:fontRef idx="minor">
+            <a:schemeClr val="lt1"/>
+          </a:fontRef>
+        </p:style>
+      </p:sp>
+      <p:sp>
+        <p:nvSpPr>
+          <p:cNvPr id="2" name="Title Placeholder 1"/>
+          <p:cNvSpPr>
+            <a:spLocks noGrp="1"/>
+          </p:cNvSpPr>
+          <p:nvPr>
+            <p:ph type="title"/>
+          </p:nvPr>
+        </p:nvSpPr>
+        <p:spPr>
+          <a:xfrm>
+            <a:off x="2592924" y="624110"/>
+            <a:ext cx="8911687" cy="1280890"/>
           </a:xfrm>
           <a:prstGeom prst="rect">
             <a:avLst/>
           </a:prstGeom>
         </p:spPr>
         <p:txBody>
-          <a:bodyPr vert="horz" lIns="91440" tIns="45720" rIns="91440" bIns="45720" rtlCol="0" anchor="ctr">
+          <a:bodyPr vert="horz" lIns="91440" tIns="45720" rIns="91440" bIns="45720" rtlCol="0" anchor="t">
             <a:normAutofit/>
           </a:bodyPr>
           <a:lstStyle/>
@@ -2914,8 +7509,8 @@
         </p:nvSpPr>
         <p:spPr>
           <a:xfrm>
-            <a:off x="838200" y="1825625"/>
-            <a:ext cx="10515600" cy="4351338"/>
+            <a:off x="2589212" y="2133600"/>
+            <a:ext cx="8915400" cy="3886200"/>
           </a:xfrm>
           <a:prstGeom prst="rect">
             <a:avLst/>
@@ -2976,8 +7571,8 @@
         </p:nvSpPr>
         <p:spPr>
           <a:xfrm>
-            <a:off x="838200" y="6356350"/>
-            <a:ext cx="2743200" cy="365125"/>
+            <a:off x="10361612" y="6130437"/>
+            <a:ext cx="1146283" cy="370396"/>
           </a:xfrm>
           <a:prstGeom prst="rect">
             <a:avLst/>
@@ -2986,8 +7581,8 @@
         <p:txBody>
           <a:bodyPr vert="horz" lIns="91440" tIns="45720" rIns="91440" bIns="45720" rtlCol="0" anchor="ctr"/>
           <a:lstStyle>
-            <a:lvl1pPr algn="l">
-              <a:defRPr sz="1200">
+            <a:lvl1pPr algn="r">
+              <a:defRPr sz="900">
                 <a:solidFill>
                   <a:schemeClr val="tx1">
                     <a:tint val="75000"/>
@@ -2999,7 +7594,7 @@
           <a:p>
             <a:fld id="{BC963854-0500-4533-9B56-A93F0BB014C2}" type="datetimeFigureOut">
               <a:rPr lang="en-US" smtClean="0"/>
-              <a:t>3/7/2025</a:t>
+              <a:t>3/19/2025</a:t>
             </a:fld>
             <a:endParaRPr lang="en-US"/>
           </a:p>
@@ -3017,8 +7612,8 @@
         </p:nvSpPr>
         <p:spPr>
           <a:xfrm>
-            <a:off x="4038600" y="6356350"/>
-            <a:ext cx="4114800" cy="365125"/>
+            <a:off x="2589212" y="6135808"/>
+            <a:ext cx="7619999" cy="365125"/>
           </a:xfrm>
           <a:prstGeom prst="rect">
             <a:avLst/>
@@ -3027,8 +7622,8 @@
         <p:txBody>
           <a:bodyPr vert="horz" lIns="91440" tIns="45720" rIns="91440" bIns="45720" rtlCol="0" anchor="ctr"/>
           <a:lstStyle>
-            <a:lvl1pPr algn="ctr">
-              <a:defRPr sz="1200">
+            <a:lvl1pPr algn="l">
+              <a:defRPr sz="900">
                 <a:solidFill>
                   <a:schemeClr val="tx1">
                     <a:tint val="75000"/>
@@ -3052,10 +7647,10 @@
             <p:ph type="sldNum" sz="quarter" idx="4"/>
           </p:nvPr>
         </p:nvSpPr>
-        <p:spPr>
+        <p:spPr bwMode="gray">
           <a:xfrm>
-            <a:off x="8610600" y="6356350"/>
-            <a:ext cx="2743200" cy="365125"/>
+            <a:off x="531812" y="787782"/>
+            <a:ext cx="779767" cy="365125"/>
           </a:xfrm>
           <a:prstGeom prst="rect">
             <a:avLst/>
@@ -3065,11 +7660,9 @@
           <a:bodyPr vert="horz" lIns="91440" tIns="45720" rIns="91440" bIns="45720" rtlCol="0" anchor="ctr"/>
           <a:lstStyle>
             <a:lvl1pPr algn="r">
-              <a:defRPr sz="1200">
+              <a:defRPr sz="2000">
                 <a:solidFill>
-                  <a:schemeClr val="tx1">
-                    <a:tint val="75000"/>
-                  </a:schemeClr>
+                  <a:srgbClr val="FEFFFF"/>
                 </a:solidFill>
               </a:defRPr>
             </a:lvl1pPr>
@@ -3086,201 +7679,316 @@
     </p:spTree>
     <p:extLst>
       <p:ext uri="{BB962C8B-B14F-4D97-AF65-F5344CB8AC3E}">
-        <p14:creationId xmlns:p14="http://schemas.microsoft.com/office/powerpoint/2010/main" val="2873353807"/>
+        <p14:creationId xmlns:p14="http://schemas.microsoft.com/office/powerpoint/2010/main" val="168089343"/>
       </p:ext>
     </p:extLst>
   </p:cSld>
   <p:clrMap bg1="lt1" tx1="dk1" bg2="lt2" tx2="dk2" accent1="accent1" accent2="accent2" accent3="accent3" accent4="accent4" accent5="accent5" accent6="accent6" hlink="hlink" folHlink="folHlink"/>
   <p:sldLayoutIdLst>
-    <p:sldLayoutId id="2147483679" r:id="rId1"/>
-    <p:sldLayoutId id="2147483680" r:id="rId2"/>
-    <p:sldLayoutId id="2147483681" r:id="rId3"/>
-    <p:sldLayoutId id="2147483682" r:id="rId4"/>
-    <p:sldLayoutId id="2147483683" r:id="rId5"/>
-    <p:sldLayoutId id="2147483684" r:id="rId6"/>
-    <p:sldLayoutId id="2147483685" r:id="rId7"/>
-    <p:sldLayoutId id="2147483686" r:id="rId8"/>
-    <p:sldLayoutId id="2147483687" r:id="rId9"/>
-    <p:sldLayoutId id="2147483688" r:id="rId10"/>
-    <p:sldLayoutId id="2147483689" r:id="rId11"/>
+    <p:sldLayoutId id="2147483691" r:id="rId1"/>
+    <p:sldLayoutId id="2147483692" r:id="rId2"/>
+    <p:sldLayoutId id="2147483693" r:id="rId3"/>
+    <p:sldLayoutId id="2147483694" r:id="rId4"/>
+    <p:sldLayoutId id="2147483695" r:id="rId5"/>
+    <p:sldLayoutId id="2147483696" r:id="rId6"/>
+    <p:sldLayoutId id="2147483697" r:id="rId7"/>
+    <p:sldLayoutId id="2147483698" r:id="rId8"/>
+    <p:sldLayoutId id="2147483699" r:id="rId9"/>
+    <p:sldLayoutId id="2147483700" r:id="rId10"/>
+    <p:sldLayoutId id="2147483701" r:id="rId11"/>
+    <p:sldLayoutId id="2147483702" r:id="rId12"/>
+    <p:sldLayoutId id="2147483703" r:id="rId13"/>
+    <p:sldLayoutId id="2147483704" r:id="rId14"/>
+    <p:sldLayoutId id="2147483705" r:id="rId15"/>
+    <p:sldLayoutId id="2147483706" r:id="rId16"/>
   </p:sldLayoutIdLst>
   <p:txStyles>
     <p:titleStyle>
-      <a:lvl1pPr algn="l" defTabSz="914400" rtl="0" eaLnBrk="1" latinLnBrk="0" hangingPunct="1">
-        <a:lnSpc>
-          <a:spcPct val="90000"/>
-        </a:lnSpc>
+      <a:lvl1pPr algn="l" defTabSz="457200" rtl="0" eaLnBrk="1" latinLnBrk="0" hangingPunct="1">
         <a:spcBef>
           <a:spcPct val="0"/>
         </a:spcBef>
         <a:buNone/>
-        <a:defRPr sz="4400" kern="1200">
+        <a:defRPr sz="3600" kern="1200">
           <a:solidFill>
-            <a:schemeClr val="tx1"/>
+            <a:schemeClr val="tx1">
+              <a:lumMod val="85000"/>
+              <a:lumOff val="15000"/>
+            </a:schemeClr>
           </a:solidFill>
           <a:latin typeface="+mj-lt"/>
           <a:ea typeface="+mj-ea"/>
           <a:cs typeface="+mj-cs"/>
         </a:defRPr>
       </a:lvl1pPr>
+      <a:lvl2pPr eaLnBrk="1" hangingPunct="1">
+        <a:defRPr>
+          <a:solidFill>
+            <a:schemeClr val="tx2"/>
+          </a:solidFill>
+        </a:defRPr>
+      </a:lvl2pPr>
+      <a:lvl3pPr eaLnBrk="1" hangingPunct="1">
+        <a:defRPr>
+          <a:solidFill>
+            <a:schemeClr val="tx2"/>
+          </a:solidFill>
+        </a:defRPr>
+      </a:lvl3pPr>
+      <a:lvl4pPr eaLnBrk="1" hangingPunct="1">
+        <a:defRPr>
+          <a:solidFill>
+            <a:schemeClr val="tx2"/>
+          </a:solidFill>
+        </a:defRPr>
+      </a:lvl4pPr>
+      <a:lvl5pPr eaLnBrk="1" hangingPunct="1">
+        <a:defRPr>
+          <a:solidFill>
+            <a:schemeClr val="tx2"/>
+          </a:solidFill>
+        </a:defRPr>
+      </a:lvl5pPr>
+      <a:lvl6pPr eaLnBrk="1" hangingPunct="1">
+        <a:defRPr>
+          <a:solidFill>
+            <a:schemeClr val="tx2"/>
+          </a:solidFill>
+        </a:defRPr>
+      </a:lvl6pPr>
+      <a:lvl7pPr eaLnBrk="1" hangingPunct="1">
+        <a:defRPr>
+          <a:solidFill>
+            <a:schemeClr val="tx2"/>
+          </a:solidFill>
+        </a:defRPr>
+      </a:lvl7pPr>
+      <a:lvl8pPr eaLnBrk="1" hangingPunct="1">
+        <a:defRPr>
+          <a:solidFill>
+            <a:schemeClr val="tx2"/>
+          </a:solidFill>
+        </a:defRPr>
+      </a:lvl8pPr>
+      <a:lvl9pPr eaLnBrk="1" hangingPunct="1">
+        <a:defRPr>
+          <a:solidFill>
+            <a:schemeClr val="tx2"/>
+          </a:solidFill>
+        </a:defRPr>
+      </a:lvl9pPr>
     </p:titleStyle>
     <p:bodyStyle>
-      <a:lvl1pPr marL="228600" indent="-228600" algn="l" defTabSz="914400" rtl="0" eaLnBrk="1" latinLnBrk="0" hangingPunct="1">
-        <a:lnSpc>
-          <a:spcPct val="90000"/>
-        </a:lnSpc>
+      <a:lvl1pPr marL="342900" indent="-342900" algn="l" defTabSz="457200" rtl="0" eaLnBrk="1" latinLnBrk="0" hangingPunct="1">
         <a:spcBef>
           <a:spcPts val="1000"/>
         </a:spcBef>
-        <a:buFont typeface="Arial" panose="020B0604020202020204" pitchFamily="34" charset="0"/>
-        <a:buChar char="•"/>
-        <a:defRPr sz="2800" kern="1200">
+        <a:spcAft>
+          <a:spcPts val="0"/>
+        </a:spcAft>
+        <a:buClr>
+          <a:schemeClr val="accent1"/>
+        </a:buClr>
+        <a:buFont typeface="Wingdings 3" charset="2"/>
+        <a:buChar char=""/>
+        <a:defRPr sz="1800" kern="1200">
           <a:solidFill>
-            <a:schemeClr val="tx1"/>
+            <a:schemeClr val="tx1">
+              <a:lumMod val="75000"/>
+              <a:lumOff val="25000"/>
+            </a:schemeClr>
           </a:solidFill>
           <a:latin typeface="+mn-lt"/>
           <a:ea typeface="+mn-ea"/>
           <a:cs typeface="+mn-cs"/>
         </a:defRPr>
       </a:lvl1pPr>
-      <a:lvl2pPr marL="685800" indent="-228600" algn="l" defTabSz="914400" rtl="0" eaLnBrk="1" latinLnBrk="0" hangingPunct="1">
-        <a:lnSpc>
-          <a:spcPct val="90000"/>
-        </a:lnSpc>
+      <a:lvl2pPr marL="742950" indent="-285750" algn="l" defTabSz="457200" rtl="0" eaLnBrk="1" latinLnBrk="0" hangingPunct="1">
         <a:spcBef>
-          <a:spcPts val="500"/>
+          <a:spcPts val="1000"/>
         </a:spcBef>
-        <a:buFont typeface="Arial" panose="020B0604020202020204" pitchFamily="34" charset="0"/>
-        <a:buChar char="•"/>
-        <a:defRPr sz="2400" kern="1200">
+        <a:spcAft>
+          <a:spcPts val="0"/>
+        </a:spcAft>
+        <a:buClr>
+          <a:schemeClr val="accent1"/>
+        </a:buClr>
+        <a:buFont typeface="Wingdings 3" charset="2"/>
+        <a:buChar char=""/>
+        <a:defRPr sz="1600" kern="1200">
           <a:solidFill>
-            <a:schemeClr val="tx1"/>
+            <a:schemeClr val="tx1">
+              <a:lumMod val="75000"/>
+              <a:lumOff val="25000"/>
+            </a:schemeClr>
           </a:solidFill>
           <a:latin typeface="+mn-lt"/>
           <a:ea typeface="+mn-ea"/>
           <a:cs typeface="+mn-cs"/>
         </a:defRPr>
       </a:lvl2pPr>
-      <a:lvl3pPr marL="1143000" indent="-228600" algn="l" defTabSz="914400" rtl="0" eaLnBrk="1" latinLnBrk="0" hangingPunct="1">
-        <a:lnSpc>
-          <a:spcPct val="90000"/>
-        </a:lnSpc>
+      <a:lvl3pPr marL="1143000" indent="-228600" algn="l" defTabSz="457200" rtl="0" eaLnBrk="1" latinLnBrk="0" hangingPunct="1">
         <a:spcBef>
-          <a:spcPts val="500"/>
+          <a:spcPts val="1000"/>
         </a:spcBef>
-        <a:buFont typeface="Arial" panose="020B0604020202020204" pitchFamily="34" charset="0"/>
-        <a:buChar char="•"/>
-        <a:defRPr sz="2000" kern="1200">
+        <a:spcAft>
+          <a:spcPts val="0"/>
+        </a:spcAft>
+        <a:buClr>
+          <a:schemeClr val="accent1"/>
+        </a:buClr>
+        <a:buFont typeface="Wingdings 3" charset="2"/>
+        <a:buChar char=""/>
+        <a:defRPr sz="1400" kern="1200">
           <a:solidFill>
-            <a:schemeClr val="tx1"/>
+            <a:schemeClr val="tx1">
+              <a:lumMod val="75000"/>
+              <a:lumOff val="25000"/>
+            </a:schemeClr>
           </a:solidFill>
           <a:latin typeface="+mn-lt"/>
           <a:ea typeface="+mn-ea"/>
           <a:cs typeface="+mn-cs"/>
         </a:defRPr>
       </a:lvl3pPr>
-      <a:lvl4pPr marL="1600200" indent="-228600" algn="l" defTabSz="914400" rtl="0" eaLnBrk="1" latinLnBrk="0" hangingPunct="1">
-        <a:lnSpc>
-          <a:spcPct val="90000"/>
-        </a:lnSpc>
+      <a:lvl4pPr marL="1600200" indent="-228600" algn="l" defTabSz="457200" rtl="0" eaLnBrk="1" latinLnBrk="0" hangingPunct="1">
         <a:spcBef>
-          <a:spcPts val="500"/>
+          <a:spcPts val="1000"/>
         </a:spcBef>
-        <a:buFont typeface="Arial" panose="020B0604020202020204" pitchFamily="34" charset="0"/>
-        <a:buChar char="•"/>
-        <a:defRPr sz="1800" kern="1200">
+        <a:spcAft>
+          <a:spcPts val="0"/>
+        </a:spcAft>
+        <a:buClr>
+          <a:schemeClr val="accent1"/>
+        </a:buClr>
+        <a:buFont typeface="Wingdings 3" charset="2"/>
+        <a:buChar char=""/>
+        <a:defRPr sz="1200" kern="1200">
           <a:solidFill>
-            <a:schemeClr val="tx1"/>
+            <a:schemeClr val="tx1">
+              <a:lumMod val="75000"/>
+              <a:lumOff val="25000"/>
+            </a:schemeClr>
           </a:solidFill>
           <a:latin typeface="+mn-lt"/>
           <a:ea typeface="+mn-ea"/>
           <a:cs typeface="+mn-cs"/>
         </a:defRPr>
       </a:lvl4pPr>
-      <a:lvl5pPr marL="2057400" indent="-228600" algn="l" defTabSz="914400" rtl="0" eaLnBrk="1" latinLnBrk="0" hangingPunct="1">
-        <a:lnSpc>
-          <a:spcPct val="90000"/>
-        </a:lnSpc>
+      <a:lvl5pPr marL="2057400" indent="-228600" algn="l" defTabSz="457200" rtl="0" eaLnBrk="1" latinLnBrk="0" hangingPunct="1">
         <a:spcBef>
-          <a:spcPts val="500"/>
+          <a:spcPts val="1000"/>
         </a:spcBef>
-        <a:buFont typeface="Arial" panose="020B0604020202020204" pitchFamily="34" charset="0"/>
-        <a:buChar char="•"/>
-        <a:defRPr sz="1800" kern="1200">
+        <a:spcAft>
+          <a:spcPts val="0"/>
+        </a:spcAft>
+        <a:buClr>
+          <a:schemeClr val="accent1"/>
+        </a:buClr>
+        <a:buFont typeface="Wingdings 3" charset="2"/>
+        <a:buChar char=""/>
+        <a:defRPr sz="1200" kern="1200">
           <a:solidFill>
-            <a:schemeClr val="tx1"/>
+            <a:schemeClr val="tx1">
+              <a:lumMod val="75000"/>
+              <a:lumOff val="25000"/>
+            </a:schemeClr>
           </a:solidFill>
           <a:latin typeface="+mn-lt"/>
           <a:ea typeface="+mn-ea"/>
           <a:cs typeface="+mn-cs"/>
         </a:defRPr>
       </a:lvl5pPr>
-      <a:lvl6pPr marL="2514600" indent="-228600" algn="l" defTabSz="914400" rtl="0" eaLnBrk="1" latinLnBrk="0" hangingPunct="1">
-        <a:lnSpc>
-          <a:spcPct val="90000"/>
-        </a:lnSpc>
+      <a:lvl6pPr marL="2514600" indent="-228600" algn="l" defTabSz="457200" rtl="0" eaLnBrk="1" latinLnBrk="0" hangingPunct="1">
         <a:spcBef>
-          <a:spcPts val="500"/>
+          <a:spcPts val="1000"/>
         </a:spcBef>
-        <a:buFont typeface="Arial" panose="020B0604020202020204" pitchFamily="34" charset="0"/>
-        <a:buChar char="•"/>
-        <a:defRPr sz="1800" kern="1200">
+        <a:spcAft>
+          <a:spcPts val="0"/>
+        </a:spcAft>
+        <a:buClr>
+          <a:schemeClr val="accent1"/>
+        </a:buClr>
+        <a:buFont typeface="Wingdings 3" charset="2"/>
+        <a:buChar char=""/>
+        <a:defRPr sz="1200" kern="1200">
           <a:solidFill>
-            <a:schemeClr val="tx1"/>
+            <a:schemeClr val="tx1">
+              <a:lumMod val="75000"/>
+              <a:lumOff val="25000"/>
+            </a:schemeClr>
           </a:solidFill>
           <a:latin typeface="+mn-lt"/>
           <a:ea typeface="+mn-ea"/>
           <a:cs typeface="+mn-cs"/>
         </a:defRPr>
       </a:lvl6pPr>
-      <a:lvl7pPr marL="2971800" indent="-228600" algn="l" defTabSz="914400" rtl="0" eaLnBrk="1" latinLnBrk="0" hangingPunct="1">
-        <a:lnSpc>
-          <a:spcPct val="90000"/>
-        </a:lnSpc>
+      <a:lvl7pPr marL="2971800" indent="-228600" algn="l" defTabSz="457200" rtl="0" eaLnBrk="1" latinLnBrk="0" hangingPunct="1">
         <a:spcBef>
-          <a:spcPts val="500"/>
+          <a:spcPts val="1000"/>
         </a:spcBef>
-        <a:buFont typeface="Arial" panose="020B0604020202020204" pitchFamily="34" charset="0"/>
-        <a:buChar char="•"/>
-        <a:defRPr sz="1800" kern="1200">
+        <a:spcAft>
+          <a:spcPts val="0"/>
+        </a:spcAft>
+        <a:buClr>
+          <a:schemeClr val="accent1"/>
+        </a:buClr>
+        <a:buFont typeface="Wingdings 3" charset="2"/>
+        <a:buChar char=""/>
+        <a:defRPr sz="1200" kern="1200">
           <a:solidFill>
-            <a:schemeClr val="tx1"/>
+            <a:schemeClr val="tx1">
+              <a:lumMod val="75000"/>
+              <a:lumOff val="25000"/>
+            </a:schemeClr>
           </a:solidFill>
           <a:latin typeface="+mn-lt"/>
           <a:ea typeface="+mn-ea"/>
           <a:cs typeface="+mn-cs"/>
         </a:defRPr>
       </a:lvl7pPr>
-      <a:lvl8pPr marL="3429000" indent="-228600" algn="l" defTabSz="914400" rtl="0" eaLnBrk="1" latinLnBrk="0" hangingPunct="1">
-        <a:lnSpc>
-          <a:spcPct val="90000"/>
-        </a:lnSpc>
+      <a:lvl8pPr marL="3429000" indent="-228600" algn="l" defTabSz="457200" rtl="0" eaLnBrk="1" latinLnBrk="0" hangingPunct="1">
         <a:spcBef>
-          <a:spcPts val="500"/>
+          <a:spcPts val="1000"/>
         </a:spcBef>
-        <a:buFont typeface="Arial" panose="020B0604020202020204" pitchFamily="34" charset="0"/>
-        <a:buChar char="•"/>
-        <a:defRPr sz="1800" kern="1200">
+        <a:spcAft>
+          <a:spcPts val="0"/>
+        </a:spcAft>
+        <a:buClr>
+          <a:schemeClr val="accent1"/>
+        </a:buClr>
+        <a:buFont typeface="Wingdings 3" charset="2"/>
+        <a:buChar char=""/>
+        <a:defRPr sz="1200" kern="1200">
           <a:solidFill>
-            <a:schemeClr val="tx1"/>
+            <a:schemeClr val="tx1">
+              <a:lumMod val="75000"/>
+              <a:lumOff val="25000"/>
+            </a:schemeClr>
           </a:solidFill>
           <a:latin typeface="+mn-lt"/>
           <a:ea typeface="+mn-ea"/>
           <a:cs typeface="+mn-cs"/>
         </a:defRPr>
       </a:lvl8pPr>
-      <a:lvl9pPr marL="3886200" indent="-228600" algn="l" defTabSz="914400" rtl="0" eaLnBrk="1" latinLnBrk="0" hangingPunct="1">
-        <a:lnSpc>
-          <a:spcPct val="90000"/>
-        </a:lnSpc>
+      <a:lvl9pPr marL="3886200" indent="-228600" algn="l" defTabSz="457200" rtl="0" eaLnBrk="1" latinLnBrk="0" hangingPunct="1">
         <a:spcBef>
-          <a:spcPts val="500"/>
+          <a:spcPts val="1000"/>
         </a:spcBef>
-        <a:buFont typeface="Arial" panose="020B0604020202020204" pitchFamily="34" charset="0"/>
-        <a:buChar char="•"/>
-        <a:defRPr sz="1800" kern="1200">
+        <a:spcAft>
+          <a:spcPts val="0"/>
+        </a:spcAft>
+        <a:buClr>
+          <a:schemeClr val="accent1"/>
+        </a:buClr>
+        <a:buFont typeface="Wingdings 3" charset="2"/>
+        <a:buChar char=""/>
+        <a:defRPr sz="1200" kern="1200">
           <a:solidFill>
-            <a:schemeClr val="tx1"/>
+            <a:schemeClr val="tx1">
+              <a:lumMod val="75000"/>
+              <a:lumOff val="25000"/>
+            </a:schemeClr>
           </a:solidFill>
           <a:latin typeface="+mn-lt"/>
           <a:ea typeface="+mn-ea"/>
@@ -3292,7 +8000,7 @@
       <a:defPPr>
         <a:defRPr lang="en-US"/>
       </a:defPPr>
-      <a:lvl1pPr marL="0" algn="l" defTabSz="914400" rtl="0" eaLnBrk="1" latinLnBrk="0" hangingPunct="1">
+      <a:lvl1pPr marL="0" algn="l" defTabSz="457200" rtl="0" eaLnBrk="1" latinLnBrk="0" hangingPunct="1">
         <a:defRPr sz="1800" kern="1200">
           <a:solidFill>
             <a:schemeClr val="tx1"/>
@@ -3302,7 +8010,7 @@
           <a:cs typeface="+mn-cs"/>
         </a:defRPr>
       </a:lvl1pPr>
-      <a:lvl2pPr marL="457200" algn="l" defTabSz="914400" rtl="0" eaLnBrk="1" latinLnBrk="0" hangingPunct="1">
+      <a:lvl2pPr marL="457200" algn="l" defTabSz="457200" rtl="0" eaLnBrk="1" latinLnBrk="0" hangingPunct="1">
         <a:defRPr sz="1800" kern="1200">
           <a:solidFill>
             <a:schemeClr val="tx1"/>
@@ -3312,7 +8020,7 @@
           <a:cs typeface="+mn-cs"/>
         </a:defRPr>
       </a:lvl2pPr>
-      <a:lvl3pPr marL="914400" algn="l" defTabSz="914400" rtl="0" eaLnBrk="1" latinLnBrk="0" hangingPunct="1">
+      <a:lvl3pPr marL="914400" algn="l" defTabSz="457200" rtl="0" eaLnBrk="1" latinLnBrk="0" hangingPunct="1">
         <a:defRPr sz="1800" kern="1200">
           <a:solidFill>
             <a:schemeClr val="tx1"/>
@@ -3322,7 +8030,7 @@
           <a:cs typeface="+mn-cs"/>
         </a:defRPr>
       </a:lvl3pPr>
-      <a:lvl4pPr marL="1371600" algn="l" defTabSz="914400" rtl="0" eaLnBrk="1" latinLnBrk="0" hangingPunct="1">
+      <a:lvl4pPr marL="1371600" algn="l" defTabSz="457200" rtl="0" eaLnBrk="1" latinLnBrk="0" hangingPunct="1">
         <a:defRPr sz="1800" kern="1200">
           <a:solidFill>
             <a:schemeClr val="tx1"/>
@@ -3332,7 +8040,7 @@
           <a:cs typeface="+mn-cs"/>
         </a:defRPr>
       </a:lvl4pPr>
-      <a:lvl5pPr marL="1828800" algn="l" defTabSz="914400" rtl="0" eaLnBrk="1" latinLnBrk="0" hangingPunct="1">
+      <a:lvl5pPr marL="1828800" algn="l" defTabSz="457200" rtl="0" eaLnBrk="1" latinLnBrk="0" hangingPunct="1">
         <a:defRPr sz="1800" kern="1200">
           <a:solidFill>
             <a:schemeClr val="tx1"/>
@@ -3342,7 +8050,7 @@
           <a:cs typeface="+mn-cs"/>
         </a:defRPr>
       </a:lvl5pPr>
-      <a:lvl6pPr marL="2286000" algn="l" defTabSz="914400" rtl="0" eaLnBrk="1" latinLnBrk="0" hangingPunct="1">
+      <a:lvl6pPr marL="2286000" algn="l" defTabSz="457200" rtl="0" eaLnBrk="1" latinLnBrk="0" hangingPunct="1">
         <a:defRPr sz="1800" kern="1200">
           <a:solidFill>
             <a:schemeClr val="tx1"/>
@@ -3352,7 +8060,7 @@
           <a:cs typeface="+mn-cs"/>
         </a:defRPr>
       </a:lvl6pPr>
-      <a:lvl7pPr marL="2743200" algn="l" defTabSz="914400" rtl="0" eaLnBrk="1" latinLnBrk="0" hangingPunct="1">
+      <a:lvl7pPr marL="2743200" algn="l" defTabSz="457200" rtl="0" eaLnBrk="1" latinLnBrk="0" hangingPunct="1">
         <a:defRPr sz="1800" kern="1200">
           <a:solidFill>
             <a:schemeClr val="tx1"/>
@@ -3362,7 +8070,7 @@
           <a:cs typeface="+mn-cs"/>
         </a:defRPr>
       </a:lvl7pPr>
-      <a:lvl8pPr marL="3200400" algn="l" defTabSz="914400" rtl="0" eaLnBrk="1" latinLnBrk="0" hangingPunct="1">
+      <a:lvl8pPr marL="3200400" algn="l" defTabSz="457200" rtl="0" eaLnBrk="1" latinLnBrk="0" hangingPunct="1">
         <a:defRPr sz="1800" kern="1200">
           <a:solidFill>
             <a:schemeClr val="tx1"/>
@@ -3372,7 +8080,7 @@
           <a:cs typeface="+mn-cs"/>
         </a:defRPr>
       </a:lvl8pPr>
-      <a:lvl9pPr marL="3657600" algn="l" defTabSz="914400" rtl="0" eaLnBrk="1" latinLnBrk="0" hangingPunct="1">
+      <a:lvl9pPr marL="3657600" algn="l" defTabSz="457200" rtl="0" eaLnBrk="1" latinLnBrk="0" hangingPunct="1">
         <a:defRPr sz="1800" kern="1200">
           <a:solidFill>
             <a:schemeClr val="tx1"/>
@@ -3406,6 +8114,60 @@
       </p:grpSpPr>
       <p:sp>
         <p:nvSpPr>
+          <p:cNvPr id="6" name="Title 5">
+            <a:extLst>
+              <a:ext uri="{FF2B5EF4-FFF2-40B4-BE49-F238E27FC236}">
+                <a16:creationId xmlns:a16="http://schemas.microsoft.com/office/drawing/2014/main" id="{BB26EC26-E04F-B930-7215-3BABD6445597}"/>
+              </a:ext>
+            </a:extLst>
+          </p:cNvPr>
+          <p:cNvSpPr>
+            <a:spLocks noGrp="1"/>
+          </p:cNvSpPr>
+          <p:nvPr>
+            <p:ph type="title"/>
+          </p:nvPr>
+        </p:nvSpPr>
+        <p:spPr>
+          <a:xfrm>
+            <a:off x="1806541" y="172261"/>
+            <a:ext cx="6724811" cy="1280890"/>
+          </a:xfrm>
+        </p:spPr>
+        <p:txBody>
+          <a:bodyPr>
+            <a:normAutofit/>
+          </a:bodyPr>
+          <a:lstStyle/>
+          <a:p>
+            <a:r>
+              <a:rPr lang="en-US" sz="2800" b="1" dirty="0">
+                <a:latin typeface="Times New Roman" panose="02020603050405020304" pitchFamily="18" charset="0"/>
+                <a:cs typeface="Times New Roman" panose="02020603050405020304" pitchFamily="18" charset="0"/>
+              </a:rPr>
+              <a:t>Software Engineering</a:t>
+            </a:r>
+            <a:br>
+              <a:rPr lang="en-US" sz="2800" b="1" dirty="0">
+                <a:latin typeface="Times New Roman" panose="02020603050405020304" pitchFamily="18" charset="0"/>
+                <a:cs typeface="Times New Roman" panose="02020603050405020304" pitchFamily="18" charset="0"/>
+              </a:rPr>
+            </a:br>
+            <a:r>
+              <a:rPr lang="en-US" sz="2800" b="1" dirty="0">
+                <a:latin typeface="+mn-lt"/>
+              </a:rPr>
+              <a:t>Damir Dobric/Andreas Pech</a:t>
+            </a:r>
+            <a:endParaRPr lang="en-DE" sz="2800" b="1" dirty="0">
+              <a:latin typeface="Times New Roman" panose="02020603050405020304" pitchFamily="18" charset="0"/>
+              <a:cs typeface="Times New Roman" panose="02020603050405020304" pitchFamily="18" charset="0"/>
+            </a:endParaRPr>
+          </a:p>
+        </p:txBody>
+      </p:sp>
+      <p:sp>
+        <p:nvSpPr>
           <p:cNvPr id="3" name="Content Placeholder 2">
             <a:extLst>
               <a:ext uri="{FF2B5EF4-FFF2-40B4-BE49-F238E27FC236}">
@@ -3420,54 +8182,178 @@
             <p:ph idx="1"/>
           </p:nvPr>
         </p:nvSpPr>
-        <p:spPr/>
-        <p:txBody>
-          <a:bodyPr/>
+        <p:spPr>
+          <a:xfrm>
+            <a:off x="1946832" y="1307592"/>
+            <a:ext cx="10095815" cy="5120640"/>
+          </a:xfrm>
+        </p:spPr>
+        <p:txBody>
+          <a:bodyPr>
+            <a:normAutofit lnSpcReduction="10000"/>
+          </a:bodyPr>
           <a:lstStyle/>
           <a:p>
             <a:pPr marL="0" indent="0">
               <a:buNone/>
             </a:pPr>
-            <a:r>
-              <a:rPr lang="en-US" dirty="0">
-                <a:latin typeface="Times New Roman" panose="02020603050405020304" pitchFamily="18" charset="0"/>
-                <a:cs typeface="Times New Roman" panose="02020603050405020304" pitchFamily="18" charset="0"/>
-              </a:rPr>
-              <a:t>Presentation On</a:t>
-            </a:r>
-          </a:p>
-          <a:p>
-            <a:pPr marL="0" indent="0">
-              <a:buNone/>
-            </a:pPr>
-            <a:r>
-              <a:rPr lang="en-US" sz="2800" dirty="0">
-                <a:latin typeface="Times New Roman" panose="02020603050405020304" pitchFamily="18" charset="0"/>
-                <a:cs typeface="Times New Roman" panose="02020603050405020304" pitchFamily="18" charset="0"/>
-              </a:rPr>
-              <a:t>ML23/24-08: Implement Anomaly Detection Sample</a:t>
-            </a:r>
-          </a:p>
-          <a:p>
-            <a:pPr marL="0" indent="0">
-              <a:buNone/>
-            </a:pPr>
-            <a:r>
-              <a:rPr lang="en-US" dirty="0">
-                <a:latin typeface="Times New Roman" panose="02020603050405020304" pitchFamily="18" charset="0"/>
-                <a:cs typeface="Times New Roman" panose="02020603050405020304" pitchFamily="18" charset="0"/>
-              </a:rPr>
-              <a:t>Team Name: Simply-Coders</a:t>
-            </a:r>
-          </a:p>
-          <a:p>
             <a:endParaRPr lang="en-US" dirty="0">
               <a:latin typeface="Times New Roman" panose="02020603050405020304" pitchFamily="18" charset="0"/>
               <a:cs typeface="Times New Roman" panose="02020603050405020304" pitchFamily="18" charset="0"/>
             </a:endParaRPr>
           </a:p>
           <a:p>
-            <a:endParaRPr lang="en-US" dirty="0"/>
+            <a:pPr marL="0" indent="0" algn="ctr">
+              <a:buNone/>
+            </a:pPr>
+            <a:r>
+              <a:rPr lang="en-US" sz="2400" b="1" dirty="0">
+                <a:latin typeface="Times New Roman" panose="02020603050405020304" pitchFamily="18" charset="0"/>
+                <a:cs typeface="Times New Roman" panose="02020603050405020304" pitchFamily="18" charset="0"/>
+              </a:rPr>
+              <a:t>Presentation on </a:t>
+            </a:r>
+          </a:p>
+          <a:p>
+            <a:pPr marL="0" indent="0" algn="ctr">
+              <a:buNone/>
+            </a:pPr>
+            <a:r>
+              <a:rPr lang="en-US" sz="2400" b="1" dirty="0">
+                <a:latin typeface="Times New Roman" panose="02020603050405020304" pitchFamily="18" charset="0"/>
+                <a:cs typeface="Times New Roman" panose="02020603050405020304" pitchFamily="18" charset="0"/>
+              </a:rPr>
+              <a:t>ML24/25-03 Implement Anomaly Detection Sample</a:t>
+            </a:r>
+          </a:p>
+          <a:p>
+            <a:pPr marL="0" indent="0" algn="ctr">
+              <a:buNone/>
+            </a:pPr>
+            <a:endParaRPr lang="en-US" sz="2400" b="1" dirty="0">
+              <a:latin typeface="Times New Roman" panose="02020603050405020304" pitchFamily="18" charset="0"/>
+              <a:cs typeface="Times New Roman" panose="02020603050405020304" pitchFamily="18" charset="0"/>
+            </a:endParaRPr>
+          </a:p>
+          <a:p>
+            <a:pPr marL="0" indent="0">
+              <a:buNone/>
+            </a:pPr>
+            <a:r>
+              <a:rPr lang="en-US" sz="2000" b="1" dirty="0">
+                <a:latin typeface="Times New Roman" panose="02020603050405020304" pitchFamily="18" charset="0"/>
+                <a:cs typeface="Times New Roman" panose="02020603050405020304" pitchFamily="18" charset="0"/>
+              </a:rPr>
+              <a:t>          Md Ashiqur Rahman                                                  Md Sohel Rana</a:t>
+            </a:r>
+          </a:p>
+          <a:p>
+            <a:pPr marL="0" indent="0">
+              <a:buNone/>
+            </a:pPr>
+            <a:r>
+              <a:rPr lang="en-US" sz="2000" b="1" dirty="0">
+                <a:latin typeface="Times New Roman" panose="02020603050405020304" pitchFamily="18" charset="0"/>
+                <a:cs typeface="Times New Roman" panose="02020603050405020304" pitchFamily="18" charset="0"/>
+              </a:rPr>
+              <a:t>Matriculation Number: 1393169                               Matriculation Number: 1415765               </a:t>
+            </a:r>
+          </a:p>
+          <a:p>
+            <a:pPr marL="0" indent="0">
+              <a:buNone/>
+            </a:pPr>
+            <a:r>
+              <a:rPr lang="en-US" sz="2000" b="1" dirty="0">
+                <a:latin typeface="Times New Roman" panose="02020603050405020304" pitchFamily="18" charset="0"/>
+                <a:cs typeface="Times New Roman" panose="02020603050405020304" pitchFamily="18" charset="0"/>
+                <a:hlinkClick r:id="rId3"/>
+              </a:rPr>
+              <a:t>md.rahman3@stud.fra-uas.de</a:t>
+            </a:r>
+            <a:r>
+              <a:rPr lang="en-US" sz="2000" b="1" dirty="0">
+                <a:latin typeface="Times New Roman" panose="02020603050405020304" pitchFamily="18" charset="0"/>
+                <a:cs typeface="Times New Roman" panose="02020603050405020304" pitchFamily="18" charset="0"/>
+              </a:rPr>
+              <a:t>                                    </a:t>
+            </a:r>
+            <a:r>
+              <a:rPr lang="de-DE" sz="2000" b="1" dirty="0">
+                <a:effectLst/>
+                <a:latin typeface="Times New Roman" panose="02020603050405020304" pitchFamily="18" charset="0"/>
+                <a:ea typeface="SimSun" panose="02010600030101010101" pitchFamily="2" charset="-122"/>
+                <a:hlinkClick r:id="rId4"/>
+              </a:rPr>
+              <a:t>sohel.rana@stud.fra-uas.de</a:t>
+            </a:r>
+            <a:endParaRPr lang="de-DE" sz="2000" b="1" dirty="0">
+              <a:effectLst/>
+              <a:latin typeface="Times New Roman" panose="02020603050405020304" pitchFamily="18" charset="0"/>
+              <a:ea typeface="SimSun" panose="02010600030101010101" pitchFamily="2" charset="-122"/>
+            </a:endParaRPr>
+          </a:p>
+          <a:p>
+            <a:pPr marL="0" indent="0">
+              <a:buNone/>
+            </a:pPr>
+            <a:endParaRPr lang="en-US" sz="2000" b="1" dirty="0">
+              <a:latin typeface="Times New Roman" panose="02020603050405020304" pitchFamily="18" charset="0"/>
+              <a:cs typeface="Times New Roman" panose="02020603050405020304" pitchFamily="18" charset="0"/>
+            </a:endParaRPr>
+          </a:p>
+          <a:p>
+            <a:pPr marL="0" indent="0" algn="ctr">
+              <a:buNone/>
+            </a:pPr>
+            <a:r>
+              <a:rPr lang="en-US" sz="2000" b="1" dirty="0">
+                <a:latin typeface="Times New Roman" panose="02020603050405020304" pitchFamily="18" charset="0"/>
+                <a:cs typeface="Times New Roman" panose="02020603050405020304" pitchFamily="18" charset="0"/>
+              </a:rPr>
+              <a:t>Team Name: </a:t>
+            </a:r>
+            <a:r>
+              <a:rPr lang="en-US" sz="2000" b="1" dirty="0" err="1">
+                <a:latin typeface="Times New Roman" panose="02020603050405020304" pitchFamily="18" charset="0"/>
+                <a:cs typeface="Times New Roman" panose="02020603050405020304" pitchFamily="18" charset="0"/>
+              </a:rPr>
+              <a:t>CodeHive</a:t>
+            </a:r>
+            <a:endParaRPr lang="en-US" sz="2000" b="1" dirty="0">
+              <a:latin typeface="Times New Roman" panose="02020603050405020304" pitchFamily="18" charset="0"/>
+              <a:cs typeface="Times New Roman" panose="02020603050405020304" pitchFamily="18" charset="0"/>
+            </a:endParaRPr>
+          </a:p>
+          <a:p>
+            <a:pPr marL="0" indent="0">
+              <a:buNone/>
+            </a:pPr>
+            <a:endParaRPr lang="en-US" sz="2000" b="1" dirty="0">
+              <a:latin typeface="Times New Roman" panose="02020603050405020304" pitchFamily="18" charset="0"/>
+              <a:cs typeface="Times New Roman" panose="02020603050405020304" pitchFamily="18" charset="0"/>
+            </a:endParaRPr>
+          </a:p>
+          <a:p>
+            <a:pPr marL="0" indent="0">
+              <a:buNone/>
+            </a:pPr>
+            <a:endParaRPr lang="en-US" sz="2000" b="1" dirty="0">
+              <a:latin typeface="Times New Roman" panose="02020603050405020304" pitchFamily="18" charset="0"/>
+              <a:cs typeface="Times New Roman" panose="02020603050405020304" pitchFamily="18" charset="0"/>
+            </a:endParaRPr>
+          </a:p>
+          <a:p>
+            <a:pPr marL="0" indent="0">
+              <a:buNone/>
+            </a:pPr>
+            <a:r>
+              <a:rPr lang="en-US" sz="2000" b="1" dirty="0">
+                <a:latin typeface="Times New Roman" panose="02020603050405020304" pitchFamily="18" charset="0"/>
+                <a:cs typeface="Times New Roman" panose="02020603050405020304" pitchFamily="18" charset="0"/>
+              </a:rPr>
+              <a:t>Date:22/03/2025</a:t>
+            </a:r>
           </a:p>
         </p:txBody>
       </p:sp>
@@ -3484,11 +8370,11 @@
           <p:nvPr/>
         </p:nvPicPr>
         <p:blipFill>
-          <a:blip r:embed="rId3">
+          <a:blip r:embed="rId5">
             <a:extLst>
               <a:ext uri="{BEBA8EAE-BF5A-486C-A8C5-ECC9F3942E4B}">
                 <a14:imgProps xmlns:a14="http://schemas.microsoft.com/office/drawing/2010/main">
-                  <a14:imgLayer r:embed="rId4">
+                  <a14:imgLayer r:embed="rId6">
                     <a14:imgEffect>
                       <a14:sharpenSoften amount="25000"/>
                     </a14:imgEffect>
@@ -3606,9 +8492,9 @@
 </file>
 
 <file path=ppt/theme/theme1.xml><?xml version="1.0" encoding="utf-8"?>
-<a:theme xmlns:a="http://schemas.openxmlformats.org/drawingml/2006/main" name="Office 2013 - 2022 Theme">
+<a:theme xmlns:a="http://schemas.openxmlformats.org/drawingml/2006/main" name="Wisp">
   <a:themeElements>
-    <a:clrScheme name="Office 2013 - 2022 Theme">
+    <a:clrScheme name="Wisp">
       <a:dk1>
         <a:sysClr val="windowText" lastClr="000000"/>
       </a:dk1>
@@ -3616,83 +8502,48 @@
         <a:sysClr val="window" lastClr="FFFFFF"/>
       </a:lt1>
       <a:dk2>
-        <a:srgbClr val="44546A"/>
+        <a:srgbClr val="766F54"/>
       </a:dk2>
       <a:lt2>
-        <a:srgbClr val="E7E6E6"/>
+        <a:srgbClr val="E3EACF"/>
       </a:lt2>
       <a:accent1>
-        <a:srgbClr val="4472C4"/>
+        <a:srgbClr val="A53010"/>
       </a:accent1>
       <a:accent2>
-        <a:srgbClr val="ED7D31"/>
+        <a:srgbClr val="DE7E18"/>
       </a:accent2>
       <a:accent3>
-        <a:srgbClr val="A5A5A5"/>
+        <a:srgbClr val="9F8351"/>
       </a:accent3>
       <a:accent4>
-        <a:srgbClr val="FFC000"/>
+        <a:srgbClr val="728653"/>
       </a:accent4>
       <a:accent5>
-        <a:srgbClr val="5B9BD5"/>
+        <a:srgbClr val="92AA4C"/>
       </a:accent5>
       <a:accent6>
-        <a:srgbClr val="70AD47"/>
+        <a:srgbClr val="6AAC91"/>
       </a:accent6>
       <a:hlink>
-        <a:srgbClr val="0563C1"/>
+        <a:srgbClr val="FB4A18"/>
       </a:hlink>
       <a:folHlink>
-        <a:srgbClr val="954F72"/>
+        <a:srgbClr val="FB9318"/>
       </a:folHlink>
     </a:clrScheme>
-    <a:fontScheme name="Office 2013 - 2022 Theme">
+    <a:fontScheme name="Wisp">
       <a:majorFont>
-        <a:latin typeface="Calibri Light" panose="020F0302020204030204"/>
+        <a:latin typeface="Century Gothic" panose="020B0502020202020204"/>
         <a:ea typeface=""/>
         <a:cs typeface=""/>
-        <a:font script="Jpan" typeface="游ゴシック Light"/>
-        <a:font script="Hang" typeface="맑은 고딕"/>
-        <a:font script="Hans" typeface="等线 Light"/>
-        <a:font script="Hant" typeface="新細明體"/>
-        <a:font script="Arab" typeface="Times New Roman"/>
-        <a:font script="Hebr" typeface="Times New Roman"/>
-        <a:font script="Thai" typeface="Angsana New"/>
-        <a:font script="Ethi" typeface="Nyala"/>
-        <a:font script="Beng" typeface="Vrinda"/>
-        <a:font script="Gujr" typeface="Shruti"/>
-        <a:font script="Khmr" typeface="MoolBoran"/>
-        <a:font script="Knda" typeface="Tunga"/>
-        <a:font script="Guru" typeface="Raavi"/>
-        <a:font script="Cans" typeface="Euphemia"/>
-        <a:font script="Cher" typeface="Plantagenet Cherokee"/>
-        <a:font script="Yiii" typeface="Microsoft Yi Baiti"/>
-        <a:font script="Tibt" typeface="Microsoft Himalaya"/>
-        <a:font script="Thaa" typeface="MV Boli"/>
-        <a:font script="Deva" typeface="Mangal"/>
-        <a:font script="Telu" typeface="Gautami"/>
-        <a:font script="Taml" typeface="Latha"/>
-        <a:font script="Syrc" typeface="Estrangelo Edessa"/>
-        <a:font script="Orya" typeface="Kalinga"/>
-        <a:font script="Mlym" typeface="Kartika"/>
-        <a:font script="Laoo" typeface="DokChampa"/>
-        <a:font script="Sinh" typeface="Iskoola Pota"/>
-        <a:font script="Mong" typeface="Mongolian Baiti"/>
-        <a:font script="Viet" typeface="Times New Roman"/>
-        <a:font script="Uigh" typeface="Microsoft Uighur"/>
-        <a:font script="Geor" typeface="Sylfaen"/>
-      </a:majorFont>
-      <a:minorFont>
-        <a:latin typeface="Calibri" panose="020F0502020204030204"/>
-        <a:ea typeface=""/>
-        <a:cs typeface=""/>
-        <a:font script="Jpan" typeface="游ゴシック"/>
-        <a:font script="Hang" typeface="맑은 고딕"/>
-        <a:font script="Hans" typeface="等线"/>
-        <a:font script="Hant" typeface="新細明體"/>
-        <a:font script="Arab" typeface="Arial"/>
-        <a:font script="Hebr" typeface="Arial"/>
-        <a:font script="Thai" typeface="Cordia New"/>
+        <a:font script="Jpan" typeface="メイリオ"/>
+        <a:font script="Hang" typeface="HY중고딕"/>
+        <a:font script="Hans" typeface="幼圆"/>
+        <a:font script="Hant" typeface="微軟正黑體"/>
+        <a:font script="Arab" typeface="Tahoma"/>
+        <a:font script="Hebr" typeface="Gisha"/>
+        <a:font script="Thai" typeface="DilleniaUPC"/>
         <a:font script="Ethi" typeface="Nyala"/>
         <a:font script="Beng" typeface="Vrinda"/>
         <a:font script="Gujr" typeface="Shruti"/>
@@ -3713,13 +8564,121 @@
         <a:font script="Laoo" typeface="DokChampa"/>
         <a:font script="Sinh" typeface="Iskoola Pota"/>
         <a:font script="Mong" typeface="Mongolian Baiti"/>
-        <a:font script="Viet" typeface="Arial"/>
+        <a:font script="Viet" typeface="Tahoma"/>
+        <a:font script="Uigh" typeface="Microsoft Uighur"/>
+        <a:font script="Geor" typeface="Sylfaen"/>
+      </a:majorFont>
+      <a:minorFont>
+        <a:latin typeface="Century Gothic" panose="020B0502020202020204"/>
+        <a:ea typeface=""/>
+        <a:cs typeface=""/>
+        <a:font script="Jpan" typeface="メイリオ"/>
+        <a:font script="Hang" typeface="HY중고딕"/>
+        <a:font script="Hans" typeface="幼圆"/>
+        <a:font script="Hant" typeface="微軟正黑體"/>
+        <a:font script="Arab" typeface="Tahoma"/>
+        <a:font script="Hebr" typeface="Gisha"/>
+        <a:font script="Thai" typeface="DilleniaUPC"/>
+        <a:font script="Ethi" typeface="Nyala"/>
+        <a:font script="Beng" typeface="Vrinda"/>
+        <a:font script="Gujr" typeface="Shruti"/>
+        <a:font script="Khmr" typeface="DaunPenh"/>
+        <a:font script="Knda" typeface="Tunga"/>
+        <a:font script="Guru" typeface="Raavi"/>
+        <a:font script="Cans" typeface="Euphemia"/>
+        <a:font script="Cher" typeface="Plantagenet Cherokee"/>
+        <a:font script="Yiii" typeface="Microsoft Yi Baiti"/>
+        <a:font script="Tibt" typeface="Microsoft Himalaya"/>
+        <a:font script="Thaa" typeface="MV Boli"/>
+        <a:font script="Deva" typeface="Mangal"/>
+        <a:font script="Telu" typeface="Gautami"/>
+        <a:font script="Taml" typeface="Latha"/>
+        <a:font script="Syrc" typeface="Estrangelo Edessa"/>
+        <a:font script="Orya" typeface="Kalinga"/>
+        <a:font script="Mlym" typeface="Kartika"/>
+        <a:font script="Laoo" typeface="DokChampa"/>
+        <a:font script="Sinh" typeface="Iskoola Pota"/>
+        <a:font script="Mong" typeface="Mongolian Baiti"/>
+        <a:font script="Viet" typeface="Tahoma"/>
         <a:font script="Uigh" typeface="Microsoft Uighur"/>
         <a:font script="Geor" typeface="Sylfaen"/>
       </a:minorFont>
     </a:fontScheme>
-    <a:fmtScheme name="Office 2013 - 2022 Theme">
+    <a:fmtScheme name="Wisp">
       <a:fillStyleLst>
+        <a:solidFill>
+          <a:schemeClr val="phClr"/>
+        </a:solidFill>
+        <a:solidFill>
+          <a:schemeClr val="phClr">
+            <a:tint val="70000"/>
+            <a:lumMod val="104000"/>
+          </a:schemeClr>
+        </a:solidFill>
+        <a:gradFill rotWithShape="1">
+          <a:gsLst>
+            <a:gs pos="0">
+              <a:schemeClr val="phClr">
+                <a:tint val="96000"/>
+                <a:lumMod val="104000"/>
+              </a:schemeClr>
+            </a:gs>
+            <a:gs pos="100000">
+              <a:schemeClr val="phClr">
+                <a:shade val="98000"/>
+                <a:lumMod val="94000"/>
+              </a:schemeClr>
+            </a:gs>
+          </a:gsLst>
+          <a:lin ang="5400000" scaled="0"/>
+        </a:gradFill>
+      </a:fillStyleLst>
+      <a:lnStyleLst>
+        <a:ln w="9525" cap="rnd" cmpd="sng" algn="ctr">
+          <a:solidFill>
+            <a:schemeClr val="phClr">
+              <a:shade val="90000"/>
+            </a:schemeClr>
+          </a:solidFill>
+          <a:prstDash val="solid"/>
+        </a:ln>
+        <a:ln w="15875" cap="rnd" cmpd="sng" algn="ctr">
+          <a:solidFill>
+            <a:schemeClr val="phClr"/>
+          </a:solidFill>
+          <a:prstDash val="solid"/>
+        </a:ln>
+        <a:ln w="22225" cap="rnd" cmpd="sng" algn="ctr">
+          <a:solidFill>
+            <a:schemeClr val="phClr"/>
+          </a:solidFill>
+          <a:prstDash val="solid"/>
+        </a:ln>
+      </a:lnStyleLst>
+      <a:effectStyleLst>
+        <a:effectStyle>
+          <a:effectLst/>
+        </a:effectStyle>
+        <a:effectStyle>
+          <a:effectLst>
+            <a:outerShdw blurRad="38100" dist="25400" dir="5400000" rotWithShape="0">
+              <a:srgbClr val="000000">
+                <a:alpha val="25000"/>
+              </a:srgbClr>
+            </a:outerShdw>
+          </a:effectLst>
+        </a:effectStyle>
+        <a:effectStyle>
+          <a:effectLst>
+            <a:outerShdw blurRad="50800" dist="38100" dir="5400000" rotWithShape="0">
+              <a:srgbClr val="000000">
+                <a:alpha val="60000"/>
+              </a:srgbClr>
+            </a:outerShdw>
+          </a:effectLst>
+        </a:effectStyle>
+      </a:effectStyleLst>
+      <a:bgFillStyleLst>
         <a:solidFill>
           <a:schemeClr val="phClr"/>
         </a:solidFill>
@@ -3727,23 +8686,15 @@
           <a:gsLst>
             <a:gs pos="0">
               <a:schemeClr val="phClr">
-                <a:lumMod val="110000"/>
-                <a:satMod val="105000"/>
-                <a:tint val="67000"/>
-              </a:schemeClr>
-            </a:gs>
-            <a:gs pos="50000">
-              <a:schemeClr val="phClr">
-                <a:lumMod val="105000"/>
-                <a:satMod val="103000"/>
-                <a:tint val="73000"/>
+                <a:tint val="90000"/>
+                <a:lumMod val="120000"/>
               </a:schemeClr>
             </a:gs>
             <a:gs pos="100000">
               <a:schemeClr val="phClr">
-                <a:lumMod val="105000"/>
-                <a:satMod val="109000"/>
-                <a:tint val="81000"/>
+                <a:shade val="98000"/>
+                <a:satMod val="120000"/>
+                <a:lumMod val="98000"/>
               </a:schemeClr>
             </a:gs>
           </a:gsLst>
@@ -3753,105 +8704,22 @@
           <a:gsLst>
             <a:gs pos="0">
               <a:schemeClr val="phClr">
-                <a:satMod val="103000"/>
-                <a:lumMod val="102000"/>
-                <a:tint val="94000"/>
-              </a:schemeClr>
-            </a:gs>
-            <a:gs pos="50000">
-              <a:schemeClr val="phClr">
-                <a:satMod val="110000"/>
-                <a:lumMod val="100000"/>
-                <a:shade val="100000"/>
+                <a:tint val="90000"/>
+                <a:satMod val="92000"/>
+                <a:lumMod val="120000"/>
               </a:schemeClr>
             </a:gs>
             <a:gs pos="100000">
               <a:schemeClr val="phClr">
-                <a:lumMod val="99000"/>
+                <a:shade val="98000"/>
                 <a:satMod val="120000"/>
-                <a:shade val="78000"/>
+                <a:lumMod val="98000"/>
               </a:schemeClr>
             </a:gs>
           </a:gsLst>
-          <a:lin ang="5400000" scaled="0"/>
-        </a:gradFill>
-      </a:fillStyleLst>
-      <a:lnStyleLst>
-        <a:ln w="6350" cap="flat" cmpd="sng" algn="ctr">
-          <a:solidFill>
-            <a:schemeClr val="phClr"/>
-          </a:solidFill>
-          <a:prstDash val="solid"/>
-          <a:miter lim="800000"/>
-        </a:ln>
-        <a:ln w="12700" cap="flat" cmpd="sng" algn="ctr">
-          <a:solidFill>
-            <a:schemeClr val="phClr"/>
-          </a:solidFill>
-          <a:prstDash val="solid"/>
-          <a:miter lim="800000"/>
-        </a:ln>
-        <a:ln w="19050" cap="flat" cmpd="sng" algn="ctr">
-          <a:solidFill>
-            <a:schemeClr val="phClr"/>
-          </a:solidFill>
-          <a:prstDash val="solid"/>
-          <a:miter lim="800000"/>
-        </a:ln>
-      </a:lnStyleLst>
-      <a:effectStyleLst>
-        <a:effectStyle>
-          <a:effectLst/>
-        </a:effectStyle>
-        <a:effectStyle>
-          <a:effectLst/>
-        </a:effectStyle>
-        <a:effectStyle>
-          <a:effectLst>
-            <a:outerShdw blurRad="57150" dist="19050" dir="5400000" algn="ctr" rotWithShape="0">
-              <a:srgbClr val="000000">
-                <a:alpha val="63000"/>
-              </a:srgbClr>
-            </a:outerShdw>
-          </a:effectLst>
-        </a:effectStyle>
-      </a:effectStyleLst>
-      <a:bgFillStyleLst>
-        <a:solidFill>
-          <a:schemeClr val="phClr"/>
-        </a:solidFill>
-        <a:solidFill>
-          <a:schemeClr val="phClr">
-            <a:tint val="95000"/>
-            <a:satMod val="170000"/>
-          </a:schemeClr>
-        </a:solidFill>
-        <a:gradFill rotWithShape="1">
-          <a:gsLst>
-            <a:gs pos="0">
-              <a:schemeClr val="phClr">
-                <a:tint val="93000"/>
-                <a:satMod val="150000"/>
-                <a:shade val="98000"/>
-                <a:lumMod val="102000"/>
-              </a:schemeClr>
-            </a:gs>
-            <a:gs pos="50000">
-              <a:schemeClr val="phClr">
-                <a:tint val="98000"/>
-                <a:satMod val="130000"/>
-                <a:shade val="90000"/>
-                <a:lumMod val="103000"/>
-              </a:schemeClr>
-            </a:gs>
-            <a:gs pos="100000">
-              <a:schemeClr val="phClr">
-                <a:shade val="63000"/>
-                <a:satMod val="120000"/>
-              </a:schemeClr>
-            </a:gs>
-          </a:gsLst>
-          <a:lin ang="5400000" scaled="0"/>
+          <a:path path="circle">
+            <a:fillToRect l="50000" t="50000" r="100000" b="100000"/>
+          </a:path>
         </a:gradFill>
       </a:bgFillStyleLst>
     </a:fmtScheme>
@@ -3860,7 +8728,7 @@
   <a:extraClrSchemeLst/>
   <a:extLst>
     <a:ext uri="{05A4C25C-085E-4340-85A3-A5531E510DB2}">
-      <thm15:themeFamily xmlns:thm15="http://schemas.microsoft.com/office/thememl/2012/main" name="Office 2013 - 2022 Theme" id="{62F939B6-93AF-4DB8-9C6B-D6C7DFDC589F}" vid="{4A3C46E8-61CC-4603-A589-7422A47A8E4A}"/>
+      <thm15:themeFamily xmlns:thm15="http://schemas.microsoft.com/office/thememl/2012/main" name="Wisp" id="{7CB32D59-10C0-40DD-B7BD-2E94284A981C}" vid="{24B1A44C-C006-48B2-A4D7-E5549B3D8CD4}"/>
     </a:ext>
   </a:extLst>
 </a:theme>

--- a/source/MySEProject/Documentation/PresentationFile_CodeHive.pptx
+++ b/source/MySEProject/Documentation/PresentationFile_CodeHive.pptx
@@ -5,10 +5,13 @@
     <p:sldMasterId id="2147483690" r:id="rId1"/>
   </p:sldMasterIdLst>
   <p:notesMasterIdLst>
-    <p:notesMasterId r:id="rId3"/>
+    <p:notesMasterId r:id="rId6"/>
   </p:notesMasterIdLst>
   <p:sldIdLst>
     <p:sldId id="256" r:id="rId2"/>
+    <p:sldId id="257" r:id="rId3"/>
+    <p:sldId id="258" r:id="rId4"/>
+    <p:sldId id="259" r:id="rId5"/>
   </p:sldIdLst>
   <p:sldSz cx="12192000" cy="6858000"/>
   <p:notesSz cx="6858000" cy="9144000"/>
@@ -197,7 +200,7 @@
           <a:p>
             <a:fld id="{6226A24B-1990-4368-81D8-801BBEE04B46}" type="datetimeFigureOut">
               <a:rPr lang="en-US" smtClean="0"/>
-              <a:t>3/19/2025</a:t>
+              <a:t>3/20/2025</a:t>
             </a:fld>
             <a:endParaRPr lang="en-US"/>
           </a:p>
@@ -548,6 +551,330 @@
 </p:notes>
 </file>
 
+<file path=ppt/notesSlides/notesSlide2.xml><?xml version="1.0" encoding="utf-8"?>
+<p:notes xmlns:a="http://schemas.openxmlformats.org/drawingml/2006/main" xmlns:r="http://schemas.openxmlformats.org/officeDocument/2006/relationships" xmlns:p="http://schemas.openxmlformats.org/presentationml/2006/main">
+  <p:cSld>
+    <p:spTree>
+      <p:nvGrpSpPr>
+        <p:cNvPr id="1" name="">
+          <a:extLst>
+            <a:ext uri="{FF2B5EF4-FFF2-40B4-BE49-F238E27FC236}">
+              <a16:creationId xmlns:a16="http://schemas.microsoft.com/office/drawing/2014/main" id="{0D933837-C8E6-64BB-89F3-A16CDA125077}"/>
+            </a:ext>
+          </a:extLst>
+        </p:cNvPr>
+        <p:cNvGrpSpPr/>
+        <p:nvPr/>
+      </p:nvGrpSpPr>
+      <p:grpSpPr>
+        <a:xfrm>
+          <a:off x="0" y="0"/>
+          <a:ext cx="0" cy="0"/>
+          <a:chOff x="0" y="0"/>
+          <a:chExt cx="0" cy="0"/>
+        </a:xfrm>
+      </p:grpSpPr>
+      <p:sp>
+        <p:nvSpPr>
+          <p:cNvPr id="2" name="Slide Image Placeholder 1">
+            <a:extLst>
+              <a:ext uri="{FF2B5EF4-FFF2-40B4-BE49-F238E27FC236}">
+                <a16:creationId xmlns:a16="http://schemas.microsoft.com/office/drawing/2014/main" id="{BE96D19B-2BFD-F19B-CF55-7A0F2CA1508C}"/>
+              </a:ext>
+            </a:extLst>
+          </p:cNvPr>
+          <p:cNvSpPr>
+            <a:spLocks noGrp="1" noRot="1" noChangeAspect="1"/>
+          </p:cNvSpPr>
+          <p:nvPr>
+            <p:ph type="sldImg"/>
+          </p:nvPr>
+        </p:nvSpPr>
+        <p:spPr/>
+      </p:sp>
+      <p:sp>
+        <p:nvSpPr>
+          <p:cNvPr id="3" name="Notes Placeholder 2">
+            <a:extLst>
+              <a:ext uri="{FF2B5EF4-FFF2-40B4-BE49-F238E27FC236}">
+                <a16:creationId xmlns:a16="http://schemas.microsoft.com/office/drawing/2014/main" id="{E705E0B8-02DD-EAE2-63CC-639A6063C714}"/>
+              </a:ext>
+            </a:extLst>
+          </p:cNvPr>
+          <p:cNvSpPr>
+            <a:spLocks noGrp="1"/>
+          </p:cNvSpPr>
+          <p:nvPr>
+            <p:ph type="body" idx="1"/>
+          </p:nvPr>
+        </p:nvSpPr>
+        <p:spPr/>
+        <p:txBody>
+          <a:bodyPr/>
+          <a:lstStyle/>
+          <a:p>
+            <a:endParaRPr lang="en-US" dirty="0"/>
+          </a:p>
+        </p:txBody>
+      </p:sp>
+      <p:sp>
+        <p:nvSpPr>
+          <p:cNvPr id="4" name="Slide Number Placeholder 3">
+            <a:extLst>
+              <a:ext uri="{FF2B5EF4-FFF2-40B4-BE49-F238E27FC236}">
+                <a16:creationId xmlns:a16="http://schemas.microsoft.com/office/drawing/2014/main" id="{172A93B3-5047-E716-FC14-E130F04DB899}"/>
+              </a:ext>
+            </a:extLst>
+          </p:cNvPr>
+          <p:cNvSpPr>
+            <a:spLocks noGrp="1"/>
+          </p:cNvSpPr>
+          <p:nvPr>
+            <p:ph type="sldNum" sz="quarter" idx="5"/>
+          </p:nvPr>
+        </p:nvSpPr>
+        <p:spPr/>
+        <p:txBody>
+          <a:bodyPr/>
+          <a:lstStyle/>
+          <a:p>
+            <a:fld id="{26333FCC-1B27-4A92-A25F-707628B9A49F}" type="slidenum">
+              <a:rPr lang="en-US" smtClean="0"/>
+              <a:t>2</a:t>
+            </a:fld>
+            <a:endParaRPr lang="en-US"/>
+          </a:p>
+        </p:txBody>
+      </p:sp>
+    </p:spTree>
+    <p:extLst>
+      <p:ext uri="{BB962C8B-B14F-4D97-AF65-F5344CB8AC3E}">
+        <p14:creationId xmlns:p14="http://schemas.microsoft.com/office/powerpoint/2010/main" val="3741550735"/>
+      </p:ext>
+    </p:extLst>
+  </p:cSld>
+  <p:clrMapOvr>
+    <a:masterClrMapping/>
+  </p:clrMapOvr>
+</p:notes>
+</file>
+
+<file path=ppt/notesSlides/notesSlide3.xml><?xml version="1.0" encoding="utf-8"?>
+<p:notes xmlns:a="http://schemas.openxmlformats.org/drawingml/2006/main" xmlns:r="http://schemas.openxmlformats.org/officeDocument/2006/relationships" xmlns:p="http://schemas.openxmlformats.org/presentationml/2006/main">
+  <p:cSld>
+    <p:spTree>
+      <p:nvGrpSpPr>
+        <p:cNvPr id="1" name="">
+          <a:extLst>
+            <a:ext uri="{FF2B5EF4-FFF2-40B4-BE49-F238E27FC236}">
+              <a16:creationId xmlns:a16="http://schemas.microsoft.com/office/drawing/2014/main" id="{2B7DE74C-E150-821D-C0B5-15DFE4BE6BD1}"/>
+            </a:ext>
+          </a:extLst>
+        </p:cNvPr>
+        <p:cNvGrpSpPr/>
+        <p:nvPr/>
+      </p:nvGrpSpPr>
+      <p:grpSpPr>
+        <a:xfrm>
+          <a:off x="0" y="0"/>
+          <a:ext cx="0" cy="0"/>
+          <a:chOff x="0" y="0"/>
+          <a:chExt cx="0" cy="0"/>
+        </a:xfrm>
+      </p:grpSpPr>
+      <p:sp>
+        <p:nvSpPr>
+          <p:cNvPr id="2" name="Slide Image Placeholder 1">
+            <a:extLst>
+              <a:ext uri="{FF2B5EF4-FFF2-40B4-BE49-F238E27FC236}">
+                <a16:creationId xmlns:a16="http://schemas.microsoft.com/office/drawing/2014/main" id="{104FC891-B541-7DC0-9C1E-711763543021}"/>
+              </a:ext>
+            </a:extLst>
+          </p:cNvPr>
+          <p:cNvSpPr>
+            <a:spLocks noGrp="1" noRot="1" noChangeAspect="1"/>
+          </p:cNvSpPr>
+          <p:nvPr>
+            <p:ph type="sldImg"/>
+          </p:nvPr>
+        </p:nvSpPr>
+        <p:spPr/>
+      </p:sp>
+      <p:sp>
+        <p:nvSpPr>
+          <p:cNvPr id="3" name="Notes Placeholder 2">
+            <a:extLst>
+              <a:ext uri="{FF2B5EF4-FFF2-40B4-BE49-F238E27FC236}">
+                <a16:creationId xmlns:a16="http://schemas.microsoft.com/office/drawing/2014/main" id="{BA86DF8B-5232-CED8-9C34-4179A15044EA}"/>
+              </a:ext>
+            </a:extLst>
+          </p:cNvPr>
+          <p:cNvSpPr>
+            <a:spLocks noGrp="1"/>
+          </p:cNvSpPr>
+          <p:nvPr>
+            <p:ph type="body" idx="1"/>
+          </p:nvPr>
+        </p:nvSpPr>
+        <p:spPr/>
+        <p:txBody>
+          <a:bodyPr/>
+          <a:lstStyle/>
+          <a:p>
+            <a:endParaRPr lang="en-US" dirty="0"/>
+          </a:p>
+        </p:txBody>
+      </p:sp>
+      <p:sp>
+        <p:nvSpPr>
+          <p:cNvPr id="4" name="Slide Number Placeholder 3">
+            <a:extLst>
+              <a:ext uri="{FF2B5EF4-FFF2-40B4-BE49-F238E27FC236}">
+                <a16:creationId xmlns:a16="http://schemas.microsoft.com/office/drawing/2014/main" id="{5E99105A-7E33-BF6C-FF63-8F72021EB715}"/>
+              </a:ext>
+            </a:extLst>
+          </p:cNvPr>
+          <p:cNvSpPr>
+            <a:spLocks noGrp="1"/>
+          </p:cNvSpPr>
+          <p:nvPr>
+            <p:ph type="sldNum" sz="quarter" idx="5"/>
+          </p:nvPr>
+        </p:nvSpPr>
+        <p:spPr/>
+        <p:txBody>
+          <a:bodyPr/>
+          <a:lstStyle/>
+          <a:p>
+            <a:fld id="{26333FCC-1B27-4A92-A25F-707628B9A49F}" type="slidenum">
+              <a:rPr lang="en-US" smtClean="0"/>
+              <a:t>3</a:t>
+            </a:fld>
+            <a:endParaRPr lang="en-US"/>
+          </a:p>
+        </p:txBody>
+      </p:sp>
+    </p:spTree>
+    <p:extLst>
+      <p:ext uri="{BB962C8B-B14F-4D97-AF65-F5344CB8AC3E}">
+        <p14:creationId xmlns:p14="http://schemas.microsoft.com/office/powerpoint/2010/main" val="261993185"/>
+      </p:ext>
+    </p:extLst>
+  </p:cSld>
+  <p:clrMapOvr>
+    <a:masterClrMapping/>
+  </p:clrMapOvr>
+</p:notes>
+</file>
+
+<file path=ppt/notesSlides/notesSlide4.xml><?xml version="1.0" encoding="utf-8"?>
+<p:notes xmlns:a="http://schemas.openxmlformats.org/drawingml/2006/main" xmlns:r="http://schemas.openxmlformats.org/officeDocument/2006/relationships" xmlns:p="http://schemas.openxmlformats.org/presentationml/2006/main">
+  <p:cSld>
+    <p:spTree>
+      <p:nvGrpSpPr>
+        <p:cNvPr id="1" name="">
+          <a:extLst>
+            <a:ext uri="{FF2B5EF4-FFF2-40B4-BE49-F238E27FC236}">
+              <a16:creationId xmlns:a16="http://schemas.microsoft.com/office/drawing/2014/main" id="{79EB8BDE-A618-831C-C21C-A5BA41A3CFFD}"/>
+            </a:ext>
+          </a:extLst>
+        </p:cNvPr>
+        <p:cNvGrpSpPr/>
+        <p:nvPr/>
+      </p:nvGrpSpPr>
+      <p:grpSpPr>
+        <a:xfrm>
+          <a:off x="0" y="0"/>
+          <a:ext cx="0" cy="0"/>
+          <a:chOff x="0" y="0"/>
+          <a:chExt cx="0" cy="0"/>
+        </a:xfrm>
+      </p:grpSpPr>
+      <p:sp>
+        <p:nvSpPr>
+          <p:cNvPr id="2" name="Slide Image Placeholder 1">
+            <a:extLst>
+              <a:ext uri="{FF2B5EF4-FFF2-40B4-BE49-F238E27FC236}">
+                <a16:creationId xmlns:a16="http://schemas.microsoft.com/office/drawing/2014/main" id="{F0A50F72-D59D-5C5C-56AD-3A365398BEC8}"/>
+              </a:ext>
+            </a:extLst>
+          </p:cNvPr>
+          <p:cNvSpPr>
+            <a:spLocks noGrp="1" noRot="1" noChangeAspect="1"/>
+          </p:cNvSpPr>
+          <p:nvPr>
+            <p:ph type="sldImg"/>
+          </p:nvPr>
+        </p:nvSpPr>
+        <p:spPr/>
+      </p:sp>
+      <p:sp>
+        <p:nvSpPr>
+          <p:cNvPr id="3" name="Notes Placeholder 2">
+            <a:extLst>
+              <a:ext uri="{FF2B5EF4-FFF2-40B4-BE49-F238E27FC236}">
+                <a16:creationId xmlns:a16="http://schemas.microsoft.com/office/drawing/2014/main" id="{DF03E565-28CC-8A26-D2C5-A1CCE56CDAAC}"/>
+              </a:ext>
+            </a:extLst>
+          </p:cNvPr>
+          <p:cNvSpPr>
+            <a:spLocks noGrp="1"/>
+          </p:cNvSpPr>
+          <p:nvPr>
+            <p:ph type="body" idx="1"/>
+          </p:nvPr>
+        </p:nvSpPr>
+        <p:spPr/>
+        <p:txBody>
+          <a:bodyPr/>
+          <a:lstStyle/>
+          <a:p>
+            <a:endParaRPr lang="en-US" dirty="0"/>
+          </a:p>
+        </p:txBody>
+      </p:sp>
+      <p:sp>
+        <p:nvSpPr>
+          <p:cNvPr id="4" name="Slide Number Placeholder 3">
+            <a:extLst>
+              <a:ext uri="{FF2B5EF4-FFF2-40B4-BE49-F238E27FC236}">
+                <a16:creationId xmlns:a16="http://schemas.microsoft.com/office/drawing/2014/main" id="{3495D927-949D-C14E-1FB7-024FC939E4A1}"/>
+              </a:ext>
+            </a:extLst>
+          </p:cNvPr>
+          <p:cNvSpPr>
+            <a:spLocks noGrp="1"/>
+          </p:cNvSpPr>
+          <p:nvPr>
+            <p:ph type="sldNum" sz="quarter" idx="5"/>
+          </p:nvPr>
+        </p:nvSpPr>
+        <p:spPr/>
+        <p:txBody>
+          <a:bodyPr/>
+          <a:lstStyle/>
+          <a:p>
+            <a:fld id="{26333FCC-1B27-4A92-A25F-707628B9A49F}" type="slidenum">
+              <a:rPr lang="en-US" smtClean="0"/>
+              <a:t>4</a:t>
+            </a:fld>
+            <a:endParaRPr lang="en-US"/>
+          </a:p>
+        </p:txBody>
+      </p:sp>
+    </p:spTree>
+    <p:extLst>
+      <p:ext uri="{BB962C8B-B14F-4D97-AF65-F5344CB8AC3E}">
+        <p14:creationId xmlns:p14="http://schemas.microsoft.com/office/powerpoint/2010/main" val="1892557825"/>
+      </p:ext>
+    </p:extLst>
+  </p:cSld>
+  <p:clrMapOvr>
+    <a:masterClrMapping/>
+  </p:clrMapOvr>
+</p:notes>
+</file>
+
 <file path=ppt/slideLayouts/slideLayout1.xml><?xml version="1.0" encoding="utf-8"?>
 <p:sldLayout xmlns:a="http://schemas.openxmlformats.org/drawingml/2006/main" xmlns:r="http://schemas.openxmlformats.org/officeDocument/2006/relationships" xmlns:p="http://schemas.openxmlformats.org/presentationml/2006/main" type="title" preserve="1">
   <p:cSld name="Title Slide">
@@ -736,7 +1063,7 @@
           <a:p>
             <a:fld id="{BC963854-0500-4533-9B56-A93F0BB014C2}" type="datetimeFigureOut">
               <a:rPr lang="en-US" smtClean="0"/>
-              <a:t>3/19/2025</a:t>
+              <a:t>3/20/2025</a:t>
             </a:fld>
             <a:endParaRPr lang="en-US"/>
           </a:p>
@@ -1074,7 +1401,7 @@
           <a:p>
             <a:fld id="{BC963854-0500-4533-9B56-A93F0BB014C2}" type="datetimeFigureOut">
               <a:rPr lang="en-US" smtClean="0"/>
-              <a:t>3/19/2025</a:t>
+              <a:t>3/20/2025</a:t>
             </a:fld>
             <a:endParaRPr lang="en-US"/>
           </a:p>
@@ -1475,7 +1802,7 @@
           <a:p>
             <a:fld id="{BC963854-0500-4533-9B56-A93F0BB014C2}" type="datetimeFigureOut">
               <a:rPr lang="en-US" smtClean="0"/>
-              <a:t>3/19/2025</a:t>
+              <a:t>3/20/2025</a:t>
             </a:fld>
             <a:endParaRPr lang="en-US"/>
           </a:p>
@@ -1811,7 +2138,7 @@
           <a:p>
             <a:fld id="{BC963854-0500-4533-9B56-A93F0BB014C2}" type="datetimeFigureOut">
               <a:rPr lang="en-US" smtClean="0"/>
-              <a:t>3/19/2025</a:t>
+              <a:t>3/20/2025</a:t>
             </a:fld>
             <a:endParaRPr lang="en-US"/>
           </a:p>
@@ -2131,7 +2458,7 @@
           <a:p>
             <a:fld id="{BC963854-0500-4533-9B56-A93F0BB014C2}" type="datetimeFigureOut">
               <a:rPr lang="en-US" smtClean="0"/>
-              <a:t>3/19/2025</a:t>
+              <a:t>3/20/2025</a:t>
             </a:fld>
             <a:endParaRPr lang="en-US"/>
           </a:p>
@@ -2527,7 +2854,7 @@
           <a:p>
             <a:fld id="{BC963854-0500-4533-9B56-A93F0BB014C2}" type="datetimeFigureOut">
               <a:rPr lang="en-US" smtClean="0"/>
-              <a:t>3/19/2025</a:t>
+              <a:t>3/20/2025</a:t>
             </a:fld>
             <a:endParaRPr lang="en-US"/>
           </a:p>
@@ -2784,7 +3111,7 @@
           <a:p>
             <a:fld id="{BC963854-0500-4533-9B56-A93F0BB014C2}" type="datetimeFigureOut">
               <a:rPr lang="en-US" smtClean="0"/>
-              <a:t>3/19/2025</a:t>
+              <a:t>3/20/2025</a:t>
             </a:fld>
             <a:endParaRPr lang="en-US"/>
           </a:p>
@@ -3046,7 +3373,7 @@
           <a:p>
             <a:fld id="{BC963854-0500-4533-9B56-A93F0BB014C2}" type="datetimeFigureOut">
               <a:rPr lang="en-US" smtClean="0"/>
-              <a:t>3/19/2025</a:t>
+              <a:t>3/20/2025</a:t>
             </a:fld>
             <a:endParaRPr lang="en-US"/>
           </a:p>
@@ -3308,7 +3635,7 @@
           <a:p>
             <a:fld id="{BC963854-0500-4533-9B56-A93F0BB014C2}" type="datetimeFigureOut">
               <a:rPr lang="en-US" smtClean="0"/>
-              <a:t>3/19/2025</a:t>
+              <a:t>3/20/2025</a:t>
             </a:fld>
             <a:endParaRPr lang="en-US"/>
           </a:p>
@@ -3637,7 +3964,7 @@
           <a:p>
             <a:fld id="{BC963854-0500-4533-9B56-A93F0BB014C2}" type="datetimeFigureOut">
               <a:rPr lang="en-US" smtClean="0"/>
-              <a:t>3/19/2025</a:t>
+              <a:t>3/20/2025</a:t>
             </a:fld>
             <a:endParaRPr lang="en-US"/>
           </a:p>
@@ -3960,7 +4287,7 @@
           <a:p>
             <a:fld id="{BC963854-0500-4533-9B56-A93F0BB014C2}" type="datetimeFigureOut">
               <a:rPr lang="en-US" smtClean="0"/>
-              <a:t>3/19/2025</a:t>
+              <a:t>3/20/2025</a:t>
             </a:fld>
             <a:endParaRPr lang="en-US"/>
           </a:p>
@@ -4417,7 +4744,7 @@
           <a:p>
             <a:fld id="{BC963854-0500-4533-9B56-A93F0BB014C2}" type="datetimeFigureOut">
               <a:rPr lang="en-US" smtClean="0"/>
-              <a:t>3/19/2025</a:t>
+              <a:t>3/20/2025</a:t>
             </a:fld>
             <a:endParaRPr lang="en-US"/>
           </a:p>
@@ -4622,7 +4949,7 @@
           <a:p>
             <a:fld id="{BC963854-0500-4533-9B56-A93F0BB014C2}" type="datetimeFigureOut">
               <a:rPr lang="en-US" smtClean="0"/>
-              <a:t>3/19/2025</a:t>
+              <a:t>3/20/2025</a:t>
             </a:fld>
             <a:endParaRPr lang="en-US"/>
           </a:p>
@@ -4799,7 +5126,7 @@
           <a:p>
             <a:fld id="{BC963854-0500-4533-9B56-A93F0BB014C2}" type="datetimeFigureOut">
               <a:rPr lang="en-US" smtClean="0"/>
-              <a:t>3/19/2025</a:t>
+              <a:t>3/20/2025</a:t>
             </a:fld>
             <a:endParaRPr lang="en-US"/>
           </a:p>
@@ -5132,7 +5459,7 @@
           <a:p>
             <a:fld id="{BC963854-0500-4533-9B56-A93F0BB014C2}" type="datetimeFigureOut">
               <a:rPr lang="en-US" smtClean="0"/>
-              <a:t>3/19/2025</a:t>
+              <a:t>3/20/2025</a:t>
             </a:fld>
             <a:endParaRPr lang="en-US"/>
           </a:p>
@@ -5477,7 +5804,7 @@
           <a:p>
             <a:fld id="{BC963854-0500-4533-9B56-A93F0BB014C2}" type="datetimeFigureOut">
               <a:rPr lang="en-US" smtClean="0"/>
-              <a:t>3/19/2025</a:t>
+              <a:t>3/20/2025</a:t>
             </a:fld>
             <a:endParaRPr lang="en-US"/>
           </a:p>
@@ -7594,7 +7921,7 @@
           <a:p>
             <a:fld id="{BC963854-0500-4533-9B56-A93F0BB014C2}" type="datetimeFigureOut">
               <a:rPr lang="en-US" smtClean="0"/>
-              <a:t>3/19/2025</a:t>
+              <a:t>3/20/2025</a:t>
             </a:fld>
             <a:endParaRPr lang="en-US"/>
           </a:p>
@@ -8482,6 +8809,973 @@
     <p:extLst>
       <p:ext uri="{BB962C8B-B14F-4D97-AF65-F5344CB8AC3E}">
         <p14:creationId xmlns:p14="http://schemas.microsoft.com/office/powerpoint/2010/main" val="3320904092"/>
+      </p:ext>
+    </p:extLst>
+  </p:cSld>
+  <p:clrMapOvr>
+    <a:masterClrMapping/>
+  </p:clrMapOvr>
+</p:sld>
+</file>
+
+<file path=ppt/slides/slide2.xml><?xml version="1.0" encoding="utf-8"?>
+<p:sld xmlns:a="http://schemas.openxmlformats.org/drawingml/2006/main" xmlns:r="http://schemas.openxmlformats.org/officeDocument/2006/relationships" xmlns:p="http://schemas.openxmlformats.org/presentationml/2006/main">
+  <p:cSld>
+    <p:spTree>
+      <p:nvGrpSpPr>
+        <p:cNvPr id="1" name="">
+          <a:extLst>
+            <a:ext uri="{FF2B5EF4-FFF2-40B4-BE49-F238E27FC236}">
+              <a16:creationId xmlns:a16="http://schemas.microsoft.com/office/drawing/2014/main" id="{A0F304E1-A981-2743-5D51-F998ADA0B95B}"/>
+            </a:ext>
+          </a:extLst>
+        </p:cNvPr>
+        <p:cNvGrpSpPr/>
+        <p:nvPr/>
+      </p:nvGrpSpPr>
+      <p:grpSpPr>
+        <a:xfrm>
+          <a:off x="0" y="0"/>
+          <a:ext cx="0" cy="0"/>
+          <a:chOff x="0" y="0"/>
+          <a:chExt cx="0" cy="0"/>
+        </a:xfrm>
+      </p:grpSpPr>
+      <p:sp>
+        <p:nvSpPr>
+          <p:cNvPr id="3" name="Content Placeholder 2">
+            <a:extLst>
+              <a:ext uri="{FF2B5EF4-FFF2-40B4-BE49-F238E27FC236}">
+                <a16:creationId xmlns:a16="http://schemas.microsoft.com/office/drawing/2014/main" id="{D3831A63-7E2C-F021-61DC-E1D88A56B970}"/>
+              </a:ext>
+            </a:extLst>
+          </p:cNvPr>
+          <p:cNvSpPr>
+            <a:spLocks noGrp="1"/>
+          </p:cNvSpPr>
+          <p:nvPr>
+            <p:ph idx="1"/>
+          </p:nvPr>
+        </p:nvSpPr>
+        <p:spPr>
+          <a:xfrm>
+            <a:off x="1946832" y="1307592"/>
+            <a:ext cx="10095815" cy="5120640"/>
+          </a:xfrm>
+        </p:spPr>
+        <p:txBody>
+          <a:bodyPr>
+            <a:normAutofit/>
+          </a:bodyPr>
+          <a:lstStyle/>
+          <a:p>
+            <a:pPr marL="0" indent="0" algn="ctr">
+              <a:buNone/>
+            </a:pPr>
+            <a:r>
+              <a:rPr lang="en-US" sz="3200" b="1" dirty="0">
+                <a:latin typeface="Times New Roman" panose="02020603050405020304" pitchFamily="18" charset="0"/>
+                <a:cs typeface="Times New Roman" panose="02020603050405020304" pitchFamily="18" charset="0"/>
+              </a:rPr>
+              <a:t>Overview</a:t>
+            </a:r>
+          </a:p>
+          <a:p>
+            <a:pPr marL="0" indent="0">
+              <a:buNone/>
+            </a:pPr>
+            <a:endParaRPr lang="en-US" dirty="0">
+              <a:latin typeface="Times New Roman" panose="02020603050405020304" pitchFamily="18" charset="0"/>
+              <a:cs typeface="Times New Roman" panose="02020603050405020304" pitchFamily="18" charset="0"/>
+            </a:endParaRPr>
+          </a:p>
+          <a:p>
+            <a:pPr>
+              <a:buFont typeface="Wingdings" panose="05000000000000000000" pitchFamily="2" charset="2"/>
+              <a:buChar char="q"/>
+            </a:pPr>
+            <a:r>
+              <a:rPr lang="en-US" dirty="0">
+                <a:latin typeface="Times New Roman" panose="02020603050405020304" pitchFamily="18" charset="0"/>
+                <a:cs typeface="Times New Roman" panose="02020603050405020304" pitchFamily="18" charset="0"/>
+              </a:rPr>
+              <a:t>Introduction</a:t>
+            </a:r>
+          </a:p>
+          <a:p>
+            <a:pPr>
+              <a:buFont typeface="Wingdings" panose="05000000000000000000" pitchFamily="2" charset="2"/>
+              <a:buChar char="q"/>
+            </a:pPr>
+            <a:r>
+              <a:rPr lang="en-US" dirty="0">
+                <a:latin typeface="Times New Roman" panose="02020603050405020304" pitchFamily="18" charset="0"/>
+                <a:cs typeface="Times New Roman" panose="02020603050405020304" pitchFamily="18" charset="0"/>
+              </a:rPr>
+              <a:t>HTM System</a:t>
+            </a:r>
+          </a:p>
+          <a:p>
+            <a:pPr>
+              <a:buFont typeface="Wingdings" panose="05000000000000000000" pitchFamily="2" charset="2"/>
+              <a:buChar char="q"/>
+            </a:pPr>
+            <a:r>
+              <a:rPr lang="en-US" dirty="0" err="1">
+                <a:latin typeface="Times New Roman" panose="02020603050405020304" pitchFamily="18" charset="0"/>
+                <a:cs typeface="Times New Roman" panose="02020603050405020304" pitchFamily="18" charset="0"/>
+              </a:rPr>
+              <a:t>NeoCortex</a:t>
+            </a:r>
+            <a:r>
+              <a:rPr lang="en-US" dirty="0">
+                <a:latin typeface="Times New Roman" panose="02020603050405020304" pitchFamily="18" charset="0"/>
+                <a:cs typeface="Times New Roman" panose="02020603050405020304" pitchFamily="18" charset="0"/>
+              </a:rPr>
+              <a:t> API</a:t>
+            </a:r>
+          </a:p>
+          <a:p>
+            <a:pPr>
+              <a:buFont typeface="Wingdings" panose="05000000000000000000" pitchFamily="2" charset="2"/>
+              <a:buChar char="q"/>
+            </a:pPr>
+            <a:r>
+              <a:rPr lang="en-US" dirty="0">
+                <a:latin typeface="Times New Roman" panose="02020603050405020304" pitchFamily="18" charset="0"/>
+                <a:cs typeface="Times New Roman" panose="02020603050405020304" pitchFamily="18" charset="0"/>
+              </a:rPr>
+              <a:t>Methodology</a:t>
+            </a:r>
+          </a:p>
+          <a:p>
+            <a:pPr>
+              <a:buFont typeface="Wingdings" panose="05000000000000000000" pitchFamily="2" charset="2"/>
+              <a:buChar char="q"/>
+            </a:pPr>
+            <a:r>
+              <a:rPr lang="en-US" dirty="0">
+                <a:latin typeface="Times New Roman" panose="02020603050405020304" pitchFamily="18" charset="0"/>
+                <a:cs typeface="Times New Roman" panose="02020603050405020304" pitchFamily="18" charset="0"/>
+              </a:rPr>
+              <a:t>Anomaly Detection</a:t>
+            </a:r>
+          </a:p>
+          <a:p>
+            <a:pPr>
+              <a:buFont typeface="Wingdings" panose="05000000000000000000" pitchFamily="2" charset="2"/>
+              <a:buChar char="q"/>
+            </a:pPr>
+            <a:r>
+              <a:rPr lang="en-US" dirty="0">
+                <a:latin typeface="Times New Roman" panose="02020603050405020304" pitchFamily="18" charset="0"/>
+                <a:cs typeface="Times New Roman" panose="02020603050405020304" pitchFamily="18" charset="0"/>
+              </a:rPr>
+              <a:t>Result &amp; Discussion</a:t>
+            </a:r>
+          </a:p>
+          <a:p>
+            <a:pPr marL="0" indent="0">
+              <a:buNone/>
+            </a:pPr>
+            <a:endParaRPr lang="en-US" dirty="0">
+              <a:latin typeface="Times New Roman" panose="02020603050405020304" pitchFamily="18" charset="0"/>
+              <a:cs typeface="Times New Roman" panose="02020603050405020304" pitchFamily="18" charset="0"/>
+            </a:endParaRPr>
+          </a:p>
+          <a:p>
+            <a:pPr>
+              <a:buFont typeface="Wingdings" panose="05000000000000000000" pitchFamily="2" charset="2"/>
+              <a:buChar char="q"/>
+            </a:pPr>
+            <a:endParaRPr lang="en-US" dirty="0">
+              <a:latin typeface="Times New Roman" panose="02020603050405020304" pitchFamily="18" charset="0"/>
+              <a:cs typeface="Times New Roman" panose="02020603050405020304" pitchFamily="18" charset="0"/>
+            </a:endParaRPr>
+          </a:p>
+        </p:txBody>
+      </p:sp>
+      <p:pic>
+        <p:nvPicPr>
+          <p:cNvPr id="4" name="Picture 3">
+            <a:extLst>
+              <a:ext uri="{FF2B5EF4-FFF2-40B4-BE49-F238E27FC236}">
+                <a16:creationId xmlns:a16="http://schemas.microsoft.com/office/drawing/2014/main" id="{47108B6B-1D94-BF79-794B-0576CB67CE95}"/>
+              </a:ext>
+            </a:extLst>
+          </p:cNvPr>
+          <p:cNvPicPr/>
+          <p:nvPr/>
+        </p:nvPicPr>
+        <p:blipFill>
+          <a:blip r:embed="rId3">
+            <a:extLst>
+              <a:ext uri="{BEBA8EAE-BF5A-486C-A8C5-ECC9F3942E4B}">
+                <a14:imgProps xmlns:a14="http://schemas.microsoft.com/office/drawing/2010/main">
+                  <a14:imgLayer r:embed="rId4">
+                    <a14:imgEffect>
+                      <a14:sharpenSoften amount="25000"/>
+                    </a14:imgEffect>
+                  </a14:imgLayer>
+                </a14:imgProps>
+              </a:ext>
+            </a:extLst>
+          </a:blip>
+          <a:stretch>
+            <a:fillRect/>
+          </a:stretch>
+        </p:blipFill>
+        <p:spPr>
+          <a:xfrm>
+            <a:off x="9854048" y="172261"/>
+            <a:ext cx="2016370" cy="1062110"/>
+          </a:xfrm>
+          <a:prstGeom prst="rect">
+            <a:avLst/>
+          </a:prstGeom>
+          <a:effectLst/>
+        </p:spPr>
+      </p:pic>
+      <p:sp>
+        <p:nvSpPr>
+          <p:cNvPr id="5" name="TextBox 4">
+            <a:extLst>
+              <a:ext uri="{FF2B5EF4-FFF2-40B4-BE49-F238E27FC236}">
+                <a16:creationId xmlns:a16="http://schemas.microsoft.com/office/drawing/2014/main" id="{C5F56A21-32B5-C01D-46ED-CC1CA4CDCB45}"/>
+              </a:ext>
+            </a:extLst>
+          </p:cNvPr>
+          <p:cNvSpPr txBox="1"/>
+          <p:nvPr/>
+        </p:nvSpPr>
+        <p:spPr>
+          <a:xfrm>
+            <a:off x="79217" y="6503580"/>
+            <a:ext cx="8005527" cy="246221"/>
+          </a:xfrm>
+          <a:prstGeom prst="rect">
+            <a:avLst/>
+          </a:prstGeom>
+          <a:noFill/>
+        </p:spPr>
+        <p:txBody>
+          <a:bodyPr wrap="square">
+            <a:spAutoFit/>
+          </a:bodyPr>
+          <a:lstStyle/>
+          <a:p>
+            <a:pPr>
+              <a:spcAft>
+                <a:spcPts val="600"/>
+              </a:spcAft>
+            </a:pPr>
+            <a:r>
+              <a:rPr lang="en" sz="1000" dirty="0">
+                <a:latin typeface="Times New Roman" panose="02020603050405020304" pitchFamily="18" charset="0"/>
+                <a:cs typeface="Times New Roman" panose="02020603050405020304" pitchFamily="18" charset="0"/>
+                <a:sym typeface="Lato"/>
+              </a:rPr>
+              <a:t>M.Eng. Information Technology WS24-25/ </a:t>
+            </a:r>
+            <a:r>
+              <a:rPr lang="en-US" sz="1000" dirty="0">
+                <a:latin typeface="Times New Roman" panose="02020603050405020304" pitchFamily="18" charset="0"/>
+                <a:cs typeface="Times New Roman" panose="02020603050405020304" pitchFamily="18" charset="0"/>
+              </a:rPr>
+              <a:t>Damir </a:t>
+            </a:r>
+            <a:r>
+              <a:rPr lang="en-US" sz="1000" dirty="0" err="1">
+                <a:latin typeface="Times New Roman" panose="02020603050405020304" pitchFamily="18" charset="0"/>
+                <a:cs typeface="Times New Roman" panose="02020603050405020304" pitchFamily="18" charset="0"/>
+              </a:rPr>
+              <a:t>Dobric</a:t>
+            </a:r>
+            <a:r>
+              <a:rPr lang="en-US" sz="1000" dirty="0">
+                <a:latin typeface="Times New Roman" panose="02020603050405020304" pitchFamily="18" charset="0"/>
+                <a:cs typeface="Times New Roman" panose="02020603050405020304" pitchFamily="18" charset="0"/>
+              </a:rPr>
+              <a:t> &amp; Andreas Pech</a:t>
+            </a:r>
+            <a:r>
+              <a:rPr lang="en" sz="1000" dirty="0">
+                <a:latin typeface="Times New Roman" panose="02020603050405020304" pitchFamily="18" charset="0"/>
+                <a:cs typeface="Times New Roman" panose="02020603050405020304" pitchFamily="18" charset="0"/>
+                <a:sym typeface="Lato"/>
+              </a:rPr>
+              <a:t>/ </a:t>
+            </a:r>
+            <a:r>
+              <a:rPr lang="en-US" sz="1000" dirty="0">
+                <a:latin typeface="Times New Roman" panose="02020603050405020304" pitchFamily="18" charset="0"/>
+                <a:cs typeface="Times New Roman" panose="02020603050405020304" pitchFamily="18" charset="0"/>
+              </a:rPr>
+              <a:t>Module Software Engineering</a:t>
+            </a:r>
+          </a:p>
+        </p:txBody>
+      </p:sp>
+    </p:spTree>
+    <p:extLst>
+      <p:ext uri="{BB962C8B-B14F-4D97-AF65-F5344CB8AC3E}">
+        <p14:creationId xmlns:p14="http://schemas.microsoft.com/office/powerpoint/2010/main" val="961088877"/>
+      </p:ext>
+    </p:extLst>
+  </p:cSld>
+  <p:clrMapOvr>
+    <a:masterClrMapping/>
+  </p:clrMapOvr>
+</p:sld>
+</file>
+
+<file path=ppt/slides/slide3.xml><?xml version="1.0" encoding="utf-8"?>
+<p:sld xmlns:a="http://schemas.openxmlformats.org/drawingml/2006/main" xmlns:r="http://schemas.openxmlformats.org/officeDocument/2006/relationships" xmlns:p="http://schemas.openxmlformats.org/presentationml/2006/main">
+  <p:cSld>
+    <p:spTree>
+      <p:nvGrpSpPr>
+        <p:cNvPr id="1" name="">
+          <a:extLst>
+            <a:ext uri="{FF2B5EF4-FFF2-40B4-BE49-F238E27FC236}">
+              <a16:creationId xmlns:a16="http://schemas.microsoft.com/office/drawing/2014/main" id="{B74C5584-95BC-8F75-B097-F8E289E23958}"/>
+            </a:ext>
+          </a:extLst>
+        </p:cNvPr>
+        <p:cNvGrpSpPr/>
+        <p:nvPr/>
+      </p:nvGrpSpPr>
+      <p:grpSpPr>
+        <a:xfrm>
+          <a:off x="0" y="0"/>
+          <a:ext cx="0" cy="0"/>
+          <a:chOff x="0" y="0"/>
+          <a:chExt cx="0" cy="0"/>
+        </a:xfrm>
+      </p:grpSpPr>
+      <p:sp>
+        <p:nvSpPr>
+          <p:cNvPr id="3" name="Content Placeholder 2">
+            <a:extLst>
+              <a:ext uri="{FF2B5EF4-FFF2-40B4-BE49-F238E27FC236}">
+                <a16:creationId xmlns:a16="http://schemas.microsoft.com/office/drawing/2014/main" id="{9B5C6B1B-BA28-9516-813C-4CB85F232E17}"/>
+              </a:ext>
+            </a:extLst>
+          </p:cNvPr>
+          <p:cNvSpPr>
+            <a:spLocks noGrp="1"/>
+          </p:cNvSpPr>
+          <p:nvPr>
+            <p:ph idx="1"/>
+          </p:nvPr>
+        </p:nvSpPr>
+        <p:spPr>
+          <a:xfrm>
+            <a:off x="1946832" y="1307592"/>
+            <a:ext cx="10095815" cy="5120640"/>
+          </a:xfrm>
+        </p:spPr>
+        <p:txBody>
+          <a:bodyPr>
+            <a:normAutofit/>
+          </a:bodyPr>
+          <a:lstStyle/>
+          <a:p>
+            <a:pPr marL="0" indent="0" algn="ctr">
+              <a:buNone/>
+            </a:pPr>
+            <a:r>
+              <a:rPr lang="en-US" sz="3200" b="1" dirty="0">
+                <a:latin typeface="Times New Roman" panose="02020603050405020304" pitchFamily="18" charset="0"/>
+                <a:cs typeface="Times New Roman" panose="02020603050405020304" pitchFamily="18" charset="0"/>
+              </a:rPr>
+              <a:t>Introduction</a:t>
+            </a:r>
+          </a:p>
+          <a:p>
+            <a:pPr marL="0" indent="0">
+              <a:buNone/>
+            </a:pPr>
+            <a:endParaRPr lang="en-US" dirty="0">
+              <a:latin typeface="Times New Roman" panose="02020603050405020304" pitchFamily="18" charset="0"/>
+              <a:cs typeface="Times New Roman" panose="02020603050405020304" pitchFamily="18" charset="0"/>
+            </a:endParaRPr>
+          </a:p>
+          <a:p>
+            <a:pPr>
+              <a:buFont typeface="Wingdings" panose="05000000000000000000" pitchFamily="2" charset="2"/>
+              <a:buChar char="Ø"/>
+            </a:pPr>
+            <a:r>
+              <a:rPr lang="en-US" dirty="0">
+                <a:latin typeface="Times New Roman" panose="02020603050405020304" pitchFamily="18" charset="0"/>
+                <a:cs typeface="Times New Roman" panose="02020603050405020304" pitchFamily="18" charset="0"/>
+              </a:rPr>
+              <a:t>HTM is a machine learning algorithm inspired by the neocortex of the human brain.</a:t>
+            </a:r>
+          </a:p>
+          <a:p>
+            <a:pPr>
+              <a:buFont typeface="Wingdings" panose="05000000000000000000" pitchFamily="2" charset="2"/>
+              <a:buChar char="Ø"/>
+            </a:pPr>
+            <a:r>
+              <a:rPr lang="en-US" dirty="0">
+                <a:latin typeface="Times New Roman" panose="02020603050405020304" pitchFamily="18" charset="0"/>
+                <a:cs typeface="Times New Roman" panose="02020603050405020304" pitchFamily="18" charset="0"/>
+              </a:rPr>
+              <a:t>Recognizes temporal patterns and predicts time-series data.</a:t>
+            </a:r>
+          </a:p>
+          <a:p>
+            <a:pPr>
+              <a:buFont typeface="Wingdings" panose="05000000000000000000" pitchFamily="2" charset="2"/>
+              <a:buChar char="Ø"/>
+            </a:pPr>
+            <a:r>
+              <a:rPr lang="en-US" dirty="0">
+                <a:latin typeface="Times New Roman" panose="02020603050405020304" pitchFamily="18" charset="0"/>
+                <a:cs typeface="Times New Roman" panose="02020603050405020304" pitchFamily="18" charset="0"/>
+              </a:rPr>
+              <a:t>Uses Sparse Distributed Representations (SDRs) for efficient data processing.</a:t>
+            </a:r>
+          </a:p>
+          <a:p>
+            <a:pPr marL="0" indent="0">
+              <a:buNone/>
+            </a:pPr>
+            <a:endParaRPr lang="en-US" dirty="0"/>
+          </a:p>
+          <a:p>
+            <a:pPr marL="0" indent="0">
+              <a:buNone/>
+            </a:pPr>
+            <a:r>
+              <a:rPr lang="en-US" b="0" i="0" dirty="0">
+                <a:solidFill>
+                  <a:srgbClr val="1F2328"/>
+                </a:solidFill>
+                <a:effectLst/>
+                <a:latin typeface="-apple-system"/>
+              </a:rPr>
+              <a:t>In the project, the </a:t>
+            </a:r>
+            <a:r>
+              <a:rPr lang="en-US" b="0" i="0" dirty="0" err="1">
+                <a:solidFill>
+                  <a:srgbClr val="1F2328"/>
+                </a:solidFill>
+                <a:effectLst/>
+                <a:latin typeface="-apple-system"/>
+              </a:rPr>
+              <a:t>NeoCortexAPI</a:t>
+            </a:r>
+            <a:r>
+              <a:rPr lang="en-US" b="0" i="0" dirty="0">
+                <a:solidFill>
+                  <a:srgbClr val="1F2328"/>
+                </a:solidFill>
+                <a:effectLst/>
+                <a:latin typeface="-apple-system"/>
+              </a:rPr>
+              <a:t> – a .NET implementation of the HTM framework – will be used to make an anomaly detection system. The project include two parts:</a:t>
+            </a:r>
+          </a:p>
+          <a:p>
+            <a:pPr>
+              <a:buFont typeface="Wingdings" panose="05000000000000000000" pitchFamily="2" charset="2"/>
+              <a:buChar char="Ø"/>
+            </a:pPr>
+            <a:r>
+              <a:rPr lang="en-US" b="0" i="0" dirty="0">
+                <a:solidFill>
+                  <a:srgbClr val="1F2328"/>
+                </a:solidFill>
+                <a:effectLst/>
+                <a:latin typeface="-apple-system"/>
+              </a:rPr>
+              <a:t>Training: The HTM model trains from the normal numeric sequences, such as network traffic loads, from artificially created data.</a:t>
+            </a:r>
+          </a:p>
+          <a:p>
+            <a:pPr>
+              <a:buFont typeface="Wingdings" panose="05000000000000000000" pitchFamily="2" charset="2"/>
+              <a:buChar char="Ø"/>
+            </a:pPr>
+            <a:r>
+              <a:rPr lang="en-US" b="0" i="0" dirty="0">
+                <a:solidFill>
+                  <a:srgbClr val="1F2328"/>
+                </a:solidFill>
+                <a:effectLst/>
+                <a:latin typeface="-apple-system"/>
+              </a:rPr>
+              <a:t>Testing: The trained model is tested on new sequences containing both normal data and anomalies. The model identifies anomalies based on deviations from predicted values.</a:t>
+            </a:r>
+          </a:p>
+          <a:p>
+            <a:pPr marL="0" indent="0">
+              <a:buNone/>
+            </a:pPr>
+            <a:endParaRPr lang="en-US" b="0" i="0" dirty="0">
+              <a:solidFill>
+                <a:srgbClr val="1F2328"/>
+              </a:solidFill>
+              <a:effectLst/>
+              <a:latin typeface="-apple-system"/>
+            </a:endParaRPr>
+          </a:p>
+          <a:p>
+            <a:pPr>
+              <a:buFont typeface="Wingdings" panose="05000000000000000000" pitchFamily="2" charset="2"/>
+              <a:buChar char="Ø"/>
+            </a:pPr>
+            <a:endParaRPr lang="en-US" dirty="0"/>
+          </a:p>
+          <a:p>
+            <a:pPr>
+              <a:buFont typeface="Wingdings" panose="05000000000000000000" pitchFamily="2" charset="2"/>
+              <a:buChar char="Ø"/>
+            </a:pPr>
+            <a:endParaRPr lang="en-US" dirty="0">
+              <a:latin typeface="Times New Roman" panose="02020603050405020304" pitchFamily="18" charset="0"/>
+              <a:cs typeface="Times New Roman" panose="02020603050405020304" pitchFamily="18" charset="0"/>
+            </a:endParaRPr>
+          </a:p>
+          <a:p>
+            <a:pPr>
+              <a:buFont typeface="Wingdings" panose="05000000000000000000" pitchFamily="2" charset="2"/>
+              <a:buChar char="q"/>
+            </a:pPr>
+            <a:endParaRPr lang="en-US" dirty="0">
+              <a:latin typeface="Times New Roman" panose="02020603050405020304" pitchFamily="18" charset="0"/>
+              <a:cs typeface="Times New Roman" panose="02020603050405020304" pitchFamily="18" charset="0"/>
+            </a:endParaRPr>
+          </a:p>
+        </p:txBody>
+      </p:sp>
+      <p:pic>
+        <p:nvPicPr>
+          <p:cNvPr id="4" name="Picture 3">
+            <a:extLst>
+              <a:ext uri="{FF2B5EF4-FFF2-40B4-BE49-F238E27FC236}">
+                <a16:creationId xmlns:a16="http://schemas.microsoft.com/office/drawing/2014/main" id="{FB33E087-C2A5-A644-61F9-BD947DE26B38}"/>
+              </a:ext>
+            </a:extLst>
+          </p:cNvPr>
+          <p:cNvPicPr/>
+          <p:nvPr/>
+        </p:nvPicPr>
+        <p:blipFill>
+          <a:blip r:embed="rId3">
+            <a:extLst>
+              <a:ext uri="{BEBA8EAE-BF5A-486C-A8C5-ECC9F3942E4B}">
+                <a14:imgProps xmlns:a14="http://schemas.microsoft.com/office/drawing/2010/main">
+                  <a14:imgLayer r:embed="rId4">
+                    <a14:imgEffect>
+                      <a14:sharpenSoften amount="25000"/>
+                    </a14:imgEffect>
+                  </a14:imgLayer>
+                </a14:imgProps>
+              </a:ext>
+            </a:extLst>
+          </a:blip>
+          <a:stretch>
+            <a:fillRect/>
+          </a:stretch>
+        </p:blipFill>
+        <p:spPr>
+          <a:xfrm>
+            <a:off x="9854048" y="172261"/>
+            <a:ext cx="2016370" cy="1062110"/>
+          </a:xfrm>
+          <a:prstGeom prst="rect">
+            <a:avLst/>
+          </a:prstGeom>
+          <a:effectLst/>
+        </p:spPr>
+      </p:pic>
+      <p:sp>
+        <p:nvSpPr>
+          <p:cNvPr id="5" name="TextBox 4">
+            <a:extLst>
+              <a:ext uri="{FF2B5EF4-FFF2-40B4-BE49-F238E27FC236}">
+                <a16:creationId xmlns:a16="http://schemas.microsoft.com/office/drawing/2014/main" id="{9752F06D-924B-B8AA-6249-F5EE8084A227}"/>
+              </a:ext>
+            </a:extLst>
+          </p:cNvPr>
+          <p:cNvSpPr txBox="1"/>
+          <p:nvPr/>
+        </p:nvSpPr>
+        <p:spPr>
+          <a:xfrm>
+            <a:off x="79217" y="6503580"/>
+            <a:ext cx="8005527" cy="246221"/>
+          </a:xfrm>
+          <a:prstGeom prst="rect">
+            <a:avLst/>
+          </a:prstGeom>
+          <a:noFill/>
+        </p:spPr>
+        <p:txBody>
+          <a:bodyPr wrap="square">
+            <a:spAutoFit/>
+          </a:bodyPr>
+          <a:lstStyle/>
+          <a:p>
+            <a:pPr>
+              <a:spcAft>
+                <a:spcPts val="600"/>
+              </a:spcAft>
+            </a:pPr>
+            <a:r>
+              <a:rPr lang="en" sz="1000" dirty="0">
+                <a:latin typeface="Times New Roman" panose="02020603050405020304" pitchFamily="18" charset="0"/>
+                <a:cs typeface="Times New Roman" panose="02020603050405020304" pitchFamily="18" charset="0"/>
+                <a:sym typeface="Lato"/>
+              </a:rPr>
+              <a:t>M.Eng. Information Technology WS24-25/ </a:t>
+            </a:r>
+            <a:r>
+              <a:rPr lang="en-US" sz="1000" dirty="0">
+                <a:latin typeface="Times New Roman" panose="02020603050405020304" pitchFamily="18" charset="0"/>
+                <a:cs typeface="Times New Roman" panose="02020603050405020304" pitchFamily="18" charset="0"/>
+              </a:rPr>
+              <a:t>Damir </a:t>
+            </a:r>
+            <a:r>
+              <a:rPr lang="en-US" sz="1000" dirty="0" err="1">
+                <a:latin typeface="Times New Roman" panose="02020603050405020304" pitchFamily="18" charset="0"/>
+                <a:cs typeface="Times New Roman" panose="02020603050405020304" pitchFamily="18" charset="0"/>
+              </a:rPr>
+              <a:t>Dobric</a:t>
+            </a:r>
+            <a:r>
+              <a:rPr lang="en-US" sz="1000" dirty="0">
+                <a:latin typeface="Times New Roman" panose="02020603050405020304" pitchFamily="18" charset="0"/>
+                <a:cs typeface="Times New Roman" panose="02020603050405020304" pitchFamily="18" charset="0"/>
+              </a:rPr>
+              <a:t> &amp; Andreas Pech</a:t>
+            </a:r>
+            <a:r>
+              <a:rPr lang="en" sz="1000" dirty="0">
+                <a:latin typeface="Times New Roman" panose="02020603050405020304" pitchFamily="18" charset="0"/>
+                <a:cs typeface="Times New Roman" panose="02020603050405020304" pitchFamily="18" charset="0"/>
+                <a:sym typeface="Lato"/>
+              </a:rPr>
+              <a:t>/ </a:t>
+            </a:r>
+            <a:r>
+              <a:rPr lang="en-US" sz="1000" dirty="0">
+                <a:latin typeface="Times New Roman" panose="02020603050405020304" pitchFamily="18" charset="0"/>
+                <a:cs typeface="Times New Roman" panose="02020603050405020304" pitchFamily="18" charset="0"/>
+              </a:rPr>
+              <a:t>Module Software Engineering</a:t>
+            </a:r>
+          </a:p>
+        </p:txBody>
+      </p:sp>
+    </p:spTree>
+    <p:extLst>
+      <p:ext uri="{BB962C8B-B14F-4D97-AF65-F5344CB8AC3E}">
+        <p14:creationId xmlns:p14="http://schemas.microsoft.com/office/powerpoint/2010/main" val="1132449194"/>
+      </p:ext>
+    </p:extLst>
+  </p:cSld>
+  <p:clrMapOvr>
+    <a:masterClrMapping/>
+  </p:clrMapOvr>
+</p:sld>
+</file>
+
+<file path=ppt/slides/slide4.xml><?xml version="1.0" encoding="utf-8"?>
+<p:sld xmlns:a="http://schemas.openxmlformats.org/drawingml/2006/main" xmlns:r="http://schemas.openxmlformats.org/officeDocument/2006/relationships" xmlns:p="http://schemas.openxmlformats.org/presentationml/2006/main">
+  <p:cSld>
+    <p:spTree>
+      <p:nvGrpSpPr>
+        <p:cNvPr id="1" name="">
+          <a:extLst>
+            <a:ext uri="{FF2B5EF4-FFF2-40B4-BE49-F238E27FC236}">
+              <a16:creationId xmlns:a16="http://schemas.microsoft.com/office/drawing/2014/main" id="{F8C2337E-5AB5-F706-4A2B-E143899DC950}"/>
+            </a:ext>
+          </a:extLst>
+        </p:cNvPr>
+        <p:cNvGrpSpPr/>
+        <p:nvPr/>
+      </p:nvGrpSpPr>
+      <p:grpSpPr>
+        <a:xfrm>
+          <a:off x="0" y="0"/>
+          <a:ext cx="0" cy="0"/>
+          <a:chOff x="0" y="0"/>
+          <a:chExt cx="0" cy="0"/>
+        </a:xfrm>
+      </p:grpSpPr>
+      <p:sp>
+        <p:nvSpPr>
+          <p:cNvPr id="3" name="Content Placeholder 2">
+            <a:extLst>
+              <a:ext uri="{FF2B5EF4-FFF2-40B4-BE49-F238E27FC236}">
+                <a16:creationId xmlns:a16="http://schemas.microsoft.com/office/drawing/2014/main" id="{D13B54A2-F6D6-026B-098C-8E348CEBE095}"/>
+              </a:ext>
+            </a:extLst>
+          </p:cNvPr>
+          <p:cNvSpPr>
+            <a:spLocks noGrp="1"/>
+          </p:cNvSpPr>
+          <p:nvPr>
+            <p:ph idx="1"/>
+          </p:nvPr>
+        </p:nvSpPr>
+        <p:spPr>
+          <a:xfrm>
+            <a:off x="1946832" y="1307592"/>
+            <a:ext cx="10095815" cy="5120640"/>
+          </a:xfrm>
+        </p:spPr>
+        <p:txBody>
+          <a:bodyPr>
+            <a:normAutofit/>
+          </a:bodyPr>
+          <a:lstStyle/>
+          <a:p>
+            <a:pPr marL="0" indent="0" algn="ctr">
+              <a:buNone/>
+            </a:pPr>
+            <a:r>
+              <a:rPr lang="en-US" sz="3200" b="1" dirty="0">
+                <a:latin typeface="Times New Roman" panose="02020603050405020304" pitchFamily="18" charset="0"/>
+                <a:cs typeface="Times New Roman" panose="02020603050405020304" pitchFamily="18" charset="0"/>
+              </a:rPr>
+              <a:t>Introduction</a:t>
+            </a:r>
+          </a:p>
+          <a:p>
+            <a:pPr marL="0" indent="0">
+              <a:buNone/>
+            </a:pPr>
+            <a:endParaRPr lang="en-US" dirty="0">
+              <a:latin typeface="Times New Roman" panose="02020603050405020304" pitchFamily="18" charset="0"/>
+              <a:cs typeface="Times New Roman" panose="02020603050405020304" pitchFamily="18" charset="0"/>
+            </a:endParaRPr>
+          </a:p>
+          <a:p>
+            <a:pPr>
+              <a:buFont typeface="Wingdings" panose="05000000000000000000" pitchFamily="2" charset="2"/>
+              <a:buChar char="Ø"/>
+            </a:pPr>
+            <a:r>
+              <a:rPr lang="en-US" b="0" i="0" dirty="0">
+                <a:solidFill>
+                  <a:srgbClr val="1F2328"/>
+                </a:solidFill>
+                <a:effectLst/>
+                <a:latin typeface="-apple-system"/>
+              </a:rPr>
+              <a:t>The project will used C# and the </a:t>
+            </a:r>
+            <a:r>
+              <a:rPr lang="en-US" b="0" i="0" dirty="0" err="1">
+                <a:solidFill>
+                  <a:srgbClr val="1F2328"/>
+                </a:solidFill>
+                <a:effectLst/>
+                <a:latin typeface="-apple-system"/>
+              </a:rPr>
+              <a:t>NeoCortexAPI</a:t>
+            </a:r>
+            <a:r>
+              <a:rPr lang="en-US" b="0" i="0" dirty="0">
+                <a:solidFill>
+                  <a:srgbClr val="1F2328"/>
+                </a:solidFill>
+                <a:effectLst/>
+                <a:latin typeface="-apple-system"/>
+              </a:rPr>
+              <a:t> library to process the data, train the HTM model, and evaluate the performance. The main objective of the project is to determine a robust and efficient system which can accurately predict the anomalies while analyzing the results using metrics like False Negative Rate(FNR) and False Positive Rate(FNR).</a:t>
+            </a:r>
+          </a:p>
+          <a:p>
+            <a:pPr>
+              <a:buFont typeface="Wingdings" panose="05000000000000000000" pitchFamily="2" charset="2"/>
+              <a:buChar char="Ø"/>
+            </a:pPr>
+            <a:endParaRPr lang="en-US" dirty="0">
+              <a:solidFill>
+                <a:srgbClr val="1F2328"/>
+              </a:solidFill>
+              <a:latin typeface="-apple-system"/>
+            </a:endParaRPr>
+          </a:p>
+          <a:p>
+            <a:pPr>
+              <a:buFont typeface="Wingdings" panose="05000000000000000000" pitchFamily="2" charset="2"/>
+              <a:buChar char="Ø"/>
+            </a:pPr>
+            <a:r>
+              <a:rPr lang="en-US" b="0" i="0" dirty="0">
+                <a:solidFill>
+                  <a:srgbClr val="1F2328"/>
+                </a:solidFill>
+                <a:effectLst/>
+                <a:latin typeface="-apple-system"/>
+              </a:rPr>
+              <a:t>The anomaly detection helps to identify any unusual traffic patterns or anomalies in the network such as cyber-attacks or system failures. Moreover it is used for fraud detection in financial transactions. For monitoring machine and equipment performance and detecting anomalies to prevent breakdowns. The model can also be used to detect diseases on the human body or energy consumption to survey irregularities and optimize energy distribution.</a:t>
+            </a:r>
+          </a:p>
+          <a:p>
+            <a:pPr>
+              <a:buFont typeface="Wingdings" panose="05000000000000000000" pitchFamily="2" charset="2"/>
+              <a:buChar char="Ø"/>
+            </a:pPr>
+            <a:endParaRPr lang="en-US" dirty="0"/>
+          </a:p>
+          <a:p>
+            <a:pPr>
+              <a:buFont typeface="Wingdings" panose="05000000000000000000" pitchFamily="2" charset="2"/>
+              <a:buChar char="Ø"/>
+            </a:pPr>
+            <a:endParaRPr lang="en-US" dirty="0">
+              <a:latin typeface="Times New Roman" panose="02020603050405020304" pitchFamily="18" charset="0"/>
+              <a:cs typeface="Times New Roman" panose="02020603050405020304" pitchFamily="18" charset="0"/>
+            </a:endParaRPr>
+          </a:p>
+          <a:p>
+            <a:pPr>
+              <a:buFont typeface="Wingdings" panose="05000000000000000000" pitchFamily="2" charset="2"/>
+              <a:buChar char="q"/>
+            </a:pPr>
+            <a:endParaRPr lang="en-US" dirty="0">
+              <a:latin typeface="Times New Roman" panose="02020603050405020304" pitchFamily="18" charset="0"/>
+              <a:cs typeface="Times New Roman" panose="02020603050405020304" pitchFamily="18" charset="0"/>
+            </a:endParaRPr>
+          </a:p>
+        </p:txBody>
+      </p:sp>
+      <p:pic>
+        <p:nvPicPr>
+          <p:cNvPr id="4" name="Picture 3">
+            <a:extLst>
+              <a:ext uri="{FF2B5EF4-FFF2-40B4-BE49-F238E27FC236}">
+                <a16:creationId xmlns:a16="http://schemas.microsoft.com/office/drawing/2014/main" id="{3D2EB90E-AEA2-F8CC-AE0E-8C87CB572A00}"/>
+              </a:ext>
+            </a:extLst>
+          </p:cNvPr>
+          <p:cNvPicPr/>
+          <p:nvPr/>
+        </p:nvPicPr>
+        <p:blipFill>
+          <a:blip r:embed="rId3">
+            <a:extLst>
+              <a:ext uri="{BEBA8EAE-BF5A-486C-A8C5-ECC9F3942E4B}">
+                <a14:imgProps xmlns:a14="http://schemas.microsoft.com/office/drawing/2010/main">
+                  <a14:imgLayer r:embed="rId4">
+                    <a14:imgEffect>
+                      <a14:sharpenSoften amount="25000"/>
+                    </a14:imgEffect>
+                  </a14:imgLayer>
+                </a14:imgProps>
+              </a:ext>
+            </a:extLst>
+          </a:blip>
+          <a:stretch>
+            <a:fillRect/>
+          </a:stretch>
+        </p:blipFill>
+        <p:spPr>
+          <a:xfrm>
+            <a:off x="9854048" y="172261"/>
+            <a:ext cx="2016370" cy="1062110"/>
+          </a:xfrm>
+          <a:prstGeom prst="rect">
+            <a:avLst/>
+          </a:prstGeom>
+          <a:effectLst/>
+        </p:spPr>
+      </p:pic>
+      <p:sp>
+        <p:nvSpPr>
+          <p:cNvPr id="5" name="TextBox 4">
+            <a:extLst>
+              <a:ext uri="{FF2B5EF4-FFF2-40B4-BE49-F238E27FC236}">
+                <a16:creationId xmlns:a16="http://schemas.microsoft.com/office/drawing/2014/main" id="{82192485-F599-4FCE-A455-CEF4B3FA2143}"/>
+              </a:ext>
+            </a:extLst>
+          </p:cNvPr>
+          <p:cNvSpPr txBox="1"/>
+          <p:nvPr/>
+        </p:nvSpPr>
+        <p:spPr>
+          <a:xfrm>
+            <a:off x="79217" y="6503580"/>
+            <a:ext cx="8005527" cy="246221"/>
+          </a:xfrm>
+          <a:prstGeom prst="rect">
+            <a:avLst/>
+          </a:prstGeom>
+          <a:noFill/>
+        </p:spPr>
+        <p:txBody>
+          <a:bodyPr wrap="square">
+            <a:spAutoFit/>
+          </a:bodyPr>
+          <a:lstStyle/>
+          <a:p>
+            <a:pPr>
+              <a:spcAft>
+                <a:spcPts val="600"/>
+              </a:spcAft>
+            </a:pPr>
+            <a:r>
+              <a:rPr lang="en" sz="1000" dirty="0">
+                <a:latin typeface="Times New Roman" panose="02020603050405020304" pitchFamily="18" charset="0"/>
+                <a:cs typeface="Times New Roman" panose="02020603050405020304" pitchFamily="18" charset="0"/>
+                <a:sym typeface="Lato"/>
+              </a:rPr>
+              <a:t>M.Eng. Information Technology WS24-25/ </a:t>
+            </a:r>
+            <a:r>
+              <a:rPr lang="en-US" sz="1000" dirty="0">
+                <a:latin typeface="Times New Roman" panose="02020603050405020304" pitchFamily="18" charset="0"/>
+                <a:cs typeface="Times New Roman" panose="02020603050405020304" pitchFamily="18" charset="0"/>
+              </a:rPr>
+              <a:t>Damir </a:t>
+            </a:r>
+            <a:r>
+              <a:rPr lang="en-US" sz="1000" dirty="0" err="1">
+                <a:latin typeface="Times New Roman" panose="02020603050405020304" pitchFamily="18" charset="0"/>
+                <a:cs typeface="Times New Roman" panose="02020603050405020304" pitchFamily="18" charset="0"/>
+              </a:rPr>
+              <a:t>Dobric</a:t>
+            </a:r>
+            <a:r>
+              <a:rPr lang="en-US" sz="1000" dirty="0">
+                <a:latin typeface="Times New Roman" panose="02020603050405020304" pitchFamily="18" charset="0"/>
+                <a:cs typeface="Times New Roman" panose="02020603050405020304" pitchFamily="18" charset="0"/>
+              </a:rPr>
+              <a:t> &amp; Andreas Pech</a:t>
+            </a:r>
+            <a:r>
+              <a:rPr lang="en" sz="1000" dirty="0">
+                <a:latin typeface="Times New Roman" panose="02020603050405020304" pitchFamily="18" charset="0"/>
+                <a:cs typeface="Times New Roman" panose="02020603050405020304" pitchFamily="18" charset="0"/>
+                <a:sym typeface="Lato"/>
+              </a:rPr>
+              <a:t>/ </a:t>
+            </a:r>
+            <a:r>
+              <a:rPr lang="en-US" sz="1000" dirty="0">
+                <a:latin typeface="Times New Roman" panose="02020603050405020304" pitchFamily="18" charset="0"/>
+                <a:cs typeface="Times New Roman" panose="02020603050405020304" pitchFamily="18" charset="0"/>
+              </a:rPr>
+              <a:t>Module Software Engineering</a:t>
+            </a:r>
+          </a:p>
+        </p:txBody>
+      </p:sp>
+    </p:spTree>
+    <p:extLst>
+      <p:ext uri="{BB962C8B-B14F-4D97-AF65-F5344CB8AC3E}">
+        <p14:creationId xmlns:p14="http://schemas.microsoft.com/office/powerpoint/2010/main" val="145344527"/>
       </p:ext>
     </p:extLst>
   </p:cSld>

--- a/source/MySEProject/Documentation/PresentationFile_CodeHive.pptx
+++ b/source/MySEProject/Documentation/PresentationFile_CodeHive.pptx
@@ -5,13 +5,14 @@
     <p:sldMasterId id="2147483690" r:id="rId1"/>
   </p:sldMasterIdLst>
   <p:notesMasterIdLst>
-    <p:notesMasterId r:id="rId6"/>
+    <p:notesMasterId r:id="rId7"/>
   </p:notesMasterIdLst>
   <p:sldIdLst>
     <p:sldId id="256" r:id="rId2"/>
     <p:sldId id="257" r:id="rId3"/>
     <p:sldId id="258" r:id="rId4"/>
     <p:sldId id="259" r:id="rId5"/>
+    <p:sldId id="260" r:id="rId6"/>
   </p:sldIdLst>
   <p:sldSz cx="12192000" cy="6858000"/>
   <p:notesSz cx="6858000" cy="9144000"/>
@@ -866,6 +867,114 @@
     <p:extLst>
       <p:ext uri="{BB962C8B-B14F-4D97-AF65-F5344CB8AC3E}">
         <p14:creationId xmlns:p14="http://schemas.microsoft.com/office/powerpoint/2010/main" val="1892557825"/>
+      </p:ext>
+    </p:extLst>
+  </p:cSld>
+  <p:clrMapOvr>
+    <a:masterClrMapping/>
+  </p:clrMapOvr>
+</p:notes>
+</file>
+
+<file path=ppt/notesSlides/notesSlide5.xml><?xml version="1.0" encoding="utf-8"?>
+<p:notes xmlns:a="http://schemas.openxmlformats.org/drawingml/2006/main" xmlns:r="http://schemas.openxmlformats.org/officeDocument/2006/relationships" xmlns:p="http://schemas.openxmlformats.org/presentationml/2006/main">
+  <p:cSld>
+    <p:spTree>
+      <p:nvGrpSpPr>
+        <p:cNvPr id="1" name="">
+          <a:extLst>
+            <a:ext uri="{FF2B5EF4-FFF2-40B4-BE49-F238E27FC236}">
+              <a16:creationId xmlns:a16="http://schemas.microsoft.com/office/drawing/2014/main" id="{E88A063F-26A2-A1BE-A490-7CD7257627B3}"/>
+            </a:ext>
+          </a:extLst>
+        </p:cNvPr>
+        <p:cNvGrpSpPr/>
+        <p:nvPr/>
+      </p:nvGrpSpPr>
+      <p:grpSpPr>
+        <a:xfrm>
+          <a:off x="0" y="0"/>
+          <a:ext cx="0" cy="0"/>
+          <a:chOff x="0" y="0"/>
+          <a:chExt cx="0" cy="0"/>
+        </a:xfrm>
+      </p:grpSpPr>
+      <p:sp>
+        <p:nvSpPr>
+          <p:cNvPr id="2" name="Slide Image Placeholder 1">
+            <a:extLst>
+              <a:ext uri="{FF2B5EF4-FFF2-40B4-BE49-F238E27FC236}">
+                <a16:creationId xmlns:a16="http://schemas.microsoft.com/office/drawing/2014/main" id="{FEC62A4B-190A-6519-C77F-1921C29FEB14}"/>
+              </a:ext>
+            </a:extLst>
+          </p:cNvPr>
+          <p:cNvSpPr>
+            <a:spLocks noGrp="1" noRot="1" noChangeAspect="1"/>
+          </p:cNvSpPr>
+          <p:nvPr>
+            <p:ph type="sldImg"/>
+          </p:nvPr>
+        </p:nvSpPr>
+        <p:spPr/>
+      </p:sp>
+      <p:sp>
+        <p:nvSpPr>
+          <p:cNvPr id="3" name="Notes Placeholder 2">
+            <a:extLst>
+              <a:ext uri="{FF2B5EF4-FFF2-40B4-BE49-F238E27FC236}">
+                <a16:creationId xmlns:a16="http://schemas.microsoft.com/office/drawing/2014/main" id="{CFF9D626-26A0-9C98-F10E-CE791CC9D062}"/>
+              </a:ext>
+            </a:extLst>
+          </p:cNvPr>
+          <p:cNvSpPr>
+            <a:spLocks noGrp="1"/>
+          </p:cNvSpPr>
+          <p:nvPr>
+            <p:ph type="body" idx="1"/>
+          </p:nvPr>
+        </p:nvSpPr>
+        <p:spPr/>
+        <p:txBody>
+          <a:bodyPr/>
+          <a:lstStyle/>
+          <a:p>
+            <a:endParaRPr lang="en-US" dirty="0"/>
+          </a:p>
+        </p:txBody>
+      </p:sp>
+      <p:sp>
+        <p:nvSpPr>
+          <p:cNvPr id="4" name="Slide Number Placeholder 3">
+            <a:extLst>
+              <a:ext uri="{FF2B5EF4-FFF2-40B4-BE49-F238E27FC236}">
+                <a16:creationId xmlns:a16="http://schemas.microsoft.com/office/drawing/2014/main" id="{418675D9-6244-EEA1-EA9F-A4696441DF3C}"/>
+              </a:ext>
+            </a:extLst>
+          </p:cNvPr>
+          <p:cNvSpPr>
+            <a:spLocks noGrp="1"/>
+          </p:cNvSpPr>
+          <p:nvPr>
+            <p:ph type="sldNum" sz="quarter" idx="5"/>
+          </p:nvPr>
+        </p:nvSpPr>
+        <p:spPr/>
+        <p:txBody>
+          <a:bodyPr/>
+          <a:lstStyle/>
+          <a:p>
+            <a:fld id="{26333FCC-1B27-4A92-A25F-707628B9A49F}" type="slidenum">
+              <a:rPr lang="en-US" smtClean="0"/>
+              <a:t>5</a:t>
+            </a:fld>
+            <a:endParaRPr lang="en-US"/>
+          </a:p>
+        </p:txBody>
+      </p:sp>
+    </p:spTree>
+    <p:extLst>
+      <p:ext uri="{BB962C8B-B14F-4D97-AF65-F5344CB8AC3E}">
+        <p14:creationId xmlns:p14="http://schemas.microsoft.com/office/powerpoint/2010/main" val="2054738199"/>
       </p:ext>
     </p:extLst>
   </p:cSld>
@@ -8912,7 +9021,7 @@
                 <a:latin typeface="Times New Roman" panose="02020603050405020304" pitchFamily="18" charset="0"/>
                 <a:cs typeface="Times New Roman" panose="02020603050405020304" pitchFamily="18" charset="0"/>
               </a:rPr>
-              <a:t>HTM System</a:t>
+              <a:t>Objectives</a:t>
             </a:r>
           </a:p>
           <a:p>
@@ -9776,6 +9885,365 @@
     <p:extLst>
       <p:ext uri="{BB962C8B-B14F-4D97-AF65-F5344CB8AC3E}">
         <p14:creationId xmlns:p14="http://schemas.microsoft.com/office/powerpoint/2010/main" val="145344527"/>
+      </p:ext>
+    </p:extLst>
+  </p:cSld>
+  <p:clrMapOvr>
+    <a:masterClrMapping/>
+  </p:clrMapOvr>
+</p:sld>
+</file>
+
+<file path=ppt/slides/slide5.xml><?xml version="1.0" encoding="utf-8"?>
+<p:sld xmlns:a="http://schemas.openxmlformats.org/drawingml/2006/main" xmlns:r="http://schemas.openxmlformats.org/officeDocument/2006/relationships" xmlns:p="http://schemas.openxmlformats.org/presentationml/2006/main">
+  <p:cSld>
+    <p:spTree>
+      <p:nvGrpSpPr>
+        <p:cNvPr id="1" name="">
+          <a:extLst>
+            <a:ext uri="{FF2B5EF4-FFF2-40B4-BE49-F238E27FC236}">
+              <a16:creationId xmlns:a16="http://schemas.microsoft.com/office/drawing/2014/main" id="{B7853BB4-B3A8-7234-95EC-DC539763695B}"/>
+            </a:ext>
+          </a:extLst>
+        </p:cNvPr>
+        <p:cNvGrpSpPr/>
+        <p:nvPr/>
+      </p:nvGrpSpPr>
+      <p:grpSpPr>
+        <a:xfrm>
+          <a:off x="0" y="0"/>
+          <a:ext cx="0" cy="0"/>
+          <a:chOff x="0" y="0"/>
+          <a:chExt cx="0" cy="0"/>
+        </a:xfrm>
+      </p:grpSpPr>
+      <p:sp>
+        <p:nvSpPr>
+          <p:cNvPr id="3" name="Content Placeholder 2">
+            <a:extLst>
+              <a:ext uri="{FF2B5EF4-FFF2-40B4-BE49-F238E27FC236}">
+                <a16:creationId xmlns:a16="http://schemas.microsoft.com/office/drawing/2014/main" id="{AA4F324D-4D7E-E172-F3AD-1A2D113217A1}"/>
+              </a:ext>
+            </a:extLst>
+          </p:cNvPr>
+          <p:cNvSpPr>
+            <a:spLocks noGrp="1"/>
+          </p:cNvSpPr>
+          <p:nvPr>
+            <p:ph idx="1"/>
+          </p:nvPr>
+        </p:nvSpPr>
+        <p:spPr>
+          <a:xfrm>
+            <a:off x="1946832" y="1307592"/>
+            <a:ext cx="10095815" cy="5120640"/>
+          </a:xfrm>
+        </p:spPr>
+        <p:txBody>
+          <a:bodyPr>
+            <a:normAutofit/>
+          </a:bodyPr>
+          <a:lstStyle/>
+          <a:p>
+            <a:pPr marL="0" indent="0" algn="ctr">
+              <a:buNone/>
+            </a:pPr>
+            <a:r>
+              <a:rPr lang="en-US" sz="3200" b="1" dirty="0">
+                <a:latin typeface="Times New Roman" panose="02020603050405020304" pitchFamily="18" charset="0"/>
+                <a:cs typeface="Times New Roman" panose="02020603050405020304" pitchFamily="18" charset="0"/>
+              </a:rPr>
+              <a:t>Objectives</a:t>
+            </a:r>
+          </a:p>
+          <a:p>
+            <a:pPr marL="0" indent="0">
+              <a:buNone/>
+            </a:pPr>
+            <a:endParaRPr lang="en-US" dirty="0">
+              <a:latin typeface="Times New Roman" panose="02020603050405020304" pitchFamily="18" charset="0"/>
+              <a:cs typeface="Times New Roman" panose="02020603050405020304" pitchFamily="18" charset="0"/>
+            </a:endParaRPr>
+          </a:p>
+          <a:p>
+            <a:pPr>
+              <a:buFont typeface="Wingdings" panose="05000000000000000000" pitchFamily="2" charset="2"/>
+              <a:buChar char="Ø"/>
+            </a:pPr>
+            <a:r>
+              <a:rPr lang="en-US" b="0" i="0" dirty="0">
+                <a:solidFill>
+                  <a:srgbClr val="1F2328"/>
+                </a:solidFill>
+                <a:effectLst/>
+                <a:latin typeface="-apple-system"/>
+              </a:rPr>
+              <a:t>Feature Engineering: Generate artificial numeric data representing network traffic load percentages. Also prepare training data with normal sequences and testing data with random anomalies.</a:t>
+            </a:r>
+          </a:p>
+          <a:p>
+            <a:pPr>
+              <a:buFont typeface="Wingdings" panose="05000000000000000000" pitchFamily="2" charset="2"/>
+              <a:buChar char="Ø"/>
+            </a:pPr>
+            <a:endParaRPr lang="en-US" dirty="0"/>
+          </a:p>
+          <a:p>
+            <a:pPr>
+              <a:buFont typeface="Wingdings" panose="05000000000000000000" pitchFamily="2" charset="2"/>
+              <a:buChar char="Ø"/>
+            </a:pPr>
+            <a:r>
+              <a:rPr lang="en-US" b="0" i="0" dirty="0">
+                <a:solidFill>
+                  <a:srgbClr val="1F2328"/>
+                </a:solidFill>
+                <a:effectLst/>
+                <a:latin typeface="-apple-system"/>
+              </a:rPr>
+              <a:t>HTM Model Training: Configure and train the HTM model using the </a:t>
+            </a:r>
+            <a:r>
+              <a:rPr lang="en-US" b="0" i="0" dirty="0" err="1">
+                <a:solidFill>
+                  <a:srgbClr val="1F2328"/>
+                </a:solidFill>
+                <a:effectLst/>
+                <a:latin typeface="-apple-system"/>
+              </a:rPr>
+              <a:t>NeoCortexAPI</a:t>
+            </a:r>
+            <a:r>
+              <a:rPr lang="en-US" b="0" i="0" dirty="0">
+                <a:solidFill>
+                  <a:srgbClr val="1F2328"/>
+                </a:solidFill>
+                <a:effectLst/>
+                <a:latin typeface="-apple-system"/>
+              </a:rPr>
+              <a:t> to identify normal patterns from the training dataset.</a:t>
+            </a:r>
+          </a:p>
+          <a:p>
+            <a:pPr>
+              <a:buFont typeface="Wingdings" panose="05000000000000000000" pitchFamily="2" charset="2"/>
+              <a:buChar char="Ø"/>
+            </a:pPr>
+            <a:endParaRPr lang="en-US" dirty="0"/>
+          </a:p>
+          <a:p>
+            <a:pPr>
+              <a:buFont typeface="Wingdings" panose="05000000000000000000" pitchFamily="2" charset="2"/>
+              <a:buChar char="Ø"/>
+            </a:pPr>
+            <a:r>
+              <a:rPr lang="en-US" b="0" i="0" dirty="0">
+                <a:solidFill>
+                  <a:srgbClr val="1F2328"/>
+                </a:solidFill>
+                <a:effectLst/>
+                <a:latin typeface="-apple-system"/>
+              </a:rPr>
+              <a:t>HTM Model Training: Configure and train the HTM model using the </a:t>
+            </a:r>
+            <a:r>
+              <a:rPr lang="en-US" b="0" i="0" dirty="0" err="1">
+                <a:solidFill>
+                  <a:srgbClr val="1F2328"/>
+                </a:solidFill>
+                <a:effectLst/>
+                <a:latin typeface="-apple-system"/>
+              </a:rPr>
+              <a:t>NeoCortexAPI</a:t>
+            </a:r>
+            <a:r>
+              <a:rPr lang="en-US" b="0" i="0" dirty="0">
+                <a:solidFill>
+                  <a:srgbClr val="1F2328"/>
+                </a:solidFill>
+                <a:effectLst/>
+                <a:latin typeface="-apple-system"/>
+              </a:rPr>
+              <a:t> to identify normal patterns from the training dataset.</a:t>
+            </a:r>
+          </a:p>
+          <a:p>
+            <a:pPr>
+              <a:buFont typeface="Wingdings" panose="05000000000000000000" pitchFamily="2" charset="2"/>
+              <a:buChar char="Ø"/>
+            </a:pPr>
+            <a:endParaRPr lang="en-US" dirty="0"/>
+          </a:p>
+          <a:p>
+            <a:pPr>
+              <a:buFont typeface="Wingdings" panose="05000000000000000000" pitchFamily="2" charset="2"/>
+              <a:buChar char="Ø"/>
+            </a:pPr>
+            <a:r>
+              <a:rPr lang="en-US" b="0" i="0" dirty="0">
+                <a:solidFill>
+                  <a:srgbClr val="1F2328"/>
+                </a:solidFill>
+                <a:effectLst/>
+                <a:latin typeface="-apple-system"/>
+              </a:rPr>
+              <a:t>Performance Evaluation: Measure the system’s effectiveness using performance metrics using False Negative Rate(FNR), False Positive Rate(FPR), Mean Square Error(MSE) etc.</a:t>
+            </a:r>
+          </a:p>
+          <a:p>
+            <a:pPr>
+              <a:buFont typeface="Wingdings" panose="05000000000000000000" pitchFamily="2" charset="2"/>
+              <a:buChar char="Ø"/>
+            </a:pPr>
+            <a:endParaRPr lang="en-US" dirty="0"/>
+          </a:p>
+          <a:p>
+            <a:pPr>
+              <a:buFont typeface="Wingdings" panose="05000000000000000000" pitchFamily="2" charset="2"/>
+              <a:buChar char="Ø"/>
+            </a:pPr>
+            <a:endParaRPr lang="en-US" dirty="0">
+              <a:latin typeface="Times New Roman" panose="02020603050405020304" pitchFamily="18" charset="0"/>
+              <a:cs typeface="Times New Roman" panose="02020603050405020304" pitchFamily="18" charset="0"/>
+            </a:endParaRPr>
+          </a:p>
+          <a:p>
+            <a:pPr>
+              <a:buFont typeface="Wingdings" panose="05000000000000000000" pitchFamily="2" charset="2"/>
+              <a:buChar char="q"/>
+            </a:pPr>
+            <a:endParaRPr lang="en-US" dirty="0">
+              <a:latin typeface="Times New Roman" panose="02020603050405020304" pitchFamily="18" charset="0"/>
+              <a:cs typeface="Times New Roman" panose="02020603050405020304" pitchFamily="18" charset="0"/>
+            </a:endParaRPr>
+          </a:p>
+        </p:txBody>
+      </p:sp>
+      <p:pic>
+        <p:nvPicPr>
+          <p:cNvPr id="4" name="Picture 3">
+            <a:extLst>
+              <a:ext uri="{FF2B5EF4-FFF2-40B4-BE49-F238E27FC236}">
+                <a16:creationId xmlns:a16="http://schemas.microsoft.com/office/drawing/2014/main" id="{418559EC-C9AE-6627-00C5-D69DE6FC4A80}"/>
+              </a:ext>
+            </a:extLst>
+          </p:cNvPr>
+          <p:cNvPicPr/>
+          <p:nvPr/>
+        </p:nvPicPr>
+        <p:blipFill>
+          <a:blip r:embed="rId3">
+            <a:extLst>
+              <a:ext uri="{BEBA8EAE-BF5A-486C-A8C5-ECC9F3942E4B}">
+                <a14:imgProps xmlns:a14="http://schemas.microsoft.com/office/drawing/2010/main">
+                  <a14:imgLayer r:embed="rId4">
+                    <a14:imgEffect>
+                      <a14:sharpenSoften amount="25000"/>
+                    </a14:imgEffect>
+                  </a14:imgLayer>
+                </a14:imgProps>
+              </a:ext>
+            </a:extLst>
+          </a:blip>
+          <a:stretch>
+            <a:fillRect/>
+          </a:stretch>
+        </p:blipFill>
+        <p:spPr>
+          <a:xfrm>
+            <a:off x="9854048" y="172261"/>
+            <a:ext cx="2016370" cy="1062110"/>
+          </a:xfrm>
+          <a:prstGeom prst="rect">
+            <a:avLst/>
+          </a:prstGeom>
+          <a:effectLst/>
+        </p:spPr>
+      </p:pic>
+      <p:sp>
+        <p:nvSpPr>
+          <p:cNvPr id="5" name="TextBox 4">
+            <a:extLst>
+              <a:ext uri="{FF2B5EF4-FFF2-40B4-BE49-F238E27FC236}">
+                <a16:creationId xmlns:a16="http://schemas.microsoft.com/office/drawing/2014/main" id="{CB3BF478-B1C7-F7FF-09A1-5A09B22EA217}"/>
+              </a:ext>
+            </a:extLst>
+          </p:cNvPr>
+          <p:cNvSpPr txBox="1"/>
+          <p:nvPr/>
+        </p:nvSpPr>
+        <p:spPr>
+          <a:xfrm>
+            <a:off x="79217" y="6503580"/>
+            <a:ext cx="8005527" cy="246221"/>
+          </a:xfrm>
+          <a:prstGeom prst="rect">
+            <a:avLst/>
+          </a:prstGeom>
+          <a:noFill/>
+        </p:spPr>
+        <p:txBody>
+          <a:bodyPr wrap="square">
+            <a:spAutoFit/>
+          </a:bodyPr>
+          <a:lstStyle/>
+          <a:p>
+            <a:pPr>
+              <a:spcAft>
+                <a:spcPts val="600"/>
+              </a:spcAft>
+            </a:pPr>
+            <a:r>
+              <a:rPr lang="en" sz="1000" dirty="0">
+                <a:latin typeface="Times New Roman" panose="02020603050405020304" pitchFamily="18" charset="0"/>
+                <a:cs typeface="Times New Roman" panose="02020603050405020304" pitchFamily="18" charset="0"/>
+                <a:sym typeface="Lato"/>
+              </a:rPr>
+              <a:t>M.Eng. Information Technology WS24-25/ </a:t>
+            </a:r>
+            <a:r>
+              <a:rPr lang="en-US" sz="1000" dirty="0">
+                <a:latin typeface="Times New Roman" panose="02020603050405020304" pitchFamily="18" charset="0"/>
+                <a:cs typeface="Times New Roman" panose="02020603050405020304" pitchFamily="18" charset="0"/>
+              </a:rPr>
+              <a:t>Damir </a:t>
+            </a:r>
+            <a:r>
+              <a:rPr lang="en-US" sz="1000" dirty="0" err="1">
+                <a:latin typeface="Times New Roman" panose="02020603050405020304" pitchFamily="18" charset="0"/>
+                <a:cs typeface="Times New Roman" panose="02020603050405020304" pitchFamily="18" charset="0"/>
+              </a:rPr>
+              <a:t>Dobric</a:t>
+            </a:r>
+            <a:r>
+              <a:rPr lang="en-US" sz="1000" dirty="0">
+                <a:latin typeface="Times New Roman" panose="02020603050405020304" pitchFamily="18" charset="0"/>
+                <a:cs typeface="Times New Roman" panose="02020603050405020304" pitchFamily="18" charset="0"/>
+              </a:rPr>
+              <a:t> &amp; Andreas Pech</a:t>
+            </a:r>
+            <a:r>
+              <a:rPr lang="en" sz="1000" dirty="0">
+                <a:latin typeface="Times New Roman" panose="02020603050405020304" pitchFamily="18" charset="0"/>
+                <a:cs typeface="Times New Roman" panose="02020603050405020304" pitchFamily="18" charset="0"/>
+                <a:sym typeface="Lato"/>
+              </a:rPr>
+              <a:t>/ </a:t>
+            </a:r>
+            <a:r>
+              <a:rPr lang="en-US" sz="1000" dirty="0">
+                <a:latin typeface="Times New Roman" panose="02020603050405020304" pitchFamily="18" charset="0"/>
+                <a:cs typeface="Times New Roman" panose="02020603050405020304" pitchFamily="18" charset="0"/>
+              </a:rPr>
+              <a:t>Module Software Engineering</a:t>
+            </a:r>
+          </a:p>
+        </p:txBody>
+      </p:sp>
+    </p:spTree>
+    <p:extLst>
+      <p:ext uri="{BB962C8B-B14F-4D97-AF65-F5344CB8AC3E}">
+        <p14:creationId xmlns:p14="http://schemas.microsoft.com/office/powerpoint/2010/main" val="495530271"/>
       </p:ext>
     </p:extLst>
   </p:cSld>

--- a/source/MySEProject/Documentation/PresentationFile_CodeHive.pptx
+++ b/source/MySEProject/Documentation/PresentationFile_CodeHive.pptx
@@ -5,7 +5,7 @@
     <p:sldMasterId id="2147483690" r:id="rId1"/>
   </p:sldMasterIdLst>
   <p:notesMasterIdLst>
-    <p:notesMasterId r:id="rId7"/>
+    <p:notesMasterId r:id="rId8"/>
   </p:notesMasterIdLst>
   <p:sldIdLst>
     <p:sldId id="256" r:id="rId2"/>
@@ -13,6 +13,7 @@
     <p:sldId id="258" r:id="rId4"/>
     <p:sldId id="259" r:id="rId5"/>
     <p:sldId id="260" r:id="rId6"/>
+    <p:sldId id="261" r:id="rId7"/>
   </p:sldIdLst>
   <p:sldSz cx="12192000" cy="6858000"/>
   <p:notesSz cx="6858000" cy="9144000"/>
@@ -201,7 +202,7 @@
           <a:p>
             <a:fld id="{6226A24B-1990-4368-81D8-801BBEE04B46}" type="datetimeFigureOut">
               <a:rPr lang="en-US" smtClean="0"/>
-              <a:t>3/20/2025</a:t>
+              <a:t>3/21/2025</a:t>
             </a:fld>
             <a:endParaRPr lang="en-US"/>
           </a:p>
@@ -984,6 +985,114 @@
 </p:notes>
 </file>
 
+<file path=ppt/notesSlides/notesSlide6.xml><?xml version="1.0" encoding="utf-8"?>
+<p:notes xmlns:a="http://schemas.openxmlformats.org/drawingml/2006/main" xmlns:r="http://schemas.openxmlformats.org/officeDocument/2006/relationships" xmlns:p="http://schemas.openxmlformats.org/presentationml/2006/main">
+  <p:cSld>
+    <p:spTree>
+      <p:nvGrpSpPr>
+        <p:cNvPr id="1" name="">
+          <a:extLst>
+            <a:ext uri="{FF2B5EF4-FFF2-40B4-BE49-F238E27FC236}">
+              <a16:creationId xmlns:a16="http://schemas.microsoft.com/office/drawing/2014/main" id="{4A91E0BB-27A3-611D-7F0B-2E8FBDF3D109}"/>
+            </a:ext>
+          </a:extLst>
+        </p:cNvPr>
+        <p:cNvGrpSpPr/>
+        <p:nvPr/>
+      </p:nvGrpSpPr>
+      <p:grpSpPr>
+        <a:xfrm>
+          <a:off x="0" y="0"/>
+          <a:ext cx="0" cy="0"/>
+          <a:chOff x="0" y="0"/>
+          <a:chExt cx="0" cy="0"/>
+        </a:xfrm>
+      </p:grpSpPr>
+      <p:sp>
+        <p:nvSpPr>
+          <p:cNvPr id="2" name="Slide Image Placeholder 1">
+            <a:extLst>
+              <a:ext uri="{FF2B5EF4-FFF2-40B4-BE49-F238E27FC236}">
+                <a16:creationId xmlns:a16="http://schemas.microsoft.com/office/drawing/2014/main" id="{48C08645-0313-248D-303B-65017C3A9393}"/>
+              </a:ext>
+            </a:extLst>
+          </p:cNvPr>
+          <p:cNvSpPr>
+            <a:spLocks noGrp="1" noRot="1" noChangeAspect="1"/>
+          </p:cNvSpPr>
+          <p:nvPr>
+            <p:ph type="sldImg"/>
+          </p:nvPr>
+        </p:nvSpPr>
+        <p:spPr/>
+      </p:sp>
+      <p:sp>
+        <p:nvSpPr>
+          <p:cNvPr id="3" name="Notes Placeholder 2">
+            <a:extLst>
+              <a:ext uri="{FF2B5EF4-FFF2-40B4-BE49-F238E27FC236}">
+                <a16:creationId xmlns:a16="http://schemas.microsoft.com/office/drawing/2014/main" id="{C1263788-DEBB-4E59-9FD6-0AAF2FCCDA48}"/>
+              </a:ext>
+            </a:extLst>
+          </p:cNvPr>
+          <p:cNvSpPr>
+            <a:spLocks noGrp="1"/>
+          </p:cNvSpPr>
+          <p:nvPr>
+            <p:ph type="body" idx="1"/>
+          </p:nvPr>
+        </p:nvSpPr>
+        <p:spPr/>
+        <p:txBody>
+          <a:bodyPr/>
+          <a:lstStyle/>
+          <a:p>
+            <a:endParaRPr lang="en-US" dirty="0"/>
+          </a:p>
+        </p:txBody>
+      </p:sp>
+      <p:sp>
+        <p:nvSpPr>
+          <p:cNvPr id="4" name="Slide Number Placeholder 3">
+            <a:extLst>
+              <a:ext uri="{FF2B5EF4-FFF2-40B4-BE49-F238E27FC236}">
+                <a16:creationId xmlns:a16="http://schemas.microsoft.com/office/drawing/2014/main" id="{30E577FF-93E0-13F1-C6BD-4A7EE61C354B}"/>
+              </a:ext>
+            </a:extLst>
+          </p:cNvPr>
+          <p:cNvSpPr>
+            <a:spLocks noGrp="1"/>
+          </p:cNvSpPr>
+          <p:nvPr>
+            <p:ph type="sldNum" sz="quarter" idx="5"/>
+          </p:nvPr>
+        </p:nvSpPr>
+        <p:spPr/>
+        <p:txBody>
+          <a:bodyPr/>
+          <a:lstStyle/>
+          <a:p>
+            <a:fld id="{26333FCC-1B27-4A92-A25F-707628B9A49F}" type="slidenum">
+              <a:rPr lang="en-US" smtClean="0"/>
+              <a:t>6</a:t>
+            </a:fld>
+            <a:endParaRPr lang="en-US"/>
+          </a:p>
+        </p:txBody>
+      </p:sp>
+    </p:spTree>
+    <p:extLst>
+      <p:ext uri="{BB962C8B-B14F-4D97-AF65-F5344CB8AC3E}">
+        <p14:creationId xmlns:p14="http://schemas.microsoft.com/office/powerpoint/2010/main" val="1470008400"/>
+      </p:ext>
+    </p:extLst>
+  </p:cSld>
+  <p:clrMapOvr>
+    <a:masterClrMapping/>
+  </p:clrMapOvr>
+</p:notes>
+</file>
+
 <file path=ppt/slideLayouts/slideLayout1.xml><?xml version="1.0" encoding="utf-8"?>
 <p:sldLayout xmlns:a="http://schemas.openxmlformats.org/drawingml/2006/main" xmlns:r="http://schemas.openxmlformats.org/officeDocument/2006/relationships" xmlns:p="http://schemas.openxmlformats.org/presentationml/2006/main" type="title" preserve="1">
   <p:cSld name="Title Slide">
@@ -1172,7 +1281,7 @@
           <a:p>
             <a:fld id="{BC963854-0500-4533-9B56-A93F0BB014C2}" type="datetimeFigureOut">
               <a:rPr lang="en-US" smtClean="0"/>
-              <a:t>3/20/2025</a:t>
+              <a:t>3/21/2025</a:t>
             </a:fld>
             <a:endParaRPr lang="en-US"/>
           </a:p>
@@ -1510,7 +1619,7 @@
           <a:p>
             <a:fld id="{BC963854-0500-4533-9B56-A93F0BB014C2}" type="datetimeFigureOut">
               <a:rPr lang="en-US" smtClean="0"/>
-              <a:t>3/20/2025</a:t>
+              <a:t>3/21/2025</a:t>
             </a:fld>
             <a:endParaRPr lang="en-US"/>
           </a:p>
@@ -1911,7 +2020,7 @@
           <a:p>
             <a:fld id="{BC963854-0500-4533-9B56-A93F0BB014C2}" type="datetimeFigureOut">
               <a:rPr lang="en-US" smtClean="0"/>
-              <a:t>3/20/2025</a:t>
+              <a:t>3/21/2025</a:t>
             </a:fld>
             <a:endParaRPr lang="en-US"/>
           </a:p>
@@ -2247,7 +2356,7 @@
           <a:p>
             <a:fld id="{BC963854-0500-4533-9B56-A93F0BB014C2}" type="datetimeFigureOut">
               <a:rPr lang="en-US" smtClean="0"/>
-              <a:t>3/20/2025</a:t>
+              <a:t>3/21/2025</a:t>
             </a:fld>
             <a:endParaRPr lang="en-US"/>
           </a:p>
@@ -2567,7 +2676,7 @@
           <a:p>
             <a:fld id="{BC963854-0500-4533-9B56-A93F0BB014C2}" type="datetimeFigureOut">
               <a:rPr lang="en-US" smtClean="0"/>
-              <a:t>3/20/2025</a:t>
+              <a:t>3/21/2025</a:t>
             </a:fld>
             <a:endParaRPr lang="en-US"/>
           </a:p>
@@ -2963,7 +3072,7 @@
           <a:p>
             <a:fld id="{BC963854-0500-4533-9B56-A93F0BB014C2}" type="datetimeFigureOut">
               <a:rPr lang="en-US" smtClean="0"/>
-              <a:t>3/20/2025</a:t>
+              <a:t>3/21/2025</a:t>
             </a:fld>
             <a:endParaRPr lang="en-US"/>
           </a:p>
@@ -3220,7 +3329,7 @@
           <a:p>
             <a:fld id="{BC963854-0500-4533-9B56-A93F0BB014C2}" type="datetimeFigureOut">
               <a:rPr lang="en-US" smtClean="0"/>
-              <a:t>3/20/2025</a:t>
+              <a:t>3/21/2025</a:t>
             </a:fld>
             <a:endParaRPr lang="en-US"/>
           </a:p>
@@ -3482,7 +3591,7 @@
           <a:p>
             <a:fld id="{BC963854-0500-4533-9B56-A93F0BB014C2}" type="datetimeFigureOut">
               <a:rPr lang="en-US" smtClean="0"/>
-              <a:t>3/20/2025</a:t>
+              <a:t>3/21/2025</a:t>
             </a:fld>
             <a:endParaRPr lang="en-US"/>
           </a:p>
@@ -3744,7 +3853,7 @@
           <a:p>
             <a:fld id="{BC963854-0500-4533-9B56-A93F0BB014C2}" type="datetimeFigureOut">
               <a:rPr lang="en-US" smtClean="0"/>
-              <a:t>3/20/2025</a:t>
+              <a:t>3/21/2025</a:t>
             </a:fld>
             <a:endParaRPr lang="en-US"/>
           </a:p>
@@ -4073,7 +4182,7 @@
           <a:p>
             <a:fld id="{BC963854-0500-4533-9B56-A93F0BB014C2}" type="datetimeFigureOut">
               <a:rPr lang="en-US" smtClean="0"/>
-              <a:t>3/20/2025</a:t>
+              <a:t>3/21/2025</a:t>
             </a:fld>
             <a:endParaRPr lang="en-US"/>
           </a:p>
@@ -4396,7 +4505,7 @@
           <a:p>
             <a:fld id="{BC963854-0500-4533-9B56-A93F0BB014C2}" type="datetimeFigureOut">
               <a:rPr lang="en-US" smtClean="0"/>
-              <a:t>3/20/2025</a:t>
+              <a:t>3/21/2025</a:t>
             </a:fld>
             <a:endParaRPr lang="en-US"/>
           </a:p>
@@ -4853,7 +4962,7 @@
           <a:p>
             <a:fld id="{BC963854-0500-4533-9B56-A93F0BB014C2}" type="datetimeFigureOut">
               <a:rPr lang="en-US" smtClean="0"/>
-              <a:t>3/20/2025</a:t>
+              <a:t>3/21/2025</a:t>
             </a:fld>
             <a:endParaRPr lang="en-US"/>
           </a:p>
@@ -5058,7 +5167,7 @@
           <a:p>
             <a:fld id="{BC963854-0500-4533-9B56-A93F0BB014C2}" type="datetimeFigureOut">
               <a:rPr lang="en-US" smtClean="0"/>
-              <a:t>3/20/2025</a:t>
+              <a:t>3/21/2025</a:t>
             </a:fld>
             <a:endParaRPr lang="en-US"/>
           </a:p>
@@ -5235,7 +5344,7 @@
           <a:p>
             <a:fld id="{BC963854-0500-4533-9B56-A93F0BB014C2}" type="datetimeFigureOut">
               <a:rPr lang="en-US" smtClean="0"/>
-              <a:t>3/20/2025</a:t>
+              <a:t>3/21/2025</a:t>
             </a:fld>
             <a:endParaRPr lang="en-US"/>
           </a:p>
@@ -5568,7 +5677,7 @@
           <a:p>
             <a:fld id="{BC963854-0500-4533-9B56-A93F0BB014C2}" type="datetimeFigureOut">
               <a:rPr lang="en-US" smtClean="0"/>
-              <a:t>3/20/2025</a:t>
+              <a:t>3/21/2025</a:t>
             </a:fld>
             <a:endParaRPr lang="en-US"/>
           </a:p>
@@ -5913,7 +6022,7 @@
           <a:p>
             <a:fld id="{BC963854-0500-4533-9B56-A93F0BB014C2}" type="datetimeFigureOut">
               <a:rPr lang="en-US" smtClean="0"/>
-              <a:t>3/20/2025</a:t>
+              <a:t>3/21/2025</a:t>
             </a:fld>
             <a:endParaRPr lang="en-US"/>
           </a:p>
@@ -8030,7 +8139,7 @@
           <a:p>
             <a:fld id="{BC963854-0500-4533-9B56-A93F0BB014C2}" type="datetimeFigureOut">
               <a:rPr lang="en-US" smtClean="0"/>
-              <a:t>3/20/2025</a:t>
+              <a:t>3/21/2025</a:t>
             </a:fld>
             <a:endParaRPr lang="en-US"/>
           </a:p>
@@ -10244,6 +10353,365 @@
     <p:extLst>
       <p:ext uri="{BB962C8B-B14F-4D97-AF65-F5344CB8AC3E}">
         <p14:creationId xmlns:p14="http://schemas.microsoft.com/office/powerpoint/2010/main" val="495530271"/>
+      </p:ext>
+    </p:extLst>
+  </p:cSld>
+  <p:clrMapOvr>
+    <a:masterClrMapping/>
+  </p:clrMapOvr>
+</p:sld>
+</file>
+
+<file path=ppt/slides/slide6.xml><?xml version="1.0" encoding="utf-8"?>
+<p:sld xmlns:a="http://schemas.openxmlformats.org/drawingml/2006/main" xmlns:r="http://schemas.openxmlformats.org/officeDocument/2006/relationships" xmlns:p="http://schemas.openxmlformats.org/presentationml/2006/main">
+  <p:cSld>
+    <p:spTree>
+      <p:nvGrpSpPr>
+        <p:cNvPr id="1" name="">
+          <a:extLst>
+            <a:ext uri="{FF2B5EF4-FFF2-40B4-BE49-F238E27FC236}">
+              <a16:creationId xmlns:a16="http://schemas.microsoft.com/office/drawing/2014/main" id="{BD91E12D-6D02-E9B2-F811-06087B1BB89C}"/>
+            </a:ext>
+          </a:extLst>
+        </p:cNvPr>
+        <p:cNvGrpSpPr/>
+        <p:nvPr/>
+      </p:nvGrpSpPr>
+      <p:grpSpPr>
+        <a:xfrm>
+          <a:off x="0" y="0"/>
+          <a:ext cx="0" cy="0"/>
+          <a:chOff x="0" y="0"/>
+          <a:chExt cx="0" cy="0"/>
+        </a:xfrm>
+      </p:grpSpPr>
+      <p:sp>
+        <p:nvSpPr>
+          <p:cNvPr id="3" name="Content Placeholder 2">
+            <a:extLst>
+              <a:ext uri="{FF2B5EF4-FFF2-40B4-BE49-F238E27FC236}">
+                <a16:creationId xmlns:a16="http://schemas.microsoft.com/office/drawing/2014/main" id="{2619F54F-4F89-C124-8F41-35DC09D1823E}"/>
+              </a:ext>
+            </a:extLst>
+          </p:cNvPr>
+          <p:cNvSpPr>
+            <a:spLocks noGrp="1"/>
+          </p:cNvSpPr>
+          <p:nvPr>
+            <p:ph idx="1"/>
+          </p:nvPr>
+        </p:nvSpPr>
+        <p:spPr>
+          <a:xfrm>
+            <a:off x="1946832" y="1307592"/>
+            <a:ext cx="10095815" cy="5120640"/>
+          </a:xfrm>
+        </p:spPr>
+        <p:txBody>
+          <a:bodyPr>
+            <a:normAutofit/>
+          </a:bodyPr>
+          <a:lstStyle/>
+          <a:p>
+            <a:pPr marL="0" indent="0" algn="ctr">
+              <a:buNone/>
+            </a:pPr>
+            <a:r>
+              <a:rPr lang="en-US" sz="3200" b="1" dirty="0" err="1">
+                <a:latin typeface="Times New Roman" panose="02020603050405020304" pitchFamily="18" charset="0"/>
+                <a:cs typeface="Times New Roman" panose="02020603050405020304" pitchFamily="18" charset="0"/>
+              </a:rPr>
+              <a:t>NeoCortex</a:t>
+            </a:r>
+            <a:r>
+              <a:rPr lang="en-US" sz="3200" b="1" dirty="0">
+                <a:latin typeface="Times New Roman" panose="02020603050405020304" pitchFamily="18" charset="0"/>
+                <a:cs typeface="Times New Roman" panose="02020603050405020304" pitchFamily="18" charset="0"/>
+              </a:rPr>
+              <a:t> API</a:t>
+            </a:r>
+          </a:p>
+          <a:p>
+            <a:pPr marL="0" indent="0">
+              <a:buNone/>
+            </a:pPr>
+            <a:endParaRPr lang="en-US" dirty="0">
+              <a:latin typeface="Times New Roman" panose="02020603050405020304" pitchFamily="18" charset="0"/>
+              <a:cs typeface="Times New Roman" panose="02020603050405020304" pitchFamily="18" charset="0"/>
+            </a:endParaRPr>
+          </a:p>
+          <a:p>
+            <a:pPr>
+              <a:buFont typeface="Wingdings" panose="05000000000000000000" pitchFamily="2" charset="2"/>
+              <a:buChar char="Ø"/>
+            </a:pPr>
+            <a:r>
+              <a:rPr lang="en-US" dirty="0" err="1">
+                <a:latin typeface="Times New Roman" panose="02020603050405020304" pitchFamily="18" charset="0"/>
+                <a:cs typeface="Times New Roman" panose="02020603050405020304" pitchFamily="18" charset="0"/>
+              </a:rPr>
+              <a:t>NeoCortex</a:t>
+            </a:r>
+            <a:r>
+              <a:rPr lang="en-US" dirty="0">
+                <a:latin typeface="Times New Roman" panose="02020603050405020304" pitchFamily="18" charset="0"/>
+                <a:cs typeface="Times New Roman" panose="02020603050405020304" pitchFamily="18" charset="0"/>
+              </a:rPr>
+              <a:t> API is an advanced AI-driven framework designed for cognitive computing.</a:t>
+            </a:r>
+          </a:p>
+          <a:p>
+            <a:pPr>
+              <a:buFont typeface="Wingdings" panose="05000000000000000000" pitchFamily="2" charset="2"/>
+              <a:buChar char="Ø"/>
+            </a:pPr>
+            <a:r>
+              <a:rPr lang="en-US" dirty="0">
+                <a:latin typeface="Times New Roman" panose="02020603050405020304" pitchFamily="18" charset="0"/>
+                <a:cs typeface="Times New Roman" panose="02020603050405020304" pitchFamily="18" charset="0"/>
+              </a:rPr>
+              <a:t>It mimics the human neocortex, enabling intelligent decision-making and pattern recognition.</a:t>
+            </a:r>
+          </a:p>
+          <a:p>
+            <a:pPr>
+              <a:buFont typeface="Wingdings" panose="05000000000000000000" pitchFamily="2" charset="2"/>
+              <a:buChar char="Ø"/>
+            </a:pPr>
+            <a:r>
+              <a:rPr lang="en-US" dirty="0">
+                <a:latin typeface="Times New Roman" panose="02020603050405020304" pitchFamily="18" charset="0"/>
+                <a:cs typeface="Times New Roman" panose="02020603050405020304" pitchFamily="18" charset="0"/>
+              </a:rPr>
+              <a:t>The implementation of the Hierarchical Temporal Memory Cortical Learning Algorithm is the main emphasis of </a:t>
+            </a:r>
+            <a:r>
+              <a:rPr lang="en-US" dirty="0" err="1">
+                <a:latin typeface="Times New Roman" panose="02020603050405020304" pitchFamily="18" charset="0"/>
+                <a:cs typeface="Times New Roman" panose="02020603050405020304" pitchFamily="18" charset="0"/>
+              </a:rPr>
+              <a:t>NeoCortex</a:t>
+            </a:r>
+            <a:r>
+              <a:rPr lang="en-US" dirty="0">
+                <a:latin typeface="Times New Roman" panose="02020603050405020304" pitchFamily="18" charset="0"/>
+                <a:cs typeface="Times New Roman" panose="02020603050405020304" pitchFamily="18" charset="0"/>
+              </a:rPr>
+              <a:t> API.</a:t>
+            </a:r>
+          </a:p>
+          <a:p>
+            <a:pPr>
+              <a:buFont typeface="Wingdings" panose="05000000000000000000" pitchFamily="2" charset="2"/>
+              <a:buChar char="Ø"/>
+            </a:pPr>
+            <a:r>
+              <a:rPr lang="en-US" dirty="0">
+                <a:latin typeface="Times New Roman" panose="02020603050405020304" pitchFamily="18" charset="0"/>
+                <a:cs typeface="Times New Roman" panose="02020603050405020304" pitchFamily="18" charset="0"/>
+              </a:rPr>
+              <a:t>Spatial pooling, temporal memory, sequence learning, and anomaly detection are among the HTM algorithms that are supported.</a:t>
+            </a:r>
+          </a:p>
+          <a:p>
+            <a:pPr>
+              <a:buFont typeface="Wingdings" panose="05000000000000000000" pitchFamily="2" charset="2"/>
+              <a:buChar char="Ø"/>
+            </a:pPr>
+            <a:r>
+              <a:rPr lang="en-US" dirty="0">
+                <a:latin typeface="Times New Roman" panose="02020603050405020304" pitchFamily="18" charset="0"/>
+                <a:cs typeface="Times New Roman" panose="02020603050405020304" pitchFamily="18" charset="0"/>
+              </a:rPr>
+              <a:t>Sensory Input Processing: Encodes data into sparse distributed representations (SDRs).</a:t>
+            </a:r>
+          </a:p>
+          <a:p>
+            <a:pPr>
+              <a:buFont typeface="Wingdings" panose="05000000000000000000" pitchFamily="2" charset="2"/>
+              <a:buChar char="Ø"/>
+            </a:pPr>
+            <a:r>
+              <a:rPr lang="en-US" dirty="0">
+                <a:latin typeface="Times New Roman" panose="02020603050405020304" pitchFamily="18" charset="0"/>
+                <a:cs typeface="Times New Roman" panose="02020603050405020304" pitchFamily="18" charset="0"/>
+              </a:rPr>
+              <a:t>Learning and Inference: Enables real-time learning, prediction, and anomaly detection</a:t>
+            </a:r>
+          </a:p>
+          <a:p>
+            <a:pPr marL="0" indent="0">
+              <a:buNone/>
+            </a:pPr>
+            <a:endParaRPr lang="en-US" dirty="0">
+              <a:latin typeface="Times New Roman" panose="02020603050405020304" pitchFamily="18" charset="0"/>
+              <a:cs typeface="Times New Roman" panose="02020603050405020304" pitchFamily="18" charset="0"/>
+            </a:endParaRPr>
+          </a:p>
+          <a:p>
+            <a:pPr>
+              <a:buFont typeface="Wingdings" panose="05000000000000000000" pitchFamily="2" charset="2"/>
+              <a:buChar char="Ø"/>
+            </a:pPr>
+            <a:endParaRPr lang="en-US" dirty="0">
+              <a:latin typeface="Times New Roman" panose="02020603050405020304" pitchFamily="18" charset="0"/>
+              <a:cs typeface="Times New Roman" panose="02020603050405020304" pitchFamily="18" charset="0"/>
+            </a:endParaRPr>
+          </a:p>
+          <a:p>
+            <a:pPr>
+              <a:buFont typeface="Wingdings" panose="05000000000000000000" pitchFamily="2" charset="2"/>
+              <a:buChar char="Ø"/>
+            </a:pPr>
+            <a:endParaRPr lang="en-US" dirty="0"/>
+          </a:p>
+          <a:p>
+            <a:pPr>
+              <a:buFont typeface="Wingdings" panose="05000000000000000000" pitchFamily="2" charset="2"/>
+              <a:buChar char="Ø"/>
+            </a:pPr>
+            <a:endParaRPr lang="en-US" dirty="0">
+              <a:latin typeface="Times New Roman" panose="02020603050405020304" pitchFamily="18" charset="0"/>
+              <a:cs typeface="Times New Roman" panose="02020603050405020304" pitchFamily="18" charset="0"/>
+            </a:endParaRPr>
+          </a:p>
+          <a:p>
+            <a:pPr>
+              <a:buFont typeface="Wingdings" panose="05000000000000000000" pitchFamily="2" charset="2"/>
+              <a:buChar char="q"/>
+            </a:pPr>
+            <a:endParaRPr lang="en-US" dirty="0">
+              <a:latin typeface="Times New Roman" panose="02020603050405020304" pitchFamily="18" charset="0"/>
+              <a:cs typeface="Times New Roman" panose="02020603050405020304" pitchFamily="18" charset="0"/>
+            </a:endParaRPr>
+          </a:p>
+        </p:txBody>
+      </p:sp>
+      <p:pic>
+        <p:nvPicPr>
+          <p:cNvPr id="4" name="Picture 3">
+            <a:extLst>
+              <a:ext uri="{FF2B5EF4-FFF2-40B4-BE49-F238E27FC236}">
+                <a16:creationId xmlns:a16="http://schemas.microsoft.com/office/drawing/2014/main" id="{8AA142FB-5E2E-2708-E91E-2FC4F7323C8C}"/>
+              </a:ext>
+            </a:extLst>
+          </p:cNvPr>
+          <p:cNvPicPr/>
+          <p:nvPr/>
+        </p:nvPicPr>
+        <p:blipFill>
+          <a:blip r:embed="rId3">
+            <a:extLst>
+              <a:ext uri="{BEBA8EAE-BF5A-486C-A8C5-ECC9F3942E4B}">
+                <a14:imgProps xmlns:a14="http://schemas.microsoft.com/office/drawing/2010/main">
+                  <a14:imgLayer r:embed="rId4">
+                    <a14:imgEffect>
+                      <a14:sharpenSoften amount="25000"/>
+                    </a14:imgEffect>
+                  </a14:imgLayer>
+                </a14:imgProps>
+              </a:ext>
+            </a:extLst>
+          </a:blip>
+          <a:stretch>
+            <a:fillRect/>
+          </a:stretch>
+        </p:blipFill>
+        <p:spPr>
+          <a:xfrm>
+            <a:off x="9854048" y="172261"/>
+            <a:ext cx="2016370" cy="1062110"/>
+          </a:xfrm>
+          <a:prstGeom prst="rect">
+            <a:avLst/>
+          </a:prstGeom>
+          <a:effectLst/>
+        </p:spPr>
+      </p:pic>
+      <p:sp>
+        <p:nvSpPr>
+          <p:cNvPr id="5" name="TextBox 4">
+            <a:extLst>
+              <a:ext uri="{FF2B5EF4-FFF2-40B4-BE49-F238E27FC236}">
+                <a16:creationId xmlns:a16="http://schemas.microsoft.com/office/drawing/2014/main" id="{A3C0098F-4750-055D-B77A-E326DFEC5CB8}"/>
+              </a:ext>
+            </a:extLst>
+          </p:cNvPr>
+          <p:cNvSpPr txBox="1"/>
+          <p:nvPr/>
+        </p:nvSpPr>
+        <p:spPr>
+          <a:xfrm>
+            <a:off x="79217" y="6503580"/>
+            <a:ext cx="8005527" cy="246221"/>
+          </a:xfrm>
+          <a:prstGeom prst="rect">
+            <a:avLst/>
+          </a:prstGeom>
+          <a:noFill/>
+        </p:spPr>
+        <p:txBody>
+          <a:bodyPr wrap="square">
+            <a:spAutoFit/>
+          </a:bodyPr>
+          <a:lstStyle/>
+          <a:p>
+            <a:pPr>
+              <a:spcAft>
+                <a:spcPts val="600"/>
+              </a:spcAft>
+            </a:pPr>
+            <a:r>
+              <a:rPr lang="en" sz="1000" dirty="0">
+                <a:latin typeface="Times New Roman" panose="02020603050405020304" pitchFamily="18" charset="0"/>
+                <a:cs typeface="Times New Roman" panose="02020603050405020304" pitchFamily="18" charset="0"/>
+                <a:sym typeface="Lato"/>
+              </a:rPr>
+              <a:t>M.Eng. Information Technology WS24-25/ </a:t>
+            </a:r>
+            <a:r>
+              <a:rPr lang="en-US" sz="1000" dirty="0">
+                <a:latin typeface="Times New Roman" panose="02020603050405020304" pitchFamily="18" charset="0"/>
+                <a:cs typeface="Times New Roman" panose="02020603050405020304" pitchFamily="18" charset="0"/>
+              </a:rPr>
+              <a:t>Damir </a:t>
+            </a:r>
+            <a:r>
+              <a:rPr lang="en-US" sz="1000" dirty="0" err="1">
+                <a:latin typeface="Times New Roman" panose="02020603050405020304" pitchFamily="18" charset="0"/>
+                <a:cs typeface="Times New Roman" panose="02020603050405020304" pitchFamily="18" charset="0"/>
+              </a:rPr>
+              <a:t>Dobric</a:t>
+            </a:r>
+            <a:r>
+              <a:rPr lang="en-US" sz="1000" dirty="0">
+                <a:latin typeface="Times New Roman" panose="02020603050405020304" pitchFamily="18" charset="0"/>
+                <a:cs typeface="Times New Roman" panose="02020603050405020304" pitchFamily="18" charset="0"/>
+              </a:rPr>
+              <a:t> &amp; Andreas Pech</a:t>
+            </a:r>
+            <a:r>
+              <a:rPr lang="en" sz="1000" dirty="0">
+                <a:latin typeface="Times New Roman" panose="02020603050405020304" pitchFamily="18" charset="0"/>
+                <a:cs typeface="Times New Roman" panose="02020603050405020304" pitchFamily="18" charset="0"/>
+                <a:sym typeface="Lato"/>
+              </a:rPr>
+              <a:t>/ </a:t>
+            </a:r>
+            <a:r>
+              <a:rPr lang="en-US" sz="1000" dirty="0">
+                <a:latin typeface="Times New Roman" panose="02020603050405020304" pitchFamily="18" charset="0"/>
+                <a:cs typeface="Times New Roman" panose="02020603050405020304" pitchFamily="18" charset="0"/>
+              </a:rPr>
+              <a:t>Module Software Engineering</a:t>
+            </a:r>
+          </a:p>
+        </p:txBody>
+      </p:sp>
+    </p:spTree>
+    <p:extLst>
+      <p:ext uri="{BB962C8B-B14F-4D97-AF65-F5344CB8AC3E}">
+        <p14:creationId xmlns:p14="http://schemas.microsoft.com/office/powerpoint/2010/main" val="622684063"/>
       </p:ext>
     </p:extLst>
   </p:cSld>

--- a/source/MySEProject/Documentation/PresentationFile_CodeHive.pptx
+++ b/source/MySEProject/Documentation/PresentationFile_CodeHive.pptx
@@ -5,7 +5,7 @@
     <p:sldMasterId id="2147483690" r:id="rId1"/>
   </p:sldMasterIdLst>
   <p:notesMasterIdLst>
-    <p:notesMasterId r:id="rId8"/>
+    <p:notesMasterId r:id="rId10"/>
   </p:notesMasterIdLst>
   <p:sldIdLst>
     <p:sldId id="256" r:id="rId2"/>
@@ -14,6 +14,8 @@
     <p:sldId id="259" r:id="rId5"/>
     <p:sldId id="260" r:id="rId6"/>
     <p:sldId id="261" r:id="rId7"/>
+    <p:sldId id="262" r:id="rId8"/>
+    <p:sldId id="263" r:id="rId9"/>
   </p:sldIdLst>
   <p:sldSz cx="12192000" cy="6858000"/>
   <p:notesSz cx="6858000" cy="9144000"/>
@@ -1084,6 +1086,222 @@
     <p:extLst>
       <p:ext uri="{BB962C8B-B14F-4D97-AF65-F5344CB8AC3E}">
         <p14:creationId xmlns:p14="http://schemas.microsoft.com/office/powerpoint/2010/main" val="1470008400"/>
+      </p:ext>
+    </p:extLst>
+  </p:cSld>
+  <p:clrMapOvr>
+    <a:masterClrMapping/>
+  </p:clrMapOvr>
+</p:notes>
+</file>
+
+<file path=ppt/notesSlides/notesSlide7.xml><?xml version="1.0" encoding="utf-8"?>
+<p:notes xmlns:a="http://schemas.openxmlformats.org/drawingml/2006/main" xmlns:r="http://schemas.openxmlformats.org/officeDocument/2006/relationships" xmlns:p="http://schemas.openxmlformats.org/presentationml/2006/main">
+  <p:cSld>
+    <p:spTree>
+      <p:nvGrpSpPr>
+        <p:cNvPr id="1" name="">
+          <a:extLst>
+            <a:ext uri="{FF2B5EF4-FFF2-40B4-BE49-F238E27FC236}">
+              <a16:creationId xmlns:a16="http://schemas.microsoft.com/office/drawing/2014/main" id="{E3E71FFD-10CE-7489-574E-367DC18A054F}"/>
+            </a:ext>
+          </a:extLst>
+        </p:cNvPr>
+        <p:cNvGrpSpPr/>
+        <p:nvPr/>
+      </p:nvGrpSpPr>
+      <p:grpSpPr>
+        <a:xfrm>
+          <a:off x="0" y="0"/>
+          <a:ext cx="0" cy="0"/>
+          <a:chOff x="0" y="0"/>
+          <a:chExt cx="0" cy="0"/>
+        </a:xfrm>
+      </p:grpSpPr>
+      <p:sp>
+        <p:nvSpPr>
+          <p:cNvPr id="2" name="Slide Image Placeholder 1">
+            <a:extLst>
+              <a:ext uri="{FF2B5EF4-FFF2-40B4-BE49-F238E27FC236}">
+                <a16:creationId xmlns:a16="http://schemas.microsoft.com/office/drawing/2014/main" id="{40DD3C79-1D89-F81D-2DA7-303B739EF9E3}"/>
+              </a:ext>
+            </a:extLst>
+          </p:cNvPr>
+          <p:cNvSpPr>
+            <a:spLocks noGrp="1" noRot="1" noChangeAspect="1"/>
+          </p:cNvSpPr>
+          <p:nvPr>
+            <p:ph type="sldImg"/>
+          </p:nvPr>
+        </p:nvSpPr>
+        <p:spPr/>
+      </p:sp>
+      <p:sp>
+        <p:nvSpPr>
+          <p:cNvPr id="3" name="Notes Placeholder 2">
+            <a:extLst>
+              <a:ext uri="{FF2B5EF4-FFF2-40B4-BE49-F238E27FC236}">
+                <a16:creationId xmlns:a16="http://schemas.microsoft.com/office/drawing/2014/main" id="{76CAB217-6D70-09B7-8B54-CB8598B43642}"/>
+              </a:ext>
+            </a:extLst>
+          </p:cNvPr>
+          <p:cNvSpPr>
+            <a:spLocks noGrp="1"/>
+          </p:cNvSpPr>
+          <p:nvPr>
+            <p:ph type="body" idx="1"/>
+          </p:nvPr>
+        </p:nvSpPr>
+        <p:spPr/>
+        <p:txBody>
+          <a:bodyPr/>
+          <a:lstStyle/>
+          <a:p>
+            <a:endParaRPr lang="en-US" dirty="0"/>
+          </a:p>
+        </p:txBody>
+      </p:sp>
+      <p:sp>
+        <p:nvSpPr>
+          <p:cNvPr id="4" name="Slide Number Placeholder 3">
+            <a:extLst>
+              <a:ext uri="{FF2B5EF4-FFF2-40B4-BE49-F238E27FC236}">
+                <a16:creationId xmlns:a16="http://schemas.microsoft.com/office/drawing/2014/main" id="{EEC8D106-D1D5-1266-C346-7AA8F3A1B6C0}"/>
+              </a:ext>
+            </a:extLst>
+          </p:cNvPr>
+          <p:cNvSpPr>
+            <a:spLocks noGrp="1"/>
+          </p:cNvSpPr>
+          <p:nvPr>
+            <p:ph type="sldNum" sz="quarter" idx="5"/>
+          </p:nvPr>
+        </p:nvSpPr>
+        <p:spPr/>
+        <p:txBody>
+          <a:bodyPr/>
+          <a:lstStyle/>
+          <a:p>
+            <a:fld id="{26333FCC-1B27-4A92-A25F-707628B9A49F}" type="slidenum">
+              <a:rPr lang="en-US" smtClean="0"/>
+              <a:t>7</a:t>
+            </a:fld>
+            <a:endParaRPr lang="en-US"/>
+          </a:p>
+        </p:txBody>
+      </p:sp>
+    </p:spTree>
+    <p:extLst>
+      <p:ext uri="{BB962C8B-B14F-4D97-AF65-F5344CB8AC3E}">
+        <p14:creationId xmlns:p14="http://schemas.microsoft.com/office/powerpoint/2010/main" val="351219931"/>
+      </p:ext>
+    </p:extLst>
+  </p:cSld>
+  <p:clrMapOvr>
+    <a:masterClrMapping/>
+  </p:clrMapOvr>
+</p:notes>
+</file>
+
+<file path=ppt/notesSlides/notesSlide8.xml><?xml version="1.0" encoding="utf-8"?>
+<p:notes xmlns:a="http://schemas.openxmlformats.org/drawingml/2006/main" xmlns:r="http://schemas.openxmlformats.org/officeDocument/2006/relationships" xmlns:p="http://schemas.openxmlformats.org/presentationml/2006/main">
+  <p:cSld>
+    <p:spTree>
+      <p:nvGrpSpPr>
+        <p:cNvPr id="1" name="">
+          <a:extLst>
+            <a:ext uri="{FF2B5EF4-FFF2-40B4-BE49-F238E27FC236}">
+              <a16:creationId xmlns:a16="http://schemas.microsoft.com/office/drawing/2014/main" id="{7D427067-020C-B1C1-7359-A5B5C9678650}"/>
+            </a:ext>
+          </a:extLst>
+        </p:cNvPr>
+        <p:cNvGrpSpPr/>
+        <p:nvPr/>
+      </p:nvGrpSpPr>
+      <p:grpSpPr>
+        <a:xfrm>
+          <a:off x="0" y="0"/>
+          <a:ext cx="0" cy="0"/>
+          <a:chOff x="0" y="0"/>
+          <a:chExt cx="0" cy="0"/>
+        </a:xfrm>
+      </p:grpSpPr>
+      <p:sp>
+        <p:nvSpPr>
+          <p:cNvPr id="2" name="Slide Image Placeholder 1">
+            <a:extLst>
+              <a:ext uri="{FF2B5EF4-FFF2-40B4-BE49-F238E27FC236}">
+                <a16:creationId xmlns:a16="http://schemas.microsoft.com/office/drawing/2014/main" id="{94F2D1F3-A762-9661-E6C4-89751F5B6BE4}"/>
+              </a:ext>
+            </a:extLst>
+          </p:cNvPr>
+          <p:cNvSpPr>
+            <a:spLocks noGrp="1" noRot="1" noChangeAspect="1"/>
+          </p:cNvSpPr>
+          <p:nvPr>
+            <p:ph type="sldImg"/>
+          </p:nvPr>
+        </p:nvSpPr>
+        <p:spPr/>
+      </p:sp>
+      <p:sp>
+        <p:nvSpPr>
+          <p:cNvPr id="3" name="Notes Placeholder 2">
+            <a:extLst>
+              <a:ext uri="{FF2B5EF4-FFF2-40B4-BE49-F238E27FC236}">
+                <a16:creationId xmlns:a16="http://schemas.microsoft.com/office/drawing/2014/main" id="{72AABDE4-54E4-B12A-7CE1-3B66FB8474BE}"/>
+              </a:ext>
+            </a:extLst>
+          </p:cNvPr>
+          <p:cNvSpPr>
+            <a:spLocks noGrp="1"/>
+          </p:cNvSpPr>
+          <p:nvPr>
+            <p:ph type="body" idx="1"/>
+          </p:nvPr>
+        </p:nvSpPr>
+        <p:spPr/>
+        <p:txBody>
+          <a:bodyPr/>
+          <a:lstStyle/>
+          <a:p>
+            <a:endParaRPr lang="en-US" dirty="0"/>
+          </a:p>
+        </p:txBody>
+      </p:sp>
+      <p:sp>
+        <p:nvSpPr>
+          <p:cNvPr id="4" name="Slide Number Placeholder 3">
+            <a:extLst>
+              <a:ext uri="{FF2B5EF4-FFF2-40B4-BE49-F238E27FC236}">
+                <a16:creationId xmlns:a16="http://schemas.microsoft.com/office/drawing/2014/main" id="{C1D3C11C-3C75-D843-3B17-D5914D5F1E86}"/>
+              </a:ext>
+            </a:extLst>
+          </p:cNvPr>
+          <p:cNvSpPr>
+            <a:spLocks noGrp="1"/>
+          </p:cNvSpPr>
+          <p:nvPr>
+            <p:ph type="sldNum" sz="quarter" idx="5"/>
+          </p:nvPr>
+        </p:nvSpPr>
+        <p:spPr/>
+        <p:txBody>
+          <a:bodyPr/>
+          <a:lstStyle/>
+          <a:p>
+            <a:fld id="{26333FCC-1B27-4A92-A25F-707628B9A49F}" type="slidenum">
+              <a:rPr lang="en-US" smtClean="0"/>
+              <a:t>8</a:t>
+            </a:fld>
+            <a:endParaRPr lang="en-US"/>
+          </a:p>
+        </p:txBody>
+      </p:sp>
+    </p:spTree>
+    <p:extLst>
+      <p:ext uri="{BB962C8B-B14F-4D97-AF65-F5344CB8AC3E}">
+        <p14:creationId xmlns:p14="http://schemas.microsoft.com/office/powerpoint/2010/main" val="940313748"/>
       </p:ext>
     </p:extLst>
   </p:cSld>
@@ -10712,6 +10930,548 @@
     <p:extLst>
       <p:ext uri="{BB962C8B-B14F-4D97-AF65-F5344CB8AC3E}">
         <p14:creationId xmlns:p14="http://schemas.microsoft.com/office/powerpoint/2010/main" val="622684063"/>
+      </p:ext>
+    </p:extLst>
+  </p:cSld>
+  <p:clrMapOvr>
+    <a:masterClrMapping/>
+  </p:clrMapOvr>
+</p:sld>
+</file>
+
+<file path=ppt/slides/slide7.xml><?xml version="1.0" encoding="utf-8"?>
+<p:sld xmlns:a="http://schemas.openxmlformats.org/drawingml/2006/main" xmlns:r="http://schemas.openxmlformats.org/officeDocument/2006/relationships" xmlns:p="http://schemas.openxmlformats.org/presentationml/2006/main">
+  <p:cSld>
+    <p:spTree>
+      <p:nvGrpSpPr>
+        <p:cNvPr id="1" name="">
+          <a:extLst>
+            <a:ext uri="{FF2B5EF4-FFF2-40B4-BE49-F238E27FC236}">
+              <a16:creationId xmlns:a16="http://schemas.microsoft.com/office/drawing/2014/main" id="{B883D3DF-2512-096C-94B4-7C6AC0C7DFFE}"/>
+            </a:ext>
+          </a:extLst>
+        </p:cNvPr>
+        <p:cNvGrpSpPr/>
+        <p:nvPr/>
+      </p:nvGrpSpPr>
+      <p:grpSpPr>
+        <a:xfrm>
+          <a:off x="0" y="0"/>
+          <a:ext cx="0" cy="0"/>
+          <a:chOff x="0" y="0"/>
+          <a:chExt cx="0" cy="0"/>
+        </a:xfrm>
+      </p:grpSpPr>
+      <p:sp>
+        <p:nvSpPr>
+          <p:cNvPr id="3" name="Content Placeholder 2">
+            <a:extLst>
+              <a:ext uri="{FF2B5EF4-FFF2-40B4-BE49-F238E27FC236}">
+                <a16:creationId xmlns:a16="http://schemas.microsoft.com/office/drawing/2014/main" id="{3E590718-6B25-15FC-1D80-4836BBC9C890}"/>
+              </a:ext>
+            </a:extLst>
+          </p:cNvPr>
+          <p:cNvSpPr>
+            <a:spLocks noGrp="1"/>
+          </p:cNvSpPr>
+          <p:nvPr>
+            <p:ph idx="1"/>
+          </p:nvPr>
+        </p:nvSpPr>
+        <p:spPr>
+          <a:xfrm>
+            <a:off x="1946832" y="1307592"/>
+            <a:ext cx="10095815" cy="5120640"/>
+          </a:xfrm>
+        </p:spPr>
+        <p:txBody>
+          <a:bodyPr>
+            <a:normAutofit/>
+          </a:bodyPr>
+          <a:lstStyle/>
+          <a:p>
+            <a:pPr marL="0" indent="0" algn="ctr">
+              <a:buNone/>
+            </a:pPr>
+            <a:r>
+              <a:rPr lang="en-US" sz="3200" b="1" dirty="0">
+                <a:latin typeface="Times New Roman" panose="02020603050405020304" pitchFamily="18" charset="0"/>
+                <a:cs typeface="Times New Roman" panose="02020603050405020304" pitchFamily="18" charset="0"/>
+              </a:rPr>
+              <a:t>Methodology</a:t>
+            </a:r>
+          </a:p>
+          <a:p>
+            <a:pPr marL="0" indent="0">
+              <a:buNone/>
+            </a:pPr>
+            <a:endParaRPr lang="en-US" dirty="0">
+              <a:latin typeface="Times New Roman" panose="02020603050405020304" pitchFamily="18" charset="0"/>
+              <a:cs typeface="Times New Roman" panose="02020603050405020304" pitchFamily="18" charset="0"/>
+            </a:endParaRPr>
+          </a:p>
+          <a:p>
+            <a:pPr marL="0" indent="0">
+              <a:buNone/>
+            </a:pPr>
+            <a:endParaRPr lang="en-US" dirty="0">
+              <a:latin typeface="Times New Roman" panose="02020603050405020304" pitchFamily="18" charset="0"/>
+              <a:cs typeface="Times New Roman" panose="02020603050405020304" pitchFamily="18" charset="0"/>
+            </a:endParaRPr>
+          </a:p>
+          <a:p>
+            <a:pPr>
+              <a:buFont typeface="Wingdings" panose="05000000000000000000" pitchFamily="2" charset="2"/>
+              <a:buChar char="Ø"/>
+            </a:pPr>
+            <a:endParaRPr lang="en-US" dirty="0">
+              <a:latin typeface="Times New Roman" panose="02020603050405020304" pitchFamily="18" charset="0"/>
+              <a:cs typeface="Times New Roman" panose="02020603050405020304" pitchFamily="18" charset="0"/>
+            </a:endParaRPr>
+          </a:p>
+          <a:p>
+            <a:pPr>
+              <a:buFont typeface="Wingdings" panose="05000000000000000000" pitchFamily="2" charset="2"/>
+              <a:buChar char="Ø"/>
+            </a:pPr>
+            <a:endParaRPr lang="en-US" dirty="0"/>
+          </a:p>
+          <a:p>
+            <a:pPr>
+              <a:buFont typeface="Wingdings" panose="05000000000000000000" pitchFamily="2" charset="2"/>
+              <a:buChar char="Ø"/>
+            </a:pPr>
+            <a:endParaRPr lang="en-US" dirty="0">
+              <a:latin typeface="Times New Roman" panose="02020603050405020304" pitchFamily="18" charset="0"/>
+              <a:cs typeface="Times New Roman" panose="02020603050405020304" pitchFamily="18" charset="0"/>
+            </a:endParaRPr>
+          </a:p>
+          <a:p>
+            <a:pPr>
+              <a:buFont typeface="Wingdings" panose="05000000000000000000" pitchFamily="2" charset="2"/>
+              <a:buChar char="q"/>
+            </a:pPr>
+            <a:endParaRPr lang="en-US" dirty="0">
+              <a:latin typeface="Times New Roman" panose="02020603050405020304" pitchFamily="18" charset="0"/>
+              <a:cs typeface="Times New Roman" panose="02020603050405020304" pitchFamily="18" charset="0"/>
+            </a:endParaRPr>
+          </a:p>
+        </p:txBody>
+      </p:sp>
+      <p:pic>
+        <p:nvPicPr>
+          <p:cNvPr id="4" name="Picture 3">
+            <a:extLst>
+              <a:ext uri="{FF2B5EF4-FFF2-40B4-BE49-F238E27FC236}">
+                <a16:creationId xmlns:a16="http://schemas.microsoft.com/office/drawing/2014/main" id="{D19B4733-92FA-ACF1-52EA-9AEF62A24E2F}"/>
+              </a:ext>
+            </a:extLst>
+          </p:cNvPr>
+          <p:cNvPicPr/>
+          <p:nvPr/>
+        </p:nvPicPr>
+        <p:blipFill>
+          <a:blip r:embed="rId3">
+            <a:extLst>
+              <a:ext uri="{BEBA8EAE-BF5A-486C-A8C5-ECC9F3942E4B}">
+                <a14:imgProps xmlns:a14="http://schemas.microsoft.com/office/drawing/2010/main">
+                  <a14:imgLayer r:embed="rId4">
+                    <a14:imgEffect>
+                      <a14:sharpenSoften amount="25000"/>
+                    </a14:imgEffect>
+                  </a14:imgLayer>
+                </a14:imgProps>
+              </a:ext>
+            </a:extLst>
+          </a:blip>
+          <a:stretch>
+            <a:fillRect/>
+          </a:stretch>
+        </p:blipFill>
+        <p:spPr>
+          <a:xfrm>
+            <a:off x="9854048" y="172261"/>
+            <a:ext cx="2016370" cy="1062110"/>
+          </a:xfrm>
+          <a:prstGeom prst="rect">
+            <a:avLst/>
+          </a:prstGeom>
+          <a:effectLst/>
+        </p:spPr>
+      </p:pic>
+      <p:sp>
+        <p:nvSpPr>
+          <p:cNvPr id="5" name="TextBox 4">
+            <a:extLst>
+              <a:ext uri="{FF2B5EF4-FFF2-40B4-BE49-F238E27FC236}">
+                <a16:creationId xmlns:a16="http://schemas.microsoft.com/office/drawing/2014/main" id="{BA8E505D-1C76-BEDE-8A0A-96F592CBE0AC}"/>
+              </a:ext>
+            </a:extLst>
+          </p:cNvPr>
+          <p:cNvSpPr txBox="1"/>
+          <p:nvPr/>
+        </p:nvSpPr>
+        <p:spPr>
+          <a:xfrm>
+            <a:off x="79217" y="6503580"/>
+            <a:ext cx="8005527" cy="246221"/>
+          </a:xfrm>
+          <a:prstGeom prst="rect">
+            <a:avLst/>
+          </a:prstGeom>
+          <a:noFill/>
+        </p:spPr>
+        <p:txBody>
+          <a:bodyPr wrap="square">
+            <a:spAutoFit/>
+          </a:bodyPr>
+          <a:lstStyle/>
+          <a:p>
+            <a:pPr>
+              <a:spcAft>
+                <a:spcPts val="600"/>
+              </a:spcAft>
+            </a:pPr>
+            <a:r>
+              <a:rPr lang="en" sz="1000" dirty="0">
+                <a:latin typeface="Times New Roman" panose="02020603050405020304" pitchFamily="18" charset="0"/>
+                <a:cs typeface="Times New Roman" panose="02020603050405020304" pitchFamily="18" charset="0"/>
+                <a:sym typeface="Lato"/>
+              </a:rPr>
+              <a:t>M.Eng. Information Technology WS24-25/ </a:t>
+            </a:r>
+            <a:r>
+              <a:rPr lang="en-US" sz="1000" dirty="0">
+                <a:latin typeface="Times New Roman" panose="02020603050405020304" pitchFamily="18" charset="0"/>
+                <a:cs typeface="Times New Roman" panose="02020603050405020304" pitchFamily="18" charset="0"/>
+              </a:rPr>
+              <a:t>Damir </a:t>
+            </a:r>
+            <a:r>
+              <a:rPr lang="en-US" sz="1000" dirty="0" err="1">
+                <a:latin typeface="Times New Roman" panose="02020603050405020304" pitchFamily="18" charset="0"/>
+                <a:cs typeface="Times New Roman" panose="02020603050405020304" pitchFamily="18" charset="0"/>
+              </a:rPr>
+              <a:t>Dobric</a:t>
+            </a:r>
+            <a:r>
+              <a:rPr lang="en-US" sz="1000" dirty="0">
+                <a:latin typeface="Times New Roman" panose="02020603050405020304" pitchFamily="18" charset="0"/>
+                <a:cs typeface="Times New Roman" panose="02020603050405020304" pitchFamily="18" charset="0"/>
+              </a:rPr>
+              <a:t> &amp; Andreas Pech</a:t>
+            </a:r>
+            <a:r>
+              <a:rPr lang="en" sz="1000" dirty="0">
+                <a:latin typeface="Times New Roman" panose="02020603050405020304" pitchFamily="18" charset="0"/>
+                <a:cs typeface="Times New Roman" panose="02020603050405020304" pitchFamily="18" charset="0"/>
+                <a:sym typeface="Lato"/>
+              </a:rPr>
+              <a:t>/ </a:t>
+            </a:r>
+            <a:r>
+              <a:rPr lang="en-US" sz="1000" dirty="0">
+                <a:latin typeface="Times New Roman" panose="02020603050405020304" pitchFamily="18" charset="0"/>
+                <a:cs typeface="Times New Roman" panose="02020603050405020304" pitchFamily="18" charset="0"/>
+              </a:rPr>
+              <a:t>Module Software Engineering</a:t>
+            </a:r>
+          </a:p>
+        </p:txBody>
+      </p:sp>
+      <p:pic>
+        <p:nvPicPr>
+          <p:cNvPr id="6" name="Picture 5" descr="A diagram of a training program&#10;&#10;AI-generated content may be incorrect.">
+            <a:extLst>
+              <a:ext uri="{FF2B5EF4-FFF2-40B4-BE49-F238E27FC236}">
+                <a16:creationId xmlns:a16="http://schemas.microsoft.com/office/drawing/2014/main" id="{71DCE175-5EDF-B812-E60F-E05B627E271E}"/>
+              </a:ext>
+            </a:extLst>
+          </p:cNvPr>
+          <p:cNvPicPr>
+            <a:picLocks noChangeAspect="1"/>
+          </p:cNvPicPr>
+          <p:nvPr/>
+        </p:nvPicPr>
+        <p:blipFill>
+          <a:blip r:embed="rId5">
+            <a:extLst>
+              <a:ext uri="{28A0092B-C50C-407E-A947-70E740481C1C}">
+                <a14:useLocalDpi xmlns:a14="http://schemas.microsoft.com/office/drawing/2010/main" val="0"/>
+              </a:ext>
+            </a:extLst>
+          </a:blip>
+          <a:stretch>
+            <a:fillRect/>
+          </a:stretch>
+        </p:blipFill>
+        <p:spPr>
+          <a:xfrm>
+            <a:off x="5642272" y="2096172"/>
+            <a:ext cx="3007952" cy="4121748"/>
+          </a:xfrm>
+          <a:prstGeom prst="rect">
+            <a:avLst/>
+          </a:prstGeom>
+        </p:spPr>
+      </p:pic>
+    </p:spTree>
+    <p:extLst>
+      <p:ext uri="{BB962C8B-B14F-4D97-AF65-F5344CB8AC3E}">
+        <p14:creationId xmlns:p14="http://schemas.microsoft.com/office/powerpoint/2010/main" val="1040381361"/>
+      </p:ext>
+    </p:extLst>
+  </p:cSld>
+  <p:clrMapOvr>
+    <a:masterClrMapping/>
+  </p:clrMapOvr>
+</p:sld>
+</file>
+
+<file path=ppt/slides/slide8.xml><?xml version="1.0" encoding="utf-8"?>
+<p:sld xmlns:a="http://schemas.openxmlformats.org/drawingml/2006/main" xmlns:r="http://schemas.openxmlformats.org/officeDocument/2006/relationships" xmlns:p="http://schemas.openxmlformats.org/presentationml/2006/main">
+  <p:cSld>
+    <p:spTree>
+      <p:nvGrpSpPr>
+        <p:cNvPr id="1" name="">
+          <a:extLst>
+            <a:ext uri="{FF2B5EF4-FFF2-40B4-BE49-F238E27FC236}">
+              <a16:creationId xmlns:a16="http://schemas.microsoft.com/office/drawing/2014/main" id="{5ADE000F-94FE-5E0C-CC63-B36EE0318821}"/>
+            </a:ext>
+          </a:extLst>
+        </p:cNvPr>
+        <p:cNvGrpSpPr/>
+        <p:nvPr/>
+      </p:nvGrpSpPr>
+      <p:grpSpPr>
+        <a:xfrm>
+          <a:off x="0" y="0"/>
+          <a:ext cx="0" cy="0"/>
+          <a:chOff x="0" y="0"/>
+          <a:chExt cx="0" cy="0"/>
+        </a:xfrm>
+      </p:grpSpPr>
+      <p:sp>
+        <p:nvSpPr>
+          <p:cNvPr id="3" name="Content Placeholder 2">
+            <a:extLst>
+              <a:ext uri="{FF2B5EF4-FFF2-40B4-BE49-F238E27FC236}">
+                <a16:creationId xmlns:a16="http://schemas.microsoft.com/office/drawing/2014/main" id="{502CB492-E9C0-C604-DDFF-B997868468F8}"/>
+              </a:ext>
+            </a:extLst>
+          </p:cNvPr>
+          <p:cNvSpPr>
+            <a:spLocks noGrp="1"/>
+          </p:cNvSpPr>
+          <p:nvPr>
+            <p:ph idx="1"/>
+          </p:nvPr>
+        </p:nvSpPr>
+        <p:spPr>
+          <a:xfrm>
+            <a:off x="1946832" y="1307592"/>
+            <a:ext cx="10095815" cy="5120640"/>
+          </a:xfrm>
+        </p:spPr>
+        <p:txBody>
+          <a:bodyPr>
+            <a:normAutofit/>
+          </a:bodyPr>
+          <a:lstStyle/>
+          <a:p>
+            <a:pPr marL="0" indent="0" algn="ctr">
+              <a:buNone/>
+            </a:pPr>
+            <a:r>
+              <a:rPr lang="en-US" sz="3200" b="1" dirty="0">
+                <a:latin typeface="Times New Roman" panose="02020603050405020304" pitchFamily="18" charset="0"/>
+                <a:cs typeface="Times New Roman" panose="02020603050405020304" pitchFamily="18" charset="0"/>
+              </a:rPr>
+              <a:t>Anomaly Detection</a:t>
+            </a:r>
+          </a:p>
+          <a:p>
+            <a:pPr marL="0" indent="0">
+              <a:buNone/>
+            </a:pPr>
+            <a:endParaRPr lang="en-US" dirty="0">
+              <a:latin typeface="Times New Roman" panose="02020603050405020304" pitchFamily="18" charset="0"/>
+              <a:cs typeface="Times New Roman" panose="02020603050405020304" pitchFamily="18" charset="0"/>
+            </a:endParaRPr>
+          </a:p>
+          <a:p>
+            <a:pPr marL="0" indent="0">
+              <a:buNone/>
+            </a:pPr>
+            <a:endParaRPr lang="en-US" dirty="0">
+              <a:latin typeface="Times New Roman" panose="02020603050405020304" pitchFamily="18" charset="0"/>
+              <a:cs typeface="Times New Roman" panose="02020603050405020304" pitchFamily="18" charset="0"/>
+            </a:endParaRPr>
+          </a:p>
+          <a:p>
+            <a:pPr>
+              <a:buFont typeface="Wingdings" panose="05000000000000000000" pitchFamily="2" charset="2"/>
+              <a:buChar char="Ø"/>
+            </a:pPr>
+            <a:endParaRPr lang="en-US" dirty="0">
+              <a:latin typeface="Times New Roman" panose="02020603050405020304" pitchFamily="18" charset="0"/>
+              <a:cs typeface="Times New Roman" panose="02020603050405020304" pitchFamily="18" charset="0"/>
+            </a:endParaRPr>
+          </a:p>
+          <a:p>
+            <a:pPr>
+              <a:buFont typeface="Wingdings" panose="05000000000000000000" pitchFamily="2" charset="2"/>
+              <a:buChar char="Ø"/>
+            </a:pPr>
+            <a:endParaRPr lang="en-US" dirty="0"/>
+          </a:p>
+          <a:p>
+            <a:pPr>
+              <a:buFont typeface="Wingdings" panose="05000000000000000000" pitchFamily="2" charset="2"/>
+              <a:buChar char="Ø"/>
+            </a:pPr>
+            <a:endParaRPr lang="en-US" dirty="0">
+              <a:latin typeface="Times New Roman" panose="02020603050405020304" pitchFamily="18" charset="0"/>
+              <a:cs typeface="Times New Roman" panose="02020603050405020304" pitchFamily="18" charset="0"/>
+            </a:endParaRPr>
+          </a:p>
+          <a:p>
+            <a:pPr>
+              <a:buFont typeface="Wingdings" panose="05000000000000000000" pitchFamily="2" charset="2"/>
+              <a:buChar char="q"/>
+            </a:pPr>
+            <a:endParaRPr lang="en-US" dirty="0">
+              <a:latin typeface="Times New Roman" panose="02020603050405020304" pitchFamily="18" charset="0"/>
+              <a:cs typeface="Times New Roman" panose="02020603050405020304" pitchFamily="18" charset="0"/>
+            </a:endParaRPr>
+          </a:p>
+        </p:txBody>
+      </p:sp>
+      <p:pic>
+        <p:nvPicPr>
+          <p:cNvPr id="4" name="Picture 3">
+            <a:extLst>
+              <a:ext uri="{FF2B5EF4-FFF2-40B4-BE49-F238E27FC236}">
+                <a16:creationId xmlns:a16="http://schemas.microsoft.com/office/drawing/2014/main" id="{8583669D-C47B-0D17-44A7-ACE63230C208}"/>
+              </a:ext>
+            </a:extLst>
+          </p:cNvPr>
+          <p:cNvPicPr/>
+          <p:nvPr/>
+        </p:nvPicPr>
+        <p:blipFill>
+          <a:blip r:embed="rId3">
+            <a:extLst>
+              <a:ext uri="{BEBA8EAE-BF5A-486C-A8C5-ECC9F3942E4B}">
+                <a14:imgProps xmlns:a14="http://schemas.microsoft.com/office/drawing/2010/main">
+                  <a14:imgLayer r:embed="rId4">
+                    <a14:imgEffect>
+                      <a14:sharpenSoften amount="25000"/>
+                    </a14:imgEffect>
+                  </a14:imgLayer>
+                </a14:imgProps>
+              </a:ext>
+            </a:extLst>
+          </a:blip>
+          <a:stretch>
+            <a:fillRect/>
+          </a:stretch>
+        </p:blipFill>
+        <p:spPr>
+          <a:xfrm>
+            <a:off x="9854048" y="172261"/>
+            <a:ext cx="2016370" cy="1062110"/>
+          </a:xfrm>
+          <a:prstGeom prst="rect">
+            <a:avLst/>
+          </a:prstGeom>
+          <a:effectLst/>
+        </p:spPr>
+      </p:pic>
+      <p:sp>
+        <p:nvSpPr>
+          <p:cNvPr id="5" name="TextBox 4">
+            <a:extLst>
+              <a:ext uri="{FF2B5EF4-FFF2-40B4-BE49-F238E27FC236}">
+                <a16:creationId xmlns:a16="http://schemas.microsoft.com/office/drawing/2014/main" id="{6A454B86-E5E1-0AC9-8CE2-93B14EEA55FA}"/>
+              </a:ext>
+            </a:extLst>
+          </p:cNvPr>
+          <p:cNvSpPr txBox="1"/>
+          <p:nvPr/>
+        </p:nvSpPr>
+        <p:spPr>
+          <a:xfrm>
+            <a:off x="79217" y="6503580"/>
+            <a:ext cx="8005527" cy="246221"/>
+          </a:xfrm>
+          <a:prstGeom prst="rect">
+            <a:avLst/>
+          </a:prstGeom>
+          <a:noFill/>
+        </p:spPr>
+        <p:txBody>
+          <a:bodyPr wrap="square">
+            <a:spAutoFit/>
+          </a:bodyPr>
+          <a:lstStyle/>
+          <a:p>
+            <a:pPr>
+              <a:spcAft>
+                <a:spcPts val="600"/>
+              </a:spcAft>
+            </a:pPr>
+            <a:r>
+              <a:rPr lang="en" sz="1000" dirty="0">
+                <a:latin typeface="Times New Roman" panose="02020603050405020304" pitchFamily="18" charset="0"/>
+                <a:cs typeface="Times New Roman" panose="02020603050405020304" pitchFamily="18" charset="0"/>
+                <a:sym typeface="Lato"/>
+              </a:rPr>
+              <a:t>M.Eng. Information Technology WS24-25/ </a:t>
+            </a:r>
+            <a:r>
+              <a:rPr lang="en-US" sz="1000" dirty="0">
+                <a:latin typeface="Times New Roman" panose="02020603050405020304" pitchFamily="18" charset="0"/>
+                <a:cs typeface="Times New Roman" panose="02020603050405020304" pitchFamily="18" charset="0"/>
+              </a:rPr>
+              <a:t>Damir </a:t>
+            </a:r>
+            <a:r>
+              <a:rPr lang="en-US" sz="1000" dirty="0" err="1">
+                <a:latin typeface="Times New Roman" panose="02020603050405020304" pitchFamily="18" charset="0"/>
+                <a:cs typeface="Times New Roman" panose="02020603050405020304" pitchFamily="18" charset="0"/>
+              </a:rPr>
+              <a:t>Dobric</a:t>
+            </a:r>
+            <a:r>
+              <a:rPr lang="en-US" sz="1000" dirty="0">
+                <a:latin typeface="Times New Roman" panose="02020603050405020304" pitchFamily="18" charset="0"/>
+                <a:cs typeface="Times New Roman" panose="02020603050405020304" pitchFamily="18" charset="0"/>
+              </a:rPr>
+              <a:t> &amp; Andreas Pech</a:t>
+            </a:r>
+            <a:r>
+              <a:rPr lang="en" sz="1000" dirty="0">
+                <a:latin typeface="Times New Roman" panose="02020603050405020304" pitchFamily="18" charset="0"/>
+                <a:cs typeface="Times New Roman" panose="02020603050405020304" pitchFamily="18" charset="0"/>
+                <a:sym typeface="Lato"/>
+              </a:rPr>
+              <a:t>/ </a:t>
+            </a:r>
+            <a:r>
+              <a:rPr lang="en-US" sz="1000" dirty="0">
+                <a:latin typeface="Times New Roman" panose="02020603050405020304" pitchFamily="18" charset="0"/>
+                <a:cs typeface="Times New Roman" panose="02020603050405020304" pitchFamily="18" charset="0"/>
+              </a:rPr>
+              <a:t>Module Software Engineering</a:t>
+            </a:r>
+          </a:p>
+        </p:txBody>
+      </p:sp>
+    </p:spTree>
+    <p:extLst>
+      <p:ext uri="{BB962C8B-B14F-4D97-AF65-F5344CB8AC3E}">
+        <p14:creationId xmlns:p14="http://schemas.microsoft.com/office/powerpoint/2010/main" val="4287706352"/>
       </p:ext>
     </p:extLst>
   </p:cSld>

--- a/source/MySEProject/Documentation/PresentationFile_CodeHive.pptx
+++ b/source/MySEProject/Documentation/PresentationFile_CodeHive.pptx
@@ -204,7 +204,7 @@
           <a:p>
             <a:fld id="{6226A24B-1990-4368-81D8-801BBEE04B46}" type="datetimeFigureOut">
               <a:rPr lang="en-US" smtClean="0"/>
-              <a:t>3/21/2025</a:t>
+              <a:t>3/27/2025</a:t>
             </a:fld>
             <a:endParaRPr lang="en-US"/>
           </a:p>
@@ -1499,7 +1499,7 @@
           <a:p>
             <a:fld id="{BC963854-0500-4533-9B56-A93F0BB014C2}" type="datetimeFigureOut">
               <a:rPr lang="en-US" smtClean="0"/>
-              <a:t>3/21/2025</a:t>
+              <a:t>3/27/2025</a:t>
             </a:fld>
             <a:endParaRPr lang="en-US"/>
           </a:p>
@@ -1837,7 +1837,7 @@
           <a:p>
             <a:fld id="{BC963854-0500-4533-9B56-A93F0BB014C2}" type="datetimeFigureOut">
               <a:rPr lang="en-US" smtClean="0"/>
-              <a:t>3/21/2025</a:t>
+              <a:t>3/27/2025</a:t>
             </a:fld>
             <a:endParaRPr lang="en-US"/>
           </a:p>
@@ -2238,7 +2238,7 @@
           <a:p>
             <a:fld id="{BC963854-0500-4533-9B56-A93F0BB014C2}" type="datetimeFigureOut">
               <a:rPr lang="en-US" smtClean="0"/>
-              <a:t>3/21/2025</a:t>
+              <a:t>3/27/2025</a:t>
             </a:fld>
             <a:endParaRPr lang="en-US"/>
           </a:p>
@@ -2574,7 +2574,7 @@
           <a:p>
             <a:fld id="{BC963854-0500-4533-9B56-A93F0BB014C2}" type="datetimeFigureOut">
               <a:rPr lang="en-US" smtClean="0"/>
-              <a:t>3/21/2025</a:t>
+              <a:t>3/27/2025</a:t>
             </a:fld>
             <a:endParaRPr lang="en-US"/>
           </a:p>
@@ -2894,7 +2894,7 @@
           <a:p>
             <a:fld id="{BC963854-0500-4533-9B56-A93F0BB014C2}" type="datetimeFigureOut">
               <a:rPr lang="en-US" smtClean="0"/>
-              <a:t>3/21/2025</a:t>
+              <a:t>3/27/2025</a:t>
             </a:fld>
             <a:endParaRPr lang="en-US"/>
           </a:p>
@@ -3290,7 +3290,7 @@
           <a:p>
             <a:fld id="{BC963854-0500-4533-9B56-A93F0BB014C2}" type="datetimeFigureOut">
               <a:rPr lang="en-US" smtClean="0"/>
-              <a:t>3/21/2025</a:t>
+              <a:t>3/27/2025</a:t>
             </a:fld>
             <a:endParaRPr lang="en-US"/>
           </a:p>
@@ -3547,7 +3547,7 @@
           <a:p>
             <a:fld id="{BC963854-0500-4533-9B56-A93F0BB014C2}" type="datetimeFigureOut">
               <a:rPr lang="en-US" smtClean="0"/>
-              <a:t>3/21/2025</a:t>
+              <a:t>3/27/2025</a:t>
             </a:fld>
             <a:endParaRPr lang="en-US"/>
           </a:p>
@@ -3809,7 +3809,7 @@
           <a:p>
             <a:fld id="{BC963854-0500-4533-9B56-A93F0BB014C2}" type="datetimeFigureOut">
               <a:rPr lang="en-US" smtClean="0"/>
-              <a:t>3/21/2025</a:t>
+              <a:t>3/27/2025</a:t>
             </a:fld>
             <a:endParaRPr lang="en-US"/>
           </a:p>
@@ -4071,7 +4071,7 @@
           <a:p>
             <a:fld id="{BC963854-0500-4533-9B56-A93F0BB014C2}" type="datetimeFigureOut">
               <a:rPr lang="en-US" smtClean="0"/>
-              <a:t>3/21/2025</a:t>
+              <a:t>3/27/2025</a:t>
             </a:fld>
             <a:endParaRPr lang="en-US"/>
           </a:p>
@@ -4400,7 +4400,7 @@
           <a:p>
             <a:fld id="{BC963854-0500-4533-9B56-A93F0BB014C2}" type="datetimeFigureOut">
               <a:rPr lang="en-US" smtClean="0"/>
-              <a:t>3/21/2025</a:t>
+              <a:t>3/27/2025</a:t>
             </a:fld>
             <a:endParaRPr lang="en-US"/>
           </a:p>
@@ -4723,7 +4723,7 @@
           <a:p>
             <a:fld id="{BC963854-0500-4533-9B56-A93F0BB014C2}" type="datetimeFigureOut">
               <a:rPr lang="en-US" smtClean="0"/>
-              <a:t>3/21/2025</a:t>
+              <a:t>3/27/2025</a:t>
             </a:fld>
             <a:endParaRPr lang="en-US"/>
           </a:p>
@@ -5180,7 +5180,7 @@
           <a:p>
             <a:fld id="{BC963854-0500-4533-9B56-A93F0BB014C2}" type="datetimeFigureOut">
               <a:rPr lang="en-US" smtClean="0"/>
-              <a:t>3/21/2025</a:t>
+              <a:t>3/27/2025</a:t>
             </a:fld>
             <a:endParaRPr lang="en-US"/>
           </a:p>
@@ -5385,7 +5385,7 @@
           <a:p>
             <a:fld id="{BC963854-0500-4533-9B56-A93F0BB014C2}" type="datetimeFigureOut">
               <a:rPr lang="en-US" smtClean="0"/>
-              <a:t>3/21/2025</a:t>
+              <a:t>3/27/2025</a:t>
             </a:fld>
             <a:endParaRPr lang="en-US"/>
           </a:p>
@@ -5562,7 +5562,7 @@
           <a:p>
             <a:fld id="{BC963854-0500-4533-9B56-A93F0BB014C2}" type="datetimeFigureOut">
               <a:rPr lang="en-US" smtClean="0"/>
-              <a:t>3/21/2025</a:t>
+              <a:t>3/27/2025</a:t>
             </a:fld>
             <a:endParaRPr lang="en-US"/>
           </a:p>
@@ -5895,7 +5895,7 @@
           <a:p>
             <a:fld id="{BC963854-0500-4533-9B56-A93F0BB014C2}" type="datetimeFigureOut">
               <a:rPr lang="en-US" smtClean="0"/>
-              <a:t>3/21/2025</a:t>
+              <a:t>3/27/2025</a:t>
             </a:fld>
             <a:endParaRPr lang="en-US"/>
           </a:p>
@@ -6240,7 +6240,7 @@
           <a:p>
             <a:fld id="{BC963854-0500-4533-9B56-A93F0BB014C2}" type="datetimeFigureOut">
               <a:rPr lang="en-US" smtClean="0"/>
-              <a:t>3/21/2025</a:t>
+              <a:t>3/27/2025</a:t>
             </a:fld>
             <a:endParaRPr lang="en-US"/>
           </a:p>
@@ -8357,7 +8357,7 @@
           <a:p>
             <a:fld id="{BC963854-0500-4533-9B56-A93F0BB014C2}" type="datetimeFigureOut">
               <a:rPr lang="en-US" smtClean="0"/>
-              <a:t>3/21/2025</a:t>
+              <a:t>3/27/2025</a:t>
             </a:fld>
             <a:endParaRPr lang="en-US"/>
           </a:p>

--- a/source/MySEProject/Documentation/PresentationFile_CodeHive.pptx
+++ b/source/MySEProject/Documentation/PresentationFile_CodeHive.pptx
@@ -5,7 +5,7 @@
     <p:sldMasterId id="2147483690" r:id="rId1"/>
   </p:sldMasterIdLst>
   <p:notesMasterIdLst>
-    <p:notesMasterId r:id="rId10"/>
+    <p:notesMasterId r:id="rId17"/>
   </p:notesMasterIdLst>
   <p:sldIdLst>
     <p:sldId id="256" r:id="rId2"/>
@@ -16,6 +16,13 @@
     <p:sldId id="261" r:id="rId7"/>
     <p:sldId id="262" r:id="rId8"/>
     <p:sldId id="263" r:id="rId9"/>
+    <p:sldId id="264" r:id="rId10"/>
+    <p:sldId id="265" r:id="rId11"/>
+    <p:sldId id="266" r:id="rId12"/>
+    <p:sldId id="267" r:id="rId13"/>
+    <p:sldId id="268" r:id="rId14"/>
+    <p:sldId id="269" r:id="rId15"/>
+    <p:sldId id="270" r:id="rId16"/>
   </p:sldIdLst>
   <p:sldSz cx="12192000" cy="6858000"/>
   <p:notesSz cx="6858000" cy="9144000"/>
@@ -204,7 +211,7 @@
           <a:p>
             <a:fld id="{6226A24B-1990-4368-81D8-801BBEE04B46}" type="datetimeFigureOut">
               <a:rPr lang="en-US" smtClean="0"/>
-              <a:t>3/27/2025</a:t>
+              <a:t>3/29/2025</a:t>
             </a:fld>
             <a:endParaRPr lang="en-US"/>
           </a:p>
@@ -555,6 +562,654 @@
 </p:notes>
 </file>
 
+<file path=ppt/notesSlides/notesSlide10.xml><?xml version="1.0" encoding="utf-8"?>
+<p:notes xmlns:a="http://schemas.openxmlformats.org/drawingml/2006/main" xmlns:r="http://schemas.openxmlformats.org/officeDocument/2006/relationships" xmlns:p="http://schemas.openxmlformats.org/presentationml/2006/main">
+  <p:cSld>
+    <p:spTree>
+      <p:nvGrpSpPr>
+        <p:cNvPr id="1" name="">
+          <a:extLst>
+            <a:ext uri="{FF2B5EF4-FFF2-40B4-BE49-F238E27FC236}">
+              <a16:creationId xmlns:a16="http://schemas.microsoft.com/office/drawing/2014/main" id="{D252B888-72DD-54FB-40E7-084BB6497252}"/>
+            </a:ext>
+          </a:extLst>
+        </p:cNvPr>
+        <p:cNvGrpSpPr/>
+        <p:nvPr/>
+      </p:nvGrpSpPr>
+      <p:grpSpPr>
+        <a:xfrm>
+          <a:off x="0" y="0"/>
+          <a:ext cx="0" cy="0"/>
+          <a:chOff x="0" y="0"/>
+          <a:chExt cx="0" cy="0"/>
+        </a:xfrm>
+      </p:grpSpPr>
+      <p:sp>
+        <p:nvSpPr>
+          <p:cNvPr id="2" name="Slide Image Placeholder 1">
+            <a:extLst>
+              <a:ext uri="{FF2B5EF4-FFF2-40B4-BE49-F238E27FC236}">
+                <a16:creationId xmlns:a16="http://schemas.microsoft.com/office/drawing/2014/main" id="{9C12A1B8-F08D-F7E6-606A-FFBA0CBA517D}"/>
+              </a:ext>
+            </a:extLst>
+          </p:cNvPr>
+          <p:cNvSpPr>
+            <a:spLocks noGrp="1" noRot="1" noChangeAspect="1"/>
+          </p:cNvSpPr>
+          <p:nvPr>
+            <p:ph type="sldImg"/>
+          </p:nvPr>
+        </p:nvSpPr>
+        <p:spPr/>
+      </p:sp>
+      <p:sp>
+        <p:nvSpPr>
+          <p:cNvPr id="3" name="Notes Placeholder 2">
+            <a:extLst>
+              <a:ext uri="{FF2B5EF4-FFF2-40B4-BE49-F238E27FC236}">
+                <a16:creationId xmlns:a16="http://schemas.microsoft.com/office/drawing/2014/main" id="{0FE4A4DB-0A34-9FFA-1AF1-626DD43F895D}"/>
+              </a:ext>
+            </a:extLst>
+          </p:cNvPr>
+          <p:cNvSpPr>
+            <a:spLocks noGrp="1"/>
+          </p:cNvSpPr>
+          <p:nvPr>
+            <p:ph type="body" idx="1"/>
+          </p:nvPr>
+        </p:nvSpPr>
+        <p:spPr/>
+        <p:txBody>
+          <a:bodyPr/>
+          <a:lstStyle/>
+          <a:p>
+            <a:endParaRPr lang="en-US" dirty="0"/>
+          </a:p>
+        </p:txBody>
+      </p:sp>
+      <p:sp>
+        <p:nvSpPr>
+          <p:cNvPr id="4" name="Slide Number Placeholder 3">
+            <a:extLst>
+              <a:ext uri="{FF2B5EF4-FFF2-40B4-BE49-F238E27FC236}">
+                <a16:creationId xmlns:a16="http://schemas.microsoft.com/office/drawing/2014/main" id="{7BEA8FF0-9C03-8784-53B8-A5890619D474}"/>
+              </a:ext>
+            </a:extLst>
+          </p:cNvPr>
+          <p:cNvSpPr>
+            <a:spLocks noGrp="1"/>
+          </p:cNvSpPr>
+          <p:nvPr>
+            <p:ph type="sldNum" sz="quarter" idx="5"/>
+          </p:nvPr>
+        </p:nvSpPr>
+        <p:spPr/>
+        <p:txBody>
+          <a:bodyPr/>
+          <a:lstStyle/>
+          <a:p>
+            <a:fld id="{26333FCC-1B27-4A92-A25F-707628B9A49F}" type="slidenum">
+              <a:rPr lang="en-US" smtClean="0"/>
+              <a:t>10</a:t>
+            </a:fld>
+            <a:endParaRPr lang="en-US"/>
+          </a:p>
+        </p:txBody>
+      </p:sp>
+    </p:spTree>
+    <p:extLst>
+      <p:ext uri="{BB962C8B-B14F-4D97-AF65-F5344CB8AC3E}">
+        <p14:creationId xmlns:p14="http://schemas.microsoft.com/office/powerpoint/2010/main" val="2252671138"/>
+      </p:ext>
+    </p:extLst>
+  </p:cSld>
+  <p:clrMapOvr>
+    <a:masterClrMapping/>
+  </p:clrMapOvr>
+</p:notes>
+</file>
+
+<file path=ppt/notesSlides/notesSlide11.xml><?xml version="1.0" encoding="utf-8"?>
+<p:notes xmlns:a="http://schemas.openxmlformats.org/drawingml/2006/main" xmlns:r="http://schemas.openxmlformats.org/officeDocument/2006/relationships" xmlns:p="http://schemas.openxmlformats.org/presentationml/2006/main">
+  <p:cSld>
+    <p:spTree>
+      <p:nvGrpSpPr>
+        <p:cNvPr id="1" name="">
+          <a:extLst>
+            <a:ext uri="{FF2B5EF4-FFF2-40B4-BE49-F238E27FC236}">
+              <a16:creationId xmlns:a16="http://schemas.microsoft.com/office/drawing/2014/main" id="{B451847D-8A58-28FB-550E-3FCD8B7356C4}"/>
+            </a:ext>
+          </a:extLst>
+        </p:cNvPr>
+        <p:cNvGrpSpPr/>
+        <p:nvPr/>
+      </p:nvGrpSpPr>
+      <p:grpSpPr>
+        <a:xfrm>
+          <a:off x="0" y="0"/>
+          <a:ext cx="0" cy="0"/>
+          <a:chOff x="0" y="0"/>
+          <a:chExt cx="0" cy="0"/>
+        </a:xfrm>
+      </p:grpSpPr>
+      <p:sp>
+        <p:nvSpPr>
+          <p:cNvPr id="2" name="Slide Image Placeholder 1">
+            <a:extLst>
+              <a:ext uri="{FF2B5EF4-FFF2-40B4-BE49-F238E27FC236}">
+                <a16:creationId xmlns:a16="http://schemas.microsoft.com/office/drawing/2014/main" id="{E0F0A38B-9232-1D9B-292A-74411703F913}"/>
+              </a:ext>
+            </a:extLst>
+          </p:cNvPr>
+          <p:cNvSpPr>
+            <a:spLocks noGrp="1" noRot="1" noChangeAspect="1"/>
+          </p:cNvSpPr>
+          <p:nvPr>
+            <p:ph type="sldImg"/>
+          </p:nvPr>
+        </p:nvSpPr>
+        <p:spPr/>
+      </p:sp>
+      <p:sp>
+        <p:nvSpPr>
+          <p:cNvPr id="3" name="Notes Placeholder 2">
+            <a:extLst>
+              <a:ext uri="{FF2B5EF4-FFF2-40B4-BE49-F238E27FC236}">
+                <a16:creationId xmlns:a16="http://schemas.microsoft.com/office/drawing/2014/main" id="{E45072EF-F85C-5284-124C-BC86B69D0ED8}"/>
+              </a:ext>
+            </a:extLst>
+          </p:cNvPr>
+          <p:cNvSpPr>
+            <a:spLocks noGrp="1"/>
+          </p:cNvSpPr>
+          <p:nvPr>
+            <p:ph type="body" idx="1"/>
+          </p:nvPr>
+        </p:nvSpPr>
+        <p:spPr/>
+        <p:txBody>
+          <a:bodyPr/>
+          <a:lstStyle/>
+          <a:p>
+            <a:endParaRPr lang="en-US" dirty="0"/>
+          </a:p>
+        </p:txBody>
+      </p:sp>
+      <p:sp>
+        <p:nvSpPr>
+          <p:cNvPr id="4" name="Slide Number Placeholder 3">
+            <a:extLst>
+              <a:ext uri="{FF2B5EF4-FFF2-40B4-BE49-F238E27FC236}">
+                <a16:creationId xmlns:a16="http://schemas.microsoft.com/office/drawing/2014/main" id="{7AC43E9A-8D0E-DAAC-8575-3DDD7266D67F}"/>
+              </a:ext>
+            </a:extLst>
+          </p:cNvPr>
+          <p:cNvSpPr>
+            <a:spLocks noGrp="1"/>
+          </p:cNvSpPr>
+          <p:nvPr>
+            <p:ph type="sldNum" sz="quarter" idx="5"/>
+          </p:nvPr>
+        </p:nvSpPr>
+        <p:spPr/>
+        <p:txBody>
+          <a:bodyPr/>
+          <a:lstStyle/>
+          <a:p>
+            <a:fld id="{26333FCC-1B27-4A92-A25F-707628B9A49F}" type="slidenum">
+              <a:rPr lang="en-US" smtClean="0"/>
+              <a:t>11</a:t>
+            </a:fld>
+            <a:endParaRPr lang="en-US"/>
+          </a:p>
+        </p:txBody>
+      </p:sp>
+    </p:spTree>
+    <p:extLst>
+      <p:ext uri="{BB962C8B-B14F-4D97-AF65-F5344CB8AC3E}">
+        <p14:creationId xmlns:p14="http://schemas.microsoft.com/office/powerpoint/2010/main" val="3086449200"/>
+      </p:ext>
+    </p:extLst>
+  </p:cSld>
+  <p:clrMapOvr>
+    <a:masterClrMapping/>
+  </p:clrMapOvr>
+</p:notes>
+</file>
+
+<file path=ppt/notesSlides/notesSlide12.xml><?xml version="1.0" encoding="utf-8"?>
+<p:notes xmlns:a="http://schemas.openxmlformats.org/drawingml/2006/main" xmlns:r="http://schemas.openxmlformats.org/officeDocument/2006/relationships" xmlns:p="http://schemas.openxmlformats.org/presentationml/2006/main">
+  <p:cSld>
+    <p:spTree>
+      <p:nvGrpSpPr>
+        <p:cNvPr id="1" name="">
+          <a:extLst>
+            <a:ext uri="{FF2B5EF4-FFF2-40B4-BE49-F238E27FC236}">
+              <a16:creationId xmlns:a16="http://schemas.microsoft.com/office/drawing/2014/main" id="{F61AD9C7-3725-A0AD-3217-5B1616ADB5C1}"/>
+            </a:ext>
+          </a:extLst>
+        </p:cNvPr>
+        <p:cNvGrpSpPr/>
+        <p:nvPr/>
+      </p:nvGrpSpPr>
+      <p:grpSpPr>
+        <a:xfrm>
+          <a:off x="0" y="0"/>
+          <a:ext cx="0" cy="0"/>
+          <a:chOff x="0" y="0"/>
+          <a:chExt cx="0" cy="0"/>
+        </a:xfrm>
+      </p:grpSpPr>
+      <p:sp>
+        <p:nvSpPr>
+          <p:cNvPr id="2" name="Slide Image Placeholder 1">
+            <a:extLst>
+              <a:ext uri="{FF2B5EF4-FFF2-40B4-BE49-F238E27FC236}">
+                <a16:creationId xmlns:a16="http://schemas.microsoft.com/office/drawing/2014/main" id="{7A98161D-AF7E-63CC-650F-A7B5A17DD480}"/>
+              </a:ext>
+            </a:extLst>
+          </p:cNvPr>
+          <p:cNvSpPr>
+            <a:spLocks noGrp="1" noRot="1" noChangeAspect="1"/>
+          </p:cNvSpPr>
+          <p:nvPr>
+            <p:ph type="sldImg"/>
+          </p:nvPr>
+        </p:nvSpPr>
+        <p:spPr/>
+      </p:sp>
+      <p:sp>
+        <p:nvSpPr>
+          <p:cNvPr id="3" name="Notes Placeholder 2">
+            <a:extLst>
+              <a:ext uri="{FF2B5EF4-FFF2-40B4-BE49-F238E27FC236}">
+                <a16:creationId xmlns:a16="http://schemas.microsoft.com/office/drawing/2014/main" id="{5CC8A9DC-C17A-0280-B619-F02FB243AF90}"/>
+              </a:ext>
+            </a:extLst>
+          </p:cNvPr>
+          <p:cNvSpPr>
+            <a:spLocks noGrp="1"/>
+          </p:cNvSpPr>
+          <p:nvPr>
+            <p:ph type="body" idx="1"/>
+          </p:nvPr>
+        </p:nvSpPr>
+        <p:spPr/>
+        <p:txBody>
+          <a:bodyPr/>
+          <a:lstStyle/>
+          <a:p>
+            <a:endParaRPr lang="en-US" dirty="0"/>
+          </a:p>
+        </p:txBody>
+      </p:sp>
+      <p:sp>
+        <p:nvSpPr>
+          <p:cNvPr id="4" name="Slide Number Placeholder 3">
+            <a:extLst>
+              <a:ext uri="{FF2B5EF4-FFF2-40B4-BE49-F238E27FC236}">
+                <a16:creationId xmlns:a16="http://schemas.microsoft.com/office/drawing/2014/main" id="{5A5B9656-8F8A-D13F-B511-8C38481DEF89}"/>
+              </a:ext>
+            </a:extLst>
+          </p:cNvPr>
+          <p:cNvSpPr>
+            <a:spLocks noGrp="1"/>
+          </p:cNvSpPr>
+          <p:nvPr>
+            <p:ph type="sldNum" sz="quarter" idx="5"/>
+          </p:nvPr>
+        </p:nvSpPr>
+        <p:spPr/>
+        <p:txBody>
+          <a:bodyPr/>
+          <a:lstStyle/>
+          <a:p>
+            <a:fld id="{26333FCC-1B27-4A92-A25F-707628B9A49F}" type="slidenum">
+              <a:rPr lang="en-US" smtClean="0"/>
+              <a:t>12</a:t>
+            </a:fld>
+            <a:endParaRPr lang="en-US"/>
+          </a:p>
+        </p:txBody>
+      </p:sp>
+    </p:spTree>
+    <p:extLst>
+      <p:ext uri="{BB962C8B-B14F-4D97-AF65-F5344CB8AC3E}">
+        <p14:creationId xmlns:p14="http://schemas.microsoft.com/office/powerpoint/2010/main" val="2721914798"/>
+      </p:ext>
+    </p:extLst>
+  </p:cSld>
+  <p:clrMapOvr>
+    <a:masterClrMapping/>
+  </p:clrMapOvr>
+</p:notes>
+</file>
+
+<file path=ppt/notesSlides/notesSlide13.xml><?xml version="1.0" encoding="utf-8"?>
+<p:notes xmlns:a="http://schemas.openxmlformats.org/drawingml/2006/main" xmlns:r="http://schemas.openxmlformats.org/officeDocument/2006/relationships" xmlns:p="http://schemas.openxmlformats.org/presentationml/2006/main">
+  <p:cSld>
+    <p:spTree>
+      <p:nvGrpSpPr>
+        <p:cNvPr id="1" name="">
+          <a:extLst>
+            <a:ext uri="{FF2B5EF4-FFF2-40B4-BE49-F238E27FC236}">
+              <a16:creationId xmlns:a16="http://schemas.microsoft.com/office/drawing/2014/main" id="{EC5FA574-8BF8-6179-D443-0FAB845F8996}"/>
+            </a:ext>
+          </a:extLst>
+        </p:cNvPr>
+        <p:cNvGrpSpPr/>
+        <p:nvPr/>
+      </p:nvGrpSpPr>
+      <p:grpSpPr>
+        <a:xfrm>
+          <a:off x="0" y="0"/>
+          <a:ext cx="0" cy="0"/>
+          <a:chOff x="0" y="0"/>
+          <a:chExt cx="0" cy="0"/>
+        </a:xfrm>
+      </p:grpSpPr>
+      <p:sp>
+        <p:nvSpPr>
+          <p:cNvPr id="2" name="Slide Image Placeholder 1">
+            <a:extLst>
+              <a:ext uri="{FF2B5EF4-FFF2-40B4-BE49-F238E27FC236}">
+                <a16:creationId xmlns:a16="http://schemas.microsoft.com/office/drawing/2014/main" id="{4A11FD8D-82A6-F222-3C6F-BD92BB995BC8}"/>
+              </a:ext>
+            </a:extLst>
+          </p:cNvPr>
+          <p:cNvSpPr>
+            <a:spLocks noGrp="1" noRot="1" noChangeAspect="1"/>
+          </p:cNvSpPr>
+          <p:nvPr>
+            <p:ph type="sldImg"/>
+          </p:nvPr>
+        </p:nvSpPr>
+        <p:spPr/>
+      </p:sp>
+      <p:sp>
+        <p:nvSpPr>
+          <p:cNvPr id="3" name="Notes Placeholder 2">
+            <a:extLst>
+              <a:ext uri="{FF2B5EF4-FFF2-40B4-BE49-F238E27FC236}">
+                <a16:creationId xmlns:a16="http://schemas.microsoft.com/office/drawing/2014/main" id="{28A64CA2-3E80-B1AF-9EE6-2A79A3E98620}"/>
+              </a:ext>
+            </a:extLst>
+          </p:cNvPr>
+          <p:cNvSpPr>
+            <a:spLocks noGrp="1"/>
+          </p:cNvSpPr>
+          <p:nvPr>
+            <p:ph type="body" idx="1"/>
+          </p:nvPr>
+        </p:nvSpPr>
+        <p:spPr/>
+        <p:txBody>
+          <a:bodyPr/>
+          <a:lstStyle/>
+          <a:p>
+            <a:endParaRPr lang="en-US" dirty="0"/>
+          </a:p>
+        </p:txBody>
+      </p:sp>
+      <p:sp>
+        <p:nvSpPr>
+          <p:cNvPr id="4" name="Slide Number Placeholder 3">
+            <a:extLst>
+              <a:ext uri="{FF2B5EF4-FFF2-40B4-BE49-F238E27FC236}">
+                <a16:creationId xmlns:a16="http://schemas.microsoft.com/office/drawing/2014/main" id="{5604C5D4-59F4-B4D2-9AA7-982B0D268E6E}"/>
+              </a:ext>
+            </a:extLst>
+          </p:cNvPr>
+          <p:cNvSpPr>
+            <a:spLocks noGrp="1"/>
+          </p:cNvSpPr>
+          <p:nvPr>
+            <p:ph type="sldNum" sz="quarter" idx="5"/>
+          </p:nvPr>
+        </p:nvSpPr>
+        <p:spPr/>
+        <p:txBody>
+          <a:bodyPr/>
+          <a:lstStyle/>
+          <a:p>
+            <a:fld id="{26333FCC-1B27-4A92-A25F-707628B9A49F}" type="slidenum">
+              <a:rPr lang="en-US" smtClean="0"/>
+              <a:t>13</a:t>
+            </a:fld>
+            <a:endParaRPr lang="en-US"/>
+          </a:p>
+        </p:txBody>
+      </p:sp>
+    </p:spTree>
+    <p:extLst>
+      <p:ext uri="{BB962C8B-B14F-4D97-AF65-F5344CB8AC3E}">
+        <p14:creationId xmlns:p14="http://schemas.microsoft.com/office/powerpoint/2010/main" val="3850842378"/>
+      </p:ext>
+    </p:extLst>
+  </p:cSld>
+  <p:clrMapOvr>
+    <a:masterClrMapping/>
+  </p:clrMapOvr>
+</p:notes>
+</file>
+
+<file path=ppt/notesSlides/notesSlide14.xml><?xml version="1.0" encoding="utf-8"?>
+<p:notes xmlns:a="http://schemas.openxmlformats.org/drawingml/2006/main" xmlns:r="http://schemas.openxmlformats.org/officeDocument/2006/relationships" xmlns:p="http://schemas.openxmlformats.org/presentationml/2006/main">
+  <p:cSld>
+    <p:spTree>
+      <p:nvGrpSpPr>
+        <p:cNvPr id="1" name="">
+          <a:extLst>
+            <a:ext uri="{FF2B5EF4-FFF2-40B4-BE49-F238E27FC236}">
+              <a16:creationId xmlns:a16="http://schemas.microsoft.com/office/drawing/2014/main" id="{C88ADB60-99CC-B4BB-83CF-8CFB39E61ABA}"/>
+            </a:ext>
+          </a:extLst>
+        </p:cNvPr>
+        <p:cNvGrpSpPr/>
+        <p:nvPr/>
+      </p:nvGrpSpPr>
+      <p:grpSpPr>
+        <a:xfrm>
+          <a:off x="0" y="0"/>
+          <a:ext cx="0" cy="0"/>
+          <a:chOff x="0" y="0"/>
+          <a:chExt cx="0" cy="0"/>
+        </a:xfrm>
+      </p:grpSpPr>
+      <p:sp>
+        <p:nvSpPr>
+          <p:cNvPr id="2" name="Slide Image Placeholder 1">
+            <a:extLst>
+              <a:ext uri="{FF2B5EF4-FFF2-40B4-BE49-F238E27FC236}">
+                <a16:creationId xmlns:a16="http://schemas.microsoft.com/office/drawing/2014/main" id="{55575FB9-1CDF-982A-6C6A-6744D12E549A}"/>
+              </a:ext>
+            </a:extLst>
+          </p:cNvPr>
+          <p:cNvSpPr>
+            <a:spLocks noGrp="1" noRot="1" noChangeAspect="1"/>
+          </p:cNvSpPr>
+          <p:nvPr>
+            <p:ph type="sldImg"/>
+          </p:nvPr>
+        </p:nvSpPr>
+        <p:spPr/>
+      </p:sp>
+      <p:sp>
+        <p:nvSpPr>
+          <p:cNvPr id="3" name="Notes Placeholder 2">
+            <a:extLst>
+              <a:ext uri="{FF2B5EF4-FFF2-40B4-BE49-F238E27FC236}">
+                <a16:creationId xmlns:a16="http://schemas.microsoft.com/office/drawing/2014/main" id="{284273F1-6479-C8BC-8C64-073CF95BB860}"/>
+              </a:ext>
+            </a:extLst>
+          </p:cNvPr>
+          <p:cNvSpPr>
+            <a:spLocks noGrp="1"/>
+          </p:cNvSpPr>
+          <p:nvPr>
+            <p:ph type="body" idx="1"/>
+          </p:nvPr>
+        </p:nvSpPr>
+        <p:spPr/>
+        <p:txBody>
+          <a:bodyPr/>
+          <a:lstStyle/>
+          <a:p>
+            <a:endParaRPr lang="en-US" dirty="0"/>
+          </a:p>
+        </p:txBody>
+      </p:sp>
+      <p:sp>
+        <p:nvSpPr>
+          <p:cNvPr id="4" name="Slide Number Placeholder 3">
+            <a:extLst>
+              <a:ext uri="{FF2B5EF4-FFF2-40B4-BE49-F238E27FC236}">
+                <a16:creationId xmlns:a16="http://schemas.microsoft.com/office/drawing/2014/main" id="{AB52AEB8-B682-6518-E541-3683AC02C33B}"/>
+              </a:ext>
+            </a:extLst>
+          </p:cNvPr>
+          <p:cNvSpPr>
+            <a:spLocks noGrp="1"/>
+          </p:cNvSpPr>
+          <p:nvPr>
+            <p:ph type="sldNum" sz="quarter" idx="5"/>
+          </p:nvPr>
+        </p:nvSpPr>
+        <p:spPr/>
+        <p:txBody>
+          <a:bodyPr/>
+          <a:lstStyle/>
+          <a:p>
+            <a:fld id="{26333FCC-1B27-4A92-A25F-707628B9A49F}" type="slidenum">
+              <a:rPr lang="en-US" smtClean="0"/>
+              <a:t>14</a:t>
+            </a:fld>
+            <a:endParaRPr lang="en-US"/>
+          </a:p>
+        </p:txBody>
+      </p:sp>
+    </p:spTree>
+    <p:extLst>
+      <p:ext uri="{BB962C8B-B14F-4D97-AF65-F5344CB8AC3E}">
+        <p14:creationId xmlns:p14="http://schemas.microsoft.com/office/powerpoint/2010/main" val="771210335"/>
+      </p:ext>
+    </p:extLst>
+  </p:cSld>
+  <p:clrMapOvr>
+    <a:masterClrMapping/>
+  </p:clrMapOvr>
+</p:notes>
+</file>
+
+<file path=ppt/notesSlides/notesSlide15.xml><?xml version="1.0" encoding="utf-8"?>
+<p:notes xmlns:a="http://schemas.openxmlformats.org/drawingml/2006/main" xmlns:r="http://schemas.openxmlformats.org/officeDocument/2006/relationships" xmlns:p="http://schemas.openxmlformats.org/presentationml/2006/main">
+  <p:cSld>
+    <p:spTree>
+      <p:nvGrpSpPr>
+        <p:cNvPr id="1" name="">
+          <a:extLst>
+            <a:ext uri="{FF2B5EF4-FFF2-40B4-BE49-F238E27FC236}">
+              <a16:creationId xmlns:a16="http://schemas.microsoft.com/office/drawing/2014/main" id="{7C48EA64-EEA0-6B4B-01F7-8F39579D73BB}"/>
+            </a:ext>
+          </a:extLst>
+        </p:cNvPr>
+        <p:cNvGrpSpPr/>
+        <p:nvPr/>
+      </p:nvGrpSpPr>
+      <p:grpSpPr>
+        <a:xfrm>
+          <a:off x="0" y="0"/>
+          <a:ext cx="0" cy="0"/>
+          <a:chOff x="0" y="0"/>
+          <a:chExt cx="0" cy="0"/>
+        </a:xfrm>
+      </p:grpSpPr>
+      <p:sp>
+        <p:nvSpPr>
+          <p:cNvPr id="2" name="Slide Image Placeholder 1">
+            <a:extLst>
+              <a:ext uri="{FF2B5EF4-FFF2-40B4-BE49-F238E27FC236}">
+                <a16:creationId xmlns:a16="http://schemas.microsoft.com/office/drawing/2014/main" id="{532EA597-F6DF-2B92-0B6D-FCBB0B36AC66}"/>
+              </a:ext>
+            </a:extLst>
+          </p:cNvPr>
+          <p:cNvSpPr>
+            <a:spLocks noGrp="1" noRot="1" noChangeAspect="1"/>
+          </p:cNvSpPr>
+          <p:nvPr>
+            <p:ph type="sldImg"/>
+          </p:nvPr>
+        </p:nvSpPr>
+        <p:spPr/>
+      </p:sp>
+      <p:sp>
+        <p:nvSpPr>
+          <p:cNvPr id="3" name="Notes Placeholder 2">
+            <a:extLst>
+              <a:ext uri="{FF2B5EF4-FFF2-40B4-BE49-F238E27FC236}">
+                <a16:creationId xmlns:a16="http://schemas.microsoft.com/office/drawing/2014/main" id="{DF0DCF6B-E221-3DA2-95E5-528B05F8858E}"/>
+              </a:ext>
+            </a:extLst>
+          </p:cNvPr>
+          <p:cNvSpPr>
+            <a:spLocks noGrp="1"/>
+          </p:cNvSpPr>
+          <p:nvPr>
+            <p:ph type="body" idx="1"/>
+          </p:nvPr>
+        </p:nvSpPr>
+        <p:spPr/>
+        <p:txBody>
+          <a:bodyPr/>
+          <a:lstStyle/>
+          <a:p>
+            <a:endParaRPr lang="en-US" dirty="0"/>
+          </a:p>
+        </p:txBody>
+      </p:sp>
+      <p:sp>
+        <p:nvSpPr>
+          <p:cNvPr id="4" name="Slide Number Placeholder 3">
+            <a:extLst>
+              <a:ext uri="{FF2B5EF4-FFF2-40B4-BE49-F238E27FC236}">
+                <a16:creationId xmlns:a16="http://schemas.microsoft.com/office/drawing/2014/main" id="{1FA9DAC8-2C11-040A-D958-BB8CC686B4EC}"/>
+              </a:ext>
+            </a:extLst>
+          </p:cNvPr>
+          <p:cNvSpPr>
+            <a:spLocks noGrp="1"/>
+          </p:cNvSpPr>
+          <p:nvPr>
+            <p:ph type="sldNum" sz="quarter" idx="5"/>
+          </p:nvPr>
+        </p:nvSpPr>
+        <p:spPr/>
+        <p:txBody>
+          <a:bodyPr/>
+          <a:lstStyle/>
+          <a:p>
+            <a:fld id="{26333FCC-1B27-4A92-A25F-707628B9A49F}" type="slidenum">
+              <a:rPr lang="en-US" smtClean="0"/>
+              <a:t>15</a:t>
+            </a:fld>
+            <a:endParaRPr lang="en-US"/>
+          </a:p>
+        </p:txBody>
+      </p:sp>
+    </p:spTree>
+    <p:extLst>
+      <p:ext uri="{BB962C8B-B14F-4D97-AF65-F5344CB8AC3E}">
+        <p14:creationId xmlns:p14="http://schemas.microsoft.com/office/powerpoint/2010/main" val="513201298"/>
+      </p:ext>
+    </p:extLst>
+  </p:cSld>
+  <p:clrMapOvr>
+    <a:masterClrMapping/>
+  </p:clrMapOvr>
+</p:notes>
+</file>
+
 <file path=ppt/notesSlides/notesSlide2.xml><?xml version="1.0" encoding="utf-8"?>
 <p:notes xmlns:a="http://schemas.openxmlformats.org/drawingml/2006/main" xmlns:r="http://schemas.openxmlformats.org/officeDocument/2006/relationships" xmlns:p="http://schemas.openxmlformats.org/presentationml/2006/main">
   <p:cSld>
@@ -1311,6 +1966,114 @@
 </p:notes>
 </file>
 
+<file path=ppt/notesSlides/notesSlide9.xml><?xml version="1.0" encoding="utf-8"?>
+<p:notes xmlns:a="http://schemas.openxmlformats.org/drawingml/2006/main" xmlns:r="http://schemas.openxmlformats.org/officeDocument/2006/relationships" xmlns:p="http://schemas.openxmlformats.org/presentationml/2006/main">
+  <p:cSld>
+    <p:spTree>
+      <p:nvGrpSpPr>
+        <p:cNvPr id="1" name="">
+          <a:extLst>
+            <a:ext uri="{FF2B5EF4-FFF2-40B4-BE49-F238E27FC236}">
+              <a16:creationId xmlns:a16="http://schemas.microsoft.com/office/drawing/2014/main" id="{6F431E4B-8F08-08EF-8208-27063EB532F6}"/>
+            </a:ext>
+          </a:extLst>
+        </p:cNvPr>
+        <p:cNvGrpSpPr/>
+        <p:nvPr/>
+      </p:nvGrpSpPr>
+      <p:grpSpPr>
+        <a:xfrm>
+          <a:off x="0" y="0"/>
+          <a:ext cx="0" cy="0"/>
+          <a:chOff x="0" y="0"/>
+          <a:chExt cx="0" cy="0"/>
+        </a:xfrm>
+      </p:grpSpPr>
+      <p:sp>
+        <p:nvSpPr>
+          <p:cNvPr id="2" name="Slide Image Placeholder 1">
+            <a:extLst>
+              <a:ext uri="{FF2B5EF4-FFF2-40B4-BE49-F238E27FC236}">
+                <a16:creationId xmlns:a16="http://schemas.microsoft.com/office/drawing/2014/main" id="{F648B7AD-7B54-3D6E-5DF1-3CE8AF446BF4}"/>
+              </a:ext>
+            </a:extLst>
+          </p:cNvPr>
+          <p:cNvSpPr>
+            <a:spLocks noGrp="1" noRot="1" noChangeAspect="1"/>
+          </p:cNvSpPr>
+          <p:nvPr>
+            <p:ph type="sldImg"/>
+          </p:nvPr>
+        </p:nvSpPr>
+        <p:spPr/>
+      </p:sp>
+      <p:sp>
+        <p:nvSpPr>
+          <p:cNvPr id="3" name="Notes Placeholder 2">
+            <a:extLst>
+              <a:ext uri="{FF2B5EF4-FFF2-40B4-BE49-F238E27FC236}">
+                <a16:creationId xmlns:a16="http://schemas.microsoft.com/office/drawing/2014/main" id="{2EB70503-AB76-9B65-3620-8409B6E332BF}"/>
+              </a:ext>
+            </a:extLst>
+          </p:cNvPr>
+          <p:cNvSpPr>
+            <a:spLocks noGrp="1"/>
+          </p:cNvSpPr>
+          <p:nvPr>
+            <p:ph type="body" idx="1"/>
+          </p:nvPr>
+        </p:nvSpPr>
+        <p:spPr/>
+        <p:txBody>
+          <a:bodyPr/>
+          <a:lstStyle/>
+          <a:p>
+            <a:endParaRPr lang="en-US" dirty="0"/>
+          </a:p>
+        </p:txBody>
+      </p:sp>
+      <p:sp>
+        <p:nvSpPr>
+          <p:cNvPr id="4" name="Slide Number Placeholder 3">
+            <a:extLst>
+              <a:ext uri="{FF2B5EF4-FFF2-40B4-BE49-F238E27FC236}">
+                <a16:creationId xmlns:a16="http://schemas.microsoft.com/office/drawing/2014/main" id="{246B697F-C5C1-333A-44AD-7EDE710FDAB1}"/>
+              </a:ext>
+            </a:extLst>
+          </p:cNvPr>
+          <p:cNvSpPr>
+            <a:spLocks noGrp="1"/>
+          </p:cNvSpPr>
+          <p:nvPr>
+            <p:ph type="sldNum" sz="quarter" idx="5"/>
+          </p:nvPr>
+        </p:nvSpPr>
+        <p:spPr/>
+        <p:txBody>
+          <a:bodyPr/>
+          <a:lstStyle/>
+          <a:p>
+            <a:fld id="{26333FCC-1B27-4A92-A25F-707628B9A49F}" type="slidenum">
+              <a:rPr lang="en-US" smtClean="0"/>
+              <a:t>9</a:t>
+            </a:fld>
+            <a:endParaRPr lang="en-US"/>
+          </a:p>
+        </p:txBody>
+      </p:sp>
+    </p:spTree>
+    <p:extLst>
+      <p:ext uri="{BB962C8B-B14F-4D97-AF65-F5344CB8AC3E}">
+        <p14:creationId xmlns:p14="http://schemas.microsoft.com/office/powerpoint/2010/main" val="220363678"/>
+      </p:ext>
+    </p:extLst>
+  </p:cSld>
+  <p:clrMapOvr>
+    <a:masterClrMapping/>
+  </p:clrMapOvr>
+</p:notes>
+</file>
+
 <file path=ppt/slideLayouts/slideLayout1.xml><?xml version="1.0" encoding="utf-8"?>
 <p:sldLayout xmlns:a="http://schemas.openxmlformats.org/drawingml/2006/main" xmlns:r="http://schemas.openxmlformats.org/officeDocument/2006/relationships" xmlns:p="http://schemas.openxmlformats.org/presentationml/2006/main" type="title" preserve="1">
   <p:cSld name="Title Slide">
@@ -1499,7 +2262,7 @@
           <a:p>
             <a:fld id="{BC963854-0500-4533-9B56-A93F0BB014C2}" type="datetimeFigureOut">
               <a:rPr lang="en-US" smtClean="0"/>
-              <a:t>3/27/2025</a:t>
+              <a:t>3/29/2025</a:t>
             </a:fld>
             <a:endParaRPr lang="en-US"/>
           </a:p>
@@ -1837,7 +2600,7 @@
           <a:p>
             <a:fld id="{BC963854-0500-4533-9B56-A93F0BB014C2}" type="datetimeFigureOut">
               <a:rPr lang="en-US" smtClean="0"/>
-              <a:t>3/27/2025</a:t>
+              <a:t>3/29/2025</a:t>
             </a:fld>
             <a:endParaRPr lang="en-US"/>
           </a:p>
@@ -2238,7 +3001,7 @@
           <a:p>
             <a:fld id="{BC963854-0500-4533-9B56-A93F0BB014C2}" type="datetimeFigureOut">
               <a:rPr lang="en-US" smtClean="0"/>
-              <a:t>3/27/2025</a:t>
+              <a:t>3/29/2025</a:t>
             </a:fld>
             <a:endParaRPr lang="en-US"/>
           </a:p>
@@ -2574,7 +3337,7 @@
           <a:p>
             <a:fld id="{BC963854-0500-4533-9B56-A93F0BB014C2}" type="datetimeFigureOut">
               <a:rPr lang="en-US" smtClean="0"/>
-              <a:t>3/27/2025</a:t>
+              <a:t>3/29/2025</a:t>
             </a:fld>
             <a:endParaRPr lang="en-US"/>
           </a:p>
@@ -2894,7 +3657,7 @@
           <a:p>
             <a:fld id="{BC963854-0500-4533-9B56-A93F0BB014C2}" type="datetimeFigureOut">
               <a:rPr lang="en-US" smtClean="0"/>
-              <a:t>3/27/2025</a:t>
+              <a:t>3/29/2025</a:t>
             </a:fld>
             <a:endParaRPr lang="en-US"/>
           </a:p>
@@ -3290,7 +4053,7 @@
           <a:p>
             <a:fld id="{BC963854-0500-4533-9B56-A93F0BB014C2}" type="datetimeFigureOut">
               <a:rPr lang="en-US" smtClean="0"/>
-              <a:t>3/27/2025</a:t>
+              <a:t>3/29/2025</a:t>
             </a:fld>
             <a:endParaRPr lang="en-US"/>
           </a:p>
@@ -3547,7 +4310,7 @@
           <a:p>
             <a:fld id="{BC963854-0500-4533-9B56-A93F0BB014C2}" type="datetimeFigureOut">
               <a:rPr lang="en-US" smtClean="0"/>
-              <a:t>3/27/2025</a:t>
+              <a:t>3/29/2025</a:t>
             </a:fld>
             <a:endParaRPr lang="en-US"/>
           </a:p>
@@ -3809,7 +4572,7 @@
           <a:p>
             <a:fld id="{BC963854-0500-4533-9B56-A93F0BB014C2}" type="datetimeFigureOut">
               <a:rPr lang="en-US" smtClean="0"/>
-              <a:t>3/27/2025</a:t>
+              <a:t>3/29/2025</a:t>
             </a:fld>
             <a:endParaRPr lang="en-US"/>
           </a:p>
@@ -4071,7 +4834,7 @@
           <a:p>
             <a:fld id="{BC963854-0500-4533-9B56-A93F0BB014C2}" type="datetimeFigureOut">
               <a:rPr lang="en-US" smtClean="0"/>
-              <a:t>3/27/2025</a:t>
+              <a:t>3/29/2025</a:t>
             </a:fld>
             <a:endParaRPr lang="en-US"/>
           </a:p>
@@ -4400,7 +5163,7 @@
           <a:p>
             <a:fld id="{BC963854-0500-4533-9B56-A93F0BB014C2}" type="datetimeFigureOut">
               <a:rPr lang="en-US" smtClean="0"/>
-              <a:t>3/27/2025</a:t>
+              <a:t>3/29/2025</a:t>
             </a:fld>
             <a:endParaRPr lang="en-US"/>
           </a:p>
@@ -4723,7 +5486,7 @@
           <a:p>
             <a:fld id="{BC963854-0500-4533-9B56-A93F0BB014C2}" type="datetimeFigureOut">
               <a:rPr lang="en-US" smtClean="0"/>
-              <a:t>3/27/2025</a:t>
+              <a:t>3/29/2025</a:t>
             </a:fld>
             <a:endParaRPr lang="en-US"/>
           </a:p>
@@ -5180,7 +5943,7 @@
           <a:p>
             <a:fld id="{BC963854-0500-4533-9B56-A93F0BB014C2}" type="datetimeFigureOut">
               <a:rPr lang="en-US" smtClean="0"/>
-              <a:t>3/27/2025</a:t>
+              <a:t>3/29/2025</a:t>
             </a:fld>
             <a:endParaRPr lang="en-US"/>
           </a:p>
@@ -5385,7 +6148,7 @@
           <a:p>
             <a:fld id="{BC963854-0500-4533-9B56-A93F0BB014C2}" type="datetimeFigureOut">
               <a:rPr lang="en-US" smtClean="0"/>
-              <a:t>3/27/2025</a:t>
+              <a:t>3/29/2025</a:t>
             </a:fld>
             <a:endParaRPr lang="en-US"/>
           </a:p>
@@ -5562,7 +6325,7 @@
           <a:p>
             <a:fld id="{BC963854-0500-4533-9B56-A93F0BB014C2}" type="datetimeFigureOut">
               <a:rPr lang="en-US" smtClean="0"/>
-              <a:t>3/27/2025</a:t>
+              <a:t>3/29/2025</a:t>
             </a:fld>
             <a:endParaRPr lang="en-US"/>
           </a:p>
@@ -5895,7 +6658,7 @@
           <a:p>
             <a:fld id="{BC963854-0500-4533-9B56-A93F0BB014C2}" type="datetimeFigureOut">
               <a:rPr lang="en-US" smtClean="0"/>
-              <a:t>3/27/2025</a:t>
+              <a:t>3/29/2025</a:t>
             </a:fld>
             <a:endParaRPr lang="en-US"/>
           </a:p>
@@ -6240,7 +7003,7 @@
           <a:p>
             <a:fld id="{BC963854-0500-4533-9B56-A93F0BB014C2}" type="datetimeFigureOut">
               <a:rPr lang="en-US" smtClean="0"/>
-              <a:t>3/27/2025</a:t>
+              <a:t>3/29/2025</a:t>
             </a:fld>
             <a:endParaRPr lang="en-US"/>
           </a:p>
@@ -8357,7 +9120,7 @@
           <a:p>
             <a:fld id="{BC963854-0500-4533-9B56-A93F0BB014C2}" type="datetimeFigureOut">
               <a:rPr lang="en-US" smtClean="0"/>
-              <a:t>3/27/2025</a:t>
+              <a:t>3/29/2025</a:t>
             </a:fld>
             <a:endParaRPr lang="en-US"/>
           </a:p>
@@ -9115,7 +9878,7 @@
                 <a:latin typeface="Times New Roman" panose="02020603050405020304" pitchFamily="18" charset="0"/>
                 <a:cs typeface="Times New Roman" panose="02020603050405020304" pitchFamily="18" charset="0"/>
               </a:rPr>
-              <a:t>Date:22/03/2025</a:t>
+              <a:t>Date:29/03/2025</a:t>
             </a:r>
           </a:p>
         </p:txBody>
@@ -9254,6 +10017,2386 @@
 </p:sld>
 </file>
 
+<file path=ppt/slides/slide10.xml><?xml version="1.0" encoding="utf-8"?>
+<p:sld xmlns:a="http://schemas.openxmlformats.org/drawingml/2006/main" xmlns:r="http://schemas.openxmlformats.org/officeDocument/2006/relationships" xmlns:p="http://schemas.openxmlformats.org/presentationml/2006/main">
+  <p:cSld>
+    <p:spTree>
+      <p:nvGrpSpPr>
+        <p:cNvPr id="1" name="">
+          <a:extLst>
+            <a:ext uri="{FF2B5EF4-FFF2-40B4-BE49-F238E27FC236}">
+              <a16:creationId xmlns:a16="http://schemas.microsoft.com/office/drawing/2014/main" id="{78DD45C3-BCFA-5A69-FB0A-B5A2E9443EF6}"/>
+            </a:ext>
+          </a:extLst>
+        </p:cNvPr>
+        <p:cNvGrpSpPr/>
+        <p:nvPr/>
+      </p:nvGrpSpPr>
+      <p:grpSpPr>
+        <a:xfrm>
+          <a:off x="0" y="0"/>
+          <a:ext cx="0" cy="0"/>
+          <a:chOff x="0" y="0"/>
+          <a:chExt cx="0" cy="0"/>
+        </a:xfrm>
+      </p:grpSpPr>
+      <p:sp>
+        <p:nvSpPr>
+          <p:cNvPr id="2" name="Title 1">
+            <a:extLst>
+              <a:ext uri="{FF2B5EF4-FFF2-40B4-BE49-F238E27FC236}">
+                <a16:creationId xmlns:a16="http://schemas.microsoft.com/office/drawing/2014/main" id="{65ED6FB2-6662-7909-4C67-AD7C32DF61B6}"/>
+              </a:ext>
+            </a:extLst>
+          </p:cNvPr>
+          <p:cNvSpPr>
+            <a:spLocks noGrp="1"/>
+          </p:cNvSpPr>
+          <p:nvPr>
+            <p:ph type="title"/>
+          </p:nvPr>
+        </p:nvSpPr>
+        <p:spPr/>
+        <p:txBody>
+          <a:bodyPr/>
+          <a:lstStyle/>
+          <a:p>
+            <a:pPr algn="ctr"/>
+            <a:r>
+              <a:rPr lang="en-US" sz="3200" b="1" dirty="0">
+                <a:latin typeface="Times New Roman" panose="02020603050405020304" pitchFamily="18" charset="0"/>
+                <a:cs typeface="Times New Roman" panose="02020603050405020304" pitchFamily="18" charset="0"/>
+              </a:rPr>
+              <a:t>Result</a:t>
+            </a:r>
+            <a:br>
+              <a:rPr lang="en-US" sz="3600" b="1" dirty="0">
+                <a:latin typeface="Times New Roman" panose="02020603050405020304" pitchFamily="18" charset="0"/>
+                <a:cs typeface="Times New Roman" panose="02020603050405020304" pitchFamily="18" charset="0"/>
+              </a:rPr>
+            </a:br>
+            <a:endParaRPr lang="en-DE" dirty="0"/>
+          </a:p>
+        </p:txBody>
+      </p:sp>
+      <p:sp>
+        <p:nvSpPr>
+          <p:cNvPr id="3" name="Content Placeholder 2">
+            <a:extLst>
+              <a:ext uri="{FF2B5EF4-FFF2-40B4-BE49-F238E27FC236}">
+                <a16:creationId xmlns:a16="http://schemas.microsoft.com/office/drawing/2014/main" id="{FCAE0B45-11ED-4177-33CF-51CF7B7B96E7}"/>
+              </a:ext>
+            </a:extLst>
+          </p:cNvPr>
+          <p:cNvSpPr>
+            <a:spLocks noGrp="1"/>
+          </p:cNvSpPr>
+          <p:nvPr>
+            <p:ph sz="half" idx="1"/>
+          </p:nvPr>
+        </p:nvSpPr>
+        <p:spPr>
+          <a:xfrm>
+            <a:off x="2227117" y="1764792"/>
+            <a:ext cx="4639524" cy="4139052"/>
+          </a:xfrm>
+        </p:spPr>
+        <p:txBody>
+          <a:bodyPr>
+            <a:normAutofit lnSpcReduction="10000"/>
+          </a:bodyPr>
+          <a:lstStyle/>
+          <a:p>
+            <a:pPr>
+              <a:buFont typeface="Wingdings" panose="05000000000000000000" pitchFamily="2" charset="2"/>
+              <a:buChar char="Ø"/>
+            </a:pPr>
+            <a:r>
+              <a:rPr lang="en-US" sz="1600" dirty="0">
+                <a:latin typeface="Times New Roman" panose="02020603050405020304" pitchFamily="18" charset="0"/>
+                <a:cs typeface="Times New Roman" panose="02020603050405020304" pitchFamily="18" charset="0"/>
+              </a:rPr>
+              <a:t>The visualization displays the number of anomalies detected in various numerical sequences.</a:t>
+            </a:r>
+          </a:p>
+          <a:p>
+            <a:pPr>
+              <a:buFont typeface="Wingdings" panose="05000000000000000000" pitchFamily="2" charset="2"/>
+              <a:buChar char="Ø"/>
+            </a:pPr>
+            <a:r>
+              <a:rPr lang="en-US" sz="1600" dirty="0">
+                <a:latin typeface="Times New Roman" panose="02020603050405020304" pitchFamily="18" charset="0"/>
+                <a:cs typeface="Times New Roman" panose="02020603050405020304" pitchFamily="18" charset="0"/>
+              </a:rPr>
+              <a:t>X-axis: Represents the number of anomalies.</a:t>
+            </a:r>
+          </a:p>
+          <a:p>
+            <a:pPr>
+              <a:buFont typeface="Wingdings" panose="05000000000000000000" pitchFamily="2" charset="2"/>
+              <a:buChar char="Ø"/>
+            </a:pPr>
+            <a:r>
+              <a:rPr lang="en-US" sz="1600" dirty="0">
+                <a:latin typeface="Times New Roman" panose="02020603050405020304" pitchFamily="18" charset="0"/>
+                <a:cs typeface="Times New Roman" panose="02020603050405020304" pitchFamily="18" charset="0"/>
+              </a:rPr>
+              <a:t>Y-axis: Represents different numerical sequences.</a:t>
+            </a:r>
+          </a:p>
+          <a:p>
+            <a:pPr>
+              <a:buFont typeface="Wingdings" panose="05000000000000000000" pitchFamily="2" charset="2"/>
+              <a:buChar char="Ø"/>
+            </a:pPr>
+            <a:r>
+              <a:rPr lang="en-US" sz="1600" dirty="0">
+                <a:latin typeface="Times New Roman" panose="02020603050405020304" pitchFamily="18" charset="0"/>
+                <a:cs typeface="Times New Roman" panose="02020603050405020304" pitchFamily="18" charset="0"/>
+              </a:rPr>
+              <a:t>Each sequence consists of five numerical values, indicating multiple five-element sequences analyzed.</a:t>
+            </a:r>
+          </a:p>
+          <a:p>
+            <a:pPr>
+              <a:buFont typeface="Wingdings" panose="05000000000000000000" pitchFamily="2" charset="2"/>
+              <a:buChar char="Ø"/>
+            </a:pPr>
+            <a:r>
+              <a:rPr lang="en-US" sz="1600" dirty="0">
+                <a:latin typeface="Times New Roman" panose="02020603050405020304" pitchFamily="18" charset="0"/>
+                <a:cs typeface="Times New Roman" panose="02020603050405020304" pitchFamily="18" charset="0"/>
+              </a:rPr>
+              <a:t>Some sequences exhibit more anomalies than others, suggesting heterogeneous data patterns.</a:t>
+            </a:r>
+          </a:p>
+          <a:p>
+            <a:pPr>
+              <a:buFont typeface="Wingdings" panose="05000000000000000000" pitchFamily="2" charset="2"/>
+              <a:buChar char="Ø"/>
+            </a:pPr>
+            <a:r>
+              <a:rPr lang="en-US" sz="1600" dirty="0">
+                <a:latin typeface="Times New Roman" panose="02020603050405020304" pitchFamily="18" charset="0"/>
+                <a:cs typeface="Times New Roman" panose="02020603050405020304" pitchFamily="18" charset="0"/>
+              </a:rPr>
+              <a:t>Higher anomaly counts may indicate outliers, systematic errors, or data behavior changes.</a:t>
+            </a:r>
+          </a:p>
+          <a:p>
+            <a:pPr>
+              <a:buFont typeface="Wingdings" panose="05000000000000000000" pitchFamily="2" charset="2"/>
+              <a:buChar char="Ø"/>
+            </a:pPr>
+            <a:r>
+              <a:rPr lang="en-US" sz="1600" dirty="0">
+                <a:latin typeface="Times New Roman" panose="02020603050405020304" pitchFamily="18" charset="0"/>
+                <a:cs typeface="Times New Roman" panose="02020603050405020304" pitchFamily="18" charset="0"/>
+              </a:rPr>
+              <a:t>Sequences with fewer anomalies may represent regular patterns or stable trends.</a:t>
+            </a:r>
+          </a:p>
+          <a:p>
+            <a:pPr marL="0" indent="0">
+              <a:buNone/>
+            </a:pPr>
+            <a:endParaRPr lang="en-US" dirty="0"/>
+          </a:p>
+          <a:p>
+            <a:pPr>
+              <a:buFont typeface="Wingdings" panose="05000000000000000000" pitchFamily="2" charset="2"/>
+              <a:buChar char="Ø"/>
+            </a:pPr>
+            <a:endParaRPr lang="en-US" dirty="0">
+              <a:latin typeface="Times New Roman" panose="02020603050405020304" pitchFamily="18" charset="0"/>
+              <a:cs typeface="Times New Roman" panose="02020603050405020304" pitchFamily="18" charset="0"/>
+            </a:endParaRPr>
+          </a:p>
+          <a:p>
+            <a:pPr>
+              <a:buFont typeface="Wingdings" panose="05000000000000000000" pitchFamily="2" charset="2"/>
+              <a:buChar char="q"/>
+            </a:pPr>
+            <a:endParaRPr lang="en-US" dirty="0">
+              <a:latin typeface="Times New Roman" panose="02020603050405020304" pitchFamily="18" charset="0"/>
+              <a:cs typeface="Times New Roman" panose="02020603050405020304" pitchFamily="18" charset="0"/>
+            </a:endParaRPr>
+          </a:p>
+        </p:txBody>
+      </p:sp>
+      <p:pic>
+        <p:nvPicPr>
+          <p:cNvPr id="11" name="Content Placeholder 10" descr="A graph showing an abnormal number of animals&#10;&#10;AI-generated content may be incorrect.">
+            <a:extLst>
+              <a:ext uri="{FF2B5EF4-FFF2-40B4-BE49-F238E27FC236}">
+                <a16:creationId xmlns:a16="http://schemas.microsoft.com/office/drawing/2014/main" id="{CBC146A7-5846-F52A-3374-D195B7581396}"/>
+              </a:ext>
+            </a:extLst>
+          </p:cNvPr>
+          <p:cNvPicPr>
+            <a:picLocks noGrp="1" noChangeAspect="1"/>
+          </p:cNvPicPr>
+          <p:nvPr>
+            <p:ph sz="half" idx="2"/>
+          </p:nvPr>
+        </p:nvPicPr>
+        <p:blipFill>
+          <a:blip r:embed="rId3">
+            <a:extLst>
+              <a:ext uri="{28A0092B-C50C-407E-A947-70E740481C1C}">
+                <a14:useLocalDpi xmlns:a14="http://schemas.microsoft.com/office/drawing/2010/main" val="0"/>
+              </a:ext>
+            </a:extLst>
+          </a:blip>
+          <a:stretch>
+            <a:fillRect/>
+          </a:stretch>
+        </p:blipFill>
+        <p:spPr>
+          <a:xfrm>
+            <a:off x="7191375" y="2500948"/>
+            <a:ext cx="4313238" cy="2587942"/>
+          </a:xfrm>
+        </p:spPr>
+      </p:pic>
+      <p:pic>
+        <p:nvPicPr>
+          <p:cNvPr id="4" name="Picture 3">
+            <a:extLst>
+              <a:ext uri="{FF2B5EF4-FFF2-40B4-BE49-F238E27FC236}">
+                <a16:creationId xmlns:a16="http://schemas.microsoft.com/office/drawing/2014/main" id="{558D3F86-9EE2-4326-F267-58C0DB7FE67E}"/>
+              </a:ext>
+            </a:extLst>
+          </p:cNvPr>
+          <p:cNvPicPr/>
+          <p:nvPr/>
+        </p:nvPicPr>
+        <p:blipFill>
+          <a:blip r:embed="rId4">
+            <a:extLst>
+              <a:ext uri="{BEBA8EAE-BF5A-486C-A8C5-ECC9F3942E4B}">
+                <a14:imgProps xmlns:a14="http://schemas.microsoft.com/office/drawing/2010/main">
+                  <a14:imgLayer r:embed="rId5">
+                    <a14:imgEffect>
+                      <a14:sharpenSoften amount="25000"/>
+                    </a14:imgEffect>
+                  </a14:imgLayer>
+                </a14:imgProps>
+              </a:ext>
+            </a:extLst>
+          </a:blip>
+          <a:stretch>
+            <a:fillRect/>
+          </a:stretch>
+        </p:blipFill>
+        <p:spPr>
+          <a:xfrm>
+            <a:off x="9854048" y="172261"/>
+            <a:ext cx="2016370" cy="1062110"/>
+          </a:xfrm>
+          <a:prstGeom prst="rect">
+            <a:avLst/>
+          </a:prstGeom>
+          <a:effectLst/>
+        </p:spPr>
+      </p:pic>
+      <p:sp>
+        <p:nvSpPr>
+          <p:cNvPr id="5" name="TextBox 4">
+            <a:extLst>
+              <a:ext uri="{FF2B5EF4-FFF2-40B4-BE49-F238E27FC236}">
+                <a16:creationId xmlns:a16="http://schemas.microsoft.com/office/drawing/2014/main" id="{30C662EC-676F-6B83-7D6F-33C6F5C2C825}"/>
+              </a:ext>
+            </a:extLst>
+          </p:cNvPr>
+          <p:cNvSpPr txBox="1"/>
+          <p:nvPr/>
+        </p:nvSpPr>
+        <p:spPr>
+          <a:xfrm>
+            <a:off x="79217" y="6503580"/>
+            <a:ext cx="8005527" cy="246221"/>
+          </a:xfrm>
+          <a:prstGeom prst="rect">
+            <a:avLst/>
+          </a:prstGeom>
+          <a:noFill/>
+        </p:spPr>
+        <p:txBody>
+          <a:bodyPr wrap="square">
+            <a:spAutoFit/>
+          </a:bodyPr>
+          <a:lstStyle/>
+          <a:p>
+            <a:pPr>
+              <a:spcAft>
+                <a:spcPts val="600"/>
+              </a:spcAft>
+            </a:pPr>
+            <a:r>
+              <a:rPr lang="en" sz="1000" dirty="0">
+                <a:latin typeface="Times New Roman" panose="02020603050405020304" pitchFamily="18" charset="0"/>
+                <a:cs typeface="Times New Roman" panose="02020603050405020304" pitchFamily="18" charset="0"/>
+                <a:sym typeface="Lato"/>
+              </a:rPr>
+              <a:t>M.Eng. Information Technology WS24-25/ </a:t>
+            </a:r>
+            <a:r>
+              <a:rPr lang="en-US" sz="1000" dirty="0">
+                <a:latin typeface="Times New Roman" panose="02020603050405020304" pitchFamily="18" charset="0"/>
+                <a:cs typeface="Times New Roman" panose="02020603050405020304" pitchFamily="18" charset="0"/>
+              </a:rPr>
+              <a:t>Damir </a:t>
+            </a:r>
+            <a:r>
+              <a:rPr lang="en-US" sz="1000" dirty="0" err="1">
+                <a:latin typeface="Times New Roman" panose="02020603050405020304" pitchFamily="18" charset="0"/>
+                <a:cs typeface="Times New Roman" panose="02020603050405020304" pitchFamily="18" charset="0"/>
+              </a:rPr>
+              <a:t>Dobric</a:t>
+            </a:r>
+            <a:r>
+              <a:rPr lang="en-US" sz="1000" dirty="0">
+                <a:latin typeface="Times New Roman" panose="02020603050405020304" pitchFamily="18" charset="0"/>
+                <a:cs typeface="Times New Roman" panose="02020603050405020304" pitchFamily="18" charset="0"/>
+              </a:rPr>
+              <a:t> &amp; Andreas Pech</a:t>
+            </a:r>
+            <a:r>
+              <a:rPr lang="en" sz="1000" dirty="0">
+                <a:latin typeface="Times New Roman" panose="02020603050405020304" pitchFamily="18" charset="0"/>
+                <a:cs typeface="Times New Roman" panose="02020603050405020304" pitchFamily="18" charset="0"/>
+                <a:sym typeface="Lato"/>
+              </a:rPr>
+              <a:t>/ </a:t>
+            </a:r>
+            <a:r>
+              <a:rPr lang="en-US" sz="1000" dirty="0">
+                <a:latin typeface="Times New Roman" panose="02020603050405020304" pitchFamily="18" charset="0"/>
+                <a:cs typeface="Times New Roman" panose="02020603050405020304" pitchFamily="18" charset="0"/>
+              </a:rPr>
+              <a:t>Module Software Engineering</a:t>
+            </a:r>
+          </a:p>
+        </p:txBody>
+      </p:sp>
+    </p:spTree>
+    <p:extLst>
+      <p:ext uri="{BB962C8B-B14F-4D97-AF65-F5344CB8AC3E}">
+        <p14:creationId xmlns:p14="http://schemas.microsoft.com/office/powerpoint/2010/main" val="2248279115"/>
+      </p:ext>
+    </p:extLst>
+  </p:cSld>
+  <p:clrMapOvr>
+    <a:masterClrMapping/>
+  </p:clrMapOvr>
+</p:sld>
+</file>
+
+<file path=ppt/slides/slide11.xml><?xml version="1.0" encoding="utf-8"?>
+<p:sld xmlns:a="http://schemas.openxmlformats.org/drawingml/2006/main" xmlns:r="http://schemas.openxmlformats.org/officeDocument/2006/relationships" xmlns:p="http://schemas.openxmlformats.org/presentationml/2006/main">
+  <p:cSld>
+    <p:spTree>
+      <p:nvGrpSpPr>
+        <p:cNvPr id="1" name="">
+          <a:extLst>
+            <a:ext uri="{FF2B5EF4-FFF2-40B4-BE49-F238E27FC236}">
+              <a16:creationId xmlns:a16="http://schemas.microsoft.com/office/drawing/2014/main" id="{C7C9AE5A-04A3-34FB-427B-5ED833C016C4}"/>
+            </a:ext>
+          </a:extLst>
+        </p:cNvPr>
+        <p:cNvGrpSpPr/>
+        <p:nvPr/>
+      </p:nvGrpSpPr>
+      <p:grpSpPr>
+        <a:xfrm>
+          <a:off x="0" y="0"/>
+          <a:ext cx="0" cy="0"/>
+          <a:chOff x="0" y="0"/>
+          <a:chExt cx="0" cy="0"/>
+        </a:xfrm>
+      </p:grpSpPr>
+      <p:sp>
+        <p:nvSpPr>
+          <p:cNvPr id="2" name="Title 1">
+            <a:extLst>
+              <a:ext uri="{FF2B5EF4-FFF2-40B4-BE49-F238E27FC236}">
+                <a16:creationId xmlns:a16="http://schemas.microsoft.com/office/drawing/2014/main" id="{AEE288FB-8BAB-DF06-7398-35634F557655}"/>
+              </a:ext>
+            </a:extLst>
+          </p:cNvPr>
+          <p:cNvSpPr>
+            <a:spLocks noGrp="1"/>
+          </p:cNvSpPr>
+          <p:nvPr>
+            <p:ph type="title"/>
+          </p:nvPr>
+        </p:nvSpPr>
+        <p:spPr/>
+        <p:txBody>
+          <a:bodyPr/>
+          <a:lstStyle/>
+          <a:p>
+            <a:pPr algn="ctr"/>
+            <a:r>
+              <a:rPr lang="en-US" sz="3200" b="1" dirty="0">
+                <a:latin typeface="Times New Roman" panose="02020603050405020304" pitchFamily="18" charset="0"/>
+                <a:cs typeface="Times New Roman" panose="02020603050405020304" pitchFamily="18" charset="0"/>
+              </a:rPr>
+              <a:t>Result</a:t>
+            </a:r>
+            <a:br>
+              <a:rPr lang="en-US" sz="3600" b="1" dirty="0">
+                <a:latin typeface="Times New Roman" panose="02020603050405020304" pitchFamily="18" charset="0"/>
+                <a:cs typeface="Times New Roman" panose="02020603050405020304" pitchFamily="18" charset="0"/>
+              </a:rPr>
+            </a:br>
+            <a:endParaRPr lang="en-DE" dirty="0"/>
+          </a:p>
+        </p:txBody>
+      </p:sp>
+      <p:sp>
+        <p:nvSpPr>
+          <p:cNvPr id="3" name="Content Placeholder 2">
+            <a:extLst>
+              <a:ext uri="{FF2B5EF4-FFF2-40B4-BE49-F238E27FC236}">
+                <a16:creationId xmlns:a16="http://schemas.microsoft.com/office/drawing/2014/main" id="{D621FD6E-CBED-B5CF-7C01-01683D88353B}"/>
+              </a:ext>
+            </a:extLst>
+          </p:cNvPr>
+          <p:cNvSpPr>
+            <a:spLocks noGrp="1"/>
+          </p:cNvSpPr>
+          <p:nvPr>
+            <p:ph sz="half" idx="1"/>
+          </p:nvPr>
+        </p:nvSpPr>
+        <p:spPr>
+          <a:xfrm>
+            <a:off x="2227117" y="1764792"/>
+            <a:ext cx="4639524" cy="4139052"/>
+          </a:xfrm>
+        </p:spPr>
+        <p:txBody>
+          <a:bodyPr>
+            <a:normAutofit lnSpcReduction="10000"/>
+          </a:bodyPr>
+          <a:lstStyle/>
+          <a:p>
+            <a:pPr>
+              <a:buFont typeface="Wingdings" panose="05000000000000000000" pitchFamily="2" charset="2"/>
+              <a:buChar char="Ø"/>
+            </a:pPr>
+            <a:r>
+              <a:rPr lang="en-US" sz="1600" dirty="0">
+                <a:latin typeface="Times New Roman" panose="02020603050405020304" pitchFamily="18" charset="0"/>
+                <a:cs typeface="Times New Roman" panose="02020603050405020304" pitchFamily="18" charset="0"/>
+              </a:rPr>
+              <a:t>A time-series comparison plot showing the relationship between actual values, predicted values, and detected anomalies. </a:t>
+            </a:r>
+          </a:p>
+          <a:p>
+            <a:pPr>
+              <a:buFont typeface="Wingdings" panose="05000000000000000000" pitchFamily="2" charset="2"/>
+              <a:buChar char="Ø"/>
+            </a:pPr>
+            <a:r>
+              <a:rPr lang="en-US" sz="1600" dirty="0">
+                <a:latin typeface="Times New Roman" panose="02020603050405020304" pitchFamily="18" charset="0"/>
+                <a:cs typeface="Times New Roman" panose="02020603050405020304" pitchFamily="18" charset="0"/>
+              </a:rPr>
+              <a:t>Black Solid Line: Represents actual values, showing fluctuations over time.</a:t>
+            </a:r>
+          </a:p>
+          <a:p>
+            <a:pPr>
+              <a:buFont typeface="Wingdings" panose="05000000000000000000" pitchFamily="2" charset="2"/>
+              <a:buChar char="Ø"/>
+            </a:pPr>
+            <a:r>
+              <a:rPr lang="en-US" sz="1600" dirty="0">
+                <a:latin typeface="Times New Roman" panose="02020603050405020304" pitchFamily="18" charset="0"/>
+                <a:cs typeface="Times New Roman" panose="02020603050405020304" pitchFamily="18" charset="0"/>
+              </a:rPr>
+              <a:t>Blue Dashed Line: Represents predicted values, indicating the expected trend.</a:t>
+            </a:r>
+          </a:p>
+          <a:p>
+            <a:pPr>
+              <a:buFont typeface="Wingdings" panose="05000000000000000000" pitchFamily="2" charset="2"/>
+              <a:buChar char="Ø"/>
+            </a:pPr>
+            <a:r>
+              <a:rPr lang="en-US" sz="1600" dirty="0">
+                <a:latin typeface="Times New Roman" panose="02020603050405020304" pitchFamily="18" charset="0"/>
+                <a:cs typeface="Times New Roman" panose="02020603050405020304" pitchFamily="18" charset="0"/>
+              </a:rPr>
+              <a:t>Red Dots: Mark detected anomalies where actual values significantly diverge from predictions.</a:t>
+            </a:r>
+          </a:p>
+          <a:p>
+            <a:pPr>
+              <a:buFont typeface="Wingdings" panose="05000000000000000000" pitchFamily="2" charset="2"/>
+              <a:buChar char="Ø"/>
+            </a:pPr>
+            <a:r>
+              <a:rPr lang="en-US" sz="1600" dirty="0">
+                <a:latin typeface="Times New Roman" panose="02020603050405020304" pitchFamily="18" charset="0"/>
+                <a:cs typeface="Times New Roman" panose="02020603050405020304" pitchFamily="18" charset="0"/>
+              </a:rPr>
+              <a:t>Large deviations indicate unexpected real-world events, sensor malfunctions, or model inaccuracies.</a:t>
+            </a:r>
+          </a:p>
+          <a:p>
+            <a:pPr>
+              <a:buFont typeface="Wingdings" panose="05000000000000000000" pitchFamily="2" charset="2"/>
+              <a:buChar char="Ø"/>
+            </a:pPr>
+            <a:r>
+              <a:rPr lang="en-US" sz="1600" dirty="0">
+                <a:latin typeface="Times New Roman" panose="02020603050405020304" pitchFamily="18" charset="0"/>
+                <a:cs typeface="Times New Roman" panose="02020603050405020304" pitchFamily="18" charset="0"/>
+              </a:rPr>
+              <a:t>The predictive model struggles with sudden spikes or drops, revealing potential forecasting limitations.</a:t>
+            </a:r>
+          </a:p>
+          <a:p>
+            <a:pPr>
+              <a:buFont typeface="Wingdings" panose="05000000000000000000" pitchFamily="2" charset="2"/>
+              <a:buChar char="Ø"/>
+            </a:pPr>
+            <a:endParaRPr lang="en-US" dirty="0"/>
+          </a:p>
+          <a:p>
+            <a:pPr>
+              <a:buFont typeface="Wingdings" panose="05000000000000000000" pitchFamily="2" charset="2"/>
+              <a:buChar char="Ø"/>
+            </a:pPr>
+            <a:endParaRPr lang="en-US" dirty="0">
+              <a:latin typeface="Times New Roman" panose="02020603050405020304" pitchFamily="18" charset="0"/>
+              <a:cs typeface="Times New Roman" panose="02020603050405020304" pitchFamily="18" charset="0"/>
+            </a:endParaRPr>
+          </a:p>
+          <a:p>
+            <a:pPr>
+              <a:buFont typeface="Wingdings" panose="05000000000000000000" pitchFamily="2" charset="2"/>
+              <a:buChar char="q"/>
+            </a:pPr>
+            <a:endParaRPr lang="en-US" dirty="0">
+              <a:latin typeface="Times New Roman" panose="02020603050405020304" pitchFamily="18" charset="0"/>
+              <a:cs typeface="Times New Roman" panose="02020603050405020304" pitchFamily="18" charset="0"/>
+            </a:endParaRPr>
+          </a:p>
+        </p:txBody>
+      </p:sp>
+      <p:pic>
+        <p:nvPicPr>
+          <p:cNvPr id="4" name="Picture 3">
+            <a:extLst>
+              <a:ext uri="{FF2B5EF4-FFF2-40B4-BE49-F238E27FC236}">
+                <a16:creationId xmlns:a16="http://schemas.microsoft.com/office/drawing/2014/main" id="{462446C0-BC9C-0F00-F6A3-BD234D1FA4D6}"/>
+              </a:ext>
+            </a:extLst>
+          </p:cNvPr>
+          <p:cNvPicPr/>
+          <p:nvPr/>
+        </p:nvPicPr>
+        <p:blipFill>
+          <a:blip r:embed="rId3">
+            <a:extLst>
+              <a:ext uri="{BEBA8EAE-BF5A-486C-A8C5-ECC9F3942E4B}">
+                <a14:imgProps xmlns:a14="http://schemas.microsoft.com/office/drawing/2010/main">
+                  <a14:imgLayer r:embed="rId4">
+                    <a14:imgEffect>
+                      <a14:sharpenSoften amount="25000"/>
+                    </a14:imgEffect>
+                  </a14:imgLayer>
+                </a14:imgProps>
+              </a:ext>
+            </a:extLst>
+          </a:blip>
+          <a:stretch>
+            <a:fillRect/>
+          </a:stretch>
+        </p:blipFill>
+        <p:spPr>
+          <a:xfrm>
+            <a:off x="9854048" y="172261"/>
+            <a:ext cx="2016370" cy="1062110"/>
+          </a:xfrm>
+          <a:prstGeom prst="rect">
+            <a:avLst/>
+          </a:prstGeom>
+          <a:effectLst/>
+        </p:spPr>
+      </p:pic>
+      <p:sp>
+        <p:nvSpPr>
+          <p:cNvPr id="5" name="TextBox 4">
+            <a:extLst>
+              <a:ext uri="{FF2B5EF4-FFF2-40B4-BE49-F238E27FC236}">
+                <a16:creationId xmlns:a16="http://schemas.microsoft.com/office/drawing/2014/main" id="{E83C7D71-727C-2647-FB8C-8CDF6F79C811}"/>
+              </a:ext>
+            </a:extLst>
+          </p:cNvPr>
+          <p:cNvSpPr txBox="1"/>
+          <p:nvPr/>
+        </p:nvSpPr>
+        <p:spPr>
+          <a:xfrm>
+            <a:off x="79217" y="6503580"/>
+            <a:ext cx="8005527" cy="246221"/>
+          </a:xfrm>
+          <a:prstGeom prst="rect">
+            <a:avLst/>
+          </a:prstGeom>
+          <a:noFill/>
+        </p:spPr>
+        <p:txBody>
+          <a:bodyPr wrap="square">
+            <a:spAutoFit/>
+          </a:bodyPr>
+          <a:lstStyle/>
+          <a:p>
+            <a:pPr>
+              <a:spcAft>
+                <a:spcPts val="600"/>
+              </a:spcAft>
+            </a:pPr>
+            <a:r>
+              <a:rPr lang="en" sz="1000" dirty="0">
+                <a:latin typeface="Times New Roman" panose="02020603050405020304" pitchFamily="18" charset="0"/>
+                <a:cs typeface="Times New Roman" panose="02020603050405020304" pitchFamily="18" charset="0"/>
+                <a:sym typeface="Lato"/>
+              </a:rPr>
+              <a:t>M.Eng. Information Technology WS24-25/ </a:t>
+            </a:r>
+            <a:r>
+              <a:rPr lang="en-US" sz="1000" dirty="0">
+                <a:latin typeface="Times New Roman" panose="02020603050405020304" pitchFamily="18" charset="0"/>
+                <a:cs typeface="Times New Roman" panose="02020603050405020304" pitchFamily="18" charset="0"/>
+              </a:rPr>
+              <a:t>Damir </a:t>
+            </a:r>
+            <a:r>
+              <a:rPr lang="en-US" sz="1000" dirty="0" err="1">
+                <a:latin typeface="Times New Roman" panose="02020603050405020304" pitchFamily="18" charset="0"/>
+                <a:cs typeface="Times New Roman" panose="02020603050405020304" pitchFamily="18" charset="0"/>
+              </a:rPr>
+              <a:t>Dobric</a:t>
+            </a:r>
+            <a:r>
+              <a:rPr lang="en-US" sz="1000" dirty="0">
+                <a:latin typeface="Times New Roman" panose="02020603050405020304" pitchFamily="18" charset="0"/>
+                <a:cs typeface="Times New Roman" panose="02020603050405020304" pitchFamily="18" charset="0"/>
+              </a:rPr>
+              <a:t> &amp; Andreas Pech</a:t>
+            </a:r>
+            <a:r>
+              <a:rPr lang="en" sz="1000" dirty="0">
+                <a:latin typeface="Times New Roman" panose="02020603050405020304" pitchFamily="18" charset="0"/>
+                <a:cs typeface="Times New Roman" panose="02020603050405020304" pitchFamily="18" charset="0"/>
+                <a:sym typeface="Lato"/>
+              </a:rPr>
+              <a:t>/ </a:t>
+            </a:r>
+            <a:r>
+              <a:rPr lang="en-US" sz="1000" dirty="0">
+                <a:latin typeface="Times New Roman" panose="02020603050405020304" pitchFamily="18" charset="0"/>
+                <a:cs typeface="Times New Roman" panose="02020603050405020304" pitchFamily="18" charset="0"/>
+              </a:rPr>
+              <a:t>Module Software Engineering</a:t>
+            </a:r>
+          </a:p>
+        </p:txBody>
+      </p:sp>
+      <p:pic>
+        <p:nvPicPr>
+          <p:cNvPr id="9" name="Content Placeholder 8" descr="A graph showing the results of a performance&#10;&#10;AI-generated content may be incorrect.">
+            <a:extLst>
+              <a:ext uri="{FF2B5EF4-FFF2-40B4-BE49-F238E27FC236}">
+                <a16:creationId xmlns:a16="http://schemas.microsoft.com/office/drawing/2014/main" id="{DCCF6914-F090-D695-B4C5-EDD4F5B127F6}"/>
+              </a:ext>
+            </a:extLst>
+          </p:cNvPr>
+          <p:cNvPicPr>
+            <a:picLocks noGrp="1" noChangeAspect="1"/>
+          </p:cNvPicPr>
+          <p:nvPr>
+            <p:ph sz="half" idx="2"/>
+          </p:nvPr>
+        </p:nvPicPr>
+        <p:blipFill>
+          <a:blip r:embed="rId5">
+            <a:extLst>
+              <a:ext uri="{28A0092B-C50C-407E-A947-70E740481C1C}">
+                <a14:useLocalDpi xmlns:a14="http://schemas.microsoft.com/office/drawing/2010/main" val="0"/>
+              </a:ext>
+            </a:extLst>
+          </a:blip>
+          <a:stretch>
+            <a:fillRect/>
+          </a:stretch>
+        </p:blipFill>
+        <p:spPr>
+          <a:xfrm>
+            <a:off x="7191375" y="2936478"/>
+            <a:ext cx="4313238" cy="2156619"/>
+          </a:xfrm>
+        </p:spPr>
+      </p:pic>
+    </p:spTree>
+    <p:extLst>
+      <p:ext uri="{BB962C8B-B14F-4D97-AF65-F5344CB8AC3E}">
+        <p14:creationId xmlns:p14="http://schemas.microsoft.com/office/powerpoint/2010/main" val="2783596376"/>
+      </p:ext>
+    </p:extLst>
+  </p:cSld>
+  <p:clrMapOvr>
+    <a:masterClrMapping/>
+  </p:clrMapOvr>
+</p:sld>
+</file>
+
+<file path=ppt/slides/slide12.xml><?xml version="1.0" encoding="utf-8"?>
+<p:sld xmlns:a="http://schemas.openxmlformats.org/drawingml/2006/main" xmlns:r="http://schemas.openxmlformats.org/officeDocument/2006/relationships" xmlns:p="http://schemas.openxmlformats.org/presentationml/2006/main">
+  <p:cSld>
+    <p:spTree>
+      <p:nvGrpSpPr>
+        <p:cNvPr id="1" name="">
+          <a:extLst>
+            <a:ext uri="{FF2B5EF4-FFF2-40B4-BE49-F238E27FC236}">
+              <a16:creationId xmlns:a16="http://schemas.microsoft.com/office/drawing/2014/main" id="{FE772EFB-8698-BF6A-412D-F56FCDF2DC72}"/>
+            </a:ext>
+          </a:extLst>
+        </p:cNvPr>
+        <p:cNvGrpSpPr/>
+        <p:nvPr/>
+      </p:nvGrpSpPr>
+      <p:grpSpPr>
+        <a:xfrm>
+          <a:off x="0" y="0"/>
+          <a:ext cx="0" cy="0"/>
+          <a:chOff x="0" y="0"/>
+          <a:chExt cx="0" cy="0"/>
+        </a:xfrm>
+      </p:grpSpPr>
+      <p:sp>
+        <p:nvSpPr>
+          <p:cNvPr id="2" name="Title 1">
+            <a:extLst>
+              <a:ext uri="{FF2B5EF4-FFF2-40B4-BE49-F238E27FC236}">
+                <a16:creationId xmlns:a16="http://schemas.microsoft.com/office/drawing/2014/main" id="{CF0F3FFE-A854-05EA-768E-A854AC5940C3}"/>
+              </a:ext>
+            </a:extLst>
+          </p:cNvPr>
+          <p:cNvSpPr>
+            <a:spLocks noGrp="1"/>
+          </p:cNvSpPr>
+          <p:nvPr>
+            <p:ph type="title"/>
+          </p:nvPr>
+        </p:nvSpPr>
+        <p:spPr/>
+        <p:txBody>
+          <a:bodyPr/>
+          <a:lstStyle/>
+          <a:p>
+            <a:pPr algn="ctr"/>
+            <a:r>
+              <a:rPr lang="en-US" sz="3200" b="1" dirty="0">
+                <a:latin typeface="Times New Roman" panose="02020603050405020304" pitchFamily="18" charset="0"/>
+                <a:cs typeface="Times New Roman" panose="02020603050405020304" pitchFamily="18" charset="0"/>
+              </a:rPr>
+              <a:t>Result</a:t>
+            </a:r>
+            <a:br>
+              <a:rPr lang="en-US" sz="3600" b="1" dirty="0">
+                <a:latin typeface="Times New Roman" panose="02020603050405020304" pitchFamily="18" charset="0"/>
+                <a:cs typeface="Times New Roman" panose="02020603050405020304" pitchFamily="18" charset="0"/>
+              </a:rPr>
+            </a:br>
+            <a:endParaRPr lang="en-DE" dirty="0"/>
+          </a:p>
+        </p:txBody>
+      </p:sp>
+      <p:sp>
+        <p:nvSpPr>
+          <p:cNvPr id="3" name="Content Placeholder 2">
+            <a:extLst>
+              <a:ext uri="{FF2B5EF4-FFF2-40B4-BE49-F238E27FC236}">
+                <a16:creationId xmlns:a16="http://schemas.microsoft.com/office/drawing/2014/main" id="{758A06BB-6E84-34F0-C02D-D0E190D096AF}"/>
+              </a:ext>
+            </a:extLst>
+          </p:cNvPr>
+          <p:cNvSpPr>
+            <a:spLocks noGrp="1"/>
+          </p:cNvSpPr>
+          <p:nvPr>
+            <p:ph sz="half" idx="1"/>
+          </p:nvPr>
+        </p:nvSpPr>
+        <p:spPr>
+          <a:xfrm>
+            <a:off x="2227117" y="1764792"/>
+            <a:ext cx="4639524" cy="4139052"/>
+          </a:xfrm>
+        </p:spPr>
+        <p:txBody>
+          <a:bodyPr>
+            <a:normAutofit lnSpcReduction="10000"/>
+          </a:bodyPr>
+          <a:lstStyle/>
+          <a:p>
+            <a:pPr>
+              <a:buFont typeface="Wingdings" panose="05000000000000000000" pitchFamily="2" charset="2"/>
+              <a:buChar char="Ø"/>
+            </a:pPr>
+            <a:r>
+              <a:rPr lang="en-US" sz="1600" dirty="0">
+                <a:latin typeface="Times New Roman" panose="02020603050405020304" pitchFamily="18" charset="0"/>
+                <a:cs typeface="Times New Roman" panose="02020603050405020304" pitchFamily="18" charset="0"/>
+              </a:rPr>
+              <a:t>A histogram combined with a Kernel Density Estimate (KDE) curve to visualize prediction error distribution.</a:t>
+            </a:r>
+          </a:p>
+          <a:p>
+            <a:pPr>
+              <a:buFont typeface="Wingdings" panose="05000000000000000000" pitchFamily="2" charset="2"/>
+              <a:buChar char="Ø"/>
+            </a:pPr>
+            <a:r>
+              <a:rPr lang="en-US" sz="1600" dirty="0">
+                <a:latin typeface="Times New Roman" panose="02020603050405020304" pitchFamily="18" charset="0"/>
+                <a:cs typeface="Times New Roman" panose="02020603050405020304" pitchFamily="18" charset="0"/>
+              </a:rPr>
+              <a:t>X-axis: Represents prediction error values.</a:t>
+            </a:r>
+          </a:p>
+          <a:p>
+            <a:pPr>
+              <a:buFont typeface="Wingdings" panose="05000000000000000000" pitchFamily="2" charset="2"/>
+              <a:buChar char="Ø"/>
+            </a:pPr>
+            <a:r>
+              <a:rPr lang="en-US" sz="1600" dirty="0">
+                <a:latin typeface="Times New Roman" panose="02020603050405020304" pitchFamily="18" charset="0"/>
+                <a:cs typeface="Times New Roman" panose="02020603050405020304" pitchFamily="18" charset="0"/>
+              </a:rPr>
+              <a:t>Y-axis: Represents the frequency of prediction errors.</a:t>
+            </a:r>
+          </a:p>
+          <a:p>
+            <a:pPr>
+              <a:buFont typeface="Wingdings" panose="05000000000000000000" pitchFamily="2" charset="2"/>
+              <a:buChar char="Ø"/>
+            </a:pPr>
+            <a:r>
+              <a:rPr lang="en-US" sz="1600" dirty="0">
+                <a:latin typeface="Times New Roman" panose="02020603050405020304" pitchFamily="18" charset="0"/>
+                <a:cs typeface="Times New Roman" panose="02020603050405020304" pitchFamily="18" charset="0"/>
+              </a:rPr>
+              <a:t>Light Orange Histogram Bars: Show the number of occurrences for different error ranges.</a:t>
+            </a:r>
+          </a:p>
+          <a:p>
+            <a:pPr>
+              <a:buFont typeface="Wingdings" panose="05000000000000000000" pitchFamily="2" charset="2"/>
+              <a:buChar char="Ø"/>
+            </a:pPr>
+            <a:r>
+              <a:rPr lang="en-US" sz="1600" dirty="0">
+                <a:latin typeface="Times New Roman" panose="02020603050405020304" pitchFamily="18" charset="0"/>
+                <a:cs typeface="Times New Roman" panose="02020603050405020304" pitchFamily="18" charset="0"/>
+              </a:rPr>
+              <a:t>KDE Curve: Smooths the distribution to reveal underlying error patterns.</a:t>
+            </a:r>
+          </a:p>
+          <a:p>
+            <a:pPr>
+              <a:buFont typeface="Wingdings" panose="05000000000000000000" pitchFamily="2" charset="2"/>
+              <a:buChar char="Ø"/>
+            </a:pPr>
+            <a:r>
+              <a:rPr lang="en-US" sz="1600" dirty="0">
+                <a:latin typeface="Times New Roman" panose="02020603050405020304" pitchFamily="18" charset="0"/>
+                <a:cs typeface="Times New Roman" panose="02020603050405020304" pitchFamily="18" charset="0"/>
+              </a:rPr>
+              <a:t>Multiple peaks and large errors suggest variable model inaccuracies.</a:t>
+            </a:r>
+          </a:p>
+          <a:p>
+            <a:pPr>
+              <a:buFont typeface="Wingdings" panose="05000000000000000000" pitchFamily="2" charset="2"/>
+              <a:buChar char="Ø"/>
+            </a:pPr>
+            <a:r>
+              <a:rPr lang="en-US" sz="1600" dirty="0">
+                <a:latin typeface="Times New Roman" panose="02020603050405020304" pitchFamily="18" charset="0"/>
+                <a:cs typeface="Times New Roman" panose="02020603050405020304" pitchFamily="18" charset="0"/>
+              </a:rPr>
+              <a:t>High-frequency large errors indicate systemic biases or inefficiencies in the model.</a:t>
+            </a:r>
+          </a:p>
+          <a:p>
+            <a:pPr>
+              <a:buFont typeface="Wingdings" panose="05000000000000000000" pitchFamily="2" charset="2"/>
+              <a:buChar char="Ø"/>
+            </a:pPr>
+            <a:endParaRPr lang="en-US" sz="1600" dirty="0">
+              <a:latin typeface="Times New Roman" panose="02020603050405020304" pitchFamily="18" charset="0"/>
+              <a:cs typeface="Times New Roman" panose="02020603050405020304" pitchFamily="18" charset="0"/>
+            </a:endParaRPr>
+          </a:p>
+          <a:p>
+            <a:pPr>
+              <a:buFont typeface="Wingdings" panose="05000000000000000000" pitchFamily="2" charset="2"/>
+              <a:buChar char="Ø"/>
+            </a:pPr>
+            <a:endParaRPr lang="en-US" sz="1600" dirty="0">
+              <a:latin typeface="Times New Roman" panose="02020603050405020304" pitchFamily="18" charset="0"/>
+              <a:cs typeface="Times New Roman" panose="02020603050405020304" pitchFamily="18" charset="0"/>
+            </a:endParaRPr>
+          </a:p>
+          <a:p>
+            <a:pPr>
+              <a:buFont typeface="Wingdings" panose="05000000000000000000" pitchFamily="2" charset="2"/>
+              <a:buChar char="Ø"/>
+            </a:pPr>
+            <a:endParaRPr lang="en-US" dirty="0"/>
+          </a:p>
+          <a:p>
+            <a:pPr>
+              <a:buFont typeface="Wingdings" panose="05000000000000000000" pitchFamily="2" charset="2"/>
+              <a:buChar char="Ø"/>
+            </a:pPr>
+            <a:endParaRPr lang="en-US" dirty="0">
+              <a:latin typeface="Times New Roman" panose="02020603050405020304" pitchFamily="18" charset="0"/>
+              <a:cs typeface="Times New Roman" panose="02020603050405020304" pitchFamily="18" charset="0"/>
+            </a:endParaRPr>
+          </a:p>
+          <a:p>
+            <a:pPr>
+              <a:buFont typeface="Wingdings" panose="05000000000000000000" pitchFamily="2" charset="2"/>
+              <a:buChar char="q"/>
+            </a:pPr>
+            <a:endParaRPr lang="en-US" dirty="0">
+              <a:latin typeface="Times New Roman" panose="02020603050405020304" pitchFamily="18" charset="0"/>
+              <a:cs typeface="Times New Roman" panose="02020603050405020304" pitchFamily="18" charset="0"/>
+            </a:endParaRPr>
+          </a:p>
+        </p:txBody>
+      </p:sp>
+      <p:pic>
+        <p:nvPicPr>
+          <p:cNvPr id="4" name="Picture 3">
+            <a:extLst>
+              <a:ext uri="{FF2B5EF4-FFF2-40B4-BE49-F238E27FC236}">
+                <a16:creationId xmlns:a16="http://schemas.microsoft.com/office/drawing/2014/main" id="{6ED634AC-60E5-5AD2-EE3D-109A709DDD0B}"/>
+              </a:ext>
+            </a:extLst>
+          </p:cNvPr>
+          <p:cNvPicPr/>
+          <p:nvPr/>
+        </p:nvPicPr>
+        <p:blipFill>
+          <a:blip r:embed="rId3">
+            <a:extLst>
+              <a:ext uri="{BEBA8EAE-BF5A-486C-A8C5-ECC9F3942E4B}">
+                <a14:imgProps xmlns:a14="http://schemas.microsoft.com/office/drawing/2010/main">
+                  <a14:imgLayer r:embed="rId4">
+                    <a14:imgEffect>
+                      <a14:sharpenSoften amount="25000"/>
+                    </a14:imgEffect>
+                  </a14:imgLayer>
+                </a14:imgProps>
+              </a:ext>
+            </a:extLst>
+          </a:blip>
+          <a:stretch>
+            <a:fillRect/>
+          </a:stretch>
+        </p:blipFill>
+        <p:spPr>
+          <a:xfrm>
+            <a:off x="9854048" y="172261"/>
+            <a:ext cx="2016370" cy="1062110"/>
+          </a:xfrm>
+          <a:prstGeom prst="rect">
+            <a:avLst/>
+          </a:prstGeom>
+          <a:effectLst/>
+        </p:spPr>
+      </p:pic>
+      <p:sp>
+        <p:nvSpPr>
+          <p:cNvPr id="5" name="TextBox 4">
+            <a:extLst>
+              <a:ext uri="{FF2B5EF4-FFF2-40B4-BE49-F238E27FC236}">
+                <a16:creationId xmlns:a16="http://schemas.microsoft.com/office/drawing/2014/main" id="{71BA2CAB-C036-DDC2-D900-31A771E8E9EE}"/>
+              </a:ext>
+            </a:extLst>
+          </p:cNvPr>
+          <p:cNvSpPr txBox="1"/>
+          <p:nvPr/>
+        </p:nvSpPr>
+        <p:spPr>
+          <a:xfrm>
+            <a:off x="79217" y="6503580"/>
+            <a:ext cx="8005527" cy="246221"/>
+          </a:xfrm>
+          <a:prstGeom prst="rect">
+            <a:avLst/>
+          </a:prstGeom>
+          <a:noFill/>
+        </p:spPr>
+        <p:txBody>
+          <a:bodyPr wrap="square">
+            <a:spAutoFit/>
+          </a:bodyPr>
+          <a:lstStyle/>
+          <a:p>
+            <a:pPr>
+              <a:spcAft>
+                <a:spcPts val="600"/>
+              </a:spcAft>
+            </a:pPr>
+            <a:r>
+              <a:rPr lang="en" sz="1000" dirty="0">
+                <a:latin typeface="Times New Roman" panose="02020603050405020304" pitchFamily="18" charset="0"/>
+                <a:cs typeface="Times New Roman" panose="02020603050405020304" pitchFamily="18" charset="0"/>
+                <a:sym typeface="Lato"/>
+              </a:rPr>
+              <a:t>M.Eng. Information Technology WS24-25/ </a:t>
+            </a:r>
+            <a:r>
+              <a:rPr lang="en-US" sz="1000" dirty="0">
+                <a:latin typeface="Times New Roman" panose="02020603050405020304" pitchFamily="18" charset="0"/>
+                <a:cs typeface="Times New Roman" panose="02020603050405020304" pitchFamily="18" charset="0"/>
+              </a:rPr>
+              <a:t>Damir </a:t>
+            </a:r>
+            <a:r>
+              <a:rPr lang="en-US" sz="1000" dirty="0" err="1">
+                <a:latin typeface="Times New Roman" panose="02020603050405020304" pitchFamily="18" charset="0"/>
+                <a:cs typeface="Times New Roman" panose="02020603050405020304" pitchFamily="18" charset="0"/>
+              </a:rPr>
+              <a:t>Dobric</a:t>
+            </a:r>
+            <a:r>
+              <a:rPr lang="en-US" sz="1000" dirty="0">
+                <a:latin typeface="Times New Roman" panose="02020603050405020304" pitchFamily="18" charset="0"/>
+                <a:cs typeface="Times New Roman" panose="02020603050405020304" pitchFamily="18" charset="0"/>
+              </a:rPr>
+              <a:t> &amp; Andreas Pech</a:t>
+            </a:r>
+            <a:r>
+              <a:rPr lang="en" sz="1000" dirty="0">
+                <a:latin typeface="Times New Roman" panose="02020603050405020304" pitchFamily="18" charset="0"/>
+                <a:cs typeface="Times New Roman" panose="02020603050405020304" pitchFamily="18" charset="0"/>
+                <a:sym typeface="Lato"/>
+              </a:rPr>
+              <a:t>/ </a:t>
+            </a:r>
+            <a:r>
+              <a:rPr lang="en-US" sz="1000" dirty="0">
+                <a:latin typeface="Times New Roman" panose="02020603050405020304" pitchFamily="18" charset="0"/>
+                <a:cs typeface="Times New Roman" panose="02020603050405020304" pitchFamily="18" charset="0"/>
+              </a:rPr>
+              <a:t>Module Software Engineering</a:t>
+            </a:r>
+          </a:p>
+        </p:txBody>
+      </p:sp>
+      <p:pic>
+        <p:nvPicPr>
+          <p:cNvPr id="12" name="Content Placeholder 11" descr="A graph with numbers and lines&#10;&#10;AI-generated content may be incorrect.">
+            <a:extLst>
+              <a:ext uri="{FF2B5EF4-FFF2-40B4-BE49-F238E27FC236}">
+                <a16:creationId xmlns:a16="http://schemas.microsoft.com/office/drawing/2014/main" id="{CC38ACAE-FF7A-9A76-C08B-CB29A8C5CA85}"/>
+              </a:ext>
+            </a:extLst>
+          </p:cNvPr>
+          <p:cNvPicPr>
+            <a:picLocks noGrp="1" noChangeAspect="1"/>
+          </p:cNvPicPr>
+          <p:nvPr>
+            <p:ph sz="half" idx="2"/>
+          </p:nvPr>
+        </p:nvPicPr>
+        <p:blipFill>
+          <a:blip r:embed="rId5">
+            <a:extLst>
+              <a:ext uri="{28A0092B-C50C-407E-A947-70E740481C1C}">
+                <a14:useLocalDpi xmlns:a14="http://schemas.microsoft.com/office/drawing/2010/main" val="0"/>
+              </a:ext>
+            </a:extLst>
+          </a:blip>
+          <a:stretch>
+            <a:fillRect/>
+          </a:stretch>
+        </p:blipFill>
+        <p:spPr>
+          <a:xfrm>
+            <a:off x="7191375" y="2720817"/>
+            <a:ext cx="4313238" cy="2587942"/>
+          </a:xfrm>
+        </p:spPr>
+      </p:pic>
+    </p:spTree>
+    <p:extLst>
+      <p:ext uri="{BB962C8B-B14F-4D97-AF65-F5344CB8AC3E}">
+        <p14:creationId xmlns:p14="http://schemas.microsoft.com/office/powerpoint/2010/main" val="1694609508"/>
+      </p:ext>
+    </p:extLst>
+  </p:cSld>
+  <p:clrMapOvr>
+    <a:masterClrMapping/>
+  </p:clrMapOvr>
+</p:sld>
+</file>
+
+<file path=ppt/slides/slide13.xml><?xml version="1.0" encoding="utf-8"?>
+<p:sld xmlns:a="http://schemas.openxmlformats.org/drawingml/2006/main" xmlns:r="http://schemas.openxmlformats.org/officeDocument/2006/relationships" xmlns:p="http://schemas.openxmlformats.org/presentationml/2006/main">
+  <p:cSld>
+    <p:spTree>
+      <p:nvGrpSpPr>
+        <p:cNvPr id="1" name="">
+          <a:extLst>
+            <a:ext uri="{FF2B5EF4-FFF2-40B4-BE49-F238E27FC236}">
+              <a16:creationId xmlns:a16="http://schemas.microsoft.com/office/drawing/2014/main" id="{710AF412-27C7-6AB9-135F-D790B6A8AF56}"/>
+            </a:ext>
+          </a:extLst>
+        </p:cNvPr>
+        <p:cNvGrpSpPr/>
+        <p:nvPr/>
+      </p:nvGrpSpPr>
+      <p:grpSpPr>
+        <a:xfrm>
+          <a:off x="0" y="0"/>
+          <a:ext cx="0" cy="0"/>
+          <a:chOff x="0" y="0"/>
+          <a:chExt cx="0" cy="0"/>
+        </a:xfrm>
+      </p:grpSpPr>
+      <p:sp>
+        <p:nvSpPr>
+          <p:cNvPr id="2" name="Title 1">
+            <a:extLst>
+              <a:ext uri="{FF2B5EF4-FFF2-40B4-BE49-F238E27FC236}">
+                <a16:creationId xmlns:a16="http://schemas.microsoft.com/office/drawing/2014/main" id="{452EABFC-81F5-9FFB-AD22-44CE4A95044C}"/>
+              </a:ext>
+            </a:extLst>
+          </p:cNvPr>
+          <p:cNvSpPr>
+            <a:spLocks noGrp="1"/>
+          </p:cNvSpPr>
+          <p:nvPr>
+            <p:ph type="title"/>
+          </p:nvPr>
+        </p:nvSpPr>
+        <p:spPr/>
+        <p:txBody>
+          <a:bodyPr/>
+          <a:lstStyle/>
+          <a:p>
+            <a:pPr algn="ctr"/>
+            <a:r>
+              <a:rPr lang="en-US" sz="3200" b="1" dirty="0">
+                <a:latin typeface="Times New Roman" panose="02020603050405020304" pitchFamily="18" charset="0"/>
+                <a:cs typeface="Times New Roman" panose="02020603050405020304" pitchFamily="18" charset="0"/>
+              </a:rPr>
+              <a:t>Discussion</a:t>
+            </a:r>
+            <a:br>
+              <a:rPr lang="en-US" sz="3600" b="1" dirty="0">
+                <a:latin typeface="Times New Roman" panose="02020603050405020304" pitchFamily="18" charset="0"/>
+                <a:cs typeface="Times New Roman" panose="02020603050405020304" pitchFamily="18" charset="0"/>
+              </a:rPr>
+            </a:br>
+            <a:endParaRPr lang="en-DE" dirty="0"/>
+          </a:p>
+        </p:txBody>
+      </p:sp>
+      <p:sp>
+        <p:nvSpPr>
+          <p:cNvPr id="3" name="Content Placeholder 2">
+            <a:extLst>
+              <a:ext uri="{FF2B5EF4-FFF2-40B4-BE49-F238E27FC236}">
+                <a16:creationId xmlns:a16="http://schemas.microsoft.com/office/drawing/2014/main" id="{78F3FE18-C591-0ECB-4DE7-A6374C8BE05A}"/>
+              </a:ext>
+            </a:extLst>
+          </p:cNvPr>
+          <p:cNvSpPr>
+            <a:spLocks noGrp="1"/>
+          </p:cNvSpPr>
+          <p:nvPr>
+            <p:ph idx="1"/>
+          </p:nvPr>
+        </p:nvSpPr>
+        <p:spPr>
+          <a:xfrm>
+            <a:off x="2592925" y="1572768"/>
+            <a:ext cx="8915400" cy="4809744"/>
+          </a:xfrm>
+        </p:spPr>
+        <p:txBody>
+          <a:bodyPr>
+            <a:normAutofit fontScale="92500" lnSpcReduction="10000"/>
+          </a:bodyPr>
+          <a:lstStyle/>
+          <a:p>
+            <a:pPr>
+              <a:buFont typeface="Wingdings" panose="05000000000000000000" pitchFamily="2" charset="2"/>
+              <a:buChar char="Ø"/>
+            </a:pPr>
+            <a:r>
+              <a:rPr lang="en-US" sz="1600" dirty="0">
+                <a:latin typeface="Times New Roman" panose="02020603050405020304" pitchFamily="18" charset="0"/>
+                <a:cs typeface="Times New Roman" panose="02020603050405020304" pitchFamily="18" charset="0"/>
+              </a:rPr>
+              <a:t>Model effectively identifies outliers in datasets.</a:t>
+            </a:r>
+          </a:p>
+          <a:p>
+            <a:pPr>
+              <a:buFont typeface="Wingdings" panose="05000000000000000000" pitchFamily="2" charset="2"/>
+              <a:buChar char="Ø"/>
+            </a:pPr>
+            <a:r>
+              <a:rPr lang="en-US" sz="1600" dirty="0">
+                <a:latin typeface="Times New Roman" panose="02020603050405020304" pitchFamily="18" charset="0"/>
+                <a:cs typeface="Times New Roman" panose="02020603050405020304" pitchFamily="18" charset="0"/>
+              </a:rPr>
+              <a:t>Important applications: network security, fraud detection, predictive maintenance.</a:t>
+            </a:r>
+          </a:p>
+          <a:p>
+            <a:pPr>
+              <a:buFont typeface="Wingdings" panose="05000000000000000000" pitchFamily="2" charset="2"/>
+              <a:buChar char="Ø"/>
+            </a:pPr>
+            <a:r>
+              <a:rPr lang="en-US" sz="1600" dirty="0">
+                <a:latin typeface="Times New Roman" panose="02020603050405020304" pitchFamily="18" charset="0"/>
+                <a:cs typeface="Times New Roman" panose="02020603050405020304" pitchFamily="18" charset="0"/>
+              </a:rPr>
+              <a:t>Enhances real-time decision-making, reducing operational risks and improving system performance.</a:t>
+            </a:r>
+          </a:p>
+          <a:p>
+            <a:pPr>
+              <a:buFont typeface="Wingdings" panose="05000000000000000000" pitchFamily="2" charset="2"/>
+              <a:buChar char="Ø"/>
+            </a:pPr>
+            <a:r>
+              <a:rPr lang="en-US" sz="1600" dirty="0">
+                <a:latin typeface="Times New Roman" panose="02020603050405020304" pitchFamily="18" charset="0"/>
+                <a:cs typeface="Times New Roman" panose="02020603050405020304" pitchFamily="18" charset="0"/>
+              </a:rPr>
+              <a:t>FNR indicates the ratio of missed anomalies (actual anomalies reported as normal).</a:t>
+            </a:r>
+          </a:p>
+          <a:p>
+            <a:pPr>
+              <a:buFont typeface="Wingdings" panose="05000000000000000000" pitchFamily="2" charset="2"/>
+              <a:buChar char="Ø"/>
+            </a:pPr>
+            <a:r>
+              <a:rPr lang="en-US" sz="1600" dirty="0">
+                <a:latin typeface="Times New Roman" panose="02020603050405020304" pitchFamily="18" charset="0"/>
+                <a:cs typeface="Times New Roman" panose="02020603050405020304" pitchFamily="18" charset="0"/>
+              </a:rPr>
+              <a:t>Low FNR is crucial to prevent major consequences (e.g., fraud detection failures).</a:t>
+            </a:r>
+          </a:p>
+          <a:p>
+            <a:pPr>
+              <a:buFont typeface="Wingdings" panose="05000000000000000000" pitchFamily="2" charset="2"/>
+              <a:buChar char="Ø"/>
+            </a:pPr>
+            <a:r>
+              <a:rPr lang="en-US" sz="1600" dirty="0">
+                <a:latin typeface="Times New Roman" panose="02020603050405020304" pitchFamily="18" charset="0"/>
+                <a:cs typeface="Times New Roman" panose="02020603050405020304" pitchFamily="18" charset="0"/>
+              </a:rPr>
+              <a:t>False positives should be minimized to reduce unnecessary investigations.</a:t>
+            </a:r>
+          </a:p>
+          <a:p>
+            <a:pPr>
+              <a:buFont typeface="Wingdings" panose="05000000000000000000" pitchFamily="2" charset="2"/>
+              <a:buChar char="Ø"/>
+            </a:pPr>
+            <a:r>
+              <a:rPr lang="en-US" sz="1600" dirty="0">
+                <a:latin typeface="Times New Roman" panose="02020603050405020304" pitchFamily="18" charset="0"/>
+                <a:cs typeface="Times New Roman" panose="02020603050405020304" pitchFamily="18" charset="0"/>
+              </a:rPr>
+              <a:t>Limitations &amp; Challenges:</a:t>
+            </a:r>
+          </a:p>
+          <a:p>
+            <a:pPr marL="0" indent="0">
+              <a:buNone/>
+            </a:pPr>
+            <a:r>
+              <a:rPr lang="en-US" sz="1600" dirty="0">
+                <a:latin typeface="Times New Roman" panose="02020603050405020304" pitchFamily="18" charset="0"/>
+                <a:cs typeface="Times New Roman" panose="02020603050405020304" pitchFamily="18" charset="0"/>
+              </a:rPr>
+              <a:t>       Data Quality Dependency: Model performance is affected by data noise &amp; inconsistencies.</a:t>
+            </a:r>
+          </a:p>
+          <a:p>
+            <a:pPr marL="0" indent="0">
+              <a:buNone/>
+            </a:pPr>
+            <a:r>
+              <a:rPr lang="en-US" sz="1600" dirty="0">
+                <a:latin typeface="Times New Roman" panose="02020603050405020304" pitchFamily="18" charset="0"/>
+                <a:cs typeface="Times New Roman" panose="02020603050405020304" pitchFamily="18" charset="0"/>
+              </a:rPr>
+              <a:t>       Computational Constraints:</a:t>
+            </a:r>
+          </a:p>
+          <a:p>
+            <a:pPr marL="742950" lvl="1" indent="-285750">
+              <a:buFont typeface="Arial" panose="020B0604020202020204" pitchFamily="34" charset="0"/>
+              <a:buChar char="•"/>
+            </a:pPr>
+            <a:r>
+              <a:rPr lang="en-US" dirty="0">
+                <a:latin typeface="Times New Roman" panose="02020603050405020304" pitchFamily="18" charset="0"/>
+                <a:cs typeface="Times New Roman" panose="02020603050405020304" pitchFamily="18" charset="0"/>
+              </a:rPr>
+              <a:t>Limited sample size due to local machine processing power.</a:t>
+            </a:r>
+          </a:p>
+          <a:p>
+            <a:pPr marL="742950" lvl="1" indent="-285750">
+              <a:buFont typeface="Arial" panose="020B0604020202020204" pitchFamily="34" charset="0"/>
+              <a:buChar char="•"/>
+            </a:pPr>
+            <a:r>
+              <a:rPr lang="en-US" dirty="0">
+                <a:latin typeface="Times New Roman" panose="02020603050405020304" pitchFamily="18" charset="0"/>
+                <a:cs typeface="Times New Roman" panose="02020603050405020304" pitchFamily="18" charset="0"/>
+              </a:rPr>
+              <a:t>Cloud computing could improve training efficiency.</a:t>
+            </a:r>
+          </a:p>
+          <a:p>
+            <a:pPr marL="457200" lvl="1" indent="0">
+              <a:buNone/>
+            </a:pPr>
+            <a:r>
+              <a:rPr lang="en-US" dirty="0">
+                <a:latin typeface="Times New Roman" panose="02020603050405020304" pitchFamily="18" charset="0"/>
+                <a:cs typeface="Times New Roman" panose="02020603050405020304" pitchFamily="18" charset="0"/>
+              </a:rPr>
+              <a:t>Hyperparameter Optimization:</a:t>
+            </a:r>
+          </a:p>
+          <a:p>
+            <a:pPr marL="742950" lvl="1" indent="-285750">
+              <a:buFont typeface="Arial" panose="020B0604020202020204" pitchFamily="34" charset="0"/>
+              <a:buChar char="•"/>
+            </a:pPr>
+            <a:r>
+              <a:rPr lang="en-US" dirty="0">
+                <a:latin typeface="Times New Roman" panose="02020603050405020304" pitchFamily="18" charset="0"/>
+                <a:cs typeface="Times New Roman" panose="02020603050405020304" pitchFamily="18" charset="0"/>
+              </a:rPr>
+              <a:t>Fine-tuning can enhance anomaly detection accuracy.</a:t>
+            </a:r>
+          </a:p>
+          <a:p>
+            <a:pPr marL="0" indent="0">
+              <a:buNone/>
+            </a:pPr>
+            <a:r>
+              <a:rPr lang="en-US" sz="1600" dirty="0">
+                <a:latin typeface="Times New Roman" panose="02020603050405020304" pitchFamily="18" charset="0"/>
+                <a:cs typeface="Times New Roman" panose="02020603050405020304" pitchFamily="18" charset="0"/>
+              </a:rPr>
+              <a:t>   </a:t>
+            </a:r>
+          </a:p>
+          <a:p>
+            <a:pPr>
+              <a:buFont typeface="Arial" panose="020B0604020202020204" pitchFamily="34" charset="0"/>
+              <a:buChar char="•"/>
+            </a:pPr>
+            <a:endParaRPr lang="en-US" sz="1600" dirty="0">
+              <a:latin typeface="Times New Roman" panose="02020603050405020304" pitchFamily="18" charset="0"/>
+              <a:cs typeface="Times New Roman" panose="02020603050405020304" pitchFamily="18" charset="0"/>
+            </a:endParaRPr>
+          </a:p>
+          <a:p>
+            <a:pPr marL="0" indent="0">
+              <a:buNone/>
+            </a:pPr>
+            <a:endParaRPr lang="en-US" dirty="0"/>
+          </a:p>
+          <a:p>
+            <a:pPr>
+              <a:buFont typeface="Wingdings" panose="05000000000000000000" pitchFamily="2" charset="2"/>
+              <a:buChar char="Ø"/>
+            </a:pPr>
+            <a:endParaRPr lang="en-US" dirty="0">
+              <a:latin typeface="Times New Roman" panose="02020603050405020304" pitchFamily="18" charset="0"/>
+              <a:cs typeface="Times New Roman" panose="02020603050405020304" pitchFamily="18" charset="0"/>
+            </a:endParaRPr>
+          </a:p>
+          <a:p>
+            <a:pPr>
+              <a:buFont typeface="Wingdings" panose="05000000000000000000" pitchFamily="2" charset="2"/>
+              <a:buChar char="q"/>
+            </a:pPr>
+            <a:endParaRPr lang="en-US" dirty="0">
+              <a:latin typeface="Times New Roman" panose="02020603050405020304" pitchFamily="18" charset="0"/>
+              <a:cs typeface="Times New Roman" panose="02020603050405020304" pitchFamily="18" charset="0"/>
+            </a:endParaRPr>
+          </a:p>
+        </p:txBody>
+      </p:sp>
+      <p:pic>
+        <p:nvPicPr>
+          <p:cNvPr id="4" name="Picture 3">
+            <a:extLst>
+              <a:ext uri="{FF2B5EF4-FFF2-40B4-BE49-F238E27FC236}">
+                <a16:creationId xmlns:a16="http://schemas.microsoft.com/office/drawing/2014/main" id="{5D3C4B3B-48C4-E885-2124-12686542FCB4}"/>
+              </a:ext>
+            </a:extLst>
+          </p:cNvPr>
+          <p:cNvPicPr/>
+          <p:nvPr/>
+        </p:nvPicPr>
+        <p:blipFill>
+          <a:blip r:embed="rId3">
+            <a:extLst>
+              <a:ext uri="{BEBA8EAE-BF5A-486C-A8C5-ECC9F3942E4B}">
+                <a14:imgProps xmlns:a14="http://schemas.microsoft.com/office/drawing/2010/main">
+                  <a14:imgLayer r:embed="rId4">
+                    <a14:imgEffect>
+                      <a14:sharpenSoften amount="25000"/>
+                    </a14:imgEffect>
+                  </a14:imgLayer>
+                </a14:imgProps>
+              </a:ext>
+            </a:extLst>
+          </a:blip>
+          <a:stretch>
+            <a:fillRect/>
+          </a:stretch>
+        </p:blipFill>
+        <p:spPr>
+          <a:xfrm>
+            <a:off x="9854048" y="172261"/>
+            <a:ext cx="2016370" cy="1062110"/>
+          </a:xfrm>
+          <a:prstGeom prst="rect">
+            <a:avLst/>
+          </a:prstGeom>
+          <a:effectLst/>
+        </p:spPr>
+      </p:pic>
+      <p:sp>
+        <p:nvSpPr>
+          <p:cNvPr id="5" name="TextBox 4">
+            <a:extLst>
+              <a:ext uri="{FF2B5EF4-FFF2-40B4-BE49-F238E27FC236}">
+                <a16:creationId xmlns:a16="http://schemas.microsoft.com/office/drawing/2014/main" id="{A43018B1-F57F-BE24-3F28-F533F76F282B}"/>
+              </a:ext>
+            </a:extLst>
+          </p:cNvPr>
+          <p:cNvSpPr txBox="1"/>
+          <p:nvPr/>
+        </p:nvSpPr>
+        <p:spPr>
+          <a:xfrm>
+            <a:off x="79217" y="6503580"/>
+            <a:ext cx="8005527" cy="246221"/>
+          </a:xfrm>
+          <a:prstGeom prst="rect">
+            <a:avLst/>
+          </a:prstGeom>
+          <a:noFill/>
+        </p:spPr>
+        <p:txBody>
+          <a:bodyPr wrap="square">
+            <a:spAutoFit/>
+          </a:bodyPr>
+          <a:lstStyle/>
+          <a:p>
+            <a:pPr>
+              <a:spcAft>
+                <a:spcPts val="600"/>
+              </a:spcAft>
+            </a:pPr>
+            <a:r>
+              <a:rPr lang="en" sz="1000" dirty="0">
+                <a:latin typeface="Times New Roman" panose="02020603050405020304" pitchFamily="18" charset="0"/>
+                <a:cs typeface="Times New Roman" panose="02020603050405020304" pitchFamily="18" charset="0"/>
+                <a:sym typeface="Lato"/>
+              </a:rPr>
+              <a:t>M.Eng. Information Technology WS24-25/ </a:t>
+            </a:r>
+            <a:r>
+              <a:rPr lang="en-US" sz="1000" dirty="0">
+                <a:latin typeface="Times New Roman" panose="02020603050405020304" pitchFamily="18" charset="0"/>
+                <a:cs typeface="Times New Roman" panose="02020603050405020304" pitchFamily="18" charset="0"/>
+              </a:rPr>
+              <a:t>Damir </a:t>
+            </a:r>
+            <a:r>
+              <a:rPr lang="en-US" sz="1000" dirty="0" err="1">
+                <a:latin typeface="Times New Roman" panose="02020603050405020304" pitchFamily="18" charset="0"/>
+                <a:cs typeface="Times New Roman" panose="02020603050405020304" pitchFamily="18" charset="0"/>
+              </a:rPr>
+              <a:t>Dobric</a:t>
+            </a:r>
+            <a:r>
+              <a:rPr lang="en-US" sz="1000" dirty="0">
+                <a:latin typeface="Times New Roman" panose="02020603050405020304" pitchFamily="18" charset="0"/>
+                <a:cs typeface="Times New Roman" panose="02020603050405020304" pitchFamily="18" charset="0"/>
+              </a:rPr>
+              <a:t> &amp; Andreas Pech</a:t>
+            </a:r>
+            <a:r>
+              <a:rPr lang="en" sz="1000" dirty="0">
+                <a:latin typeface="Times New Roman" panose="02020603050405020304" pitchFamily="18" charset="0"/>
+                <a:cs typeface="Times New Roman" panose="02020603050405020304" pitchFamily="18" charset="0"/>
+                <a:sym typeface="Lato"/>
+              </a:rPr>
+              <a:t>/ </a:t>
+            </a:r>
+            <a:r>
+              <a:rPr lang="en-US" sz="1000" dirty="0">
+                <a:latin typeface="Times New Roman" panose="02020603050405020304" pitchFamily="18" charset="0"/>
+                <a:cs typeface="Times New Roman" panose="02020603050405020304" pitchFamily="18" charset="0"/>
+              </a:rPr>
+              <a:t>Module Software Engineering</a:t>
+            </a:r>
+          </a:p>
+        </p:txBody>
+      </p:sp>
+    </p:spTree>
+    <p:extLst>
+      <p:ext uri="{BB962C8B-B14F-4D97-AF65-F5344CB8AC3E}">
+        <p14:creationId xmlns:p14="http://schemas.microsoft.com/office/powerpoint/2010/main" val="4120450272"/>
+      </p:ext>
+    </p:extLst>
+  </p:cSld>
+  <p:clrMapOvr>
+    <a:masterClrMapping/>
+  </p:clrMapOvr>
+</p:sld>
+</file>
+
+<file path=ppt/slides/slide14.xml><?xml version="1.0" encoding="utf-8"?>
+<p:sld xmlns:a="http://schemas.openxmlformats.org/drawingml/2006/main" xmlns:r="http://schemas.openxmlformats.org/officeDocument/2006/relationships" xmlns:p="http://schemas.openxmlformats.org/presentationml/2006/main">
+  <p:cSld>
+    <p:spTree>
+      <p:nvGrpSpPr>
+        <p:cNvPr id="1" name="">
+          <a:extLst>
+            <a:ext uri="{FF2B5EF4-FFF2-40B4-BE49-F238E27FC236}">
+              <a16:creationId xmlns:a16="http://schemas.microsoft.com/office/drawing/2014/main" id="{39F8B9A3-8F9C-0EC3-C040-E24333053128}"/>
+            </a:ext>
+          </a:extLst>
+        </p:cNvPr>
+        <p:cNvGrpSpPr/>
+        <p:nvPr/>
+      </p:nvGrpSpPr>
+      <p:grpSpPr>
+        <a:xfrm>
+          <a:off x="0" y="0"/>
+          <a:ext cx="0" cy="0"/>
+          <a:chOff x="0" y="0"/>
+          <a:chExt cx="0" cy="0"/>
+        </a:xfrm>
+      </p:grpSpPr>
+      <p:sp>
+        <p:nvSpPr>
+          <p:cNvPr id="2" name="Title 1">
+            <a:extLst>
+              <a:ext uri="{FF2B5EF4-FFF2-40B4-BE49-F238E27FC236}">
+                <a16:creationId xmlns:a16="http://schemas.microsoft.com/office/drawing/2014/main" id="{F7BE5B2B-CCC2-1DDF-03DF-A00DA269DD7F}"/>
+              </a:ext>
+            </a:extLst>
+          </p:cNvPr>
+          <p:cNvSpPr>
+            <a:spLocks noGrp="1"/>
+          </p:cNvSpPr>
+          <p:nvPr>
+            <p:ph type="title"/>
+          </p:nvPr>
+        </p:nvSpPr>
+        <p:spPr/>
+        <p:txBody>
+          <a:bodyPr/>
+          <a:lstStyle/>
+          <a:p>
+            <a:pPr algn="ctr"/>
+            <a:r>
+              <a:rPr lang="en-US" sz="3200" b="1" dirty="0">
+                <a:latin typeface="Times New Roman" panose="02020603050405020304" pitchFamily="18" charset="0"/>
+                <a:cs typeface="Times New Roman" panose="02020603050405020304" pitchFamily="18" charset="0"/>
+              </a:rPr>
+              <a:t>References</a:t>
+            </a:r>
+            <a:br>
+              <a:rPr lang="en-US" sz="3600" b="1" dirty="0">
+                <a:latin typeface="Times New Roman" panose="02020603050405020304" pitchFamily="18" charset="0"/>
+                <a:cs typeface="Times New Roman" panose="02020603050405020304" pitchFamily="18" charset="0"/>
+              </a:rPr>
+            </a:br>
+            <a:endParaRPr lang="en-DE" dirty="0"/>
+          </a:p>
+        </p:txBody>
+      </p:sp>
+      <p:sp>
+        <p:nvSpPr>
+          <p:cNvPr id="3" name="Content Placeholder 2">
+            <a:extLst>
+              <a:ext uri="{FF2B5EF4-FFF2-40B4-BE49-F238E27FC236}">
+                <a16:creationId xmlns:a16="http://schemas.microsoft.com/office/drawing/2014/main" id="{128E2E41-3AEB-1DB4-C5EB-96B8E8786B09}"/>
+              </a:ext>
+            </a:extLst>
+          </p:cNvPr>
+          <p:cNvSpPr>
+            <a:spLocks noGrp="1"/>
+          </p:cNvSpPr>
+          <p:nvPr>
+            <p:ph idx="1"/>
+          </p:nvPr>
+        </p:nvSpPr>
+        <p:spPr>
+          <a:xfrm>
+            <a:off x="2592924" y="1905000"/>
+            <a:ext cx="9394859" cy="4477512"/>
+          </a:xfrm>
+        </p:spPr>
+        <p:txBody>
+          <a:bodyPr>
+            <a:normAutofit/>
+          </a:bodyPr>
+          <a:lstStyle/>
+          <a:p>
+            <a:pPr marL="0" indent="0">
+              <a:buNone/>
+            </a:pPr>
+            <a:r>
+              <a:rPr lang="en-US" sz="1600" dirty="0">
+                <a:latin typeface="Times New Roman" panose="02020603050405020304" pitchFamily="18" charset="0"/>
+                <a:cs typeface="Times New Roman" panose="02020603050405020304" pitchFamily="18" charset="0"/>
+              </a:rPr>
+              <a:t>[1] J. H. a. S. Blakeslee, "On Intelligence," in Henry Holt, New York, 2004.</a:t>
+            </a:r>
+          </a:p>
+          <a:p>
+            <a:pPr marL="0" indent="0">
+              <a:buNone/>
+            </a:pPr>
+            <a:r>
+              <a:rPr lang="en-US" sz="1600" dirty="0">
+                <a:latin typeface="Times New Roman" panose="02020603050405020304" pitchFamily="18" charset="0"/>
+                <a:cs typeface="Times New Roman" panose="02020603050405020304" pitchFamily="18" charset="0"/>
+              </a:rPr>
+              <a:t>[2] J. S. a. S. </a:t>
+            </a:r>
+            <a:r>
+              <a:rPr lang="en-US" sz="1600" dirty="0" err="1">
+                <a:latin typeface="Times New Roman" panose="02020603050405020304" pitchFamily="18" charset="0"/>
+                <a:cs typeface="Times New Roman" panose="02020603050405020304" pitchFamily="18" charset="0"/>
+              </a:rPr>
+              <a:t>Latré</a:t>
+            </a:r>
+            <a:r>
+              <a:rPr lang="en-US" sz="1600" dirty="0">
+                <a:latin typeface="Times New Roman" panose="02020603050405020304" pitchFamily="18" charset="0"/>
+                <a:cs typeface="Times New Roman" panose="02020603050405020304" pitchFamily="18" charset="0"/>
+              </a:rPr>
+              <a:t>, "Hierarchical temporal memory and recurrent neural networks for time series              prediction: An empirical validation and reduction to multilayer </a:t>
+            </a:r>
+            <a:r>
+              <a:rPr lang="en-US" sz="1600" dirty="0" err="1">
+                <a:latin typeface="Times New Roman" panose="02020603050405020304" pitchFamily="18" charset="0"/>
+                <a:cs typeface="Times New Roman" panose="02020603050405020304" pitchFamily="18" charset="0"/>
+              </a:rPr>
+              <a:t>perceptrons</a:t>
+            </a:r>
+            <a:r>
+              <a:rPr lang="en-US" sz="1600" dirty="0">
+                <a:latin typeface="Times New Roman" panose="02020603050405020304" pitchFamily="18" charset="0"/>
+                <a:cs typeface="Times New Roman" panose="02020603050405020304" pitchFamily="18" charset="0"/>
+              </a:rPr>
+              <a:t>," in Neurocomputing, 2020.</a:t>
+            </a:r>
+          </a:p>
+          <a:p>
+            <a:pPr marL="0" indent="0">
+              <a:buNone/>
+            </a:pPr>
+            <a:r>
+              <a:rPr lang="en-US" sz="1600" dirty="0">
+                <a:latin typeface="Times New Roman" panose="02020603050405020304" pitchFamily="18" charset="0"/>
+                <a:cs typeface="Times New Roman" panose="02020603050405020304" pitchFamily="18" charset="0"/>
+              </a:rPr>
+              <a:t>[3] V. Lomonaco, "A machine learning guide to HTM (Hierarchical Temporal Memory)," 2019. [Online].Available: https://www.numenta.com/blog/2019/10/24/machinelearning-guide-to-htm.</a:t>
+            </a:r>
+          </a:p>
+          <a:p>
+            <a:pPr marL="0" indent="0">
+              <a:buNone/>
+            </a:pPr>
+            <a:r>
+              <a:rPr lang="en-US" sz="1600" dirty="0">
+                <a:latin typeface="Times New Roman" panose="02020603050405020304" pitchFamily="18" charset="0"/>
+                <a:cs typeface="Times New Roman" panose="02020603050405020304" pitchFamily="18" charset="0"/>
+              </a:rPr>
+              <a:t>[4] a. H. H. J. A. Starzyk, "</a:t>
+            </a:r>
+            <a:r>
+              <a:rPr lang="en-US" sz="1600" dirty="0" err="1">
+                <a:latin typeface="Times New Roman" panose="02020603050405020304" pitchFamily="18" charset="0"/>
+                <a:cs typeface="Times New Roman" panose="02020603050405020304" pitchFamily="18" charset="0"/>
+              </a:rPr>
+              <a:t>Spatio</a:t>
+            </a:r>
+            <a:r>
+              <a:rPr lang="en-US" sz="1600" dirty="0">
+                <a:latin typeface="Times New Roman" panose="02020603050405020304" pitchFamily="18" charset="0"/>
+                <a:cs typeface="Times New Roman" panose="02020603050405020304" pitchFamily="18" charset="0"/>
+              </a:rPr>
+              <a:t>–Temporal Memories for Machine Learning: A Long-Term Memory Organization,“ in IEEE TRANSACTIONS ON NEURAL NETWORKS, 2009.</a:t>
+            </a:r>
+          </a:p>
+          <a:p>
+            <a:pPr marL="0" indent="0">
+              <a:buNone/>
+            </a:pPr>
+            <a:r>
+              <a:rPr lang="en-US" sz="1600" dirty="0">
+                <a:latin typeface="Times New Roman" panose="02020603050405020304" pitchFamily="18" charset="0"/>
+                <a:cs typeface="Times New Roman" panose="02020603050405020304" pitchFamily="18" charset="0"/>
+              </a:rPr>
+              <a:t>[5] A. &amp;. A. S. Lavin, "Evaluating real-time anomaly detection algorithms - the </a:t>
+            </a:r>
+            <a:r>
+              <a:rPr lang="en-US" sz="1600" dirty="0" err="1">
+                <a:latin typeface="Times New Roman" panose="02020603050405020304" pitchFamily="18" charset="0"/>
+                <a:cs typeface="Times New Roman" panose="02020603050405020304" pitchFamily="18" charset="0"/>
+              </a:rPr>
+              <a:t>Numenta</a:t>
+            </a:r>
+            <a:r>
+              <a:rPr lang="en-US" sz="1600" dirty="0">
+                <a:latin typeface="Times New Roman" panose="02020603050405020304" pitchFamily="18" charset="0"/>
+                <a:cs typeface="Times New Roman" panose="02020603050405020304" pitchFamily="18" charset="0"/>
+              </a:rPr>
+              <a:t> Anomaly Benchmark," in In </a:t>
+            </a:r>
+            <a:r>
+              <a:rPr lang="en-US" sz="1600" dirty="0" err="1">
+                <a:latin typeface="Times New Roman" panose="02020603050405020304" pitchFamily="18" charset="0"/>
+                <a:cs typeface="Times New Roman" panose="02020603050405020304" pitchFamily="18" charset="0"/>
+              </a:rPr>
+              <a:t>arXiv</a:t>
+            </a:r>
+            <a:r>
+              <a:rPr lang="en-US" sz="1600" dirty="0">
+                <a:latin typeface="Times New Roman" panose="02020603050405020304" pitchFamily="18" charset="0"/>
+                <a:cs typeface="Times New Roman" panose="02020603050405020304" pitchFamily="18" charset="0"/>
+              </a:rPr>
+              <a:t> [cs.AI], 2015.   </a:t>
+            </a:r>
+          </a:p>
+          <a:p>
+            <a:pPr>
+              <a:buFont typeface="Arial" panose="020B0604020202020204" pitchFamily="34" charset="0"/>
+              <a:buChar char="•"/>
+            </a:pPr>
+            <a:endParaRPr lang="en-US" sz="1600" dirty="0">
+              <a:latin typeface="Times New Roman" panose="02020603050405020304" pitchFamily="18" charset="0"/>
+              <a:cs typeface="Times New Roman" panose="02020603050405020304" pitchFamily="18" charset="0"/>
+            </a:endParaRPr>
+          </a:p>
+          <a:p>
+            <a:pPr marL="0" indent="0">
+              <a:buNone/>
+            </a:pPr>
+            <a:endParaRPr lang="en-US" dirty="0"/>
+          </a:p>
+          <a:p>
+            <a:pPr>
+              <a:buFont typeface="Wingdings" panose="05000000000000000000" pitchFamily="2" charset="2"/>
+              <a:buChar char="Ø"/>
+            </a:pPr>
+            <a:endParaRPr lang="en-US" dirty="0">
+              <a:latin typeface="Times New Roman" panose="02020603050405020304" pitchFamily="18" charset="0"/>
+              <a:cs typeface="Times New Roman" panose="02020603050405020304" pitchFamily="18" charset="0"/>
+            </a:endParaRPr>
+          </a:p>
+          <a:p>
+            <a:pPr>
+              <a:buFont typeface="Wingdings" panose="05000000000000000000" pitchFamily="2" charset="2"/>
+              <a:buChar char="q"/>
+            </a:pPr>
+            <a:endParaRPr lang="en-US" dirty="0">
+              <a:latin typeface="Times New Roman" panose="02020603050405020304" pitchFamily="18" charset="0"/>
+              <a:cs typeface="Times New Roman" panose="02020603050405020304" pitchFamily="18" charset="0"/>
+            </a:endParaRPr>
+          </a:p>
+        </p:txBody>
+      </p:sp>
+      <p:pic>
+        <p:nvPicPr>
+          <p:cNvPr id="4" name="Picture 3">
+            <a:extLst>
+              <a:ext uri="{FF2B5EF4-FFF2-40B4-BE49-F238E27FC236}">
+                <a16:creationId xmlns:a16="http://schemas.microsoft.com/office/drawing/2014/main" id="{585CD9E5-6F61-5C98-CDDA-3A2242DF50DD}"/>
+              </a:ext>
+            </a:extLst>
+          </p:cNvPr>
+          <p:cNvPicPr/>
+          <p:nvPr/>
+        </p:nvPicPr>
+        <p:blipFill>
+          <a:blip r:embed="rId3">
+            <a:extLst>
+              <a:ext uri="{BEBA8EAE-BF5A-486C-A8C5-ECC9F3942E4B}">
+                <a14:imgProps xmlns:a14="http://schemas.microsoft.com/office/drawing/2010/main">
+                  <a14:imgLayer r:embed="rId4">
+                    <a14:imgEffect>
+                      <a14:sharpenSoften amount="25000"/>
+                    </a14:imgEffect>
+                  </a14:imgLayer>
+                </a14:imgProps>
+              </a:ext>
+            </a:extLst>
+          </a:blip>
+          <a:stretch>
+            <a:fillRect/>
+          </a:stretch>
+        </p:blipFill>
+        <p:spPr>
+          <a:xfrm>
+            <a:off x="9854048" y="172261"/>
+            <a:ext cx="2016370" cy="1062110"/>
+          </a:xfrm>
+          <a:prstGeom prst="rect">
+            <a:avLst/>
+          </a:prstGeom>
+          <a:effectLst/>
+        </p:spPr>
+      </p:pic>
+      <p:sp>
+        <p:nvSpPr>
+          <p:cNvPr id="5" name="TextBox 4">
+            <a:extLst>
+              <a:ext uri="{FF2B5EF4-FFF2-40B4-BE49-F238E27FC236}">
+                <a16:creationId xmlns:a16="http://schemas.microsoft.com/office/drawing/2014/main" id="{77168A1B-9147-62A8-5D89-20136F89869E}"/>
+              </a:ext>
+            </a:extLst>
+          </p:cNvPr>
+          <p:cNvSpPr txBox="1"/>
+          <p:nvPr/>
+        </p:nvSpPr>
+        <p:spPr>
+          <a:xfrm>
+            <a:off x="79217" y="6503580"/>
+            <a:ext cx="8005527" cy="246221"/>
+          </a:xfrm>
+          <a:prstGeom prst="rect">
+            <a:avLst/>
+          </a:prstGeom>
+          <a:noFill/>
+        </p:spPr>
+        <p:txBody>
+          <a:bodyPr wrap="square">
+            <a:spAutoFit/>
+          </a:bodyPr>
+          <a:lstStyle/>
+          <a:p>
+            <a:pPr>
+              <a:spcAft>
+                <a:spcPts val="600"/>
+              </a:spcAft>
+            </a:pPr>
+            <a:r>
+              <a:rPr lang="en" sz="1000" dirty="0">
+                <a:latin typeface="Times New Roman" panose="02020603050405020304" pitchFamily="18" charset="0"/>
+                <a:cs typeface="Times New Roman" panose="02020603050405020304" pitchFamily="18" charset="0"/>
+                <a:sym typeface="Lato"/>
+              </a:rPr>
+              <a:t>M.Eng. Information Technology WS24-25/ </a:t>
+            </a:r>
+            <a:r>
+              <a:rPr lang="en-US" sz="1000" dirty="0">
+                <a:latin typeface="Times New Roman" panose="02020603050405020304" pitchFamily="18" charset="0"/>
+                <a:cs typeface="Times New Roman" panose="02020603050405020304" pitchFamily="18" charset="0"/>
+              </a:rPr>
+              <a:t>Damir </a:t>
+            </a:r>
+            <a:r>
+              <a:rPr lang="en-US" sz="1000" dirty="0" err="1">
+                <a:latin typeface="Times New Roman" panose="02020603050405020304" pitchFamily="18" charset="0"/>
+                <a:cs typeface="Times New Roman" panose="02020603050405020304" pitchFamily="18" charset="0"/>
+              </a:rPr>
+              <a:t>Dobric</a:t>
+            </a:r>
+            <a:r>
+              <a:rPr lang="en-US" sz="1000" dirty="0">
+                <a:latin typeface="Times New Roman" panose="02020603050405020304" pitchFamily="18" charset="0"/>
+                <a:cs typeface="Times New Roman" panose="02020603050405020304" pitchFamily="18" charset="0"/>
+              </a:rPr>
+              <a:t> &amp; Andreas Pech</a:t>
+            </a:r>
+            <a:r>
+              <a:rPr lang="en" sz="1000" dirty="0">
+                <a:latin typeface="Times New Roman" panose="02020603050405020304" pitchFamily="18" charset="0"/>
+                <a:cs typeface="Times New Roman" panose="02020603050405020304" pitchFamily="18" charset="0"/>
+                <a:sym typeface="Lato"/>
+              </a:rPr>
+              <a:t>/ </a:t>
+            </a:r>
+            <a:r>
+              <a:rPr lang="en-US" sz="1000" dirty="0">
+                <a:latin typeface="Times New Roman" panose="02020603050405020304" pitchFamily="18" charset="0"/>
+                <a:cs typeface="Times New Roman" panose="02020603050405020304" pitchFamily="18" charset="0"/>
+              </a:rPr>
+              <a:t>Module Software Engineering</a:t>
+            </a:r>
+          </a:p>
+        </p:txBody>
+      </p:sp>
+    </p:spTree>
+    <p:extLst>
+      <p:ext uri="{BB962C8B-B14F-4D97-AF65-F5344CB8AC3E}">
+        <p14:creationId xmlns:p14="http://schemas.microsoft.com/office/powerpoint/2010/main" val="2795102737"/>
+      </p:ext>
+    </p:extLst>
+  </p:cSld>
+  <p:clrMapOvr>
+    <a:masterClrMapping/>
+  </p:clrMapOvr>
+</p:sld>
+</file>
+
+<file path=ppt/slides/slide15.xml><?xml version="1.0" encoding="utf-8"?>
+<p:sld xmlns:a="http://schemas.openxmlformats.org/drawingml/2006/main" xmlns:r="http://schemas.openxmlformats.org/officeDocument/2006/relationships" xmlns:p="http://schemas.openxmlformats.org/presentationml/2006/main">
+  <p:cSld>
+    <p:spTree>
+      <p:nvGrpSpPr>
+        <p:cNvPr id="1" name="">
+          <a:extLst>
+            <a:ext uri="{FF2B5EF4-FFF2-40B4-BE49-F238E27FC236}">
+              <a16:creationId xmlns:a16="http://schemas.microsoft.com/office/drawing/2014/main" id="{D00837AA-A0D3-3E99-621B-8C55CF0DC402}"/>
+            </a:ext>
+          </a:extLst>
+        </p:cNvPr>
+        <p:cNvGrpSpPr/>
+        <p:nvPr/>
+      </p:nvGrpSpPr>
+      <p:grpSpPr>
+        <a:xfrm>
+          <a:off x="0" y="0"/>
+          <a:ext cx="0" cy="0"/>
+          <a:chOff x="0" y="0"/>
+          <a:chExt cx="0" cy="0"/>
+        </a:xfrm>
+      </p:grpSpPr>
+      <p:sp>
+        <p:nvSpPr>
+          <p:cNvPr id="2" name="Title 1">
+            <a:extLst>
+              <a:ext uri="{FF2B5EF4-FFF2-40B4-BE49-F238E27FC236}">
+                <a16:creationId xmlns:a16="http://schemas.microsoft.com/office/drawing/2014/main" id="{B868E2D1-4C27-6E6A-D4C8-1AF7A2B7A24E}"/>
+              </a:ext>
+            </a:extLst>
+          </p:cNvPr>
+          <p:cNvSpPr>
+            <a:spLocks noGrp="1"/>
+          </p:cNvSpPr>
+          <p:nvPr>
+            <p:ph type="title"/>
+          </p:nvPr>
+        </p:nvSpPr>
+        <p:spPr/>
+        <p:txBody>
+          <a:bodyPr/>
+          <a:lstStyle/>
+          <a:p>
+            <a:pPr algn="ctr"/>
+            <a:r>
+              <a:rPr lang="en-US" sz="3200" b="1" dirty="0">
+                <a:latin typeface="Times New Roman" panose="02020603050405020304" pitchFamily="18" charset="0"/>
+                <a:cs typeface="Times New Roman" panose="02020603050405020304" pitchFamily="18" charset="0"/>
+              </a:rPr>
+              <a:t>Q&amp;A</a:t>
+            </a:r>
+            <a:br>
+              <a:rPr lang="en-US" sz="3600" b="1" dirty="0">
+                <a:latin typeface="Times New Roman" panose="02020603050405020304" pitchFamily="18" charset="0"/>
+                <a:cs typeface="Times New Roman" panose="02020603050405020304" pitchFamily="18" charset="0"/>
+              </a:rPr>
+            </a:br>
+            <a:endParaRPr lang="en-DE" dirty="0"/>
+          </a:p>
+        </p:txBody>
+      </p:sp>
+      <p:sp>
+        <p:nvSpPr>
+          <p:cNvPr id="3" name="Content Placeholder 2">
+            <a:extLst>
+              <a:ext uri="{FF2B5EF4-FFF2-40B4-BE49-F238E27FC236}">
+                <a16:creationId xmlns:a16="http://schemas.microsoft.com/office/drawing/2014/main" id="{84C7A7F9-B2B2-E96F-8C3F-B8D19CC101DF}"/>
+              </a:ext>
+            </a:extLst>
+          </p:cNvPr>
+          <p:cNvSpPr>
+            <a:spLocks noGrp="1"/>
+          </p:cNvSpPr>
+          <p:nvPr>
+            <p:ph idx="1"/>
+          </p:nvPr>
+        </p:nvSpPr>
+        <p:spPr>
+          <a:xfrm>
+            <a:off x="2660903" y="1905000"/>
+            <a:ext cx="8513065" cy="3927951"/>
+          </a:xfrm>
+        </p:spPr>
+        <p:txBody>
+          <a:bodyPr>
+            <a:normAutofit/>
+          </a:bodyPr>
+          <a:lstStyle/>
+          <a:p>
+            <a:pPr marL="0" indent="0">
+              <a:buNone/>
+            </a:pPr>
+            <a:endParaRPr lang="en-US" sz="1600" dirty="0">
+              <a:latin typeface="Times New Roman" panose="02020603050405020304" pitchFamily="18" charset="0"/>
+              <a:cs typeface="Times New Roman" panose="02020603050405020304" pitchFamily="18" charset="0"/>
+            </a:endParaRPr>
+          </a:p>
+          <a:p>
+            <a:pPr marL="0" indent="0">
+              <a:buNone/>
+            </a:pPr>
+            <a:endParaRPr lang="en-US" dirty="0"/>
+          </a:p>
+          <a:p>
+            <a:pPr>
+              <a:buFont typeface="Wingdings" panose="05000000000000000000" pitchFamily="2" charset="2"/>
+              <a:buChar char="Ø"/>
+            </a:pPr>
+            <a:endParaRPr lang="en-US" dirty="0">
+              <a:latin typeface="Times New Roman" panose="02020603050405020304" pitchFamily="18" charset="0"/>
+              <a:cs typeface="Times New Roman" panose="02020603050405020304" pitchFamily="18" charset="0"/>
+            </a:endParaRPr>
+          </a:p>
+          <a:p>
+            <a:pPr marL="0" indent="0" algn="ctr">
+              <a:buNone/>
+            </a:pPr>
+            <a:r>
+              <a:rPr lang="en-US" dirty="0">
+                <a:latin typeface="Times New Roman" panose="02020603050405020304" pitchFamily="18" charset="0"/>
+                <a:cs typeface="Times New Roman" panose="02020603050405020304" pitchFamily="18" charset="0"/>
+              </a:rPr>
+              <a:t>Thank you for your attention!</a:t>
+            </a:r>
+          </a:p>
+        </p:txBody>
+      </p:sp>
+      <p:pic>
+        <p:nvPicPr>
+          <p:cNvPr id="4" name="Picture 3">
+            <a:extLst>
+              <a:ext uri="{FF2B5EF4-FFF2-40B4-BE49-F238E27FC236}">
+                <a16:creationId xmlns:a16="http://schemas.microsoft.com/office/drawing/2014/main" id="{B0412A10-014F-B58E-E307-E4EFCEF04427}"/>
+              </a:ext>
+            </a:extLst>
+          </p:cNvPr>
+          <p:cNvPicPr/>
+          <p:nvPr/>
+        </p:nvPicPr>
+        <p:blipFill>
+          <a:blip r:embed="rId3">
+            <a:extLst>
+              <a:ext uri="{BEBA8EAE-BF5A-486C-A8C5-ECC9F3942E4B}">
+                <a14:imgProps xmlns:a14="http://schemas.microsoft.com/office/drawing/2010/main">
+                  <a14:imgLayer r:embed="rId4">
+                    <a14:imgEffect>
+                      <a14:sharpenSoften amount="25000"/>
+                    </a14:imgEffect>
+                  </a14:imgLayer>
+                </a14:imgProps>
+              </a:ext>
+            </a:extLst>
+          </a:blip>
+          <a:stretch>
+            <a:fillRect/>
+          </a:stretch>
+        </p:blipFill>
+        <p:spPr>
+          <a:xfrm>
+            <a:off x="9854048" y="172261"/>
+            <a:ext cx="2016370" cy="1062110"/>
+          </a:xfrm>
+          <a:prstGeom prst="rect">
+            <a:avLst/>
+          </a:prstGeom>
+          <a:effectLst/>
+        </p:spPr>
+      </p:pic>
+      <p:sp>
+        <p:nvSpPr>
+          <p:cNvPr id="5" name="TextBox 4">
+            <a:extLst>
+              <a:ext uri="{FF2B5EF4-FFF2-40B4-BE49-F238E27FC236}">
+                <a16:creationId xmlns:a16="http://schemas.microsoft.com/office/drawing/2014/main" id="{E77374C2-0C6A-EEB1-2BAE-2BFF53866703}"/>
+              </a:ext>
+            </a:extLst>
+          </p:cNvPr>
+          <p:cNvSpPr txBox="1"/>
+          <p:nvPr/>
+        </p:nvSpPr>
+        <p:spPr>
+          <a:xfrm>
+            <a:off x="79217" y="6503580"/>
+            <a:ext cx="8005527" cy="246221"/>
+          </a:xfrm>
+          <a:prstGeom prst="rect">
+            <a:avLst/>
+          </a:prstGeom>
+          <a:noFill/>
+        </p:spPr>
+        <p:txBody>
+          <a:bodyPr wrap="square">
+            <a:spAutoFit/>
+          </a:bodyPr>
+          <a:lstStyle/>
+          <a:p>
+            <a:pPr>
+              <a:spcAft>
+                <a:spcPts val="600"/>
+              </a:spcAft>
+            </a:pPr>
+            <a:r>
+              <a:rPr lang="en" sz="1000" dirty="0">
+                <a:latin typeface="Times New Roman" panose="02020603050405020304" pitchFamily="18" charset="0"/>
+                <a:cs typeface="Times New Roman" panose="02020603050405020304" pitchFamily="18" charset="0"/>
+                <a:sym typeface="Lato"/>
+              </a:rPr>
+              <a:t>M.Eng. Information Technology WS24-25/ </a:t>
+            </a:r>
+            <a:r>
+              <a:rPr lang="en-US" sz="1000" dirty="0">
+                <a:latin typeface="Times New Roman" panose="02020603050405020304" pitchFamily="18" charset="0"/>
+                <a:cs typeface="Times New Roman" panose="02020603050405020304" pitchFamily="18" charset="0"/>
+              </a:rPr>
+              <a:t>Damir </a:t>
+            </a:r>
+            <a:r>
+              <a:rPr lang="en-US" sz="1000" dirty="0" err="1">
+                <a:latin typeface="Times New Roman" panose="02020603050405020304" pitchFamily="18" charset="0"/>
+                <a:cs typeface="Times New Roman" panose="02020603050405020304" pitchFamily="18" charset="0"/>
+              </a:rPr>
+              <a:t>Dobric</a:t>
+            </a:r>
+            <a:r>
+              <a:rPr lang="en-US" sz="1000" dirty="0">
+                <a:latin typeface="Times New Roman" panose="02020603050405020304" pitchFamily="18" charset="0"/>
+                <a:cs typeface="Times New Roman" panose="02020603050405020304" pitchFamily="18" charset="0"/>
+              </a:rPr>
+              <a:t> &amp; Andreas Pech</a:t>
+            </a:r>
+            <a:r>
+              <a:rPr lang="en" sz="1000" dirty="0">
+                <a:latin typeface="Times New Roman" panose="02020603050405020304" pitchFamily="18" charset="0"/>
+                <a:cs typeface="Times New Roman" panose="02020603050405020304" pitchFamily="18" charset="0"/>
+                <a:sym typeface="Lato"/>
+              </a:rPr>
+              <a:t>/ </a:t>
+            </a:r>
+            <a:r>
+              <a:rPr lang="en-US" sz="1000" dirty="0">
+                <a:latin typeface="Times New Roman" panose="02020603050405020304" pitchFamily="18" charset="0"/>
+                <a:cs typeface="Times New Roman" panose="02020603050405020304" pitchFamily="18" charset="0"/>
+              </a:rPr>
+              <a:t>Module Software Engineering</a:t>
+            </a:r>
+          </a:p>
+        </p:txBody>
+      </p:sp>
+    </p:spTree>
+    <p:extLst>
+      <p:ext uri="{BB962C8B-B14F-4D97-AF65-F5344CB8AC3E}">
+        <p14:creationId xmlns:p14="http://schemas.microsoft.com/office/powerpoint/2010/main" val="280491643"/>
+      </p:ext>
+    </p:extLst>
+  </p:cSld>
+  <p:clrMapOvr>
+    <a:masterClrMapping/>
+  </p:clrMapOvr>
+  <p:timing>
+    <p:tnLst>
+      <p:par>
+        <p:cTn id="1" dur="indefinite" restart="never" nodeType="tmRoot">
+          <p:childTnLst>
+            <p:seq concurrent="1" nextAc="seek">
+              <p:cTn id="2" dur="indefinite" nodeType="mainSeq">
+                <p:childTnLst>
+                  <p:par>
+                    <p:cTn id="3" fill="hold">
+                      <p:stCondLst>
+                        <p:cond delay="indefinite"/>
+                      </p:stCondLst>
+                      <p:childTnLst>
+                        <p:par>
+                          <p:cTn id="4" fill="hold">
+                            <p:stCondLst>
+                              <p:cond delay="0"/>
+                            </p:stCondLst>
+                            <p:childTnLst>
+                              <p:par>
+                                <p:cTn id="5" presetID="42" presetClass="entr" presetSubtype="0" fill="hold" grpId="0" nodeType="clickEffect">
+                                  <p:stCondLst>
+                                    <p:cond delay="0"/>
+                                  </p:stCondLst>
+                                  <p:childTnLst>
+                                    <p:set>
+                                      <p:cBhvr>
+                                        <p:cTn id="6" dur="1" fill="hold">
+                                          <p:stCondLst>
+                                            <p:cond delay="0"/>
+                                          </p:stCondLst>
+                                        </p:cTn>
+                                        <p:tgtEl>
+                                          <p:spTgt spid="3">
+                                            <p:txEl>
+                                              <p:pRg st="3" end="3"/>
+                                            </p:txEl>
+                                          </p:spTgt>
+                                        </p:tgtEl>
+                                        <p:attrNameLst>
+                                          <p:attrName>style.visibility</p:attrName>
+                                        </p:attrNameLst>
+                                      </p:cBhvr>
+                                      <p:to>
+                                        <p:strVal val="visible"/>
+                                      </p:to>
+                                    </p:set>
+                                    <p:animEffect transition="in" filter="fade">
+                                      <p:cBhvr>
+                                        <p:cTn id="7" dur="1000"/>
+                                        <p:tgtEl>
+                                          <p:spTgt spid="3">
+                                            <p:txEl>
+                                              <p:pRg st="3" end="3"/>
+                                            </p:txEl>
+                                          </p:spTgt>
+                                        </p:tgtEl>
+                                      </p:cBhvr>
+                                    </p:animEffect>
+                                    <p:anim calcmode="lin" valueType="num">
+                                      <p:cBhvr>
+                                        <p:cTn id="8" dur="1000" fill="hold"/>
+                                        <p:tgtEl>
+                                          <p:spTgt spid="3">
+                                            <p:txEl>
+                                              <p:pRg st="3" end="3"/>
+                                            </p:txEl>
+                                          </p:spTgt>
+                                        </p:tgtEl>
+                                        <p:attrNameLst>
+                                          <p:attrName>ppt_x</p:attrName>
+                                        </p:attrNameLst>
+                                      </p:cBhvr>
+                                      <p:tavLst>
+                                        <p:tav tm="0">
+                                          <p:val>
+                                            <p:strVal val="#ppt_x"/>
+                                          </p:val>
+                                        </p:tav>
+                                        <p:tav tm="100000">
+                                          <p:val>
+                                            <p:strVal val="#ppt_x"/>
+                                          </p:val>
+                                        </p:tav>
+                                      </p:tavLst>
+                                    </p:anim>
+                                    <p:anim calcmode="lin" valueType="num">
+                                      <p:cBhvr>
+                                        <p:cTn id="9" dur="1000" fill="hold"/>
+                                        <p:tgtEl>
+                                          <p:spTgt spid="3">
+                                            <p:txEl>
+                                              <p:pRg st="3" end="3"/>
+                                            </p:txEl>
+                                          </p:spTgt>
+                                        </p:tgtEl>
+                                        <p:attrNameLst>
+                                          <p:attrName>ppt_y</p:attrName>
+                                        </p:attrNameLst>
+                                      </p:cBhvr>
+                                      <p:tavLst>
+                                        <p:tav tm="0">
+                                          <p:val>
+                                            <p:strVal val="#ppt_y+.1"/>
+                                          </p:val>
+                                        </p:tav>
+                                        <p:tav tm="100000">
+                                          <p:val>
+                                            <p:strVal val="#ppt_y"/>
+                                          </p:val>
+                                        </p:tav>
+                                      </p:tavLst>
+                                    </p:anim>
+                                  </p:childTnLst>
+                                </p:cTn>
+                              </p:par>
+                            </p:childTnLst>
+                          </p:cTn>
+                        </p:par>
+                      </p:childTnLst>
+                    </p:cTn>
+                  </p:par>
+                </p:childTnLst>
+              </p:cTn>
+              <p:prevCondLst>
+                <p:cond evt="onPrev" delay="0">
+                  <p:tgtEl>
+                    <p:sldTgt/>
+                  </p:tgtEl>
+                </p:cond>
+              </p:prevCondLst>
+              <p:nextCondLst>
+                <p:cond evt="onNext" delay="0">
+                  <p:tgtEl>
+                    <p:sldTgt/>
+                  </p:tgtEl>
+                </p:cond>
+              </p:nextCondLst>
+            </p:seq>
+          </p:childTnLst>
+        </p:cTn>
+      </p:par>
+    </p:tnLst>
+    <p:bldLst>
+      <p:bldP spid="3" grpId="0" build="p"/>
+    </p:bldLst>
+  </p:timing>
+</p:sld>
+</file>
+
 <file path=ppt/slides/slide2.xml><?xml version="1.0" encoding="utf-8"?>
 <p:sld xmlns:a="http://schemas.openxmlformats.org/drawingml/2006/main" xmlns:r="http://schemas.openxmlformats.org/officeDocument/2006/relationships" xmlns:p="http://schemas.openxmlformats.org/presentationml/2006/main">
   <p:cSld>
@@ -9407,13 +12550,34 @@
                 <a:latin typeface="Times New Roman" panose="02020603050405020304" pitchFamily="18" charset="0"/>
                 <a:cs typeface="Times New Roman" panose="02020603050405020304" pitchFamily="18" charset="0"/>
               </a:rPr>
-              <a:t>Result &amp; Discussion</a:t>
-            </a:r>
-          </a:p>
-          <a:p>
-            <a:pPr marL="0" indent="0">
-              <a:buNone/>
-            </a:pPr>
+              <a:t>Result </a:t>
+            </a:r>
+          </a:p>
+          <a:p>
+            <a:pPr>
+              <a:buFont typeface="Wingdings" panose="05000000000000000000" pitchFamily="2" charset="2"/>
+              <a:buChar char="q"/>
+            </a:pPr>
+            <a:r>
+              <a:rPr lang="en-US" dirty="0">
+                <a:latin typeface="Times New Roman" panose="02020603050405020304" pitchFamily="18" charset="0"/>
+                <a:cs typeface="Times New Roman" panose="02020603050405020304" pitchFamily="18" charset="0"/>
+              </a:rPr>
+              <a:t>Discussion</a:t>
+            </a:r>
+          </a:p>
+          <a:p>
+            <a:pPr>
+              <a:buFont typeface="Wingdings" panose="05000000000000000000" pitchFamily="2" charset="2"/>
+              <a:buChar char="q"/>
+            </a:pPr>
+            <a:r>
+              <a:rPr lang="en-US">
+                <a:latin typeface="Times New Roman" panose="02020603050405020304" pitchFamily="18" charset="0"/>
+                <a:cs typeface="Times New Roman" panose="02020603050405020304" pitchFamily="18" charset="0"/>
+              </a:rPr>
+              <a:t>References</a:t>
+            </a:r>
             <a:endParaRPr lang="en-US" dirty="0">
               <a:latin typeface="Times New Roman" panose="02020603050405020304" pitchFamily="18" charset="0"/>
               <a:cs typeface="Times New Roman" panose="02020603050405020304" pitchFamily="18" charset="0"/>
@@ -11253,6 +14417,45 @@
       </p:grpSpPr>
       <p:sp>
         <p:nvSpPr>
+          <p:cNvPr id="2" name="Title 1">
+            <a:extLst>
+              <a:ext uri="{FF2B5EF4-FFF2-40B4-BE49-F238E27FC236}">
+                <a16:creationId xmlns:a16="http://schemas.microsoft.com/office/drawing/2014/main" id="{A101CC03-9049-9407-44C3-0C1979805305}"/>
+              </a:ext>
+            </a:extLst>
+          </p:cNvPr>
+          <p:cNvSpPr>
+            <a:spLocks noGrp="1"/>
+          </p:cNvSpPr>
+          <p:nvPr>
+            <p:ph type="title"/>
+          </p:nvPr>
+        </p:nvSpPr>
+        <p:spPr/>
+        <p:txBody>
+          <a:bodyPr/>
+          <a:lstStyle/>
+          <a:p>
+            <a:pPr algn="ctr"/>
+            <a:r>
+              <a:rPr lang="en-US" sz="3200" b="1" dirty="0">
+                <a:latin typeface="Times New Roman" panose="02020603050405020304" pitchFamily="18" charset="0"/>
+                <a:cs typeface="Times New Roman" panose="02020603050405020304" pitchFamily="18" charset="0"/>
+              </a:rPr>
+              <a:t>Anomaly Detection</a:t>
+            </a:r>
+            <a:br>
+              <a:rPr lang="en-US" sz="3600" b="1" dirty="0">
+                <a:latin typeface="Times New Roman" panose="02020603050405020304" pitchFamily="18" charset="0"/>
+                <a:cs typeface="Times New Roman" panose="02020603050405020304" pitchFamily="18" charset="0"/>
+              </a:rPr>
+            </a:br>
+            <a:endParaRPr lang="en-DE" dirty="0"/>
+          </a:p>
+        </p:txBody>
+      </p:sp>
+      <p:sp>
+        <p:nvSpPr>
           <p:cNvPr id="3" name="Content Placeholder 2">
             <a:extLst>
               <a:ext uri="{FF2B5EF4-FFF2-40B4-BE49-F238E27FC236}">
@@ -11264,35 +14467,112 @@
             <a:spLocks noGrp="1"/>
           </p:cNvSpPr>
           <p:nvPr>
-            <p:ph idx="1"/>
-          </p:nvPr>
-        </p:nvSpPr>
-        <p:spPr>
-          <a:xfrm>
-            <a:off x="1946832" y="1307592"/>
-            <a:ext cx="10095815" cy="5120640"/>
-          </a:xfrm>
-        </p:spPr>
+            <p:ph sz="half" idx="1"/>
+          </p:nvPr>
+        </p:nvSpPr>
+        <p:spPr/>
         <p:txBody>
           <a:bodyPr>
-            <a:normAutofit/>
+            <a:normAutofit lnSpcReduction="10000"/>
           </a:bodyPr>
           <a:lstStyle/>
           <a:p>
-            <a:pPr marL="0" indent="0" algn="ctr">
-              <a:buNone/>
-            </a:pPr>
-            <a:r>
-              <a:rPr lang="en-US" sz="3200" b="1" dirty="0">
-                <a:latin typeface="Times New Roman" panose="02020603050405020304" pitchFamily="18" charset="0"/>
-                <a:cs typeface="Times New Roman" panose="02020603050405020304" pitchFamily="18" charset="0"/>
-              </a:rPr>
-              <a:t>Anomaly Detection</a:t>
-            </a:r>
-          </a:p>
-          <a:p>
-            <a:pPr marL="0" indent="0">
-              <a:buNone/>
+            <a:pPr>
+              <a:buFont typeface="Wingdings" panose="05000000000000000000" pitchFamily="2" charset="2"/>
+              <a:buChar char="Ø"/>
+            </a:pPr>
+            <a:r>
+              <a:rPr lang="en-US" sz="1800" dirty="0">
+                <a:latin typeface="Times New Roman" panose="02020603050405020304" pitchFamily="18" charset="0"/>
+                <a:cs typeface="Times New Roman" panose="02020603050405020304" pitchFamily="18" charset="0"/>
+              </a:rPr>
+              <a:t>We have taken network load data and trained our </a:t>
+            </a:r>
+            <a:r>
+              <a:rPr lang="en-US" sz="1800" dirty="0" err="1">
+                <a:latin typeface="Times New Roman" panose="02020603050405020304" pitchFamily="18" charset="0"/>
+                <a:cs typeface="Times New Roman" panose="02020603050405020304" pitchFamily="18" charset="0"/>
+              </a:rPr>
+              <a:t>htm</a:t>
+            </a:r>
+            <a:r>
+              <a:rPr lang="en-US" sz="1800" dirty="0">
+                <a:latin typeface="Times New Roman" panose="02020603050405020304" pitchFamily="18" charset="0"/>
+                <a:cs typeface="Times New Roman" panose="02020603050405020304" pitchFamily="18" charset="0"/>
+              </a:rPr>
+              <a:t> engine.</a:t>
+            </a:r>
+          </a:p>
+          <a:p>
+            <a:pPr>
+              <a:buFont typeface="Wingdings" panose="05000000000000000000" pitchFamily="2" charset="2"/>
+              <a:buChar char="Ø"/>
+            </a:pPr>
+            <a:r>
+              <a:rPr lang="en-US" sz="1800" dirty="0">
+                <a:latin typeface="Times New Roman" panose="02020603050405020304" pitchFamily="18" charset="0"/>
+                <a:cs typeface="Times New Roman" panose="02020603050405020304" pitchFamily="18" charset="0"/>
+              </a:rPr>
+              <a:t>After that added anomalies randomly in our prediction data.</a:t>
+            </a:r>
+          </a:p>
+          <a:p>
+            <a:pPr>
+              <a:buFont typeface="Wingdings" panose="05000000000000000000" pitchFamily="2" charset="2"/>
+              <a:buChar char="Ø"/>
+            </a:pPr>
+            <a:r>
+              <a:rPr lang="en-US" sz="1800" dirty="0">
+                <a:latin typeface="Times New Roman" panose="02020603050405020304" pitchFamily="18" charset="0"/>
+                <a:cs typeface="Times New Roman" panose="02020603050405020304" pitchFamily="18" charset="0"/>
+              </a:rPr>
+              <a:t>Later on trained our data and detect anomalies using trained </a:t>
+            </a:r>
+            <a:r>
+              <a:rPr lang="en-US" sz="1800" dirty="0" err="1">
+                <a:latin typeface="Times New Roman" panose="02020603050405020304" pitchFamily="18" charset="0"/>
+                <a:cs typeface="Times New Roman" panose="02020603050405020304" pitchFamily="18" charset="0"/>
+              </a:rPr>
+              <a:t>htm</a:t>
+            </a:r>
+            <a:r>
+              <a:rPr lang="en-US" sz="1800" dirty="0">
+                <a:latin typeface="Times New Roman" panose="02020603050405020304" pitchFamily="18" charset="0"/>
+                <a:cs typeface="Times New Roman" panose="02020603050405020304" pitchFamily="18" charset="0"/>
+              </a:rPr>
+              <a:t> engine</a:t>
+            </a:r>
+          </a:p>
+          <a:p>
+            <a:pPr>
+              <a:buFont typeface="Wingdings" panose="05000000000000000000" pitchFamily="2" charset="2"/>
+              <a:buChar char="Ø"/>
+            </a:pPr>
+            <a:r>
+              <a:rPr lang="en-US" sz="1800" dirty="0">
+                <a:latin typeface="Times New Roman" panose="02020603050405020304" pitchFamily="18" charset="0"/>
+                <a:cs typeface="Times New Roman" panose="02020603050405020304" pitchFamily="18" charset="0"/>
+              </a:rPr>
+              <a:t>Here(in figure) is the shown outcome of the project where both combined training data and predicting data.</a:t>
+            </a:r>
+          </a:p>
+          <a:p>
+            <a:pPr>
+              <a:buFont typeface="Wingdings" panose="05000000000000000000" pitchFamily="2" charset="2"/>
+              <a:buChar char="Ø"/>
+            </a:pPr>
+            <a:r>
+              <a:rPr lang="en-US" sz="1800" dirty="0">
+                <a:latin typeface="Times New Roman" panose="02020603050405020304" pitchFamily="18" charset="0"/>
+                <a:cs typeface="Times New Roman" panose="02020603050405020304" pitchFamily="18" charset="0"/>
+              </a:rPr>
+              <a:t>The Range 45 to 55 is the normal range and all outliers outside the range are considered as Anomalies.</a:t>
+            </a:r>
+          </a:p>
+          <a:p>
+            <a:pPr>
+              <a:buFont typeface="Wingdings" panose="05000000000000000000" pitchFamily="2" charset="2"/>
+              <a:buChar char="Ø"/>
             </a:pPr>
             <a:endParaRPr lang="en-US" dirty="0">
               <a:latin typeface="Times New Roman" panose="02020603050405020304" pitchFamily="18" charset="0"/>
@@ -11300,8 +14580,9 @@
             </a:endParaRPr>
           </a:p>
           <a:p>
-            <a:pPr marL="0" indent="0">
-              <a:buNone/>
+            <a:pPr>
+              <a:buFont typeface="Wingdings" panose="05000000000000000000" pitchFamily="2" charset="2"/>
+              <a:buChar char="Ø"/>
             </a:pPr>
             <a:endParaRPr lang="en-US" dirty="0">
               <a:latin typeface="Times New Roman" panose="02020603050405020304" pitchFamily="18" charset="0"/>
@@ -11313,6 +14594,13 @@
               <a:buFont typeface="Wingdings" panose="05000000000000000000" pitchFamily="2" charset="2"/>
               <a:buChar char="Ø"/>
             </a:pPr>
+            <a:endParaRPr lang="en-US" dirty="0"/>
+          </a:p>
+          <a:p>
+            <a:pPr>
+              <a:buFont typeface="Wingdings" panose="05000000000000000000" pitchFamily="2" charset="2"/>
+              <a:buChar char="Ø"/>
+            </a:pPr>
             <a:endParaRPr lang="en-US" dirty="0">
               <a:latin typeface="Times New Roman" panose="02020603050405020304" pitchFamily="18" charset="0"/>
               <a:cs typeface="Times New Roman" panose="02020603050405020304" pitchFamily="18" charset="0"/>
@@ -11321,38 +14609,496 @@
           <a:p>
             <a:pPr>
               <a:buFont typeface="Wingdings" panose="05000000000000000000" pitchFamily="2" charset="2"/>
-              <a:buChar char="Ø"/>
-            </a:pPr>
-            <a:endParaRPr lang="en-US" dirty="0"/>
-          </a:p>
-          <a:p>
-            <a:pPr>
-              <a:buFont typeface="Wingdings" panose="05000000000000000000" pitchFamily="2" charset="2"/>
-              <a:buChar char="Ø"/>
+              <a:buChar char="q"/>
             </a:pPr>
             <a:endParaRPr lang="en-US" dirty="0">
               <a:latin typeface="Times New Roman" panose="02020603050405020304" pitchFamily="18" charset="0"/>
               <a:cs typeface="Times New Roman" panose="02020603050405020304" pitchFamily="18" charset="0"/>
             </a:endParaRPr>
           </a:p>
-          <a:p>
-            <a:pPr>
-              <a:buFont typeface="Wingdings" panose="05000000000000000000" pitchFamily="2" charset="2"/>
-              <a:buChar char="q"/>
-            </a:pPr>
-            <a:endParaRPr lang="en-US" dirty="0">
-              <a:latin typeface="Times New Roman" panose="02020603050405020304" pitchFamily="18" charset="0"/>
-              <a:cs typeface="Times New Roman" panose="02020603050405020304" pitchFamily="18" charset="0"/>
-            </a:endParaRPr>
-          </a:p>
-        </p:txBody>
-      </p:sp>
+        </p:txBody>
+      </p:sp>
+      <p:pic>
+        <p:nvPicPr>
+          <p:cNvPr id="8" name="Content Placeholder 7" descr="A graph of network load data&#10;&#10;AI-generated content may be incorrect.">
+            <a:extLst>
+              <a:ext uri="{FF2B5EF4-FFF2-40B4-BE49-F238E27FC236}">
+                <a16:creationId xmlns:a16="http://schemas.microsoft.com/office/drawing/2014/main" id="{E7DD460F-B59A-C54D-A1DB-D372C2678268}"/>
+              </a:ext>
+            </a:extLst>
+          </p:cNvPr>
+          <p:cNvPicPr>
+            <a:picLocks noGrp="1" noChangeAspect="1"/>
+          </p:cNvPicPr>
+          <p:nvPr>
+            <p:ph sz="half" idx="2"/>
+          </p:nvPr>
+        </p:nvPicPr>
+        <p:blipFill>
+          <a:blip r:embed="rId3">
+            <a:extLst>
+              <a:ext uri="{28A0092B-C50C-407E-A947-70E740481C1C}">
+                <a14:useLocalDpi xmlns:a14="http://schemas.microsoft.com/office/drawing/2010/main" val="0"/>
+              </a:ext>
+            </a:extLst>
+          </a:blip>
+          <a:stretch>
+            <a:fillRect/>
+          </a:stretch>
+        </p:blipFill>
+        <p:spPr>
+          <a:xfrm>
+            <a:off x="7191375" y="2814727"/>
+            <a:ext cx="4313238" cy="2400121"/>
+          </a:xfrm>
+        </p:spPr>
+      </p:pic>
       <p:pic>
         <p:nvPicPr>
           <p:cNvPr id="4" name="Picture 3">
             <a:extLst>
               <a:ext uri="{FF2B5EF4-FFF2-40B4-BE49-F238E27FC236}">
                 <a16:creationId xmlns:a16="http://schemas.microsoft.com/office/drawing/2014/main" id="{8583669D-C47B-0D17-44A7-ACE63230C208}"/>
+              </a:ext>
+            </a:extLst>
+          </p:cNvPr>
+          <p:cNvPicPr/>
+          <p:nvPr/>
+        </p:nvPicPr>
+        <p:blipFill>
+          <a:blip r:embed="rId4">
+            <a:extLst>
+              <a:ext uri="{BEBA8EAE-BF5A-486C-A8C5-ECC9F3942E4B}">
+                <a14:imgProps xmlns:a14="http://schemas.microsoft.com/office/drawing/2010/main">
+                  <a14:imgLayer r:embed="rId5">
+                    <a14:imgEffect>
+                      <a14:sharpenSoften amount="25000"/>
+                    </a14:imgEffect>
+                  </a14:imgLayer>
+                </a14:imgProps>
+              </a:ext>
+            </a:extLst>
+          </a:blip>
+          <a:stretch>
+            <a:fillRect/>
+          </a:stretch>
+        </p:blipFill>
+        <p:spPr>
+          <a:xfrm>
+            <a:off x="9854048" y="172261"/>
+            <a:ext cx="2016370" cy="1062110"/>
+          </a:xfrm>
+          <a:prstGeom prst="rect">
+            <a:avLst/>
+          </a:prstGeom>
+          <a:effectLst/>
+        </p:spPr>
+      </p:pic>
+      <p:sp>
+        <p:nvSpPr>
+          <p:cNvPr id="5" name="TextBox 4">
+            <a:extLst>
+              <a:ext uri="{FF2B5EF4-FFF2-40B4-BE49-F238E27FC236}">
+                <a16:creationId xmlns:a16="http://schemas.microsoft.com/office/drawing/2014/main" id="{6A454B86-E5E1-0AC9-8CE2-93B14EEA55FA}"/>
+              </a:ext>
+            </a:extLst>
+          </p:cNvPr>
+          <p:cNvSpPr txBox="1"/>
+          <p:nvPr/>
+        </p:nvSpPr>
+        <p:spPr>
+          <a:xfrm>
+            <a:off x="79217" y="6503580"/>
+            <a:ext cx="8005527" cy="246221"/>
+          </a:xfrm>
+          <a:prstGeom prst="rect">
+            <a:avLst/>
+          </a:prstGeom>
+          <a:noFill/>
+        </p:spPr>
+        <p:txBody>
+          <a:bodyPr wrap="square">
+            <a:spAutoFit/>
+          </a:bodyPr>
+          <a:lstStyle/>
+          <a:p>
+            <a:pPr>
+              <a:spcAft>
+                <a:spcPts val="600"/>
+              </a:spcAft>
+            </a:pPr>
+            <a:r>
+              <a:rPr lang="en" sz="1000" dirty="0">
+                <a:latin typeface="Times New Roman" panose="02020603050405020304" pitchFamily="18" charset="0"/>
+                <a:cs typeface="Times New Roman" panose="02020603050405020304" pitchFamily="18" charset="0"/>
+                <a:sym typeface="Lato"/>
+              </a:rPr>
+              <a:t>M.Eng. Information Technology WS24-25/ </a:t>
+            </a:r>
+            <a:r>
+              <a:rPr lang="en-US" sz="1000" dirty="0">
+                <a:latin typeface="Times New Roman" panose="02020603050405020304" pitchFamily="18" charset="0"/>
+                <a:cs typeface="Times New Roman" panose="02020603050405020304" pitchFamily="18" charset="0"/>
+              </a:rPr>
+              <a:t>Damir </a:t>
+            </a:r>
+            <a:r>
+              <a:rPr lang="en-US" sz="1000" dirty="0" err="1">
+                <a:latin typeface="Times New Roman" panose="02020603050405020304" pitchFamily="18" charset="0"/>
+                <a:cs typeface="Times New Roman" panose="02020603050405020304" pitchFamily="18" charset="0"/>
+              </a:rPr>
+              <a:t>Dobric</a:t>
+            </a:r>
+            <a:r>
+              <a:rPr lang="en-US" sz="1000" dirty="0">
+                <a:latin typeface="Times New Roman" panose="02020603050405020304" pitchFamily="18" charset="0"/>
+                <a:cs typeface="Times New Roman" panose="02020603050405020304" pitchFamily="18" charset="0"/>
+              </a:rPr>
+              <a:t> &amp; Andreas Pech</a:t>
+            </a:r>
+            <a:r>
+              <a:rPr lang="en" sz="1000" dirty="0">
+                <a:latin typeface="Times New Roman" panose="02020603050405020304" pitchFamily="18" charset="0"/>
+                <a:cs typeface="Times New Roman" panose="02020603050405020304" pitchFamily="18" charset="0"/>
+                <a:sym typeface="Lato"/>
+              </a:rPr>
+              <a:t>/ </a:t>
+            </a:r>
+            <a:r>
+              <a:rPr lang="en-US" sz="1000" dirty="0">
+                <a:latin typeface="Times New Roman" panose="02020603050405020304" pitchFamily="18" charset="0"/>
+                <a:cs typeface="Times New Roman" panose="02020603050405020304" pitchFamily="18" charset="0"/>
+              </a:rPr>
+              <a:t>Module Software Engineering</a:t>
+            </a:r>
+          </a:p>
+        </p:txBody>
+      </p:sp>
+    </p:spTree>
+    <p:extLst>
+      <p:ext uri="{BB962C8B-B14F-4D97-AF65-F5344CB8AC3E}">
+        <p14:creationId xmlns:p14="http://schemas.microsoft.com/office/powerpoint/2010/main" val="4287706352"/>
+      </p:ext>
+    </p:extLst>
+  </p:cSld>
+  <p:clrMapOvr>
+    <a:masterClrMapping/>
+  </p:clrMapOvr>
+</p:sld>
+</file>
+
+<file path=ppt/slides/slide9.xml><?xml version="1.0" encoding="utf-8"?>
+<p:sld xmlns:a="http://schemas.openxmlformats.org/drawingml/2006/main" xmlns:r="http://schemas.openxmlformats.org/officeDocument/2006/relationships" xmlns:p="http://schemas.openxmlformats.org/presentationml/2006/main">
+  <p:cSld>
+    <p:spTree>
+      <p:nvGrpSpPr>
+        <p:cNvPr id="1" name="">
+          <a:extLst>
+            <a:ext uri="{FF2B5EF4-FFF2-40B4-BE49-F238E27FC236}">
+              <a16:creationId xmlns:a16="http://schemas.microsoft.com/office/drawing/2014/main" id="{83219922-DF7D-D3B6-63B5-194A752F0191}"/>
+            </a:ext>
+          </a:extLst>
+        </p:cNvPr>
+        <p:cNvGrpSpPr/>
+        <p:nvPr/>
+      </p:nvGrpSpPr>
+      <p:grpSpPr>
+        <a:xfrm>
+          <a:off x="0" y="0"/>
+          <a:ext cx="0" cy="0"/>
+          <a:chOff x="0" y="0"/>
+          <a:chExt cx="0" cy="0"/>
+        </a:xfrm>
+      </p:grpSpPr>
+      <p:sp>
+        <p:nvSpPr>
+          <p:cNvPr id="2" name="Title 1">
+            <a:extLst>
+              <a:ext uri="{FF2B5EF4-FFF2-40B4-BE49-F238E27FC236}">
+                <a16:creationId xmlns:a16="http://schemas.microsoft.com/office/drawing/2014/main" id="{0D6A6E8A-7717-9BB8-52CC-509A2EEE3AF6}"/>
+              </a:ext>
+            </a:extLst>
+          </p:cNvPr>
+          <p:cNvSpPr>
+            <a:spLocks noGrp="1"/>
+          </p:cNvSpPr>
+          <p:nvPr>
+            <p:ph type="title"/>
+          </p:nvPr>
+        </p:nvSpPr>
+        <p:spPr/>
+        <p:txBody>
+          <a:bodyPr/>
+          <a:lstStyle/>
+          <a:p>
+            <a:pPr algn="ctr"/>
+            <a:r>
+              <a:rPr lang="en-US" sz="3200" b="1" dirty="0">
+                <a:latin typeface="Times New Roman" panose="02020603050405020304" pitchFamily="18" charset="0"/>
+                <a:cs typeface="Times New Roman" panose="02020603050405020304" pitchFamily="18" charset="0"/>
+              </a:rPr>
+              <a:t>Result</a:t>
+            </a:r>
+            <a:br>
+              <a:rPr lang="en-US" sz="3600" b="1" dirty="0">
+                <a:latin typeface="Times New Roman" panose="02020603050405020304" pitchFamily="18" charset="0"/>
+                <a:cs typeface="Times New Roman" panose="02020603050405020304" pitchFamily="18" charset="0"/>
+              </a:rPr>
+            </a:br>
+            <a:endParaRPr lang="en-DE" dirty="0"/>
+          </a:p>
+        </p:txBody>
+      </p:sp>
+      <p:sp>
+        <p:nvSpPr>
+          <p:cNvPr id="3" name="Content Placeholder 2">
+            <a:extLst>
+              <a:ext uri="{FF2B5EF4-FFF2-40B4-BE49-F238E27FC236}">
+                <a16:creationId xmlns:a16="http://schemas.microsoft.com/office/drawing/2014/main" id="{F9E916D1-1625-6F27-3160-9CBBAEE2EBEC}"/>
+              </a:ext>
+            </a:extLst>
+          </p:cNvPr>
+          <p:cNvSpPr>
+            <a:spLocks noGrp="1"/>
+          </p:cNvSpPr>
+          <p:nvPr>
+            <p:ph idx="1"/>
+          </p:nvPr>
+        </p:nvSpPr>
+        <p:spPr>
+          <a:xfrm>
+            <a:off x="2592924" y="1563624"/>
+            <a:ext cx="9029100" cy="4791456"/>
+          </a:xfrm>
+        </p:spPr>
+        <p:txBody>
+          <a:bodyPr>
+            <a:normAutofit fontScale="70000" lnSpcReduction="20000"/>
+          </a:bodyPr>
+          <a:lstStyle/>
+          <a:p>
+            <a:pPr lvl="0" algn="ctr" fontAlgn="base">
+              <a:buFont typeface="Wingdings" panose="05000000000000000000" pitchFamily="2" charset="2"/>
+              <a:buChar char="§"/>
+            </a:pPr>
+            <a:r>
+              <a:rPr lang="en-US" dirty="0">
+                <a:latin typeface="Times New Roman" panose="02020603050405020304" pitchFamily="18" charset="0"/>
+                <a:cs typeface="Times New Roman" panose="02020603050405020304" pitchFamily="18" charset="0"/>
+              </a:rPr>
+              <a:t>Average FNR of the experiment: 0.19</a:t>
+            </a:r>
+          </a:p>
+          <a:p>
+            <a:pPr algn="ctr" fontAlgn="base">
+              <a:buFont typeface="Wingdings" panose="05000000000000000000" pitchFamily="2" charset="2"/>
+              <a:buChar char="§"/>
+            </a:pPr>
+            <a:r>
+              <a:rPr lang="en-US" dirty="0">
+                <a:latin typeface="Times New Roman" panose="02020603050405020304" pitchFamily="18" charset="0"/>
+                <a:cs typeface="Times New Roman" panose="02020603050405020304" pitchFamily="18" charset="0"/>
+              </a:rPr>
+              <a:t>Average FPR of the experiment: 0.13</a:t>
+            </a:r>
+          </a:p>
+          <a:p>
+            <a:pPr marL="0" indent="0" algn="ctr" fontAlgn="base">
+              <a:buNone/>
+            </a:pPr>
+            <a:endParaRPr lang="en-US" dirty="0">
+              <a:latin typeface="Times New Roman" panose="02020603050405020304" pitchFamily="18" charset="0"/>
+              <a:cs typeface="Times New Roman" panose="02020603050405020304" pitchFamily="18" charset="0"/>
+            </a:endParaRPr>
+          </a:p>
+          <a:p>
+            <a:pPr marL="0" indent="0">
+              <a:buNone/>
+            </a:pPr>
+            <a:r>
+              <a:rPr lang="en-US" dirty="0">
+                <a:latin typeface="Times New Roman" panose="02020603050405020304" pitchFamily="18" charset="0"/>
+                <a:cs typeface="Times New Roman" panose="02020603050405020304" pitchFamily="18" charset="0"/>
+              </a:rPr>
+              <a:t>Testing the sequence for anomaly detection: 54, 55, 48, 52, 47, 16, 50, 49, 45.</a:t>
+            </a:r>
+          </a:p>
+          <a:p>
+            <a:pPr marL="0" indent="0">
+              <a:buNone/>
+            </a:pPr>
+            <a:r>
+              <a:rPr lang="en-US" dirty="0">
+                <a:latin typeface="Times New Roman" panose="02020603050405020304" pitchFamily="18" charset="0"/>
+                <a:cs typeface="Times New Roman" panose="02020603050405020304" pitchFamily="18" charset="0"/>
+              </a:rPr>
+              <a:t>First element in the testing sequence from input list: 54</a:t>
+            </a:r>
+          </a:p>
+          <a:p>
+            <a:pPr marL="0" indent="0">
+              <a:buNone/>
+            </a:pPr>
+            <a:r>
+              <a:rPr lang="en-US" dirty="0">
+                <a:latin typeface="Times New Roman" panose="02020603050405020304" pitchFamily="18" charset="0"/>
+                <a:cs typeface="Times New Roman" panose="02020603050405020304" pitchFamily="18" charset="0"/>
+              </a:rPr>
+              <a:t>No anomaly detected in the first element. HTM Engine found similarity to be: 62,79%. Starting check from beginning of the list.</a:t>
+            </a:r>
+          </a:p>
+          <a:p>
+            <a:pPr marL="0" indent="0">
+              <a:buNone/>
+            </a:pPr>
+            <a:r>
+              <a:rPr lang="en-US" dirty="0">
+                <a:latin typeface="Times New Roman" panose="02020603050405020304" pitchFamily="18" charset="0"/>
+                <a:cs typeface="Times New Roman" panose="02020603050405020304" pitchFamily="18" charset="0"/>
+              </a:rPr>
+              <a:t>Current element in the testing sequence from input list: 55</a:t>
+            </a:r>
+          </a:p>
+          <a:p>
+            <a:pPr marL="0" indent="0">
+              <a:buNone/>
+            </a:pPr>
+            <a:r>
+              <a:rPr lang="en-US" dirty="0">
+                <a:latin typeface="Times New Roman" panose="02020603050405020304" pitchFamily="18" charset="0"/>
+                <a:cs typeface="Times New Roman" panose="02020603050405020304" pitchFamily="18" charset="0"/>
+              </a:rPr>
+              <a:t>Anomaly not detected in the next element!! HTM Engine found similarity to be: 92,59%.</a:t>
+            </a:r>
+          </a:p>
+          <a:p>
+            <a:pPr marL="0" indent="0">
+              <a:buNone/>
+            </a:pPr>
+            <a:r>
+              <a:rPr lang="en-US" dirty="0">
+                <a:latin typeface="Times New Roman" panose="02020603050405020304" pitchFamily="18" charset="0"/>
+                <a:cs typeface="Times New Roman" panose="02020603050405020304" pitchFamily="18" charset="0"/>
+              </a:rPr>
+              <a:t>Current element in the testing sequence from input list: 52</a:t>
+            </a:r>
+          </a:p>
+          <a:p>
+            <a:pPr marL="0" indent="0">
+              <a:buNone/>
+            </a:pPr>
+            <a:r>
+              <a:rPr lang="en-US" dirty="0">
+                <a:latin typeface="Times New Roman" panose="02020603050405020304" pitchFamily="18" charset="0"/>
+                <a:cs typeface="Times New Roman" panose="02020603050405020304" pitchFamily="18" charset="0"/>
+              </a:rPr>
+              <a:t>****Anomaly detected**** in the next element. HTM Engine predicted it to be 97 with similarity: 100%, but the actual value is 47.</a:t>
+            </a:r>
+          </a:p>
+          <a:p>
+            <a:pPr marL="0" indent="0">
+              <a:buNone/>
+            </a:pPr>
+            <a:r>
+              <a:rPr lang="en-US" dirty="0">
+                <a:latin typeface="Times New Roman" panose="02020603050405020304" pitchFamily="18" charset="0"/>
+                <a:cs typeface="Times New Roman" panose="02020603050405020304" pitchFamily="18" charset="0"/>
+              </a:rPr>
+              <a:t>As anomaly was detected, so we are skipping to the next element in our testing sequence.</a:t>
+            </a:r>
+          </a:p>
+          <a:p>
+            <a:pPr marL="0" indent="0">
+              <a:buNone/>
+            </a:pPr>
+            <a:r>
+              <a:rPr lang="en-US" dirty="0">
+                <a:latin typeface="Times New Roman" panose="02020603050405020304" pitchFamily="18" charset="0"/>
+                <a:cs typeface="Times New Roman" panose="02020603050405020304" pitchFamily="18" charset="0"/>
+              </a:rPr>
+              <a:t>Current element in the testing sequence from input list: 16</a:t>
+            </a:r>
+          </a:p>
+          <a:p>
+            <a:pPr marL="0" indent="0">
+              <a:buNone/>
+            </a:pPr>
+            <a:r>
+              <a:rPr lang="en-US" dirty="0">
+                <a:latin typeface="Times New Roman" panose="02020603050405020304" pitchFamily="18" charset="0"/>
+                <a:cs typeface="Times New Roman" panose="02020603050405020304" pitchFamily="18" charset="0"/>
+              </a:rPr>
+              <a:t>Anomaly not detected in the next element!! HTM Engine found similarity to be: 100%.</a:t>
+            </a:r>
+          </a:p>
+          <a:p>
+            <a:pPr marL="0" indent="0">
+              <a:buNone/>
+            </a:pPr>
+            <a:r>
+              <a:rPr lang="en-US" dirty="0">
+                <a:latin typeface="Times New Roman" panose="02020603050405020304" pitchFamily="18" charset="0"/>
+                <a:cs typeface="Times New Roman" panose="02020603050405020304" pitchFamily="18" charset="0"/>
+              </a:rPr>
+              <a:t>Current element in the testing sequence from input list: 49</a:t>
+            </a:r>
+          </a:p>
+          <a:p>
+            <a:pPr marL="0" indent="0">
+              <a:buNone/>
+            </a:pPr>
+            <a:r>
+              <a:rPr lang="en-US" dirty="0">
+                <a:latin typeface="Times New Roman" panose="02020603050405020304" pitchFamily="18" charset="0"/>
+                <a:cs typeface="Times New Roman" panose="02020603050405020304" pitchFamily="18" charset="0"/>
+              </a:rPr>
+              <a:t>****Anomaly detected**** in the next element. HTM Engine predicted it to be 75 with similarity: 55,81%, but the actual value is 45.</a:t>
+            </a:r>
+          </a:p>
+          <a:p>
+            <a:pPr marL="0" indent="0">
+              <a:buNone/>
+            </a:pPr>
+            <a:endParaRPr lang="en-US" dirty="0">
+              <a:latin typeface="Times New Roman" panose="02020603050405020304" pitchFamily="18" charset="0"/>
+              <a:cs typeface="Times New Roman" panose="02020603050405020304" pitchFamily="18" charset="0"/>
+            </a:endParaRPr>
+          </a:p>
+          <a:p>
+            <a:pPr>
+              <a:buFont typeface="Wingdings" panose="05000000000000000000" pitchFamily="2" charset="2"/>
+              <a:buChar char="Ø"/>
+            </a:pPr>
+            <a:endParaRPr lang="en-US" dirty="0"/>
+          </a:p>
+          <a:p>
+            <a:pPr>
+              <a:buFont typeface="Wingdings" panose="05000000000000000000" pitchFamily="2" charset="2"/>
+              <a:buChar char="Ø"/>
+            </a:pPr>
+            <a:endParaRPr lang="en-US" dirty="0">
+              <a:latin typeface="Times New Roman" panose="02020603050405020304" pitchFamily="18" charset="0"/>
+              <a:cs typeface="Times New Roman" panose="02020603050405020304" pitchFamily="18" charset="0"/>
+            </a:endParaRPr>
+          </a:p>
+          <a:p>
+            <a:pPr>
+              <a:buFont typeface="Wingdings" panose="05000000000000000000" pitchFamily="2" charset="2"/>
+              <a:buChar char="q"/>
+            </a:pPr>
+            <a:endParaRPr lang="en-US" dirty="0">
+              <a:latin typeface="Times New Roman" panose="02020603050405020304" pitchFamily="18" charset="0"/>
+              <a:cs typeface="Times New Roman" panose="02020603050405020304" pitchFamily="18" charset="0"/>
+            </a:endParaRPr>
+          </a:p>
+        </p:txBody>
+      </p:sp>
+      <p:pic>
+        <p:nvPicPr>
+          <p:cNvPr id="4" name="Picture 3">
+            <a:extLst>
+              <a:ext uri="{FF2B5EF4-FFF2-40B4-BE49-F238E27FC236}">
+                <a16:creationId xmlns:a16="http://schemas.microsoft.com/office/drawing/2014/main" id="{DB7A096E-A6DE-B0E2-721B-D6F7AC1579E8}"/>
               </a:ext>
             </a:extLst>
           </p:cNvPr>
@@ -11393,7 +15139,7 @@
           <p:cNvPr id="5" name="TextBox 4">
             <a:extLst>
               <a:ext uri="{FF2B5EF4-FFF2-40B4-BE49-F238E27FC236}">
-                <a16:creationId xmlns:a16="http://schemas.microsoft.com/office/drawing/2014/main" id="{6A454B86-E5E1-0AC9-8CE2-93B14EEA55FA}"/>
+                <a16:creationId xmlns:a16="http://schemas.microsoft.com/office/drawing/2014/main" id="{FA0F8425-A381-091A-CCC9-8015339649AD}"/>
               </a:ext>
             </a:extLst>
           </p:cNvPr>
@@ -11471,7 +15217,7 @@
     </p:spTree>
     <p:extLst>
       <p:ext uri="{BB962C8B-B14F-4D97-AF65-F5344CB8AC3E}">
-        <p14:creationId xmlns:p14="http://schemas.microsoft.com/office/powerpoint/2010/main" val="4287706352"/>
+        <p14:creationId xmlns:p14="http://schemas.microsoft.com/office/powerpoint/2010/main" val="2647171929"/>
       </p:ext>
     </p:extLst>
   </p:cSld>

--- a/source/MySEProject/Documentation/PresentationFile_CodeHive.pptx
+++ b/source/MySEProject/Documentation/PresentationFile_CodeHive.pptx
@@ -211,7 +211,7 @@
           <a:p>
             <a:fld id="{6226A24B-1990-4368-81D8-801BBEE04B46}" type="datetimeFigureOut">
               <a:rPr lang="en-US" smtClean="0"/>
-              <a:t>3/29/2025</a:t>
+              <a:t>3/30/2025</a:t>
             </a:fld>
             <a:endParaRPr lang="en-US"/>
           </a:p>
@@ -2262,7 +2262,7 @@
           <a:p>
             <a:fld id="{BC963854-0500-4533-9B56-A93F0BB014C2}" type="datetimeFigureOut">
               <a:rPr lang="en-US" smtClean="0"/>
-              <a:t>3/29/2025</a:t>
+              <a:t>3/30/2025</a:t>
             </a:fld>
             <a:endParaRPr lang="en-US"/>
           </a:p>
@@ -2600,7 +2600,7 @@
           <a:p>
             <a:fld id="{BC963854-0500-4533-9B56-A93F0BB014C2}" type="datetimeFigureOut">
               <a:rPr lang="en-US" smtClean="0"/>
-              <a:t>3/29/2025</a:t>
+              <a:t>3/30/2025</a:t>
             </a:fld>
             <a:endParaRPr lang="en-US"/>
           </a:p>
@@ -3001,7 +3001,7 @@
           <a:p>
             <a:fld id="{BC963854-0500-4533-9B56-A93F0BB014C2}" type="datetimeFigureOut">
               <a:rPr lang="en-US" smtClean="0"/>
-              <a:t>3/29/2025</a:t>
+              <a:t>3/30/2025</a:t>
             </a:fld>
             <a:endParaRPr lang="en-US"/>
           </a:p>
@@ -3337,7 +3337,7 @@
           <a:p>
             <a:fld id="{BC963854-0500-4533-9B56-A93F0BB014C2}" type="datetimeFigureOut">
               <a:rPr lang="en-US" smtClean="0"/>
-              <a:t>3/29/2025</a:t>
+              <a:t>3/30/2025</a:t>
             </a:fld>
             <a:endParaRPr lang="en-US"/>
           </a:p>
@@ -3657,7 +3657,7 @@
           <a:p>
             <a:fld id="{BC963854-0500-4533-9B56-A93F0BB014C2}" type="datetimeFigureOut">
               <a:rPr lang="en-US" smtClean="0"/>
-              <a:t>3/29/2025</a:t>
+              <a:t>3/30/2025</a:t>
             </a:fld>
             <a:endParaRPr lang="en-US"/>
           </a:p>
@@ -4053,7 +4053,7 @@
           <a:p>
             <a:fld id="{BC963854-0500-4533-9B56-A93F0BB014C2}" type="datetimeFigureOut">
               <a:rPr lang="en-US" smtClean="0"/>
-              <a:t>3/29/2025</a:t>
+              <a:t>3/30/2025</a:t>
             </a:fld>
             <a:endParaRPr lang="en-US"/>
           </a:p>
@@ -4310,7 +4310,7 @@
           <a:p>
             <a:fld id="{BC963854-0500-4533-9B56-A93F0BB014C2}" type="datetimeFigureOut">
               <a:rPr lang="en-US" smtClean="0"/>
-              <a:t>3/29/2025</a:t>
+              <a:t>3/30/2025</a:t>
             </a:fld>
             <a:endParaRPr lang="en-US"/>
           </a:p>
@@ -4572,7 +4572,7 @@
           <a:p>
             <a:fld id="{BC963854-0500-4533-9B56-A93F0BB014C2}" type="datetimeFigureOut">
               <a:rPr lang="en-US" smtClean="0"/>
-              <a:t>3/29/2025</a:t>
+              <a:t>3/30/2025</a:t>
             </a:fld>
             <a:endParaRPr lang="en-US"/>
           </a:p>
@@ -4834,7 +4834,7 @@
           <a:p>
             <a:fld id="{BC963854-0500-4533-9B56-A93F0BB014C2}" type="datetimeFigureOut">
               <a:rPr lang="en-US" smtClean="0"/>
-              <a:t>3/29/2025</a:t>
+              <a:t>3/30/2025</a:t>
             </a:fld>
             <a:endParaRPr lang="en-US"/>
           </a:p>
@@ -5163,7 +5163,7 @@
           <a:p>
             <a:fld id="{BC963854-0500-4533-9B56-A93F0BB014C2}" type="datetimeFigureOut">
               <a:rPr lang="en-US" smtClean="0"/>
-              <a:t>3/29/2025</a:t>
+              <a:t>3/30/2025</a:t>
             </a:fld>
             <a:endParaRPr lang="en-US"/>
           </a:p>
@@ -5486,7 +5486,7 @@
           <a:p>
             <a:fld id="{BC963854-0500-4533-9B56-A93F0BB014C2}" type="datetimeFigureOut">
               <a:rPr lang="en-US" smtClean="0"/>
-              <a:t>3/29/2025</a:t>
+              <a:t>3/30/2025</a:t>
             </a:fld>
             <a:endParaRPr lang="en-US"/>
           </a:p>
@@ -5943,7 +5943,7 @@
           <a:p>
             <a:fld id="{BC963854-0500-4533-9B56-A93F0BB014C2}" type="datetimeFigureOut">
               <a:rPr lang="en-US" smtClean="0"/>
-              <a:t>3/29/2025</a:t>
+              <a:t>3/30/2025</a:t>
             </a:fld>
             <a:endParaRPr lang="en-US"/>
           </a:p>
@@ -6148,7 +6148,7 @@
           <a:p>
             <a:fld id="{BC963854-0500-4533-9B56-A93F0BB014C2}" type="datetimeFigureOut">
               <a:rPr lang="en-US" smtClean="0"/>
-              <a:t>3/29/2025</a:t>
+              <a:t>3/30/2025</a:t>
             </a:fld>
             <a:endParaRPr lang="en-US"/>
           </a:p>
@@ -6325,7 +6325,7 @@
           <a:p>
             <a:fld id="{BC963854-0500-4533-9B56-A93F0BB014C2}" type="datetimeFigureOut">
               <a:rPr lang="en-US" smtClean="0"/>
-              <a:t>3/29/2025</a:t>
+              <a:t>3/30/2025</a:t>
             </a:fld>
             <a:endParaRPr lang="en-US"/>
           </a:p>
@@ -6658,7 +6658,7 @@
           <a:p>
             <a:fld id="{BC963854-0500-4533-9B56-A93F0BB014C2}" type="datetimeFigureOut">
               <a:rPr lang="en-US" smtClean="0"/>
-              <a:t>3/29/2025</a:t>
+              <a:t>3/30/2025</a:t>
             </a:fld>
             <a:endParaRPr lang="en-US"/>
           </a:p>
@@ -7003,7 +7003,7 @@
           <a:p>
             <a:fld id="{BC963854-0500-4533-9B56-A93F0BB014C2}" type="datetimeFigureOut">
               <a:rPr lang="en-US" smtClean="0"/>
-              <a:t>3/29/2025</a:t>
+              <a:t>3/30/2025</a:t>
             </a:fld>
             <a:endParaRPr lang="en-US"/>
           </a:p>
@@ -9120,7 +9120,7 @@
           <a:p>
             <a:fld id="{BC963854-0500-4533-9B56-A93F0BB014C2}" type="datetimeFigureOut">
               <a:rPr lang="en-US" smtClean="0"/>
-              <a:t>3/29/2025</a:t>
+              <a:t>3/30/2025</a:t>
             </a:fld>
             <a:endParaRPr lang="en-US"/>
           </a:p>
@@ -9782,8 +9782,19 @@
                 <a:latin typeface="Times New Roman" panose="02020603050405020304" pitchFamily="18" charset="0"/>
                 <a:cs typeface="Times New Roman" panose="02020603050405020304" pitchFamily="18" charset="0"/>
               </a:rPr>
-              <a:t>Matriculation Number: 1393169                               Matriculation Number: 1415765               </a:t>
-            </a:r>
+              <a:t>Matriculation Number: 1393169                               Matriculation Number</a:t>
+            </a:r>
+            <a:r>
+              <a:rPr lang="en-US" sz="2000" b="1">
+                <a:latin typeface="Times New Roman" panose="02020603050405020304" pitchFamily="18" charset="0"/>
+                <a:cs typeface="Times New Roman" panose="02020603050405020304" pitchFamily="18" charset="0"/>
+              </a:rPr>
+              <a:t>: 1428128               </a:t>
+            </a:r>
+            <a:endParaRPr lang="en-US" sz="2000" b="1" dirty="0">
+              <a:latin typeface="Times New Roman" panose="02020603050405020304" pitchFamily="18" charset="0"/>
+              <a:cs typeface="Times New Roman" panose="02020603050405020304" pitchFamily="18" charset="0"/>
+            </a:endParaRPr>
           </a:p>
           <a:p>
             <a:pPr marL="0" indent="0">
